--- a/Documentation/Figures/Șablon.pptx
+++ b/Documentation/Figures/Șablon.pptx
@@ -5,7 +5,7 @@
     <p:sldMasterId id="2147483648" r:id="rId1"/>
   </p:sldMasterIdLst>
   <p:sldIdLst>
-    <p:sldId id="258" r:id="rId2"/>
+    <p:sldId id="259" r:id="rId2"/>
   </p:sldIdLst>
   <p:sldSz cx="12192000" cy="6858000"/>
   <p:notesSz cx="6858000" cy="9144000"/>
@@ -863,7 +863,7 @@
 <dgm:dataModel xmlns:dgm="http://schemas.openxmlformats.org/drawingml/2006/diagram" xmlns:a="http://schemas.openxmlformats.org/drawingml/2006/main">
   <dgm:ptLst>
     <dgm:pt modelId="{A3948582-E41B-4E64-96CC-A7B8352B50FD}" type="doc">
-      <dgm:prSet loTypeId="urn:microsoft.com/office/officeart/2005/8/layout/orgChart1" loCatId="hierarchy" qsTypeId="urn:microsoft.com/office/officeart/2005/8/quickstyle/simple1" qsCatId="simple" csTypeId="urn:microsoft.com/office/officeart/2005/8/colors/accent1_2" csCatId="accent1" phldr="1"/>
+      <dgm:prSet loTypeId="urn:microsoft.com/office/officeart/2005/8/layout/hierarchy6" loCatId="hierarchy" qsTypeId="urn:microsoft.com/office/officeart/2005/8/quickstyle/simple1" qsCatId="simple" csTypeId="urn:microsoft.com/office/officeart/2005/8/colors/accent1_2" csCatId="accent1" phldr="1"/>
       <dgm:spPr/>
       <dgm:t>
         <a:bodyPr/>
@@ -1000,8 +1000,8 @@
             <a:t>Dispozitiv </a:t>
           </a:r>
           <a:r>
-            <a:rPr lang="en-US" dirty="0" smtClean="0"/>
-            <a:t>…</a:t>
+            <a:rPr lang="ro-RO" dirty="0" smtClean="0"/>
+            <a:t>2</a:t>
           </a:r>
           <a:endParaRPr lang="en-US" dirty="0"/>
         </a:p>
@@ -1046,7 +1046,7 @@
           </a:r>
           <a:r>
             <a:rPr lang="ro-RO" dirty="0" smtClean="0"/>
-            <a:t>2</a:t>
+            <a:t>...</a:t>
           </a:r>
           <a:endParaRPr lang="en-US" dirty="0"/>
         </a:p>
@@ -1074,15 +1074,14 @@
         </a:p>
       </dgm:t>
     </dgm:pt>
-    <dgm:pt modelId="{535FC5FB-8BA4-45B0-89E4-EB70B054278E}" type="pres">
-      <dgm:prSet presAssocID="{A3948582-E41B-4E64-96CC-A7B8352B50FD}" presName="hierChild1" presStyleCnt="0">
+    <dgm:pt modelId="{34A782E1-AFD9-4879-8F28-FD40976DEF5C}" type="pres">
+      <dgm:prSet presAssocID="{A3948582-E41B-4E64-96CC-A7B8352B50FD}" presName="mainComposite" presStyleCnt="0">
         <dgm:presLayoutVars>
-          <dgm:orgChart val="1"/>
           <dgm:chPref val="1"/>
           <dgm:dir/>
           <dgm:animOne val="branch"/>
           <dgm:animLvl val="lvl"/>
-          <dgm:resizeHandles/>
+          <dgm:resizeHandles val="exact"/>
         </dgm:presLayoutVars>
       </dgm:prSet>
       <dgm:spPr/>
@@ -1094,20 +1093,26 @@
         </a:p>
       </dgm:t>
     </dgm:pt>
-    <dgm:pt modelId="{D7FECC07-8DC2-4680-A1A4-E596B0EEC824}" type="pres">
-      <dgm:prSet presAssocID="{CE3A7A2B-0120-4596-8CB3-B686980D22EA}" presName="hierRoot1" presStyleCnt="0">
+    <dgm:pt modelId="{23DD04AF-9014-4775-8943-662D040C6072}" type="pres">
+      <dgm:prSet presAssocID="{A3948582-E41B-4E64-96CC-A7B8352B50FD}" presName="hierFlow" presStyleCnt="0"/>
+      <dgm:spPr/>
+    </dgm:pt>
+    <dgm:pt modelId="{2DDC3670-F275-47DC-83E2-1F7471C2ACC3}" type="pres">
+      <dgm:prSet presAssocID="{A3948582-E41B-4E64-96CC-A7B8352B50FD}" presName="hierChild1" presStyleCnt="0">
         <dgm:presLayoutVars>
-          <dgm:hierBranch val="init"/>
+          <dgm:chPref val="1"/>
+          <dgm:animOne val="branch"/>
+          <dgm:animLvl val="lvl"/>
         </dgm:presLayoutVars>
       </dgm:prSet>
       <dgm:spPr/>
     </dgm:pt>
-    <dgm:pt modelId="{9AC9AF78-BF15-44AD-99E2-A3BB22517442}" type="pres">
-      <dgm:prSet presAssocID="{CE3A7A2B-0120-4596-8CB3-B686980D22EA}" presName="rootComposite1" presStyleCnt="0"/>
+    <dgm:pt modelId="{6710931F-E719-46E6-A357-D18D0D5670D3}" type="pres">
+      <dgm:prSet presAssocID="{CE3A7A2B-0120-4596-8CB3-B686980D22EA}" presName="Name14" presStyleCnt="0"/>
       <dgm:spPr/>
     </dgm:pt>
-    <dgm:pt modelId="{CF4B8774-C764-4EEA-966F-C6835E2F7AF1}" type="pres">
-      <dgm:prSet presAssocID="{CE3A7A2B-0120-4596-8CB3-B686980D22EA}" presName="rootText1" presStyleLbl="node0" presStyleIdx="0" presStyleCnt="1" custLinFactNeighborX="-50439" custLinFactNeighborY="16631">
+    <dgm:pt modelId="{0EBCFE24-6A1E-417D-87CE-35AF58869832}" type="pres">
+      <dgm:prSet presAssocID="{CE3A7A2B-0120-4596-8CB3-B686980D22EA}" presName="level1Shape" presStyleLbl="node0" presStyleIdx="0" presStyleCnt="1">
         <dgm:presLayoutVars>
           <dgm:chPref val="3"/>
         </dgm:presLayoutVars>
@@ -1121,8 +1126,12 @@
         </a:p>
       </dgm:t>
     </dgm:pt>
-    <dgm:pt modelId="{1D394366-FF6E-441C-BFAA-9688D8336BE9}" type="pres">
-      <dgm:prSet presAssocID="{CE3A7A2B-0120-4596-8CB3-B686980D22EA}" presName="rootConnector1" presStyleLbl="node1" presStyleIdx="0" presStyleCnt="0"/>
+    <dgm:pt modelId="{2997A73F-3005-429C-AE38-27DA9ECE5911}" type="pres">
+      <dgm:prSet presAssocID="{CE3A7A2B-0120-4596-8CB3-B686980D22EA}" presName="hierChild2" presStyleCnt="0"/>
+      <dgm:spPr/>
+    </dgm:pt>
+    <dgm:pt modelId="{1AA2EE3E-A9B5-4A09-AC15-11E53F7E90D0}" type="pres">
+      <dgm:prSet presAssocID="{1512B27A-390D-4709-8629-FCA8BEDE4660}" presName="Name19" presStyleLbl="parChTrans1D2" presStyleIdx="0" presStyleCnt="1"/>
       <dgm:spPr/>
       <dgm:t>
         <a:bodyPr/>
@@ -1132,16 +1141,12 @@
         </a:p>
       </dgm:t>
     </dgm:pt>
-    <dgm:pt modelId="{D6E6E70E-BCD1-46B9-93E8-D25B4727A969}" type="pres">
-      <dgm:prSet presAssocID="{CE3A7A2B-0120-4596-8CB3-B686980D22EA}" presName="hierChild2" presStyleCnt="0"/>
+    <dgm:pt modelId="{56BFD2DC-0FCB-47CF-B324-930B12D99E8E}" type="pres">
+      <dgm:prSet presAssocID="{2F5A44C0-791D-41F6-AE89-A8AF91720298}" presName="Name21" presStyleCnt="0"/>
       <dgm:spPr/>
     </dgm:pt>
-    <dgm:pt modelId="{ECC6D552-1F3C-47EB-BF12-2EEF88EAC7EF}" type="pres">
-      <dgm:prSet presAssocID="{CE3A7A2B-0120-4596-8CB3-B686980D22EA}" presName="hierChild3" presStyleCnt="0"/>
-      <dgm:spPr/>
-    </dgm:pt>
-    <dgm:pt modelId="{08DDCF76-1062-46CB-B301-71F194ADA367}" type="pres">
-      <dgm:prSet presAssocID="{1512B27A-390D-4709-8629-FCA8BEDE4660}" presName="Name111" presStyleLbl="parChTrans1D2" presStyleIdx="0" presStyleCnt="1"/>
+    <dgm:pt modelId="{924D7767-3779-4E75-A9D1-B6EF723A406B}" type="pres">
+      <dgm:prSet presAssocID="{2F5A44C0-791D-41F6-AE89-A8AF91720298}" presName="level2Shape" presStyleLbl="asst1" presStyleIdx="0" presStyleCnt="1"/>
       <dgm:spPr/>
       <dgm:t>
         <a:bodyPr/>
@@ -1151,24 +1156,12 @@
         </a:p>
       </dgm:t>
     </dgm:pt>
-    <dgm:pt modelId="{2E6A63EE-EB06-409A-BF02-9F71B9ED13BC}" type="pres">
-      <dgm:prSet presAssocID="{2F5A44C0-791D-41F6-AE89-A8AF91720298}" presName="hierRoot3" presStyleCnt="0">
-        <dgm:presLayoutVars>
-          <dgm:hierBranch val="init"/>
-        </dgm:presLayoutVars>
-      </dgm:prSet>
+    <dgm:pt modelId="{B46D0E8E-8CE8-4F6D-B286-24BCA20A3F59}" type="pres">
+      <dgm:prSet presAssocID="{2F5A44C0-791D-41F6-AE89-A8AF91720298}" presName="hierChild3" presStyleCnt="0"/>
       <dgm:spPr/>
     </dgm:pt>
-    <dgm:pt modelId="{6F5B9832-6467-4879-82A2-BDEFE98B890C}" type="pres">
-      <dgm:prSet presAssocID="{2F5A44C0-791D-41F6-AE89-A8AF91720298}" presName="rootComposite3" presStyleCnt="0"/>
-      <dgm:spPr/>
-    </dgm:pt>
-    <dgm:pt modelId="{9051C5BE-352D-4657-A22D-E3B1D7DB7B34}" type="pres">
-      <dgm:prSet presAssocID="{2F5A44C0-791D-41F6-AE89-A8AF91720298}" presName="rootText3" presStyleLbl="asst1" presStyleIdx="0" presStyleCnt="1" custLinFactNeighborX="75317" custLinFactNeighborY="75390">
-        <dgm:presLayoutVars>
-          <dgm:chPref val="3"/>
-        </dgm:presLayoutVars>
-      </dgm:prSet>
+    <dgm:pt modelId="{D963691C-3642-4A13-9D4B-615A02507769}" type="pres">
+      <dgm:prSet presAssocID="{20707547-4CCB-4CCC-A7B6-76B2B1A97837}" presName="Name19" presStyleLbl="parChTrans1D3" presStyleIdx="0" presStyleCnt="3"/>
       <dgm:spPr/>
       <dgm:t>
         <a:bodyPr/>
@@ -1178,8 +1171,12 @@
         </a:p>
       </dgm:t>
     </dgm:pt>
-    <dgm:pt modelId="{E0B17CD6-A955-4AAC-B191-6D03D9DE8849}" type="pres">
-      <dgm:prSet presAssocID="{2F5A44C0-791D-41F6-AE89-A8AF91720298}" presName="rootConnector3" presStyleLbl="asst1" presStyleIdx="0" presStyleCnt="1"/>
+    <dgm:pt modelId="{9DDE8466-7BF0-4BDB-A505-62D45F2E1CD8}" type="pres">
+      <dgm:prSet presAssocID="{BB8C4245-B896-463C-9F6D-6089A25906F7}" presName="Name21" presStyleCnt="0"/>
+      <dgm:spPr/>
+    </dgm:pt>
+    <dgm:pt modelId="{9310C464-F17A-4EE5-9628-6BEBE30D390D}" type="pres">
+      <dgm:prSet presAssocID="{BB8C4245-B896-463C-9F6D-6089A25906F7}" presName="level2Shape" presStyleLbl="node3" presStyleIdx="0" presStyleCnt="3"/>
       <dgm:spPr/>
       <dgm:t>
         <a:bodyPr/>
@@ -1189,12 +1186,12 @@
         </a:p>
       </dgm:t>
     </dgm:pt>
-    <dgm:pt modelId="{30EE7A90-9D5D-4AA1-BE6C-B04485C90CC4}" type="pres">
-      <dgm:prSet presAssocID="{2F5A44C0-791D-41F6-AE89-A8AF91720298}" presName="hierChild6" presStyleCnt="0"/>
+    <dgm:pt modelId="{E7564212-F97A-4529-902A-40C3C1439554}" type="pres">
+      <dgm:prSet presAssocID="{BB8C4245-B896-463C-9F6D-6089A25906F7}" presName="hierChild3" presStyleCnt="0"/>
       <dgm:spPr/>
     </dgm:pt>
-    <dgm:pt modelId="{049DB898-06D6-48A8-822D-57388DFB6131}" type="pres">
-      <dgm:prSet presAssocID="{20707547-4CCB-4CCC-A7B6-76B2B1A97837}" presName="Name37" presStyleLbl="parChTrans1D3" presStyleIdx="0" presStyleCnt="3"/>
+    <dgm:pt modelId="{A3A32269-1CAF-4DC2-B4D7-72FD83E37B5B}" type="pres">
+      <dgm:prSet presAssocID="{02CFAFD5-A585-4FF0-AD27-9E6537265522}" presName="Name19" presStyleLbl="parChTrans1D3" presStyleIdx="1" presStyleCnt="3"/>
       <dgm:spPr/>
       <dgm:t>
         <a:bodyPr/>
@@ -1204,24 +1201,12 @@
         </a:p>
       </dgm:t>
     </dgm:pt>
-    <dgm:pt modelId="{5DFAADE6-283F-4E17-AA19-4BF20AE7ED39}" type="pres">
-      <dgm:prSet presAssocID="{BB8C4245-B896-463C-9F6D-6089A25906F7}" presName="hierRoot2" presStyleCnt="0">
-        <dgm:presLayoutVars>
-          <dgm:hierBranch val="init"/>
-        </dgm:presLayoutVars>
-      </dgm:prSet>
+    <dgm:pt modelId="{B89971CC-77B6-43A3-BA02-4950F0446D79}" type="pres">
+      <dgm:prSet presAssocID="{8B05A671-0DE7-4C81-B7BE-EFEF4D8B285A}" presName="Name21" presStyleCnt="0"/>
       <dgm:spPr/>
     </dgm:pt>
-    <dgm:pt modelId="{349E658F-80C9-4E31-8904-201BAB5AAD9A}" type="pres">
-      <dgm:prSet presAssocID="{BB8C4245-B896-463C-9F6D-6089A25906F7}" presName="rootComposite" presStyleCnt="0"/>
-      <dgm:spPr/>
-    </dgm:pt>
-    <dgm:pt modelId="{F7D7C0DF-F2C8-47E7-BBB9-137B91F435B6}" type="pres">
-      <dgm:prSet presAssocID="{BB8C4245-B896-463C-9F6D-6089A25906F7}" presName="rootText" presStyleLbl="node3" presStyleIdx="0" presStyleCnt="3" custLinFactY="89815" custLinFactNeighborX="-59776" custLinFactNeighborY="100000">
-        <dgm:presLayoutVars>
-          <dgm:chPref val="3"/>
-        </dgm:presLayoutVars>
-      </dgm:prSet>
+    <dgm:pt modelId="{1956AAFF-10E4-4255-8BD5-2F66FE8CA411}" type="pres">
+      <dgm:prSet presAssocID="{8B05A671-0DE7-4C81-B7BE-EFEF4D8B285A}" presName="level2Shape" presStyleLbl="node3" presStyleIdx="1" presStyleCnt="3"/>
       <dgm:spPr/>
       <dgm:t>
         <a:bodyPr/>
@@ -1231,8 +1216,12 @@
         </a:p>
       </dgm:t>
     </dgm:pt>
-    <dgm:pt modelId="{3420E453-7C38-43F3-BBD9-1B76AE744FFF}" type="pres">
-      <dgm:prSet presAssocID="{BB8C4245-B896-463C-9F6D-6089A25906F7}" presName="rootConnector" presStyleLbl="node3" presStyleIdx="0" presStyleCnt="3"/>
+    <dgm:pt modelId="{58BEDEDB-438F-460B-AB10-D8B4BC1EF6DC}" type="pres">
+      <dgm:prSet presAssocID="{8B05A671-0DE7-4C81-B7BE-EFEF4D8B285A}" presName="hierChild3" presStyleCnt="0"/>
+      <dgm:spPr/>
+    </dgm:pt>
+    <dgm:pt modelId="{EB93688B-C590-459D-A823-880B4C0DE7A9}" type="pres">
+      <dgm:prSet presAssocID="{ED55D2DB-BE73-4F1D-90F6-D0461196D166}" presName="Name19" presStyleLbl="parChTrans1D3" presStyleIdx="2" presStyleCnt="3"/>
       <dgm:spPr/>
       <dgm:t>
         <a:bodyPr/>
@@ -1242,16 +1231,12 @@
         </a:p>
       </dgm:t>
     </dgm:pt>
-    <dgm:pt modelId="{C02AE2DF-E93E-41BA-AE78-F4FDA3D98F75}" type="pres">
-      <dgm:prSet presAssocID="{BB8C4245-B896-463C-9F6D-6089A25906F7}" presName="hierChild4" presStyleCnt="0"/>
+    <dgm:pt modelId="{8E767F53-E12B-447F-B855-3F8960579089}" type="pres">
+      <dgm:prSet presAssocID="{5C4DE19C-A716-4E24-865A-871D15A6106C}" presName="Name21" presStyleCnt="0"/>
       <dgm:spPr/>
     </dgm:pt>
-    <dgm:pt modelId="{1674EF52-47DD-4A69-866D-73172994F123}" type="pres">
-      <dgm:prSet presAssocID="{BB8C4245-B896-463C-9F6D-6089A25906F7}" presName="hierChild5" presStyleCnt="0"/>
-      <dgm:spPr/>
-    </dgm:pt>
-    <dgm:pt modelId="{AD99C808-836A-4C8A-85A7-DE42BD5075F9}" type="pres">
-      <dgm:prSet presAssocID="{02CFAFD5-A585-4FF0-AD27-9E6537265522}" presName="Name37" presStyleLbl="parChTrans1D3" presStyleIdx="1" presStyleCnt="3"/>
+    <dgm:pt modelId="{98778A9B-C700-42DB-8B31-295727FCB770}" type="pres">
+      <dgm:prSet presAssocID="{5C4DE19C-A716-4E24-865A-871D15A6106C}" presName="level2Shape" presStyleLbl="node3" presStyleIdx="2" presStyleCnt="3"/>
       <dgm:spPr/>
       <dgm:t>
         <a:bodyPr/>
@@ -1261,169 +1246,53 @@
         </a:p>
       </dgm:t>
     </dgm:pt>
-    <dgm:pt modelId="{9A8D8933-BD7D-4887-BB04-EEE24614140F}" type="pres">
-      <dgm:prSet presAssocID="{8B05A671-0DE7-4C81-B7BE-EFEF4D8B285A}" presName="hierRoot2" presStyleCnt="0">
-        <dgm:presLayoutVars>
-          <dgm:hierBranch val="init"/>
-        </dgm:presLayoutVars>
-      </dgm:prSet>
+    <dgm:pt modelId="{3523AEFA-FF8C-4814-B05D-926C06DFA684}" type="pres">
+      <dgm:prSet presAssocID="{5C4DE19C-A716-4E24-865A-871D15A6106C}" presName="hierChild3" presStyleCnt="0"/>
       <dgm:spPr/>
     </dgm:pt>
-    <dgm:pt modelId="{B40BFF77-52FE-4789-95DF-EAF968C23045}" type="pres">
-      <dgm:prSet presAssocID="{8B05A671-0DE7-4C81-B7BE-EFEF4D8B285A}" presName="rootComposite" presStyleCnt="0"/>
-      <dgm:spPr/>
-    </dgm:pt>
-    <dgm:pt modelId="{1E761C78-7C43-41C4-847F-CB9FECCAE800}" type="pres">
-      <dgm:prSet presAssocID="{8B05A671-0DE7-4C81-B7BE-EFEF4D8B285A}" presName="rootText" presStyleLbl="node3" presStyleIdx="1" presStyleCnt="3" custLinFactY="12415" custLinFactNeighborX="76386" custLinFactNeighborY="100000">
-        <dgm:presLayoutVars>
-          <dgm:chPref val="3"/>
-        </dgm:presLayoutVars>
-      </dgm:prSet>
-      <dgm:spPr/>
-      <dgm:t>
-        <a:bodyPr/>
-        <a:lstStyle/>
-        <a:p>
-          <a:endParaRPr lang="en-US"/>
-        </a:p>
-      </dgm:t>
-    </dgm:pt>
-    <dgm:pt modelId="{FCCCF09A-0005-46B8-9622-46DCB60796F7}" type="pres">
-      <dgm:prSet presAssocID="{8B05A671-0DE7-4C81-B7BE-EFEF4D8B285A}" presName="rootConnector" presStyleLbl="node3" presStyleIdx="1" presStyleCnt="3"/>
-      <dgm:spPr/>
-      <dgm:t>
-        <a:bodyPr/>
-        <a:lstStyle/>
-        <a:p>
-          <a:endParaRPr lang="en-US"/>
-        </a:p>
-      </dgm:t>
-    </dgm:pt>
-    <dgm:pt modelId="{91EBE47D-D68E-4FC4-8414-1AA33EAE65D1}" type="pres">
-      <dgm:prSet presAssocID="{8B05A671-0DE7-4C81-B7BE-EFEF4D8B285A}" presName="hierChild4" presStyleCnt="0"/>
-      <dgm:spPr/>
-    </dgm:pt>
-    <dgm:pt modelId="{1B289AC4-F7BA-4C1D-9599-05589AA2F63F}" type="pres">
-      <dgm:prSet presAssocID="{8B05A671-0DE7-4C81-B7BE-EFEF4D8B285A}" presName="hierChild5" presStyleCnt="0"/>
-      <dgm:spPr/>
-    </dgm:pt>
-    <dgm:pt modelId="{3AC0C96A-BECF-42BC-8FF2-1E88E39CDD61}" type="pres">
-      <dgm:prSet presAssocID="{ED55D2DB-BE73-4F1D-90F6-D0461196D166}" presName="Name37" presStyleLbl="parChTrans1D3" presStyleIdx="2" presStyleCnt="3"/>
-      <dgm:spPr/>
-      <dgm:t>
-        <a:bodyPr/>
-        <a:lstStyle/>
-        <a:p>
-          <a:endParaRPr lang="en-US"/>
-        </a:p>
-      </dgm:t>
-    </dgm:pt>
-    <dgm:pt modelId="{FB8FF47F-7D86-4B81-91A1-E8B80C02DC85}" type="pres">
-      <dgm:prSet presAssocID="{5C4DE19C-A716-4E24-865A-871D15A6106C}" presName="hierRoot2" presStyleCnt="0">
-        <dgm:presLayoutVars>
-          <dgm:hierBranch val="init"/>
-        </dgm:presLayoutVars>
-      </dgm:prSet>
-      <dgm:spPr/>
-    </dgm:pt>
-    <dgm:pt modelId="{AFA93E06-ADAC-42D0-91D5-5B869C5F3537}" type="pres">
-      <dgm:prSet presAssocID="{5C4DE19C-A716-4E24-865A-871D15A6106C}" presName="rootComposite" presStyleCnt="0"/>
-      <dgm:spPr/>
-    </dgm:pt>
-    <dgm:pt modelId="{0D5DF36B-661D-424D-9626-28873FD9FA74}" type="pres">
-      <dgm:prSet presAssocID="{5C4DE19C-A716-4E24-865A-871D15A6106C}" presName="rootText" presStyleLbl="node3" presStyleIdx="2" presStyleCnt="3" custLinFactY="-50732" custLinFactNeighborX="78677" custLinFactNeighborY="-100000">
-        <dgm:presLayoutVars>
-          <dgm:chPref val="3"/>
-        </dgm:presLayoutVars>
-      </dgm:prSet>
-      <dgm:spPr/>
-      <dgm:t>
-        <a:bodyPr/>
-        <a:lstStyle/>
-        <a:p>
-          <a:endParaRPr lang="en-US"/>
-        </a:p>
-      </dgm:t>
-    </dgm:pt>
-    <dgm:pt modelId="{8B8967B4-31C9-46DD-BE67-3A6C23850C59}" type="pres">
-      <dgm:prSet presAssocID="{5C4DE19C-A716-4E24-865A-871D15A6106C}" presName="rootConnector" presStyleLbl="node3" presStyleIdx="2" presStyleCnt="3"/>
-      <dgm:spPr/>
-      <dgm:t>
-        <a:bodyPr/>
-        <a:lstStyle/>
-        <a:p>
-          <a:endParaRPr lang="en-US"/>
-        </a:p>
-      </dgm:t>
-    </dgm:pt>
-    <dgm:pt modelId="{69B8665D-F960-4747-A647-64B3624EDA02}" type="pres">
-      <dgm:prSet presAssocID="{5C4DE19C-A716-4E24-865A-871D15A6106C}" presName="hierChild4" presStyleCnt="0"/>
-      <dgm:spPr/>
-    </dgm:pt>
-    <dgm:pt modelId="{A8879D7F-E1E2-4D65-86B7-F2602BBC2AFE}" type="pres">
-      <dgm:prSet presAssocID="{5C4DE19C-A716-4E24-865A-871D15A6106C}" presName="hierChild5" presStyleCnt="0"/>
-      <dgm:spPr/>
-    </dgm:pt>
-    <dgm:pt modelId="{B74D29EE-0E40-45B1-B261-7F1CA20C5B77}" type="pres">
-      <dgm:prSet presAssocID="{2F5A44C0-791D-41F6-AE89-A8AF91720298}" presName="hierChild7" presStyleCnt="0"/>
+    <dgm:pt modelId="{A2E46B28-3E1D-45F8-8E4E-C12F034EA690}" type="pres">
+      <dgm:prSet presAssocID="{A3948582-E41B-4E64-96CC-A7B8352B50FD}" presName="bgShapesFlow" presStyleCnt="0"/>
       <dgm:spPr/>
     </dgm:pt>
   </dgm:ptLst>
   <dgm:cxnLst>
+    <dgm:cxn modelId="{118EEE52-5EF9-489B-961A-2CA4C78AC153}" srcId="{2F5A44C0-791D-41F6-AE89-A8AF91720298}" destId="{BB8C4245-B896-463C-9F6D-6089A25906F7}" srcOrd="0" destOrd="0" parTransId="{20707547-4CCB-4CCC-A7B6-76B2B1A97837}" sibTransId="{339F42B9-B5A2-493A-8ACA-FF560690E9EC}"/>
+    <dgm:cxn modelId="{5587E0CA-F3CF-46E4-81A7-D34B9194E573}" type="presOf" srcId="{1512B27A-390D-4709-8629-FCA8BEDE4660}" destId="{1AA2EE3E-A9B5-4A09-AC15-11E53F7E90D0}" srcOrd="0" destOrd="0" presId="urn:microsoft.com/office/officeart/2005/8/layout/hierarchy6"/>
+    <dgm:cxn modelId="{B6F868BE-ED82-493A-A7EC-1E32C7EFBDAB}" type="presOf" srcId="{A3948582-E41B-4E64-96CC-A7B8352B50FD}" destId="{34A782E1-AFD9-4879-8F28-FD40976DEF5C}" srcOrd="0" destOrd="0" presId="urn:microsoft.com/office/officeart/2005/8/layout/hierarchy6"/>
+    <dgm:cxn modelId="{D4BCC8A4-5A98-49C1-ADF8-19EDD0DC1E76}" type="presOf" srcId="{BB8C4245-B896-463C-9F6D-6089A25906F7}" destId="{9310C464-F17A-4EE5-9628-6BEBE30D390D}" srcOrd="0" destOrd="0" presId="urn:microsoft.com/office/officeart/2005/8/layout/hierarchy6"/>
+    <dgm:cxn modelId="{1195EE1A-9688-46C0-AD37-7E047FF0526B}" type="presOf" srcId="{ED55D2DB-BE73-4F1D-90F6-D0461196D166}" destId="{EB93688B-C590-459D-A823-880B4C0DE7A9}" srcOrd="0" destOrd="0" presId="urn:microsoft.com/office/officeart/2005/8/layout/hierarchy6"/>
+    <dgm:cxn modelId="{7E254444-F2AB-4E1F-B2A0-F03155BFBFF5}" srcId="{CE3A7A2B-0120-4596-8CB3-B686980D22EA}" destId="{2F5A44C0-791D-41F6-AE89-A8AF91720298}" srcOrd="0" destOrd="0" parTransId="{1512B27A-390D-4709-8629-FCA8BEDE4660}" sibTransId="{27C39707-0CBF-4DAD-967E-14A0F8212F79}"/>
+    <dgm:cxn modelId="{062F8040-83D9-4F19-9FCE-CA56DFA5A374}" type="presOf" srcId="{8B05A671-0DE7-4C81-B7BE-EFEF4D8B285A}" destId="{1956AAFF-10E4-4255-8BD5-2F66FE8CA411}" srcOrd="0" destOrd="0" presId="urn:microsoft.com/office/officeart/2005/8/layout/hierarchy6"/>
+    <dgm:cxn modelId="{466EAACD-FEB0-407D-98EB-C67C4904C4D9}" srcId="{2F5A44C0-791D-41F6-AE89-A8AF91720298}" destId="{8B05A671-0DE7-4C81-B7BE-EFEF4D8B285A}" srcOrd="1" destOrd="0" parTransId="{02CFAFD5-A585-4FF0-AD27-9E6537265522}" sibTransId="{EB08C90F-DB27-43A1-986B-3F70646A2D51}"/>
+    <dgm:cxn modelId="{6A26565D-DBEE-4973-A7D9-2C7EDCA01DAB}" type="presOf" srcId="{5C4DE19C-A716-4E24-865A-871D15A6106C}" destId="{98778A9B-C700-42DB-8B31-295727FCB770}" srcOrd="0" destOrd="0" presId="urn:microsoft.com/office/officeart/2005/8/layout/hierarchy6"/>
     <dgm:cxn modelId="{9FC108E5-589B-4D33-BE4E-9E562824F9AC}" srcId="{A3948582-E41B-4E64-96CC-A7B8352B50FD}" destId="{CE3A7A2B-0120-4596-8CB3-B686980D22EA}" srcOrd="0" destOrd="0" parTransId="{325C2410-EEE4-475F-8DC3-556367C17848}" sibTransId="{DCCB8526-D7E7-41F0-B75B-247A63F7E4F2}"/>
-    <dgm:cxn modelId="{118EEE52-5EF9-489B-961A-2CA4C78AC153}" srcId="{2F5A44C0-791D-41F6-AE89-A8AF91720298}" destId="{BB8C4245-B896-463C-9F6D-6089A25906F7}" srcOrd="0" destOrd="0" parTransId="{20707547-4CCB-4CCC-A7B6-76B2B1A97837}" sibTransId="{339F42B9-B5A2-493A-8ACA-FF560690E9EC}"/>
-    <dgm:cxn modelId="{636D9AF8-2F85-4855-ADAD-09C1BED3AF82}" type="presOf" srcId="{20707547-4CCB-4CCC-A7B6-76B2B1A97837}" destId="{049DB898-06D6-48A8-822D-57388DFB6131}" srcOrd="0" destOrd="0" presId="urn:microsoft.com/office/officeart/2005/8/layout/orgChart1"/>
-    <dgm:cxn modelId="{22217368-E820-4554-9BFD-EFDA0FC64FC6}" type="presOf" srcId="{5C4DE19C-A716-4E24-865A-871D15A6106C}" destId="{8B8967B4-31C9-46DD-BE67-3A6C23850C59}" srcOrd="1" destOrd="0" presId="urn:microsoft.com/office/officeart/2005/8/layout/orgChart1"/>
-    <dgm:cxn modelId="{B3524D48-E949-4820-8014-4F11DA4926D0}" type="presOf" srcId="{2F5A44C0-791D-41F6-AE89-A8AF91720298}" destId="{9051C5BE-352D-4657-A22D-E3B1D7DB7B34}" srcOrd="0" destOrd="0" presId="urn:microsoft.com/office/officeart/2005/8/layout/orgChart1"/>
-    <dgm:cxn modelId="{989E81F7-6EF4-498C-93E5-DD704CCA6BDA}" type="presOf" srcId="{BB8C4245-B896-463C-9F6D-6089A25906F7}" destId="{3420E453-7C38-43F3-BBD9-1B76AE744FFF}" srcOrd="1" destOrd="0" presId="urn:microsoft.com/office/officeart/2005/8/layout/orgChart1"/>
-    <dgm:cxn modelId="{D2ACCFE9-0A19-4B7D-AFBC-55097DDB5493}" type="presOf" srcId="{02CFAFD5-A585-4FF0-AD27-9E6537265522}" destId="{AD99C808-836A-4C8A-85A7-DE42BD5075F9}" srcOrd="0" destOrd="0" presId="urn:microsoft.com/office/officeart/2005/8/layout/orgChart1"/>
-    <dgm:cxn modelId="{EBA93C94-4BB1-42D5-B05C-72ECA51366E9}" type="presOf" srcId="{ED55D2DB-BE73-4F1D-90F6-D0461196D166}" destId="{3AC0C96A-BECF-42BC-8FF2-1E88E39CDD61}" srcOrd="0" destOrd="0" presId="urn:microsoft.com/office/officeart/2005/8/layout/orgChart1"/>
-    <dgm:cxn modelId="{3DC6AE90-9A40-4E5F-BCD9-8F529DF40055}" type="presOf" srcId="{8B05A671-0DE7-4C81-B7BE-EFEF4D8B285A}" destId="{1E761C78-7C43-41C4-847F-CB9FECCAE800}" srcOrd="0" destOrd="0" presId="urn:microsoft.com/office/officeart/2005/8/layout/orgChart1"/>
-    <dgm:cxn modelId="{622C0F72-43D5-48CF-BFD8-6E415F89C3AD}" type="presOf" srcId="{1512B27A-390D-4709-8629-FCA8BEDE4660}" destId="{08DDCF76-1062-46CB-B301-71F194ADA367}" srcOrd="0" destOrd="0" presId="urn:microsoft.com/office/officeart/2005/8/layout/orgChart1"/>
-    <dgm:cxn modelId="{7E254444-F2AB-4E1F-B2A0-F03155BFBFF5}" srcId="{CE3A7A2B-0120-4596-8CB3-B686980D22EA}" destId="{2F5A44C0-791D-41F6-AE89-A8AF91720298}" srcOrd="0" destOrd="0" parTransId="{1512B27A-390D-4709-8629-FCA8BEDE4660}" sibTransId="{27C39707-0CBF-4DAD-967E-14A0F8212F79}"/>
-    <dgm:cxn modelId="{466EAACD-FEB0-407D-98EB-C67C4904C4D9}" srcId="{2F5A44C0-791D-41F6-AE89-A8AF91720298}" destId="{8B05A671-0DE7-4C81-B7BE-EFEF4D8B285A}" srcOrd="1" destOrd="0" parTransId="{02CFAFD5-A585-4FF0-AD27-9E6537265522}" sibTransId="{EB08C90F-DB27-43A1-986B-3F70646A2D51}"/>
-    <dgm:cxn modelId="{371F2BAA-9B97-4789-B384-00CCE99BC8F7}" type="presOf" srcId="{A3948582-E41B-4E64-96CC-A7B8352B50FD}" destId="{535FC5FB-8BA4-45B0-89E4-EB70B054278E}" srcOrd="0" destOrd="0" presId="urn:microsoft.com/office/officeart/2005/8/layout/orgChart1"/>
-    <dgm:cxn modelId="{C9F93730-55AF-4A92-BC6B-C9696668632E}" type="presOf" srcId="{2F5A44C0-791D-41F6-AE89-A8AF91720298}" destId="{E0B17CD6-A955-4AAC-B191-6D03D9DE8849}" srcOrd="1" destOrd="0" presId="urn:microsoft.com/office/officeart/2005/8/layout/orgChart1"/>
-    <dgm:cxn modelId="{B07B746A-DD31-49FB-944B-295840C2AF54}" type="presOf" srcId="{5C4DE19C-A716-4E24-865A-871D15A6106C}" destId="{0D5DF36B-661D-424D-9626-28873FD9FA74}" srcOrd="0" destOrd="0" presId="urn:microsoft.com/office/officeart/2005/8/layout/orgChart1"/>
-    <dgm:cxn modelId="{3903E3BC-32F5-4FBF-95C0-D4CF45F746FA}" type="presOf" srcId="{CE3A7A2B-0120-4596-8CB3-B686980D22EA}" destId="{1D394366-FF6E-441C-BFAA-9688D8336BE9}" srcOrd="1" destOrd="0" presId="urn:microsoft.com/office/officeart/2005/8/layout/orgChart1"/>
-    <dgm:cxn modelId="{E021C7D0-DE05-4789-B2C9-092039C5EF85}" type="presOf" srcId="{8B05A671-0DE7-4C81-B7BE-EFEF4D8B285A}" destId="{FCCCF09A-0005-46B8-9622-46DCB60796F7}" srcOrd="1" destOrd="0" presId="urn:microsoft.com/office/officeart/2005/8/layout/orgChart1"/>
+    <dgm:cxn modelId="{8312631A-31CF-4893-A8A0-3DF28C9A5F95}" type="presOf" srcId="{CE3A7A2B-0120-4596-8CB3-B686980D22EA}" destId="{0EBCFE24-6A1E-417D-87CE-35AF58869832}" srcOrd="0" destOrd="0" presId="urn:microsoft.com/office/officeart/2005/8/layout/hierarchy6"/>
     <dgm:cxn modelId="{F91052DF-FAD6-4169-A99B-BB91E6FE48CD}" srcId="{2F5A44C0-791D-41F6-AE89-A8AF91720298}" destId="{5C4DE19C-A716-4E24-865A-871D15A6106C}" srcOrd="2" destOrd="0" parTransId="{ED55D2DB-BE73-4F1D-90F6-D0461196D166}" sibTransId="{B842B66A-0CB8-48E1-B230-01504D47AD13}"/>
-    <dgm:cxn modelId="{16E6DA9B-5E37-4F60-9D74-9647FD9CD162}" type="presOf" srcId="{CE3A7A2B-0120-4596-8CB3-B686980D22EA}" destId="{CF4B8774-C764-4EEA-966F-C6835E2F7AF1}" srcOrd="0" destOrd="0" presId="urn:microsoft.com/office/officeart/2005/8/layout/orgChart1"/>
-    <dgm:cxn modelId="{9F63A84F-48D4-43FC-9CE9-5DAFBCFF3435}" type="presOf" srcId="{BB8C4245-B896-463C-9F6D-6089A25906F7}" destId="{F7D7C0DF-F2C8-47E7-BBB9-137B91F435B6}" srcOrd="0" destOrd="0" presId="urn:microsoft.com/office/officeart/2005/8/layout/orgChart1"/>
-    <dgm:cxn modelId="{DACA6023-3F14-46E1-B4C2-72EB96C3EB9E}" type="presParOf" srcId="{535FC5FB-8BA4-45B0-89E4-EB70B054278E}" destId="{D7FECC07-8DC2-4680-A1A4-E596B0EEC824}" srcOrd="0" destOrd="0" presId="urn:microsoft.com/office/officeart/2005/8/layout/orgChart1"/>
-    <dgm:cxn modelId="{17C360E9-9087-4848-81B3-87D669B5050C}" type="presParOf" srcId="{D7FECC07-8DC2-4680-A1A4-E596B0EEC824}" destId="{9AC9AF78-BF15-44AD-99E2-A3BB22517442}" srcOrd="0" destOrd="0" presId="urn:microsoft.com/office/officeart/2005/8/layout/orgChart1"/>
-    <dgm:cxn modelId="{716872E5-3293-4676-9132-3B20F96CA9F5}" type="presParOf" srcId="{9AC9AF78-BF15-44AD-99E2-A3BB22517442}" destId="{CF4B8774-C764-4EEA-966F-C6835E2F7AF1}" srcOrd="0" destOrd="0" presId="urn:microsoft.com/office/officeart/2005/8/layout/orgChart1"/>
-    <dgm:cxn modelId="{936A8A52-555B-40DA-98AF-F8AE6BEE127F}" type="presParOf" srcId="{9AC9AF78-BF15-44AD-99E2-A3BB22517442}" destId="{1D394366-FF6E-441C-BFAA-9688D8336BE9}" srcOrd="1" destOrd="0" presId="urn:microsoft.com/office/officeart/2005/8/layout/orgChart1"/>
-    <dgm:cxn modelId="{E14ECA81-4EF4-4BFD-8A33-B8DAC95B917B}" type="presParOf" srcId="{D7FECC07-8DC2-4680-A1A4-E596B0EEC824}" destId="{D6E6E70E-BCD1-46B9-93E8-D25B4727A969}" srcOrd="1" destOrd="0" presId="urn:microsoft.com/office/officeart/2005/8/layout/orgChart1"/>
-    <dgm:cxn modelId="{E3624483-DD2C-4ED1-98F2-87D85DC049C8}" type="presParOf" srcId="{D7FECC07-8DC2-4680-A1A4-E596B0EEC824}" destId="{ECC6D552-1F3C-47EB-BF12-2EEF88EAC7EF}" srcOrd="2" destOrd="0" presId="urn:microsoft.com/office/officeart/2005/8/layout/orgChart1"/>
-    <dgm:cxn modelId="{E09C1A9A-3F59-4682-B960-D80164A5FACC}" type="presParOf" srcId="{ECC6D552-1F3C-47EB-BF12-2EEF88EAC7EF}" destId="{08DDCF76-1062-46CB-B301-71F194ADA367}" srcOrd="0" destOrd="0" presId="urn:microsoft.com/office/officeart/2005/8/layout/orgChart1"/>
-    <dgm:cxn modelId="{DB61CF4D-2117-4C2C-8BED-C162DE5727E8}" type="presParOf" srcId="{ECC6D552-1F3C-47EB-BF12-2EEF88EAC7EF}" destId="{2E6A63EE-EB06-409A-BF02-9F71B9ED13BC}" srcOrd="1" destOrd="0" presId="urn:microsoft.com/office/officeart/2005/8/layout/orgChart1"/>
-    <dgm:cxn modelId="{3DB55DB9-448E-41A1-B301-FD185B550D41}" type="presParOf" srcId="{2E6A63EE-EB06-409A-BF02-9F71B9ED13BC}" destId="{6F5B9832-6467-4879-82A2-BDEFE98B890C}" srcOrd="0" destOrd="0" presId="urn:microsoft.com/office/officeart/2005/8/layout/orgChart1"/>
-    <dgm:cxn modelId="{918CF45A-F164-44B5-AB69-D108E506E75C}" type="presParOf" srcId="{6F5B9832-6467-4879-82A2-BDEFE98B890C}" destId="{9051C5BE-352D-4657-A22D-E3B1D7DB7B34}" srcOrd="0" destOrd="0" presId="urn:microsoft.com/office/officeart/2005/8/layout/orgChart1"/>
-    <dgm:cxn modelId="{2EA571E7-D003-4B73-9B96-BDFB8A62FD4B}" type="presParOf" srcId="{6F5B9832-6467-4879-82A2-BDEFE98B890C}" destId="{E0B17CD6-A955-4AAC-B191-6D03D9DE8849}" srcOrd="1" destOrd="0" presId="urn:microsoft.com/office/officeart/2005/8/layout/orgChart1"/>
-    <dgm:cxn modelId="{3CADFBEB-D372-4F85-A92D-1AB4AC79DE97}" type="presParOf" srcId="{2E6A63EE-EB06-409A-BF02-9F71B9ED13BC}" destId="{30EE7A90-9D5D-4AA1-BE6C-B04485C90CC4}" srcOrd="1" destOrd="0" presId="urn:microsoft.com/office/officeart/2005/8/layout/orgChart1"/>
-    <dgm:cxn modelId="{08ACEA5A-073D-4AE8-9FF2-79464EF9550B}" type="presParOf" srcId="{30EE7A90-9D5D-4AA1-BE6C-B04485C90CC4}" destId="{049DB898-06D6-48A8-822D-57388DFB6131}" srcOrd="0" destOrd="0" presId="urn:microsoft.com/office/officeart/2005/8/layout/orgChart1"/>
-    <dgm:cxn modelId="{05A15A02-6D27-42E6-BB35-0B1991511CC5}" type="presParOf" srcId="{30EE7A90-9D5D-4AA1-BE6C-B04485C90CC4}" destId="{5DFAADE6-283F-4E17-AA19-4BF20AE7ED39}" srcOrd="1" destOrd="0" presId="urn:microsoft.com/office/officeart/2005/8/layout/orgChart1"/>
-    <dgm:cxn modelId="{B6FE4DFE-403A-4211-9E01-A401655B9422}" type="presParOf" srcId="{5DFAADE6-283F-4E17-AA19-4BF20AE7ED39}" destId="{349E658F-80C9-4E31-8904-201BAB5AAD9A}" srcOrd="0" destOrd="0" presId="urn:microsoft.com/office/officeart/2005/8/layout/orgChart1"/>
-    <dgm:cxn modelId="{50C3D130-4763-4D3D-84A7-2519095FBE0A}" type="presParOf" srcId="{349E658F-80C9-4E31-8904-201BAB5AAD9A}" destId="{F7D7C0DF-F2C8-47E7-BBB9-137B91F435B6}" srcOrd="0" destOrd="0" presId="urn:microsoft.com/office/officeart/2005/8/layout/orgChart1"/>
-    <dgm:cxn modelId="{A2FEAB80-C0BE-4AD2-822A-9BDF2531BE2C}" type="presParOf" srcId="{349E658F-80C9-4E31-8904-201BAB5AAD9A}" destId="{3420E453-7C38-43F3-BBD9-1B76AE744FFF}" srcOrd="1" destOrd="0" presId="urn:microsoft.com/office/officeart/2005/8/layout/orgChart1"/>
-    <dgm:cxn modelId="{373B6499-3AFE-4DDA-929A-9104B3171986}" type="presParOf" srcId="{5DFAADE6-283F-4E17-AA19-4BF20AE7ED39}" destId="{C02AE2DF-E93E-41BA-AE78-F4FDA3D98F75}" srcOrd="1" destOrd="0" presId="urn:microsoft.com/office/officeart/2005/8/layout/orgChart1"/>
-    <dgm:cxn modelId="{4329E447-820B-4311-90DD-BD62B1ECFABC}" type="presParOf" srcId="{5DFAADE6-283F-4E17-AA19-4BF20AE7ED39}" destId="{1674EF52-47DD-4A69-866D-73172994F123}" srcOrd="2" destOrd="0" presId="urn:microsoft.com/office/officeart/2005/8/layout/orgChart1"/>
-    <dgm:cxn modelId="{8AC899F4-B808-49BC-957B-8A2C8BB4CE52}" type="presParOf" srcId="{30EE7A90-9D5D-4AA1-BE6C-B04485C90CC4}" destId="{AD99C808-836A-4C8A-85A7-DE42BD5075F9}" srcOrd="2" destOrd="0" presId="urn:microsoft.com/office/officeart/2005/8/layout/orgChart1"/>
-    <dgm:cxn modelId="{C1DC646A-B2E4-44EE-AF53-A55406849AD2}" type="presParOf" srcId="{30EE7A90-9D5D-4AA1-BE6C-B04485C90CC4}" destId="{9A8D8933-BD7D-4887-BB04-EEE24614140F}" srcOrd="3" destOrd="0" presId="urn:microsoft.com/office/officeart/2005/8/layout/orgChart1"/>
-    <dgm:cxn modelId="{282C231C-A0EC-4551-85C6-327754B41EE5}" type="presParOf" srcId="{9A8D8933-BD7D-4887-BB04-EEE24614140F}" destId="{B40BFF77-52FE-4789-95DF-EAF968C23045}" srcOrd="0" destOrd="0" presId="urn:microsoft.com/office/officeart/2005/8/layout/orgChart1"/>
-    <dgm:cxn modelId="{F7FBDFB4-421A-4E4D-932F-EC56C6AC4D03}" type="presParOf" srcId="{B40BFF77-52FE-4789-95DF-EAF968C23045}" destId="{1E761C78-7C43-41C4-847F-CB9FECCAE800}" srcOrd="0" destOrd="0" presId="urn:microsoft.com/office/officeart/2005/8/layout/orgChart1"/>
-    <dgm:cxn modelId="{0A2ADB28-AB9D-49D6-845E-469EC855E468}" type="presParOf" srcId="{B40BFF77-52FE-4789-95DF-EAF968C23045}" destId="{FCCCF09A-0005-46B8-9622-46DCB60796F7}" srcOrd="1" destOrd="0" presId="urn:microsoft.com/office/officeart/2005/8/layout/orgChart1"/>
-    <dgm:cxn modelId="{ED1B9DA9-FF34-4F79-80ED-961D152958D9}" type="presParOf" srcId="{9A8D8933-BD7D-4887-BB04-EEE24614140F}" destId="{91EBE47D-D68E-4FC4-8414-1AA33EAE65D1}" srcOrd="1" destOrd="0" presId="urn:microsoft.com/office/officeart/2005/8/layout/orgChart1"/>
-    <dgm:cxn modelId="{3BFFD9C4-6512-4919-B8B0-8CA15B091704}" type="presParOf" srcId="{9A8D8933-BD7D-4887-BB04-EEE24614140F}" destId="{1B289AC4-F7BA-4C1D-9599-05589AA2F63F}" srcOrd="2" destOrd="0" presId="urn:microsoft.com/office/officeart/2005/8/layout/orgChart1"/>
-    <dgm:cxn modelId="{839C34A3-931B-4C26-984F-3CAA5BC6CF77}" type="presParOf" srcId="{30EE7A90-9D5D-4AA1-BE6C-B04485C90CC4}" destId="{3AC0C96A-BECF-42BC-8FF2-1E88E39CDD61}" srcOrd="4" destOrd="0" presId="urn:microsoft.com/office/officeart/2005/8/layout/orgChart1"/>
-    <dgm:cxn modelId="{4A4C6E83-F170-4839-8F0C-F802CD408AE5}" type="presParOf" srcId="{30EE7A90-9D5D-4AA1-BE6C-B04485C90CC4}" destId="{FB8FF47F-7D86-4B81-91A1-E8B80C02DC85}" srcOrd="5" destOrd="0" presId="urn:microsoft.com/office/officeart/2005/8/layout/orgChart1"/>
-    <dgm:cxn modelId="{65FE8CF2-B56D-41B6-8233-90A5C7EC9E04}" type="presParOf" srcId="{FB8FF47F-7D86-4B81-91A1-E8B80C02DC85}" destId="{AFA93E06-ADAC-42D0-91D5-5B869C5F3537}" srcOrd="0" destOrd="0" presId="urn:microsoft.com/office/officeart/2005/8/layout/orgChart1"/>
-    <dgm:cxn modelId="{680A834F-992D-4E62-9C70-414A104CC4CC}" type="presParOf" srcId="{AFA93E06-ADAC-42D0-91D5-5B869C5F3537}" destId="{0D5DF36B-661D-424D-9626-28873FD9FA74}" srcOrd="0" destOrd="0" presId="urn:microsoft.com/office/officeart/2005/8/layout/orgChart1"/>
-    <dgm:cxn modelId="{14D8E1F1-294D-4654-839E-B53551B89475}" type="presParOf" srcId="{AFA93E06-ADAC-42D0-91D5-5B869C5F3537}" destId="{8B8967B4-31C9-46DD-BE67-3A6C23850C59}" srcOrd="1" destOrd="0" presId="urn:microsoft.com/office/officeart/2005/8/layout/orgChart1"/>
-    <dgm:cxn modelId="{99A6DB47-50D2-4A92-BEB5-F3D2D17190D4}" type="presParOf" srcId="{FB8FF47F-7D86-4B81-91A1-E8B80C02DC85}" destId="{69B8665D-F960-4747-A647-64B3624EDA02}" srcOrd="1" destOrd="0" presId="urn:microsoft.com/office/officeart/2005/8/layout/orgChart1"/>
-    <dgm:cxn modelId="{1D44E492-600E-4882-90EF-792AE6865CCB}" type="presParOf" srcId="{FB8FF47F-7D86-4B81-91A1-E8B80C02DC85}" destId="{A8879D7F-E1E2-4D65-86B7-F2602BBC2AFE}" srcOrd="2" destOrd="0" presId="urn:microsoft.com/office/officeart/2005/8/layout/orgChart1"/>
-    <dgm:cxn modelId="{E6BC683D-A370-47EC-857F-D609AD4D74B1}" type="presParOf" srcId="{2E6A63EE-EB06-409A-BF02-9F71B9ED13BC}" destId="{B74D29EE-0E40-45B1-B261-7F1CA20C5B77}" srcOrd="2" destOrd="0" presId="urn:microsoft.com/office/officeart/2005/8/layout/orgChart1"/>
+    <dgm:cxn modelId="{A967886E-3D17-4116-99A2-0DDFE39CC8D9}" type="presOf" srcId="{02CFAFD5-A585-4FF0-AD27-9E6537265522}" destId="{A3A32269-1CAF-4DC2-B4D7-72FD83E37B5B}" srcOrd="0" destOrd="0" presId="urn:microsoft.com/office/officeart/2005/8/layout/hierarchy6"/>
+    <dgm:cxn modelId="{78FE7DF6-06A2-4239-BA92-CF770C495D74}" type="presOf" srcId="{2F5A44C0-791D-41F6-AE89-A8AF91720298}" destId="{924D7767-3779-4E75-A9D1-B6EF723A406B}" srcOrd="0" destOrd="0" presId="urn:microsoft.com/office/officeart/2005/8/layout/hierarchy6"/>
+    <dgm:cxn modelId="{03C19BA9-DDDA-4B12-B71B-059CA12515C8}" type="presOf" srcId="{20707547-4CCB-4CCC-A7B6-76B2B1A97837}" destId="{D963691C-3642-4A13-9D4B-615A02507769}" srcOrd="0" destOrd="0" presId="urn:microsoft.com/office/officeart/2005/8/layout/hierarchy6"/>
+    <dgm:cxn modelId="{29206FD8-7F58-4C50-8275-869490A507CF}" type="presParOf" srcId="{34A782E1-AFD9-4879-8F28-FD40976DEF5C}" destId="{23DD04AF-9014-4775-8943-662D040C6072}" srcOrd="0" destOrd="0" presId="urn:microsoft.com/office/officeart/2005/8/layout/hierarchy6"/>
+    <dgm:cxn modelId="{F18D18A6-F339-496B-85A5-F76479F26115}" type="presParOf" srcId="{23DD04AF-9014-4775-8943-662D040C6072}" destId="{2DDC3670-F275-47DC-83E2-1F7471C2ACC3}" srcOrd="0" destOrd="0" presId="urn:microsoft.com/office/officeart/2005/8/layout/hierarchy6"/>
+    <dgm:cxn modelId="{2EA92F2E-5B38-4078-A232-9F81AC33C887}" type="presParOf" srcId="{2DDC3670-F275-47DC-83E2-1F7471C2ACC3}" destId="{6710931F-E719-46E6-A357-D18D0D5670D3}" srcOrd="0" destOrd="0" presId="urn:microsoft.com/office/officeart/2005/8/layout/hierarchy6"/>
+    <dgm:cxn modelId="{E92F5324-A0CD-41E3-9EA6-A6D9AD9290AA}" type="presParOf" srcId="{6710931F-E719-46E6-A357-D18D0D5670D3}" destId="{0EBCFE24-6A1E-417D-87CE-35AF58869832}" srcOrd="0" destOrd="0" presId="urn:microsoft.com/office/officeart/2005/8/layout/hierarchy6"/>
+    <dgm:cxn modelId="{B86D14BF-B93B-4171-A25D-83153F364975}" type="presParOf" srcId="{6710931F-E719-46E6-A357-D18D0D5670D3}" destId="{2997A73F-3005-429C-AE38-27DA9ECE5911}" srcOrd="1" destOrd="0" presId="urn:microsoft.com/office/officeart/2005/8/layout/hierarchy6"/>
+    <dgm:cxn modelId="{D45DE5FE-1B6D-44F1-94B3-16975E709694}" type="presParOf" srcId="{2997A73F-3005-429C-AE38-27DA9ECE5911}" destId="{1AA2EE3E-A9B5-4A09-AC15-11E53F7E90D0}" srcOrd="0" destOrd="0" presId="urn:microsoft.com/office/officeart/2005/8/layout/hierarchy6"/>
+    <dgm:cxn modelId="{3877AD09-7170-4F40-88EB-304DCD5F9471}" type="presParOf" srcId="{2997A73F-3005-429C-AE38-27DA9ECE5911}" destId="{56BFD2DC-0FCB-47CF-B324-930B12D99E8E}" srcOrd="1" destOrd="0" presId="urn:microsoft.com/office/officeart/2005/8/layout/hierarchy6"/>
+    <dgm:cxn modelId="{0FEC8A2D-6444-44AC-81C8-529F38574921}" type="presParOf" srcId="{56BFD2DC-0FCB-47CF-B324-930B12D99E8E}" destId="{924D7767-3779-4E75-A9D1-B6EF723A406B}" srcOrd="0" destOrd="0" presId="urn:microsoft.com/office/officeart/2005/8/layout/hierarchy6"/>
+    <dgm:cxn modelId="{0B8D44D0-D195-4B94-9262-2960ABD5C701}" type="presParOf" srcId="{56BFD2DC-0FCB-47CF-B324-930B12D99E8E}" destId="{B46D0E8E-8CE8-4F6D-B286-24BCA20A3F59}" srcOrd="1" destOrd="0" presId="urn:microsoft.com/office/officeart/2005/8/layout/hierarchy6"/>
+    <dgm:cxn modelId="{610BB0AE-82E0-4D67-94C7-222E0F8872FE}" type="presParOf" srcId="{B46D0E8E-8CE8-4F6D-B286-24BCA20A3F59}" destId="{D963691C-3642-4A13-9D4B-615A02507769}" srcOrd="0" destOrd="0" presId="urn:microsoft.com/office/officeart/2005/8/layout/hierarchy6"/>
+    <dgm:cxn modelId="{BB72EAFD-EFA8-4FCA-A023-8A40993963D6}" type="presParOf" srcId="{B46D0E8E-8CE8-4F6D-B286-24BCA20A3F59}" destId="{9DDE8466-7BF0-4BDB-A505-62D45F2E1CD8}" srcOrd="1" destOrd="0" presId="urn:microsoft.com/office/officeart/2005/8/layout/hierarchy6"/>
+    <dgm:cxn modelId="{D5754CF6-4C5C-4795-A135-15C6D7487766}" type="presParOf" srcId="{9DDE8466-7BF0-4BDB-A505-62D45F2E1CD8}" destId="{9310C464-F17A-4EE5-9628-6BEBE30D390D}" srcOrd="0" destOrd="0" presId="urn:microsoft.com/office/officeart/2005/8/layout/hierarchy6"/>
+    <dgm:cxn modelId="{5965281B-A448-4B76-A1AE-070E37533948}" type="presParOf" srcId="{9DDE8466-7BF0-4BDB-A505-62D45F2E1CD8}" destId="{E7564212-F97A-4529-902A-40C3C1439554}" srcOrd="1" destOrd="0" presId="urn:microsoft.com/office/officeart/2005/8/layout/hierarchy6"/>
+    <dgm:cxn modelId="{4217DCA0-CD15-4E0B-81D3-311BBE8E3ECE}" type="presParOf" srcId="{B46D0E8E-8CE8-4F6D-B286-24BCA20A3F59}" destId="{A3A32269-1CAF-4DC2-B4D7-72FD83E37B5B}" srcOrd="2" destOrd="0" presId="urn:microsoft.com/office/officeart/2005/8/layout/hierarchy6"/>
+    <dgm:cxn modelId="{EA42FACC-9A6C-4C5B-B5D4-2B9F31201A82}" type="presParOf" srcId="{B46D0E8E-8CE8-4F6D-B286-24BCA20A3F59}" destId="{B89971CC-77B6-43A3-BA02-4950F0446D79}" srcOrd="3" destOrd="0" presId="urn:microsoft.com/office/officeart/2005/8/layout/hierarchy6"/>
+    <dgm:cxn modelId="{BFA946D9-B749-4F0C-88BF-43D7DB8DE7A9}" type="presParOf" srcId="{B89971CC-77B6-43A3-BA02-4950F0446D79}" destId="{1956AAFF-10E4-4255-8BD5-2F66FE8CA411}" srcOrd="0" destOrd="0" presId="urn:microsoft.com/office/officeart/2005/8/layout/hierarchy6"/>
+    <dgm:cxn modelId="{191DA430-9A54-47B5-8A9B-2EDB30AFC487}" type="presParOf" srcId="{B89971CC-77B6-43A3-BA02-4950F0446D79}" destId="{58BEDEDB-438F-460B-AB10-D8B4BC1EF6DC}" srcOrd="1" destOrd="0" presId="urn:microsoft.com/office/officeart/2005/8/layout/hierarchy6"/>
+    <dgm:cxn modelId="{570CF88F-05E1-407D-9D52-276A4808134C}" type="presParOf" srcId="{B46D0E8E-8CE8-4F6D-B286-24BCA20A3F59}" destId="{EB93688B-C590-459D-A823-880B4C0DE7A9}" srcOrd="4" destOrd="0" presId="urn:microsoft.com/office/officeart/2005/8/layout/hierarchy6"/>
+    <dgm:cxn modelId="{D2AB882C-A576-4C34-88E7-2F3A8B69CA67}" type="presParOf" srcId="{B46D0E8E-8CE8-4F6D-B286-24BCA20A3F59}" destId="{8E767F53-E12B-447F-B855-3F8960579089}" srcOrd="5" destOrd="0" presId="urn:microsoft.com/office/officeart/2005/8/layout/hierarchy6"/>
+    <dgm:cxn modelId="{7CD88F64-A4CE-4486-B74A-6D33315B0E32}" type="presParOf" srcId="{8E767F53-E12B-447F-B855-3F8960579089}" destId="{98778A9B-C700-42DB-8B31-295727FCB770}" srcOrd="0" destOrd="0" presId="urn:microsoft.com/office/officeart/2005/8/layout/hierarchy6"/>
+    <dgm:cxn modelId="{51FFBA85-CEA3-4CA6-BAEC-6B95DB121BF8}" type="presParOf" srcId="{8E767F53-E12B-447F-B855-3F8960579089}" destId="{3523AEFA-FF8C-4814-B05D-926C06DFA684}" srcOrd="1" destOrd="0" presId="urn:microsoft.com/office/officeart/2005/8/layout/hierarchy6"/>
+    <dgm:cxn modelId="{648401C2-02C7-4174-BAF2-0A33F092553F}" type="presParOf" srcId="{34A782E1-AFD9-4879-8F28-FD40976DEF5C}" destId="{A2E46B28-3E1D-45F8-8E4E-C12F034EA690}" srcOrd="1" destOrd="0" presId="urn:microsoft.com/office/officeart/2005/8/layout/hierarchy6"/>
   </dgm:cxnLst>
   <dgm:bg/>
   <dgm:whole/>
@@ -1443,251 +1312,20 @@
       <dsp:cNvGrpSpPr/>
     </dsp:nvGrpSpPr>
     <dsp:grpSpPr/>
-    <dsp:sp modelId="{3AC0C96A-BECF-42BC-8FF2-1E88E39CDD61}">
+    <dsp:sp modelId="{0EBCFE24-6A1E-417D-87CE-35AF58869832}">
       <dsp:nvSpPr>
         <dsp:cNvPr id="0" name=""/>
         <dsp:cNvSpPr/>
       </dsp:nvSpPr>
       <dsp:spPr>
         <a:xfrm>
-          <a:off x="3390070" y="2461782"/>
-          <a:ext cx="284657" cy="1161868"/>
+          <a:off x="2309052" y="461390"/>
+          <a:ext cx="1772353" cy="1181569"/>
         </a:xfrm>
-        <a:custGeom>
-          <a:avLst/>
-          <a:gdLst/>
-          <a:ahLst/>
-          <a:cxnLst/>
-          <a:rect l="0" t="0" r="0" b="0"/>
-          <a:pathLst>
-            <a:path>
-              <a:moveTo>
-                <a:pt x="0" y="0"/>
-              </a:moveTo>
-              <a:lnTo>
-                <a:pt x="0" y="1161868"/>
-              </a:lnTo>
-              <a:lnTo>
-                <a:pt x="284657" y="1161868"/>
-              </a:lnTo>
-            </a:path>
-          </a:pathLst>
-        </a:custGeom>
-        <a:noFill/>
-        <a:ln w="12700" cap="flat" cmpd="sng" algn="ctr">
-          <a:solidFill>
-            <a:schemeClr val="accent1">
-              <a:shade val="80000"/>
-              <a:hueOff val="0"/>
-              <a:satOff val="0"/>
-              <a:lumOff val="0"/>
-              <a:alphaOff val="0"/>
-            </a:schemeClr>
-          </a:solidFill>
-          <a:prstDash val="solid"/>
-          <a:miter lim="800000"/>
-        </a:ln>
-        <a:effectLst/>
-      </dsp:spPr>
-      <dsp:style>
-        <a:lnRef idx="2">
-          <a:scrgbClr r="0" g="0" b="0"/>
-        </a:lnRef>
-        <a:fillRef idx="0">
-          <a:scrgbClr r="0" g="0" b="0"/>
-        </a:fillRef>
-        <a:effectRef idx="0">
-          <a:scrgbClr r="0" g="0" b="0"/>
-        </a:effectRef>
-        <a:fontRef idx="minor"/>
-      </dsp:style>
-    </dsp:sp>
-    <dsp:sp modelId="{AD99C808-836A-4C8A-85A7-DE42BD5075F9}">
-      <dsp:nvSpPr>
-        <dsp:cNvPr id="0" name=""/>
-        <dsp:cNvSpPr/>
-      </dsp:nvSpPr>
-      <dsp:spPr>
-        <a:xfrm>
-          <a:off x="3390070" y="2461782"/>
-          <a:ext cx="249136" cy="2101012"/>
-        </a:xfrm>
-        <a:custGeom>
-          <a:avLst/>
-          <a:gdLst/>
-          <a:ahLst/>
-          <a:cxnLst/>
-          <a:rect l="0" t="0" r="0" b="0"/>
-          <a:pathLst>
-            <a:path>
-              <a:moveTo>
-                <a:pt x="0" y="0"/>
-              </a:moveTo>
-              <a:lnTo>
-                <a:pt x="0" y="2101012"/>
-              </a:lnTo>
-              <a:lnTo>
-                <a:pt x="249136" y="2101012"/>
-              </a:lnTo>
-            </a:path>
-          </a:pathLst>
-        </a:custGeom>
-        <a:noFill/>
-        <a:ln w="12700" cap="flat" cmpd="sng" algn="ctr">
-          <a:solidFill>
-            <a:schemeClr val="accent1">
-              <a:shade val="80000"/>
-              <a:hueOff val="0"/>
-              <a:satOff val="0"/>
-              <a:lumOff val="0"/>
-              <a:alphaOff val="0"/>
-            </a:schemeClr>
-          </a:solidFill>
-          <a:prstDash val="solid"/>
-          <a:miter lim="800000"/>
-        </a:ln>
-        <a:effectLst/>
-      </dsp:spPr>
-      <dsp:style>
-        <a:lnRef idx="2">
-          <a:scrgbClr r="0" g="0" b="0"/>
-        </a:lnRef>
-        <a:fillRef idx="0">
-          <a:scrgbClr r="0" g="0" b="0"/>
-        </a:fillRef>
-        <a:effectRef idx="0">
-          <a:scrgbClr r="0" g="0" b="0"/>
-        </a:effectRef>
-        <a:fontRef idx="minor"/>
-      </dsp:style>
-    </dsp:sp>
-    <dsp:sp modelId="{049DB898-06D6-48A8-822D-57388DFB6131}">
-      <dsp:nvSpPr>
-        <dsp:cNvPr id="0" name=""/>
-        <dsp:cNvSpPr/>
-      </dsp:nvSpPr>
-      <dsp:spPr>
-        <a:xfrm>
-          <a:off x="3078544" y="2461782"/>
-          <a:ext cx="311525" cy="1600226"/>
-        </a:xfrm>
-        <a:custGeom>
-          <a:avLst/>
-          <a:gdLst/>
-          <a:ahLst/>
-          <a:cxnLst/>
-          <a:rect l="0" t="0" r="0" b="0"/>
-          <a:pathLst>
-            <a:path>
-              <a:moveTo>
-                <a:pt x="311525" y="0"/>
-              </a:moveTo>
-              <a:lnTo>
-                <a:pt x="311525" y="1600226"/>
-              </a:lnTo>
-              <a:lnTo>
-                <a:pt x="0" y="1600226"/>
-              </a:lnTo>
-            </a:path>
-          </a:pathLst>
-        </a:custGeom>
-        <a:noFill/>
-        <a:ln w="12700" cap="flat" cmpd="sng" algn="ctr">
-          <a:solidFill>
-            <a:schemeClr val="accent1">
-              <a:shade val="80000"/>
-              <a:hueOff val="0"/>
-              <a:satOff val="0"/>
-              <a:lumOff val="0"/>
-              <a:alphaOff val="0"/>
-            </a:schemeClr>
-          </a:solidFill>
-          <a:prstDash val="solid"/>
-          <a:miter lim="800000"/>
-        </a:ln>
-        <a:effectLst/>
-      </dsp:spPr>
-      <dsp:style>
-        <a:lnRef idx="2">
-          <a:scrgbClr r="0" g="0" b="0"/>
-        </a:lnRef>
-        <a:fillRef idx="0">
-          <a:scrgbClr r="0" g="0" b="0"/>
-        </a:fillRef>
-        <a:effectRef idx="0">
-          <a:scrgbClr r="0" g="0" b="0"/>
-        </a:effectRef>
-        <a:fontRef idx="minor"/>
-      </dsp:style>
-    </dsp:sp>
-    <dsp:sp modelId="{08DDCF76-1062-46CB-B301-71F194ADA367}">
-      <dsp:nvSpPr>
-        <dsp:cNvPr id="0" name=""/>
-        <dsp:cNvSpPr/>
-      </dsp:nvSpPr>
-      <dsp:spPr>
-        <a:xfrm>
-          <a:off x="2614860" y="905478"/>
-          <a:ext cx="771240" cy="1168698"/>
-        </a:xfrm>
-        <a:custGeom>
-          <a:avLst/>
-          <a:gdLst/>
-          <a:ahLst/>
-          <a:cxnLst/>
-          <a:rect l="0" t="0" r="0" b="0"/>
-          <a:pathLst>
-            <a:path>
-              <a:moveTo>
-                <a:pt x="771240" y="0"/>
-              </a:moveTo>
-              <a:lnTo>
-                <a:pt x="0" y="1168698"/>
-              </a:lnTo>
-            </a:path>
-          </a:pathLst>
-        </a:custGeom>
-        <a:noFill/>
-        <a:ln w="12700" cap="flat" cmpd="sng" algn="ctr">
-          <a:solidFill>
-            <a:schemeClr val="accent1">
-              <a:shade val="60000"/>
-              <a:hueOff val="0"/>
-              <a:satOff val="0"/>
-              <a:lumOff val="0"/>
-              <a:alphaOff val="0"/>
-            </a:schemeClr>
-          </a:solidFill>
-          <a:prstDash val="solid"/>
-          <a:miter lim="800000"/>
-        </a:ln>
-        <a:effectLst/>
-      </dsp:spPr>
-      <dsp:style>
-        <a:lnRef idx="2">
-          <a:scrgbClr r="0" g="0" b="0"/>
-        </a:lnRef>
-        <a:fillRef idx="0">
-          <a:scrgbClr r="0" g="0" b="0"/>
-        </a:fillRef>
-        <a:effectRef idx="0">
-          <a:scrgbClr r="0" g="0" b="0"/>
-        </a:effectRef>
-        <a:fontRef idx="minor"/>
-      </dsp:style>
-    </dsp:sp>
-    <dsp:sp modelId="{CF4B8774-C764-4EEA-966F-C6835E2F7AF1}">
-      <dsp:nvSpPr>
-        <dsp:cNvPr id="0" name=""/>
-        <dsp:cNvSpPr/>
-      </dsp:nvSpPr>
-      <dsp:spPr>
-        <a:xfrm>
-          <a:off x="2610891" y="130268"/>
-          <a:ext cx="1550419" cy="775209"/>
-        </a:xfrm>
-        <a:prstGeom prst="rect">
-          <a:avLst/>
+        <a:prstGeom prst="roundRect">
+          <a:avLst>
+            <a:gd name="adj" fmla="val 10000"/>
+          </a:avLst>
         </a:prstGeom>
         <a:solidFill>
           <a:schemeClr val="accent1">
@@ -1726,12 +1364,12 @@
         </a:fontRef>
       </dsp:style>
       <dsp:txBody>
-        <a:bodyPr spcFirstLastPara="0" vert="horz" wrap="square" lIns="16510" tIns="16510" rIns="16510" bIns="16510" numCol="1" spcCol="1270" anchor="ctr" anchorCtr="0">
+        <a:bodyPr spcFirstLastPara="0" vert="horz" wrap="square" lIns="110490" tIns="110490" rIns="110490" bIns="110490" numCol="1" spcCol="1270" anchor="ctr" anchorCtr="0">
           <a:noAutofit/>
         </a:bodyPr>
         <a:lstStyle/>
         <a:p>
-          <a:pPr lvl="0" algn="ctr" defTabSz="1155700">
+          <a:pPr lvl="0" algn="ctr" defTabSz="1289050">
             <a:lnSpc>
               <a:spcPct val="90000"/>
             </a:lnSpc>
@@ -1743,29 +1381,87 @@
             </a:spcAft>
           </a:pPr>
           <a:r>
-            <a:rPr lang="ro-RO" sz="2600" kern="1200" dirty="0" smtClean="0"/>
+            <a:rPr lang="ro-RO" sz="2900" kern="1200" dirty="0" smtClean="0"/>
             <a:t>Aplicație Client</a:t>
           </a:r>
-          <a:endParaRPr lang="en-US" sz="2600" kern="1200" dirty="0"/>
+          <a:endParaRPr lang="en-US" sz="2900" kern="1200" dirty="0"/>
         </a:p>
       </dsp:txBody>
       <dsp:txXfrm>
-        <a:off x="2610891" y="130268"/>
-        <a:ext cx="1550419" cy="775209"/>
+        <a:off x="2343659" y="495997"/>
+        <a:ext cx="1703139" cy="1112355"/>
       </dsp:txXfrm>
     </dsp:sp>
-    <dsp:sp modelId="{9051C5BE-352D-4657-A22D-E3B1D7DB7B34}">
+    <dsp:sp modelId="{1AA2EE3E-A9B5-4A09-AC15-11E53F7E90D0}">
       <dsp:nvSpPr>
         <dsp:cNvPr id="0" name=""/>
         <dsp:cNvSpPr/>
       </dsp:nvSpPr>
       <dsp:spPr>
         <a:xfrm>
-          <a:off x="2614860" y="1686572"/>
-          <a:ext cx="1550419" cy="775209"/>
+          <a:off x="3149509" y="1642959"/>
+          <a:ext cx="91440" cy="472627"/>
         </a:xfrm>
-        <a:prstGeom prst="rect">
+        <a:custGeom>
           <a:avLst/>
+          <a:gdLst/>
+          <a:ahLst/>
+          <a:cxnLst/>
+          <a:rect l="0" t="0" r="0" b="0"/>
+          <a:pathLst>
+            <a:path>
+              <a:moveTo>
+                <a:pt x="45720" y="0"/>
+              </a:moveTo>
+              <a:lnTo>
+                <a:pt x="45720" y="472627"/>
+              </a:lnTo>
+            </a:path>
+          </a:pathLst>
+        </a:custGeom>
+        <a:noFill/>
+        <a:ln w="12700" cap="flat" cmpd="sng" algn="ctr">
+          <a:solidFill>
+            <a:schemeClr val="accent1">
+              <a:shade val="60000"/>
+              <a:hueOff val="0"/>
+              <a:satOff val="0"/>
+              <a:lumOff val="0"/>
+              <a:alphaOff val="0"/>
+            </a:schemeClr>
+          </a:solidFill>
+          <a:prstDash val="solid"/>
+          <a:miter lim="800000"/>
+        </a:ln>
+        <a:effectLst/>
+      </dsp:spPr>
+      <dsp:style>
+        <a:lnRef idx="2">
+          <a:scrgbClr r="0" g="0" b="0"/>
+        </a:lnRef>
+        <a:fillRef idx="0">
+          <a:scrgbClr r="0" g="0" b="0"/>
+        </a:fillRef>
+        <a:effectRef idx="0">
+          <a:scrgbClr r="0" g="0" b="0"/>
+        </a:effectRef>
+        <a:fontRef idx="minor"/>
+      </dsp:style>
+    </dsp:sp>
+    <dsp:sp modelId="{924D7767-3779-4E75-A9D1-B6EF723A406B}">
+      <dsp:nvSpPr>
+        <dsp:cNvPr id="0" name=""/>
+        <dsp:cNvSpPr/>
+      </dsp:nvSpPr>
+      <dsp:spPr>
+        <a:xfrm>
+          <a:off x="2309052" y="2115587"/>
+          <a:ext cx="1772353" cy="1181569"/>
+        </a:xfrm>
+        <a:prstGeom prst="roundRect">
+          <a:avLst>
+            <a:gd name="adj" fmla="val 10000"/>
+          </a:avLst>
         </a:prstGeom>
         <a:solidFill>
           <a:schemeClr val="accent1">
@@ -1804,12 +1500,12 @@
         </a:fontRef>
       </dsp:style>
       <dsp:txBody>
-        <a:bodyPr spcFirstLastPara="0" vert="horz" wrap="square" lIns="16510" tIns="16510" rIns="16510" bIns="16510" numCol="1" spcCol="1270" anchor="ctr" anchorCtr="0">
+        <a:bodyPr spcFirstLastPara="0" vert="horz" wrap="square" lIns="110490" tIns="110490" rIns="110490" bIns="110490" numCol="1" spcCol="1270" anchor="ctr" anchorCtr="0">
           <a:noAutofit/>
         </a:bodyPr>
         <a:lstStyle/>
         <a:p>
-          <a:pPr lvl="0" algn="ctr" defTabSz="1155700">
+          <a:pPr lvl="0" algn="ctr" defTabSz="1289050">
             <a:lnSpc>
               <a:spcPct val="90000"/>
             </a:lnSpc>
@@ -1821,29 +1517,93 @@
             </a:spcAft>
           </a:pPr>
           <a:r>
-            <a:rPr lang="ro-RO" sz="2600" kern="1200" dirty="0" smtClean="0"/>
+            <a:rPr lang="ro-RO" sz="2900" kern="1200" dirty="0" smtClean="0"/>
             <a:t>Aplicație Server</a:t>
           </a:r>
-          <a:endParaRPr lang="en-US" sz="2600" kern="1200" dirty="0"/>
+          <a:endParaRPr lang="en-US" sz="2900" kern="1200" dirty="0"/>
         </a:p>
       </dsp:txBody>
       <dsp:txXfrm>
-        <a:off x="2614860" y="1686572"/>
-        <a:ext cx="1550419" cy="775209"/>
+        <a:off x="2343659" y="2150194"/>
+        <a:ext cx="1703139" cy="1112355"/>
       </dsp:txXfrm>
     </dsp:sp>
-    <dsp:sp modelId="{F7D7C0DF-F2C8-47E7-BBB9-137B91F435B6}">
+    <dsp:sp modelId="{D963691C-3642-4A13-9D4B-615A02507769}">
       <dsp:nvSpPr>
         <dsp:cNvPr id="0" name=""/>
         <dsp:cNvSpPr/>
       </dsp:nvSpPr>
       <dsp:spPr>
         <a:xfrm>
-          <a:off x="1528125" y="3674404"/>
-          <a:ext cx="1550419" cy="775209"/>
+          <a:off x="891169" y="3297156"/>
+          <a:ext cx="2304060" cy="472627"/>
         </a:xfrm>
-        <a:prstGeom prst="rect">
+        <a:custGeom>
           <a:avLst/>
+          <a:gdLst/>
+          <a:ahLst/>
+          <a:cxnLst/>
+          <a:rect l="0" t="0" r="0" b="0"/>
+          <a:pathLst>
+            <a:path>
+              <a:moveTo>
+                <a:pt x="2304060" y="0"/>
+              </a:moveTo>
+              <a:lnTo>
+                <a:pt x="2304060" y="236313"/>
+              </a:lnTo>
+              <a:lnTo>
+                <a:pt x="0" y="236313"/>
+              </a:lnTo>
+              <a:lnTo>
+                <a:pt x="0" y="472627"/>
+              </a:lnTo>
+            </a:path>
+          </a:pathLst>
+        </a:custGeom>
+        <a:noFill/>
+        <a:ln w="12700" cap="flat" cmpd="sng" algn="ctr">
+          <a:solidFill>
+            <a:schemeClr val="accent1">
+              <a:shade val="80000"/>
+              <a:hueOff val="0"/>
+              <a:satOff val="0"/>
+              <a:lumOff val="0"/>
+              <a:alphaOff val="0"/>
+            </a:schemeClr>
+          </a:solidFill>
+          <a:prstDash val="solid"/>
+          <a:miter lim="800000"/>
+        </a:ln>
+        <a:effectLst/>
+      </dsp:spPr>
+      <dsp:style>
+        <a:lnRef idx="2">
+          <a:scrgbClr r="0" g="0" b="0"/>
+        </a:lnRef>
+        <a:fillRef idx="0">
+          <a:scrgbClr r="0" g="0" b="0"/>
+        </a:fillRef>
+        <a:effectRef idx="0">
+          <a:scrgbClr r="0" g="0" b="0"/>
+        </a:effectRef>
+        <a:fontRef idx="minor"/>
+      </dsp:style>
+    </dsp:sp>
+    <dsp:sp modelId="{9310C464-F17A-4EE5-9628-6BEBE30D390D}">
+      <dsp:nvSpPr>
+        <dsp:cNvPr id="0" name=""/>
+        <dsp:cNvSpPr/>
+      </dsp:nvSpPr>
+      <dsp:spPr>
+        <a:xfrm>
+          <a:off x="4992" y="3769784"/>
+          <a:ext cx="1772353" cy="1181569"/>
+        </a:xfrm>
+        <a:prstGeom prst="roundRect">
+          <a:avLst>
+            <a:gd name="adj" fmla="val 10000"/>
+          </a:avLst>
         </a:prstGeom>
         <a:solidFill>
           <a:schemeClr val="accent1">
@@ -1882,12 +1642,12 @@
         </a:fontRef>
       </dsp:style>
       <dsp:txBody>
-        <a:bodyPr spcFirstLastPara="0" vert="horz" wrap="square" lIns="16510" tIns="16510" rIns="16510" bIns="16510" numCol="1" spcCol="1270" anchor="ctr" anchorCtr="0">
+        <a:bodyPr spcFirstLastPara="0" vert="horz" wrap="square" lIns="110490" tIns="110490" rIns="110490" bIns="110490" numCol="1" spcCol="1270" anchor="ctr" anchorCtr="0">
           <a:noAutofit/>
         </a:bodyPr>
         <a:lstStyle/>
         <a:p>
-          <a:pPr lvl="0" algn="ctr" defTabSz="1155700">
+          <a:pPr lvl="0" algn="ctr" defTabSz="1289050">
             <a:lnSpc>
               <a:spcPct val="90000"/>
             </a:lnSpc>
@@ -1899,33 +1659,91 @@
             </a:spcAft>
           </a:pPr>
           <a:r>
-            <a:rPr lang="ro-RO" sz="2600" kern="1200" dirty="0" smtClean="0"/>
+            <a:rPr lang="ro-RO" sz="2900" kern="1200" dirty="0" smtClean="0"/>
             <a:t>Dispozitiv </a:t>
           </a:r>
           <a:r>
-            <a:rPr lang="en-US" sz="2600" kern="1200" dirty="0" smtClean="0"/>
+            <a:rPr lang="en-US" sz="2900" kern="1200" dirty="0" smtClean="0"/>
             <a:t>1</a:t>
           </a:r>
-          <a:endParaRPr lang="en-US" sz="2600" kern="1200" dirty="0"/>
+          <a:endParaRPr lang="en-US" sz="2900" kern="1200" dirty="0"/>
         </a:p>
       </dsp:txBody>
       <dsp:txXfrm>
-        <a:off x="1528125" y="3674404"/>
-        <a:ext cx="1550419" cy="775209"/>
+        <a:off x="39599" y="3804391"/>
+        <a:ext cx="1703139" cy="1112355"/>
       </dsp:txXfrm>
     </dsp:sp>
-    <dsp:sp modelId="{1E761C78-7C43-41C4-847F-CB9FECCAE800}">
+    <dsp:sp modelId="{A3A32269-1CAF-4DC2-B4D7-72FD83E37B5B}">
       <dsp:nvSpPr>
         <dsp:cNvPr id="0" name=""/>
         <dsp:cNvSpPr/>
       </dsp:nvSpPr>
       <dsp:spPr>
         <a:xfrm>
-          <a:off x="3639207" y="4175189"/>
-          <a:ext cx="1550419" cy="775209"/>
+          <a:off x="3149509" y="3297156"/>
+          <a:ext cx="91440" cy="472627"/>
         </a:xfrm>
-        <a:prstGeom prst="rect">
+        <a:custGeom>
           <a:avLst/>
+          <a:gdLst/>
+          <a:ahLst/>
+          <a:cxnLst/>
+          <a:rect l="0" t="0" r="0" b="0"/>
+          <a:pathLst>
+            <a:path>
+              <a:moveTo>
+                <a:pt x="45720" y="0"/>
+              </a:moveTo>
+              <a:lnTo>
+                <a:pt x="45720" y="472627"/>
+              </a:lnTo>
+            </a:path>
+          </a:pathLst>
+        </a:custGeom>
+        <a:noFill/>
+        <a:ln w="12700" cap="flat" cmpd="sng" algn="ctr">
+          <a:solidFill>
+            <a:schemeClr val="accent1">
+              <a:shade val="80000"/>
+              <a:hueOff val="0"/>
+              <a:satOff val="0"/>
+              <a:lumOff val="0"/>
+              <a:alphaOff val="0"/>
+            </a:schemeClr>
+          </a:solidFill>
+          <a:prstDash val="solid"/>
+          <a:miter lim="800000"/>
+        </a:ln>
+        <a:effectLst/>
+      </dsp:spPr>
+      <dsp:style>
+        <a:lnRef idx="2">
+          <a:scrgbClr r="0" g="0" b="0"/>
+        </a:lnRef>
+        <a:fillRef idx="0">
+          <a:scrgbClr r="0" g="0" b="0"/>
+        </a:fillRef>
+        <a:effectRef idx="0">
+          <a:scrgbClr r="0" g="0" b="0"/>
+        </a:effectRef>
+        <a:fontRef idx="minor"/>
+      </dsp:style>
+    </dsp:sp>
+    <dsp:sp modelId="{1956AAFF-10E4-4255-8BD5-2F66FE8CA411}">
+      <dsp:nvSpPr>
+        <dsp:cNvPr id="0" name=""/>
+        <dsp:cNvSpPr/>
+      </dsp:nvSpPr>
+      <dsp:spPr>
+        <a:xfrm>
+          <a:off x="2309052" y="3769784"/>
+          <a:ext cx="1772353" cy="1181569"/>
+        </a:xfrm>
+        <a:prstGeom prst="roundRect">
+          <a:avLst>
+            <a:gd name="adj" fmla="val 10000"/>
+          </a:avLst>
         </a:prstGeom>
         <a:solidFill>
           <a:schemeClr val="accent1">
@@ -1964,12 +1782,12 @@
         </a:fontRef>
       </dsp:style>
       <dsp:txBody>
-        <a:bodyPr spcFirstLastPara="0" vert="horz" wrap="square" lIns="16510" tIns="16510" rIns="16510" bIns="16510" numCol="1" spcCol="1270" anchor="ctr" anchorCtr="0">
+        <a:bodyPr spcFirstLastPara="0" vert="horz" wrap="square" lIns="110490" tIns="110490" rIns="110490" bIns="110490" numCol="1" spcCol="1270" anchor="ctr" anchorCtr="0">
           <a:noAutofit/>
         </a:bodyPr>
         <a:lstStyle/>
         <a:p>
-          <a:pPr lvl="0" algn="ctr" defTabSz="1155700">
+          <a:pPr lvl="0" algn="ctr" defTabSz="1289050">
             <a:lnSpc>
               <a:spcPct val="90000"/>
             </a:lnSpc>
@@ -1981,33 +1799,97 @@
             </a:spcAft>
           </a:pPr>
           <a:r>
-            <a:rPr lang="ro-RO" sz="2600" kern="1200" dirty="0" smtClean="0"/>
+            <a:rPr lang="ro-RO" sz="2900" kern="1200" dirty="0" smtClean="0"/>
             <a:t>Dispozitiv </a:t>
           </a:r>
           <a:r>
-            <a:rPr lang="en-US" sz="2600" kern="1200" dirty="0" smtClean="0"/>
-            <a:t>…</a:t>
+            <a:rPr lang="ro-RO" sz="2900" kern="1200" dirty="0" smtClean="0"/>
+            <a:t>2</a:t>
           </a:r>
-          <a:endParaRPr lang="en-US" sz="2600" kern="1200" dirty="0"/>
+          <a:endParaRPr lang="en-US" sz="2900" kern="1200" dirty="0"/>
         </a:p>
       </dsp:txBody>
       <dsp:txXfrm>
-        <a:off x="3639207" y="4175189"/>
-        <a:ext cx="1550419" cy="775209"/>
+        <a:off x="2343659" y="3804391"/>
+        <a:ext cx="1703139" cy="1112355"/>
       </dsp:txXfrm>
     </dsp:sp>
-    <dsp:sp modelId="{0D5DF36B-661D-424D-9626-28873FD9FA74}">
+    <dsp:sp modelId="{EB93688B-C590-459D-A823-880B4C0DE7A9}">
       <dsp:nvSpPr>
         <dsp:cNvPr id="0" name=""/>
         <dsp:cNvSpPr/>
       </dsp:nvSpPr>
       <dsp:spPr>
         <a:xfrm>
-          <a:off x="3674727" y="3236046"/>
-          <a:ext cx="1550419" cy="775209"/>
+          <a:off x="3195229" y="3297156"/>
+          <a:ext cx="2304060" cy="472627"/>
         </a:xfrm>
-        <a:prstGeom prst="rect">
+        <a:custGeom>
           <a:avLst/>
+          <a:gdLst/>
+          <a:ahLst/>
+          <a:cxnLst/>
+          <a:rect l="0" t="0" r="0" b="0"/>
+          <a:pathLst>
+            <a:path>
+              <a:moveTo>
+                <a:pt x="0" y="0"/>
+              </a:moveTo>
+              <a:lnTo>
+                <a:pt x="0" y="236313"/>
+              </a:lnTo>
+              <a:lnTo>
+                <a:pt x="2304060" y="236313"/>
+              </a:lnTo>
+              <a:lnTo>
+                <a:pt x="2304060" y="472627"/>
+              </a:lnTo>
+            </a:path>
+          </a:pathLst>
+        </a:custGeom>
+        <a:noFill/>
+        <a:ln w="12700" cap="flat" cmpd="sng" algn="ctr">
+          <a:solidFill>
+            <a:schemeClr val="accent1">
+              <a:shade val="80000"/>
+              <a:hueOff val="0"/>
+              <a:satOff val="0"/>
+              <a:lumOff val="0"/>
+              <a:alphaOff val="0"/>
+            </a:schemeClr>
+          </a:solidFill>
+          <a:prstDash val="solid"/>
+          <a:miter lim="800000"/>
+        </a:ln>
+        <a:effectLst/>
+      </dsp:spPr>
+      <dsp:style>
+        <a:lnRef idx="2">
+          <a:scrgbClr r="0" g="0" b="0"/>
+        </a:lnRef>
+        <a:fillRef idx="0">
+          <a:scrgbClr r="0" g="0" b="0"/>
+        </a:fillRef>
+        <a:effectRef idx="0">
+          <a:scrgbClr r="0" g="0" b="0"/>
+        </a:effectRef>
+        <a:fontRef idx="minor"/>
+      </dsp:style>
+    </dsp:sp>
+    <dsp:sp modelId="{98778A9B-C700-42DB-8B31-295727FCB770}">
+      <dsp:nvSpPr>
+        <dsp:cNvPr id="0" name=""/>
+        <dsp:cNvSpPr/>
+      </dsp:nvSpPr>
+      <dsp:spPr>
+        <a:xfrm>
+          <a:off x="4613112" y="3769784"/>
+          <a:ext cx="1772353" cy="1181569"/>
+        </a:xfrm>
+        <a:prstGeom prst="roundRect">
+          <a:avLst>
+            <a:gd name="adj" fmla="val 10000"/>
+          </a:avLst>
         </a:prstGeom>
         <a:solidFill>
           <a:schemeClr val="accent1">
@@ -2046,12 +1928,12 @@
         </a:fontRef>
       </dsp:style>
       <dsp:txBody>
-        <a:bodyPr spcFirstLastPara="0" vert="horz" wrap="square" lIns="16510" tIns="16510" rIns="16510" bIns="16510" numCol="1" spcCol="1270" anchor="ctr" anchorCtr="0">
+        <a:bodyPr spcFirstLastPara="0" vert="horz" wrap="square" lIns="110490" tIns="110490" rIns="110490" bIns="110490" numCol="1" spcCol="1270" anchor="ctr" anchorCtr="0">
           <a:noAutofit/>
         </a:bodyPr>
         <a:lstStyle/>
         <a:p>
-          <a:pPr lvl="0" algn="ctr" defTabSz="1155700">
+          <a:pPr lvl="0" algn="ctr" defTabSz="1289050">
             <a:lnSpc>
               <a:spcPct val="90000"/>
             </a:lnSpc>
@@ -2063,23 +1945,23 @@
             </a:spcAft>
           </a:pPr>
           <a:r>
-            <a:rPr lang="ro-RO" sz="2600" kern="1200" dirty="0" smtClean="0"/>
+            <a:rPr lang="ro-RO" sz="2900" kern="1200" dirty="0" smtClean="0"/>
             <a:t>Dispozitiv</a:t>
           </a:r>
           <a:r>
-            <a:rPr lang="en-US" sz="2600" kern="1200" dirty="0" smtClean="0"/>
+            <a:rPr lang="en-US" sz="2900" kern="1200" dirty="0" smtClean="0"/>
             <a:t> </a:t>
           </a:r>
           <a:r>
-            <a:rPr lang="ro-RO" sz="2600" kern="1200" dirty="0" smtClean="0"/>
-            <a:t>2</a:t>
+            <a:rPr lang="ro-RO" sz="2900" kern="1200" dirty="0" smtClean="0"/>
+            <a:t>...</a:t>
           </a:r>
-          <a:endParaRPr lang="en-US" sz="2600" kern="1200" dirty="0"/>
+          <a:endParaRPr lang="en-US" sz="2900" kern="1200" dirty="0"/>
         </a:p>
       </dsp:txBody>
       <dsp:txXfrm>
-        <a:off x="3674727" y="3236046"/>
-        <a:ext cx="1550419" cy="775209"/>
+        <a:off x="4647719" y="3804391"/>
+        <a:ext cx="1703139" cy="1112355"/>
       </dsp:txXfrm>
     </dsp:sp>
   </dsp:spTree>
@@ -2087,12 +1969,11 @@
 </file>
 
 <file path=ppt/diagrams/layout1.xml><?xml version="1.0" encoding="utf-8"?>
-<dgm:layoutDef xmlns:dgm="http://schemas.openxmlformats.org/drawingml/2006/diagram" xmlns:a="http://schemas.openxmlformats.org/drawingml/2006/main" uniqueId="urn:microsoft.com/office/officeart/2005/8/layout/orgChart1">
+<dgm:layoutDef xmlns:dgm="http://schemas.openxmlformats.org/drawingml/2006/diagram" xmlns:a="http://schemas.openxmlformats.org/drawingml/2006/main" uniqueId="urn:microsoft.com/office/officeart/2005/8/layout/hierarchy6">
   <dgm:title val=""/>
   <dgm:desc val=""/>
   <dgm:catLst>
-    <dgm:cat type="hierarchy" pri="1000"/>
-    <dgm:cat type="convert" pri="6000"/>
+    <dgm:cat type="hierarchy" pri="3000"/>
   </dgm:catLst>
   <dgm:sampData>
     <dgm:dataModel>
@@ -2101,10 +1982,19 @@
         <dgm:pt modelId="1">
           <dgm:prSet phldr="1"/>
         </dgm:pt>
-        <dgm:pt modelId="2" type="asst">
+        <dgm:pt modelId="2">
+          <dgm:prSet phldr="1"/>
+        </dgm:pt>
+        <dgm:pt modelId="21">
+          <dgm:prSet phldr="1"/>
+        </dgm:pt>
+        <dgm:pt modelId="22">
           <dgm:prSet phldr="1"/>
         </dgm:pt>
         <dgm:pt modelId="3">
+          <dgm:prSet phldr="1"/>
+        </dgm:pt>
+        <dgm:pt modelId="31">
           <dgm:prSet phldr="1"/>
         </dgm:pt>
         <dgm:pt modelId="4">
@@ -2113,13 +2003,20 @@
         <dgm:pt modelId="5">
           <dgm:prSet phldr="1"/>
         </dgm:pt>
+        <dgm:pt modelId="6">
+          <dgm:prSet phldr="1"/>
+        </dgm:pt>
       </dgm:ptLst>
       <dgm:cxnLst>
-        <dgm:cxn modelId="5" srcId="0" destId="1" srcOrd="0" destOrd="0"/>
-        <dgm:cxn modelId="6" srcId="1" destId="2" srcOrd="0" destOrd="0"/>
-        <dgm:cxn modelId="7" srcId="1" destId="3" srcOrd="1" destOrd="0"/>
-        <dgm:cxn modelId="8" srcId="1" destId="4" srcOrd="2" destOrd="0"/>
-        <dgm:cxn modelId="9" srcId="1" destId="5" srcOrd="3" destOrd="0"/>
+        <dgm:cxn modelId="7" srcId="0" destId="1" srcOrd="0" destOrd="0"/>
+        <dgm:cxn modelId="8" srcId="1" destId="2" srcOrd="0" destOrd="0"/>
+        <dgm:cxn modelId="9" srcId="1" destId="3" srcOrd="1" destOrd="0"/>
+        <dgm:cxn modelId="23" srcId="2" destId="21" srcOrd="0" destOrd="0"/>
+        <dgm:cxn modelId="24" srcId="2" destId="22" srcOrd="1" destOrd="0"/>
+        <dgm:cxn modelId="33" srcId="3" destId="31" srcOrd="0" destOrd="0"/>
+        <dgm:cxn modelId="10" srcId="0" destId="4" srcOrd="1" destOrd="0"/>
+        <dgm:cxn modelId="11" srcId="0" destId="5" srcOrd="2" destOrd="0"/>
+        <dgm:cxn modelId="12" srcId="0" destId="6" srcOrd="3" destOrd="0"/>
       </dgm:cxnLst>
       <dgm:bg/>
       <dgm:whole/>
@@ -2130,13 +2027,17 @@
       <dgm:ptLst>
         <dgm:pt modelId="0" type="doc"/>
         <dgm:pt modelId="1"/>
+        <dgm:pt modelId="11"/>
         <dgm:pt modelId="12"/>
-        <dgm:pt modelId="13"/>
+        <dgm:pt modelId="2"/>
+        <dgm:pt modelId="3"/>
       </dgm:ptLst>
       <dgm:cxnLst>
-        <dgm:cxn modelId="2" srcId="0" destId="1" srcOrd="0" destOrd="0"/>
-        <dgm:cxn modelId="16" srcId="1" destId="12" srcOrd="1" destOrd="0"/>
-        <dgm:cxn modelId="17" srcId="1" destId="13" srcOrd="2" destOrd="0"/>
+        <dgm:cxn modelId="4" srcId="0" destId="1" srcOrd="0" destOrd="0"/>
+        <dgm:cxn modelId="13" srcId="1" destId="11" srcOrd="0" destOrd="0"/>
+        <dgm:cxn modelId="14" srcId="1" destId="12" srcOrd="1" destOrd="0"/>
+        <dgm:cxn modelId="5" srcId="0" destId="2" srcOrd="1" destOrd="0"/>
+        <dgm:cxn modelId="6" srcId="0" destId="3" srcOrd="2" destOrd="0"/>
       </dgm:cxnLst>
       <dgm:bg/>
       <dgm:whole/>
@@ -2147,1087 +2048,433 @@
       <dgm:ptLst>
         <dgm:pt modelId="0" type="doc"/>
         <dgm:pt modelId="1"/>
-        <dgm:pt modelId="11" type="asst"/>
-        <dgm:pt modelId="12"/>
-        <dgm:pt modelId="13"/>
-        <dgm:pt modelId="14"/>
+        <dgm:pt modelId="2"/>
+        <dgm:pt modelId="21"/>
+        <dgm:pt modelId="211"/>
+        <dgm:pt modelId="3"/>
+        <dgm:pt modelId="31"/>
+        <dgm:pt modelId="311"/>
+        <dgm:pt modelId="4"/>
+        <dgm:pt modelId="5"/>
+        <dgm:pt modelId="6"/>
+        <dgm:pt modelId="7"/>
       </dgm:ptLst>
       <dgm:cxnLst>
-        <dgm:cxn modelId="2" srcId="0" destId="1" srcOrd="0" destOrd="0"/>
-        <dgm:cxn modelId="15" srcId="1" destId="11" srcOrd="0" destOrd="0"/>
-        <dgm:cxn modelId="16" srcId="1" destId="12" srcOrd="1" destOrd="0"/>
-        <dgm:cxn modelId="17" srcId="1" destId="13" srcOrd="2" destOrd="0"/>
-        <dgm:cxn modelId="18" srcId="1" destId="14" srcOrd="2" destOrd="0"/>
+        <dgm:cxn modelId="8" srcId="0" destId="1" srcOrd="0" destOrd="0"/>
+        <dgm:cxn modelId="9" srcId="1" destId="2" srcOrd="0" destOrd="0"/>
+        <dgm:cxn modelId="10" srcId="1" destId="3" srcOrd="1" destOrd="0"/>
+        <dgm:cxn modelId="23" srcId="2" destId="21" srcOrd="0" destOrd="0"/>
+        <dgm:cxn modelId="24" srcId="21" destId="211" srcOrd="0" destOrd="0"/>
+        <dgm:cxn modelId="33" srcId="3" destId="31" srcOrd="0" destOrd="0"/>
+        <dgm:cxn modelId="34" srcId="31" destId="311" srcOrd="0" destOrd="0"/>
+        <dgm:cxn modelId="11" srcId="0" destId="4" srcOrd="1" destOrd="0"/>
+        <dgm:cxn modelId="12" srcId="0" destId="5" srcOrd="2" destOrd="0"/>
+        <dgm:cxn modelId="13" srcId="0" destId="6" srcOrd="3" destOrd="0"/>
+        <dgm:cxn modelId="14" srcId="0" destId="7" srcOrd="4" destOrd="0"/>
       </dgm:cxnLst>
       <dgm:bg/>
       <dgm:whole/>
     </dgm:dataModel>
   </dgm:clrData>
-  <dgm:layoutNode name="hierChild1">
+  <dgm:layoutNode name="mainComposite">
     <dgm:varLst>
-      <dgm:orgChart val="1"/>
       <dgm:chPref val="1"/>
       <dgm:dir/>
       <dgm:animOne val="branch"/>
       <dgm:animLvl val="lvl"/>
-      <dgm:resizeHandles/>
+      <dgm:resizeHandles val="exact"/>
     </dgm:varLst>
-    <dgm:choose name="Name0">
-      <dgm:if name="Name1" func="var" arg="dir" op="equ" val="norm">
-        <dgm:alg type="hierChild">
-          <dgm:param type="linDir" val="fromL"/>
-        </dgm:alg>
-      </dgm:if>
-      <dgm:else name="Name2">
-        <dgm:alg type="hierChild">
-          <dgm:param type="linDir" val="fromR"/>
-        </dgm:alg>
-      </dgm:else>
-    </dgm:choose>
+    <dgm:alg type="composite">
+      <dgm:param type="vertAlign" val="mid"/>
+      <dgm:param type="horzAlign" val="ctr"/>
+    </dgm:alg>
     <dgm:shape xmlns:r="http://schemas.openxmlformats.org/officeDocument/2006/relationships" r:blip="">
       <dgm:adjLst/>
     </dgm:shape>
     <dgm:presOf/>
-    <dgm:constrLst>
-      <dgm:constr type="w" for="des" forName="rootComposite1" refType="w" fact="10"/>
-      <dgm:constr type="h" for="des" forName="rootComposite1" refType="w" refFor="des" refForName="rootComposite1" fact="0.5"/>
-      <dgm:constr type="w" for="des" forName="rootComposite" refType="w" fact="10"/>
-      <dgm:constr type="h" for="des" forName="rootComposite" refType="w" refFor="des" refForName="rootComposite1" fact="0.5"/>
-      <dgm:constr type="w" for="des" forName="rootComposite3" refType="w" fact="10"/>
-      <dgm:constr type="h" for="des" forName="rootComposite3" refType="w" refFor="des" refForName="rootComposite1" fact="0.5"/>
-      <dgm:constr type="primFontSz" for="des" ptType="node" op="equ"/>
-      <dgm:constr type="sp" for="des" op="equ"/>
-      <dgm:constr type="sp" for="des" forName="hierRoot1" refType="w" refFor="des" refForName="rootComposite1" fact="0.21"/>
-      <dgm:constr type="sp" for="des" forName="hierRoot2" refType="sp" refFor="des" refForName="hierRoot1"/>
-      <dgm:constr type="sp" for="des" forName="hierRoot3" refType="sp" refFor="des" refForName="hierRoot1"/>
-      <dgm:constr type="sibSp" refType="w" refFor="des" refForName="rootComposite1" fact="0.21"/>
-      <dgm:constr type="sibSp" for="des" forName="hierChild2" refType="sibSp"/>
-      <dgm:constr type="sibSp" for="des" forName="hierChild3" refType="sibSp"/>
-      <dgm:constr type="sibSp" for="des" forName="hierChild4" refType="sibSp"/>
-      <dgm:constr type="sibSp" for="des" forName="hierChild5" refType="sibSp"/>
-      <dgm:constr type="sibSp" for="des" forName="hierChild6" refType="sibSp"/>
-      <dgm:constr type="sibSp" for="des" forName="hierChild7" refType="sibSp"/>
-      <dgm:constr type="secSibSp" refType="w" refFor="des" refForName="rootComposite1" fact="0.21"/>
-      <dgm:constr type="secSibSp" for="des" forName="hierChild2" refType="secSibSp"/>
-      <dgm:constr type="secSibSp" for="des" forName="hierChild3" refType="secSibSp"/>
-      <dgm:constr type="secSibSp" for="des" forName="hierChild4" refType="secSibSp"/>
-      <dgm:constr type="secSibSp" for="des" forName="hierChild5" refType="secSibSp"/>
-      <dgm:constr type="secSibSp" for="des" forName="hierChild6" refType="secSibSp"/>
-      <dgm:constr type="secSibSp" for="des" forName="hierChild7" refType="secSibSp"/>
-    </dgm:constrLst>
+    <dgm:choose name="Name0">
+      <dgm:if name="Name1" axis="ch" ptType="node" func="cnt" op="gte" val="2">
+        <dgm:choose name="Name2">
+          <dgm:if name="Name3" func="var" arg="dir" op="equ" val="norm">
+            <dgm:constrLst>
+              <dgm:constr type="l" for="ch" forName="hierFlow" refType="w" fact="0.3"/>
+              <dgm:constr type="t" for="ch" forName="hierFlow"/>
+              <dgm:constr type="r" for="ch" forName="hierFlow" refType="w" fact="0.98"/>
+              <dgm:constr type="b" for="ch" forName="hierFlow" refType="h" fact="0.98"/>
+              <dgm:constr type="l" for="ch" forName="bgShapesFlow"/>
+              <dgm:constr type="t" for="ch" forName="bgShapesFlow"/>
+              <dgm:constr type="r" for="ch" forName="bgShapesFlow" refType="w"/>
+              <dgm:constr type="b" for="ch" forName="bgShapesFlow" refType="h"/>
+              <dgm:constr type="w" for="des" forName="level1Shape" refType="w"/>
+              <dgm:constr type="h" for="des" forName="level1Shape" refType="w" refFor="des" refForName="level1Shape" fact="0.66667"/>
+              <dgm:constr type="w" for="des" forName="level2Shape" refType="w" refFor="des" refForName="level1Shape" op="equ"/>
+              <dgm:constr type="h" for="des" forName="level2Shape" refType="h" refFor="des" refForName="level1Shape" op="equ"/>
+              <dgm:constr type="sp" for="des" refType="h" refFor="des" refForName="level1Shape" op="equ" fact="0.4"/>
+              <dgm:constr type="sibSp" for="des" forName="hierChild1" refType="w" refFor="des" refForName="level1Shape" op="equ" fact="0.3"/>
+              <dgm:constr type="sibSp" for="des" forName="hierChild2" refType="sibSp" refFor="des" refForName="hierChild1" op="equ"/>
+              <dgm:constr type="sibSp" for="des" forName="hierChild3" refType="sibSp" refFor="des" refForName="hierChild1" op="equ"/>
+              <dgm:constr type="userA" for="des" refType="h" refFor="des" refForName="level1Shape" op="equ"/>
+              <dgm:constr type="userB" for="des" refType="sp" refFor="des" op="equ"/>
+              <dgm:constr type="h" for="des" forName="firstBuf" refType="h" refFor="des" refForName="level1Shape" fact="0.1"/>
+            </dgm:constrLst>
+          </dgm:if>
+          <dgm:else name="Name4">
+            <dgm:constrLst>
+              <dgm:constr type="l" for="ch" forName="hierFlow" refType="w" fact="0.02"/>
+              <dgm:constr type="t" for="ch" forName="hierFlow"/>
+              <dgm:constr type="r" for="ch" forName="hierFlow" refType="w" fact="0.7"/>
+              <dgm:constr type="b" for="ch" forName="hierFlow" refType="h" fact="0.98"/>
+              <dgm:constr type="l" for="ch" forName="bgShapesFlow"/>
+              <dgm:constr type="t" for="ch" forName="bgShapesFlow"/>
+              <dgm:constr type="r" for="ch" forName="bgShapesFlow" refType="w"/>
+              <dgm:constr type="b" for="ch" forName="bgShapesFlow" refType="h"/>
+              <dgm:constr type="w" for="des" forName="level1Shape" refType="w"/>
+              <dgm:constr type="h" for="des" forName="level1Shape" refType="w" refFor="des" refForName="level1Shape" fact="0.66667"/>
+              <dgm:constr type="w" for="des" forName="level2Shape" refType="w" refFor="des" refForName="level1Shape" op="equ"/>
+              <dgm:constr type="h" for="des" forName="level2Shape" refType="h" refFor="des" refForName="level1Shape" op="equ"/>
+              <dgm:constr type="sp" for="des" refType="h" refFor="des" refForName="level1Shape" op="equ" fact="0.4"/>
+              <dgm:constr type="sibSp" for="des" forName="hierChild1" refType="w" refFor="des" refForName="level1Shape" op="equ" fact="0.3"/>
+              <dgm:constr type="sibSp" for="des" forName="hierChild2" refType="sibSp" refFor="des" refForName="hierChild1" op="equ"/>
+              <dgm:constr type="sibSp" for="des" forName="hierChild3" refType="sibSp" refFor="des" refForName="hierChild1" op="equ"/>
+              <dgm:constr type="userA" for="des" refType="h" refFor="des" refForName="level1Shape" op="equ"/>
+              <dgm:constr type="userB" for="des" refType="sp" refFor="des" op="equ"/>
+              <dgm:constr type="h" for="des" forName="firstBuf" refType="h" refFor="des" refForName="level1Shape" fact="0.1"/>
+            </dgm:constrLst>
+          </dgm:else>
+        </dgm:choose>
+      </dgm:if>
+      <dgm:else name="Name5">
+        <dgm:constrLst>
+          <dgm:constr type="l" for="ch" forName="hierFlow"/>
+          <dgm:constr type="t" for="ch" forName="hierFlow"/>
+          <dgm:constr type="r" for="ch" forName="hierFlow" refType="w"/>
+          <dgm:constr type="b" for="ch" forName="hierFlow" refType="h"/>
+          <dgm:constr type="l" for="ch" forName="bgShapesFlow"/>
+          <dgm:constr type="t" for="ch" forName="bgShapesFlow"/>
+          <dgm:constr type="r" for="ch" forName="bgShapesFlow" refType="w"/>
+          <dgm:constr type="b" for="ch" forName="bgShapesFlow" refType="h"/>
+          <dgm:constr type="w" for="des" forName="level1Shape" refType="w"/>
+          <dgm:constr type="h" for="des" forName="level1Shape" refType="w" refFor="des" refForName="level1Shape" fact="0.66667"/>
+          <dgm:constr type="w" for="des" forName="level2Shape" refType="w" refFor="des" refForName="level1Shape" op="equ"/>
+          <dgm:constr type="h" for="des" forName="level2Shape" refType="h" refFor="des" refForName="level1Shape" op="equ"/>
+          <dgm:constr type="sp" for="des" refType="h" refFor="des" refForName="level1Shape" op="equ" fact="0.4"/>
+          <dgm:constr type="sibSp" for="des" forName="hierChild1" refType="w" refFor="des" refForName="level1Shape" op="equ" fact="0.3"/>
+          <dgm:constr type="sibSp" for="des" forName="hierChild2" refType="sibSp" refFor="des" refForName="hierChild1" op="equ"/>
+          <dgm:constr type="sibSp" for="des" forName="hierChild3" refType="sibSp" refFor="des" refForName="hierChild1" op="equ"/>
+          <dgm:constr type="userA" for="des" refType="h" refFor="des" refForName="level1Shape" op="equ"/>
+          <dgm:constr type="userB" for="des" refType="sp" refFor="des" op="equ"/>
+          <dgm:constr type="h" for="des" forName="firstBuf" refType="h" refFor="des" refForName="level1Shape" fact="0.1"/>
+        </dgm:constrLst>
+      </dgm:else>
+    </dgm:choose>
     <dgm:ruleLst/>
-    <dgm:forEach name="Name3" axis="ch">
-      <dgm:forEach name="Name4" axis="self" ptType="node">
-        <dgm:layoutNode name="hierRoot1">
-          <dgm:varLst>
-            <dgm:hierBranch val="init"/>
-          </dgm:varLst>
-          <dgm:choose name="Name5">
-            <dgm:if name="Name6" func="var" arg="hierBranch" op="equ" val="l">
-              <dgm:choose name="Name7">
-                <dgm:if name="Name8" axis="ch" ptType="asst" func="cnt" op="gte" val="1">
-                  <dgm:alg type="hierRoot">
-                    <dgm:param type="hierAlign" val="tR"/>
-                  </dgm:alg>
-                  <dgm:constrLst>
-                    <dgm:constr type="alignOff" val="0.65"/>
-                  </dgm:constrLst>
-                </dgm:if>
-                <dgm:else name="Name9">
-                  <dgm:alg type="hierRoot">
-                    <dgm:param type="hierAlign" val="tR"/>
-                  </dgm:alg>
-                  <dgm:constrLst>
-                    <dgm:constr type="alignOff" val="0.25"/>
-                  </dgm:constrLst>
-                </dgm:else>
-              </dgm:choose>
-            </dgm:if>
-            <dgm:if name="Name10" func="var" arg="hierBranch" op="equ" val="r">
-              <dgm:choose name="Name11">
-                <dgm:if name="Name12" axis="ch" ptType="asst" func="cnt" op="gte" val="1">
-                  <dgm:alg type="hierRoot">
-                    <dgm:param type="hierAlign" val="tL"/>
-                  </dgm:alg>
-                  <dgm:constrLst>
-                    <dgm:constr type="alignOff" val="0.65"/>
-                  </dgm:constrLst>
-                </dgm:if>
-                <dgm:else name="Name13">
-                  <dgm:alg type="hierRoot">
-                    <dgm:param type="hierAlign" val="tL"/>
-                  </dgm:alg>
-                  <dgm:constrLst>
-                    <dgm:constr type="alignOff" val="0.25"/>
-                  </dgm:constrLst>
-                </dgm:else>
-              </dgm:choose>
-            </dgm:if>
-            <dgm:if name="Name14" func="var" arg="hierBranch" op="equ" val="hang">
-              <dgm:alg type="hierRoot"/>
-              <dgm:constrLst>
-                <dgm:constr type="alignOff" val="0.65"/>
-              </dgm:constrLst>
-            </dgm:if>
-            <dgm:else name="Name15">
-              <dgm:alg type="hierRoot"/>
-              <dgm:constrLst>
-                <dgm:constr type="alignOff"/>
-                <dgm:constr type="bendDist" for="des" ptType="parTrans" refType="sp" fact="0.5"/>
-              </dgm:constrLst>
-            </dgm:else>
-          </dgm:choose>
-          <dgm:shape xmlns:r="http://schemas.openxmlformats.org/officeDocument/2006/relationships" r:blip="">
-            <dgm:adjLst/>
-          </dgm:shape>
-          <dgm:presOf/>
-          <dgm:ruleLst/>
-          <dgm:layoutNode name="rootComposite1">
-            <dgm:alg type="composite"/>
-            <dgm:shape xmlns:r="http://schemas.openxmlformats.org/officeDocument/2006/relationships" r:blip="">
-              <dgm:adjLst/>
-            </dgm:shape>
-            <dgm:presOf axis="self" ptType="node" cnt="1"/>
-            <dgm:choose name="Name16">
-              <dgm:if name="Name17" func="var" arg="hierBranch" op="equ" val="init">
-                <dgm:constrLst>
-                  <dgm:constr type="l" for="ch" forName="rootText1"/>
-                  <dgm:constr type="t" for="ch" forName="rootText1"/>
-                  <dgm:constr type="w" for="ch" forName="rootText1" refType="w"/>
-                  <dgm:constr type="h" for="ch" forName="rootText1" refType="h"/>
-                  <dgm:constr type="l" for="ch" forName="rootConnector1"/>
-                  <dgm:constr type="t" for="ch" forName="rootConnector1"/>
-                  <dgm:constr type="w" for="ch" forName="rootConnector1" refType="w" refFor="ch" refForName="rootText1" fact="0.2"/>
-                  <dgm:constr type="h" for="ch" forName="rootConnector1" refType="h" refFor="ch" refForName="rootText1"/>
-                </dgm:constrLst>
-              </dgm:if>
-              <dgm:if name="Name18" func="var" arg="hierBranch" op="equ" val="l">
-                <dgm:constrLst>
-                  <dgm:constr type="l" for="ch" forName="rootText1"/>
-                  <dgm:constr type="t" for="ch" forName="rootText1"/>
-                  <dgm:constr type="w" for="ch" forName="rootText1" refType="w"/>
-                  <dgm:constr type="h" for="ch" forName="rootText1" refType="h"/>
-                  <dgm:constr type="r" for="ch" forName="rootConnector1" refType="w"/>
-                  <dgm:constr type="t" for="ch" forName="rootConnector1"/>
-                  <dgm:constr type="w" for="ch" forName="rootConnector1" refType="w" refFor="ch" refForName="rootText1" fact="0.2"/>
-                  <dgm:constr type="h" for="ch" forName="rootConnector1" refType="h" refFor="ch" refForName="rootText1"/>
-                </dgm:constrLst>
-              </dgm:if>
-              <dgm:if name="Name19" func="var" arg="hierBranch" op="equ" val="r">
-                <dgm:constrLst>
-                  <dgm:constr type="l" for="ch" forName="rootText1"/>
-                  <dgm:constr type="t" for="ch" forName="rootText1"/>
-                  <dgm:constr type="w" for="ch" forName="rootText1" refType="w"/>
-                  <dgm:constr type="h" for="ch" forName="rootText1" refType="h"/>
-                  <dgm:constr type="l" for="ch" forName="rootConnector1"/>
-                  <dgm:constr type="t" for="ch" forName="rootConnector1"/>
-                  <dgm:constr type="w" for="ch" forName="rootConnector1" refType="w" refFor="ch" refForName="rootText1" fact="0.2"/>
-                  <dgm:constr type="h" for="ch" forName="rootConnector1" refType="h" refFor="ch" refForName="rootText1"/>
-                </dgm:constrLst>
-              </dgm:if>
-              <dgm:else name="Name20">
-                <dgm:constrLst>
-                  <dgm:constr type="l" for="ch" forName="rootText1"/>
-                  <dgm:constr type="t" for="ch" forName="rootText1"/>
-                  <dgm:constr type="w" for="ch" forName="rootText1" refType="w"/>
-                  <dgm:constr type="h" for="ch" forName="rootText1" refType="h"/>
-                  <dgm:constr type="r" for="ch" forName="rootConnector1" refType="w"/>
-                  <dgm:constr type="t" for="ch" forName="rootConnector1"/>
-                  <dgm:constr type="w" for="ch" forName="rootConnector1" refType="w" refFor="ch" refForName="rootText1" fact="0.2"/>
-                  <dgm:constr type="h" for="ch" forName="rootConnector1" refType="h" refFor="ch" refForName="rootText1"/>
-                </dgm:constrLst>
-              </dgm:else>
-            </dgm:choose>
-            <dgm:ruleLst/>
-            <dgm:layoutNode name="rootText1" styleLbl="node0">
-              <dgm:varLst>
-                <dgm:chPref val="3"/>
-              </dgm:varLst>
-              <dgm:alg type="tx"/>
-              <dgm:shape xmlns:r="http://schemas.openxmlformats.org/officeDocument/2006/relationships" type="rect" r:blip="">
-                <dgm:adjLst/>
-              </dgm:shape>
-              <dgm:presOf axis="self" ptType="node" cnt="1"/>
-              <dgm:constrLst>
-                <dgm:constr type="primFontSz" val="65"/>
-                <dgm:constr type="lMarg" refType="primFontSz" fact="0.05"/>
-                <dgm:constr type="rMarg" refType="primFontSz" fact="0.05"/>
-                <dgm:constr type="tMarg" refType="primFontSz" fact="0.05"/>
-                <dgm:constr type="bMarg" refType="primFontSz" fact="0.05"/>
-              </dgm:constrLst>
-              <dgm:ruleLst>
-                <dgm:rule type="primFontSz" val="5" fact="NaN" max="NaN"/>
-              </dgm:ruleLst>
-            </dgm:layoutNode>
-            <dgm:layoutNode name="rootConnector1" moveWith="rootText1">
-              <dgm:alg type="sp"/>
-              <dgm:shape xmlns:r="http://schemas.openxmlformats.org/officeDocument/2006/relationships" type="rect" r:blip="" hideGeom="1">
-                <dgm:adjLst/>
-              </dgm:shape>
-              <dgm:presOf axis="self" ptType="node" cnt="1"/>
-              <dgm:constrLst/>
-              <dgm:ruleLst/>
-            </dgm:layoutNode>
-          </dgm:layoutNode>
-          <dgm:layoutNode name="hierChild2">
-            <dgm:choose name="Name21">
-              <dgm:if name="Name22" func="var" arg="hierBranch" op="equ" val="l">
-                <dgm:alg type="hierChild">
-                  <dgm:param type="chAlign" val="r"/>
-                  <dgm:param type="linDir" val="fromT"/>
-                </dgm:alg>
-              </dgm:if>
-              <dgm:if name="Name23" func="var" arg="hierBranch" op="equ" val="r">
-                <dgm:alg type="hierChild">
-                  <dgm:param type="chAlign" val="l"/>
-                  <dgm:param type="linDir" val="fromT"/>
-                </dgm:alg>
-              </dgm:if>
-              <dgm:if name="Name24" func="var" arg="hierBranch" op="equ" val="hang">
-                <dgm:choose name="Name25">
-                  <dgm:if name="Name26" func="var" arg="dir" op="equ" val="norm">
-                    <dgm:alg type="hierChild">
-                      <dgm:param type="chAlign" val="l"/>
-                      <dgm:param type="linDir" val="fromL"/>
-                      <dgm:param type="secChAlign" val="t"/>
-                      <dgm:param type="secLinDir" val="fromT"/>
-                    </dgm:alg>
-                  </dgm:if>
-                  <dgm:else name="Name27">
-                    <dgm:alg type="hierChild">
-                      <dgm:param type="chAlign" val="l"/>
-                      <dgm:param type="linDir" val="fromR"/>
-                      <dgm:param type="secChAlign" val="t"/>
-                      <dgm:param type="secLinDir" val="fromT"/>
-                    </dgm:alg>
-                  </dgm:else>
-                </dgm:choose>
-              </dgm:if>
-              <dgm:else name="Name28">
-                <dgm:choose name="Name29">
-                  <dgm:if name="Name30" func="var" arg="dir" op="equ" val="norm">
-                    <dgm:alg type="hierChild"/>
-                  </dgm:if>
-                  <dgm:else name="Name31">
-                    <dgm:alg type="hierChild">
-                      <dgm:param type="linDir" val="fromR"/>
-                    </dgm:alg>
-                  </dgm:else>
-                </dgm:choose>
-              </dgm:else>
-            </dgm:choose>
+    <dgm:layoutNode name="hierFlow">
+      <dgm:alg type="lin">
+        <dgm:param type="linDir" val="fromT"/>
+        <dgm:param type="nodeVertAlign" val="t"/>
+        <dgm:param type="vertAlign" val="t"/>
+        <dgm:param type="nodeHorzAlign" val="ctr"/>
+        <dgm:param type="fallback" val="2D"/>
+      </dgm:alg>
+      <dgm:shape xmlns:r="http://schemas.openxmlformats.org/officeDocument/2006/relationships" r:blip="">
+        <dgm:adjLst/>
+      </dgm:shape>
+      <dgm:presOf/>
+      <dgm:constrLst/>
+      <dgm:ruleLst/>
+      <dgm:choose name="Name6">
+        <dgm:if name="Name7" axis="ch" ptType="node" func="cnt" op="gte" val="2">
+          <dgm:layoutNode name="firstBuf">
+            <dgm:alg type="sp"/>
             <dgm:shape xmlns:r="http://schemas.openxmlformats.org/officeDocument/2006/relationships" r:blip="">
               <dgm:adjLst/>
             </dgm:shape>
             <dgm:presOf/>
             <dgm:constrLst/>
             <dgm:ruleLst/>
-            <dgm:forEach name="rep2a" axis="ch" ptType="nonAsst">
-              <dgm:forEach name="Name32" axis="precedSib" ptType="parTrans" st="-1" cnt="1">
-                <dgm:choose name="Name33">
-                  <dgm:if name="Name34" func="var" arg="hierBranch" op="equ" val="std">
-                    <dgm:layoutNode name="Name35">
+          </dgm:layoutNode>
+        </dgm:if>
+        <dgm:else name="Name8"/>
+      </dgm:choose>
+      <dgm:layoutNode name="hierChild1">
+        <dgm:varLst>
+          <dgm:chPref val="1"/>
+          <dgm:animOne val="branch"/>
+          <dgm:animLvl val="lvl"/>
+        </dgm:varLst>
+        <dgm:choose name="Name9">
+          <dgm:if name="Name10" func="var" arg="dir" op="equ" val="norm">
+            <dgm:alg type="hierChild">
+              <dgm:param type="linDir" val="fromL"/>
+              <dgm:param type="vertAlign" val="t"/>
+            </dgm:alg>
+          </dgm:if>
+          <dgm:else name="Name11">
+            <dgm:alg type="hierChild">
+              <dgm:param type="linDir" val="fromR"/>
+              <dgm:param type="vertAlign" val="t"/>
+            </dgm:alg>
+          </dgm:else>
+        </dgm:choose>
+        <dgm:shape xmlns:r="http://schemas.openxmlformats.org/officeDocument/2006/relationships" r:blip="">
+          <dgm:adjLst/>
+        </dgm:shape>
+        <dgm:presOf/>
+        <dgm:constrLst>
+          <dgm:constr type="primFontSz" for="des" ptType="node" op="equ"/>
+        </dgm:constrLst>
+        <dgm:ruleLst/>
+        <dgm:forEach name="Name12" axis="ch" cnt="3">
+          <dgm:forEach name="Name13" axis="self" ptType="node">
+            <dgm:layoutNode name="Name14">
+              <dgm:alg type="hierRoot"/>
+              <dgm:shape xmlns:r="http://schemas.openxmlformats.org/officeDocument/2006/relationships" r:blip="">
+                <dgm:adjLst/>
+              </dgm:shape>
+              <dgm:presOf/>
+              <dgm:constrLst/>
+              <dgm:ruleLst/>
+              <dgm:layoutNode name="level1Shape" styleLbl="node0">
+                <dgm:varLst>
+                  <dgm:chPref val="3"/>
+                </dgm:varLst>
+                <dgm:alg type="tx"/>
+                <dgm:shape xmlns:r="http://schemas.openxmlformats.org/officeDocument/2006/relationships" type="roundRect" r:blip="">
+                  <dgm:adjLst>
+                    <dgm:adj idx="1" val="0.1"/>
+                  </dgm:adjLst>
+                </dgm:shape>
+                <dgm:presOf axis="self"/>
+                <dgm:constrLst>
+                  <dgm:constr type="primFontSz" val="65"/>
+                  <dgm:constr type="tMarg" refType="primFontSz" fact="0.3"/>
+                  <dgm:constr type="bMarg" refType="primFontSz" fact="0.3"/>
+                  <dgm:constr type="lMarg" refType="primFontSz" fact="0.3"/>
+                  <dgm:constr type="rMarg" refType="primFontSz" fact="0.3"/>
+                </dgm:constrLst>
+                <dgm:ruleLst>
+                  <dgm:rule type="primFontSz" val="5" fact="NaN" max="NaN"/>
+                </dgm:ruleLst>
+              </dgm:layoutNode>
+              <dgm:layoutNode name="hierChild2">
+                <dgm:choose name="Name15">
+                  <dgm:if name="Name16" func="var" arg="dir" op="equ" val="norm">
+                    <dgm:alg type="hierChild">
+                      <dgm:param type="linDir" val="fromL"/>
+                    </dgm:alg>
+                  </dgm:if>
+                  <dgm:else name="Name17">
+                    <dgm:alg type="hierChild">
+                      <dgm:param type="linDir" val="fromR"/>
+                    </dgm:alg>
+                  </dgm:else>
+                </dgm:choose>
+                <dgm:shape xmlns:r="http://schemas.openxmlformats.org/officeDocument/2006/relationships" r:blip="">
+                  <dgm:adjLst/>
+                </dgm:shape>
+                <dgm:presOf/>
+                <dgm:constrLst/>
+                <dgm:ruleLst/>
+                <dgm:forEach name="repeat" axis="ch">
+                  <dgm:forEach name="Name18" axis="self" ptType="parTrans" cnt="1">
+                    <dgm:layoutNode name="Name19">
                       <dgm:alg type="conn">
-                        <dgm:param type="connRout" val="bend"/>
                         <dgm:param type="dim" val="1D"/>
                         <dgm:param type="endSty" val="noArr"/>
+                        <dgm:param type="connRout" val="bend"/>
                         <dgm:param type="begPts" val="bCtr"/>
                         <dgm:param type="endPts" val="tCtr"/>
-                        <dgm:param type="bendPt" val="end"/>
                       </dgm:alg>
-                      <dgm:shape xmlns:r="http://schemas.openxmlformats.org/officeDocument/2006/relationships" type="conn" r:blip="" zOrderOff="-99999">
+                      <dgm:shape xmlns:r="http://schemas.openxmlformats.org/officeDocument/2006/relationships" type="conn" r:blip="">
                         <dgm:adjLst/>
                       </dgm:shape>
                       <dgm:presOf axis="self"/>
                       <dgm:constrLst>
+                        <dgm:constr type="w" val="1"/>
+                        <dgm:constr type="h" val="1"/>
                         <dgm:constr type="begPad"/>
                         <dgm:constr type="endPad"/>
                       </dgm:constrLst>
                       <dgm:ruleLst/>
                     </dgm:layoutNode>
-                  </dgm:if>
-                  <dgm:if name="Name36" func="var" arg="hierBranch" op="equ" val="init">
-                    <dgm:layoutNode name="Name37">
-                      <dgm:choose name="Name38">
-                        <dgm:if name="Name39" axis="self" func="depth" op="lte" val="2">
-                          <dgm:alg type="conn">
-                            <dgm:param type="connRout" val="bend"/>
-                            <dgm:param type="dim" val="1D"/>
-                            <dgm:param type="endSty" val="noArr"/>
-                            <dgm:param type="begPts" val="bCtr"/>
-                            <dgm:param type="endPts" val="tCtr"/>
-                            <dgm:param type="bendPt" val="end"/>
-                          </dgm:alg>
-                        </dgm:if>
-                        <dgm:else name="Name40">
-                          <dgm:choose name="Name41">
-                            <dgm:if name="Name42" axis="par des" func="maxDepth" op="lte" val="1">
-                              <dgm:choose name="Name43">
-                                <dgm:if name="Name44" axis="par ch" ptType="node asst" func="cnt" op="gte" val="1">
-                                  <dgm:alg type="conn">
-                                    <dgm:param type="connRout" val="bend"/>
-                                    <dgm:param type="dim" val="1D"/>
-                                    <dgm:param type="endSty" val="noArr"/>
-                                    <dgm:param type="begPts" val="bCtr"/>
-                                    <dgm:param type="endPts" val="midL midR"/>
-                                  </dgm:alg>
-                                </dgm:if>
-                                <dgm:else name="Name45">
-                                  <dgm:alg type="conn">
-                                    <dgm:param type="connRout" val="bend"/>
-                                    <dgm:param type="dim" val="1D"/>
-                                    <dgm:param type="endSty" val="noArr"/>
-                                    <dgm:param type="begPts" val="bCtr"/>
-                                    <dgm:param type="endPts" val="midL midR"/>
-                                    <dgm:param type="srcNode" val="rootConnector"/>
-                                  </dgm:alg>
-                                </dgm:else>
-                              </dgm:choose>
-                            </dgm:if>
-                            <dgm:else name="Name46">
-                              <dgm:alg type="conn">
-                                <dgm:param type="connRout" val="bend"/>
-                                <dgm:param type="dim" val="1D"/>
-                                <dgm:param type="endSty" val="noArr"/>
-                                <dgm:param type="begPts" val="bCtr"/>
-                                <dgm:param type="endPts" val="tCtr"/>
-                                <dgm:param type="bendPt" val="end"/>
-                              </dgm:alg>
-                            </dgm:else>
-                          </dgm:choose>
-                        </dgm:else>
-                      </dgm:choose>
-                      <dgm:shape xmlns:r="http://schemas.openxmlformats.org/officeDocument/2006/relationships" type="conn" r:blip="" zOrderOff="-99999">
+                  </dgm:forEach>
+                  <dgm:forEach name="Name20" axis="self" ptType="node">
+                    <dgm:layoutNode name="Name21">
+                      <dgm:alg type="hierRoot"/>
+                      <dgm:shape xmlns:r="http://schemas.openxmlformats.org/officeDocument/2006/relationships" r:blip="">
                         <dgm:adjLst/>
                       </dgm:shape>
-                      <dgm:presOf axis="self"/>
-                      <dgm:constrLst>
-                        <dgm:constr type="begPad"/>
-                        <dgm:constr type="endPad"/>
-                      </dgm:constrLst>
+                      <dgm:presOf/>
+                      <dgm:constrLst/>
                       <dgm:ruleLst/>
-                    </dgm:layoutNode>
-                  </dgm:if>
-                  <dgm:if name="Name47" func="var" arg="hierBranch" op="equ" val="hang">
-                    <dgm:layoutNode name="Name48">
-                      <dgm:alg type="conn">
-                        <dgm:param type="connRout" val="bend"/>
-                        <dgm:param type="dim" val="1D"/>
-                        <dgm:param type="endSty" val="noArr"/>
-                        <dgm:param type="begPts" val="bCtr"/>
-                        <dgm:param type="endPts" val="midL midR"/>
-                      </dgm:alg>
-                      <dgm:shape xmlns:r="http://schemas.openxmlformats.org/officeDocument/2006/relationships" type="conn" r:blip="" zOrderOff="-99999">
-                        <dgm:adjLst/>
-                      </dgm:shape>
-                      <dgm:presOf axis="self"/>
-                      <dgm:constrLst>
-                        <dgm:constr type="begPad"/>
-                        <dgm:constr type="endPad"/>
-                      </dgm:constrLst>
-                      <dgm:ruleLst/>
-                    </dgm:layoutNode>
-                  </dgm:if>
-                  <dgm:else name="Name49">
-                    <dgm:layoutNode name="Name50">
-                      <dgm:choose name="Name51">
-                        <dgm:if name="Name52" axis="self" func="depth" op="lte" val="2">
-                          <dgm:choose name="Name53">
-                            <dgm:if name="Name54" axis="par ch" ptType="node asst" func="cnt" op="gte" val="1">
-                              <dgm:alg type="conn">
-                                <dgm:param type="connRout" val="bend"/>
-                                <dgm:param type="dim" val="1D"/>
-                                <dgm:param type="endSty" val="noArr"/>
-                                <dgm:param type="begPts" val="bCtr"/>
-                                <dgm:param type="endPts" val="midL midR"/>
-                              </dgm:alg>
-                            </dgm:if>
-                            <dgm:else name="Name55">
-                              <dgm:alg type="conn">
-                                <dgm:param type="connRout" val="bend"/>
-                                <dgm:param type="dim" val="1D"/>
-                                <dgm:param type="endSty" val="noArr"/>
-                                <dgm:param type="begPts" val="bCtr"/>
-                                <dgm:param type="endPts" val="midL midR"/>
-                                <dgm:param type="srcNode" val="rootConnector1"/>
-                              </dgm:alg>
-                            </dgm:else>
-                          </dgm:choose>
-                        </dgm:if>
-                        <dgm:else name="Name56">
-                          <dgm:choose name="Name57">
-                            <dgm:if name="Name58" axis="par ch" ptType="node asst" func="cnt" op="gte" val="1">
-                              <dgm:alg type="conn">
-                                <dgm:param type="connRout" val="bend"/>
-                                <dgm:param type="dim" val="1D"/>
-                                <dgm:param type="endSty" val="noArr"/>
-                                <dgm:param type="begPts" val="bCtr"/>
-                                <dgm:param type="endPts" val="midL midR"/>
-                              </dgm:alg>
-                            </dgm:if>
-                            <dgm:else name="Name59">
-                              <dgm:alg type="conn">
-                                <dgm:param type="connRout" val="bend"/>
-                                <dgm:param type="dim" val="1D"/>
-                                <dgm:param type="endSty" val="noArr"/>
-                                <dgm:param type="begPts" val="bCtr"/>
-                                <dgm:param type="endPts" val="midL midR"/>
-                                <dgm:param type="srcNode" val="rootConnector"/>
-                              </dgm:alg>
-                            </dgm:else>
-                          </dgm:choose>
-                        </dgm:else>
-                      </dgm:choose>
-                      <dgm:shape xmlns:r="http://schemas.openxmlformats.org/officeDocument/2006/relationships" type="conn" r:blip="" zOrderOff="-99999">
-                        <dgm:adjLst/>
-                      </dgm:shape>
-                      <dgm:presOf axis="self"/>
-                      <dgm:constrLst>
-                        <dgm:constr type="begPad"/>
-                        <dgm:constr type="endPad"/>
-                      </dgm:constrLst>
-                      <dgm:ruleLst/>
-                    </dgm:layoutNode>
-                  </dgm:else>
-                </dgm:choose>
-              </dgm:forEach>
-              <dgm:layoutNode name="hierRoot2">
-                <dgm:varLst>
-                  <dgm:hierBranch val="init"/>
-                </dgm:varLst>
-                <dgm:choose name="Name60">
-                  <dgm:if name="Name61" func="var" arg="hierBranch" op="equ" val="l">
-                    <dgm:choose name="Name62">
-                      <dgm:if name="Name63" axis="ch" ptType="asst" func="cnt" op="gte" val="1">
-                        <dgm:alg type="hierRoot">
-                          <dgm:param type="hierAlign" val="tR"/>
-                        </dgm:alg>
+                      <dgm:layoutNode name="level2Shape">
+                        <dgm:alg type="tx"/>
+                        <dgm:shape xmlns:r="http://schemas.openxmlformats.org/officeDocument/2006/relationships" type="roundRect" r:blip="">
+                          <dgm:adjLst>
+                            <dgm:adj idx="1" val="0.1"/>
+                          </dgm:adjLst>
+                        </dgm:shape>
+                        <dgm:presOf axis="self"/>
+                        <dgm:constrLst>
+                          <dgm:constr type="primFontSz" val="65"/>
+                          <dgm:constr type="tMarg" refType="primFontSz" fact="0.3"/>
+                          <dgm:constr type="bMarg" refType="primFontSz" fact="0.3"/>
+                          <dgm:constr type="lMarg" refType="primFontSz" fact="0.3"/>
+                          <dgm:constr type="rMarg" refType="primFontSz" fact="0.3"/>
+                        </dgm:constrLst>
+                        <dgm:ruleLst>
+                          <dgm:rule type="primFontSz" val="5" fact="NaN" max="NaN"/>
+                        </dgm:ruleLst>
+                      </dgm:layoutNode>
+                      <dgm:layoutNode name="hierChild3">
+                        <dgm:choose name="Name22">
+                          <dgm:if name="Name23" func="var" arg="dir" op="equ" val="norm">
+                            <dgm:alg type="hierChild">
+                              <dgm:param type="linDir" val="fromL"/>
+                            </dgm:alg>
+                          </dgm:if>
+                          <dgm:else name="Name24">
+                            <dgm:alg type="hierChild">
+                              <dgm:param type="linDir" val="fromR"/>
+                            </dgm:alg>
+                          </dgm:else>
+                        </dgm:choose>
                         <dgm:shape xmlns:r="http://schemas.openxmlformats.org/officeDocument/2006/relationships" r:blip="">
                           <dgm:adjLst/>
                         </dgm:shape>
                         <dgm:presOf/>
-                        <dgm:constrLst>
-                          <dgm:constr type="alignOff" val="0.65"/>
-                        </dgm:constrLst>
-                      </dgm:if>
-                      <dgm:else name="Name64">
-                        <dgm:alg type="hierRoot">
-                          <dgm:param type="hierAlign" val="tR"/>
-                        </dgm:alg>
-                        <dgm:shape xmlns:r="http://schemas.openxmlformats.org/officeDocument/2006/relationships" r:blip="">
-                          <dgm:adjLst/>
-                        </dgm:shape>
-                        <dgm:presOf/>
-                        <dgm:constrLst>
-                          <dgm:constr type="alignOff" val="0.25"/>
-                        </dgm:constrLst>
-                      </dgm:else>
-                    </dgm:choose>
-                  </dgm:if>
-                  <dgm:if name="Name65" func="var" arg="hierBranch" op="equ" val="r">
-                    <dgm:choose name="Name66">
-                      <dgm:if name="Name67" axis="ch" ptType="asst" func="cnt" op="gte" val="1">
-                        <dgm:alg type="hierRoot">
-                          <dgm:param type="hierAlign" val="tL"/>
-                        </dgm:alg>
-                        <dgm:shape xmlns:r="http://schemas.openxmlformats.org/officeDocument/2006/relationships" r:blip="">
-                          <dgm:adjLst/>
-                        </dgm:shape>
-                        <dgm:presOf/>
-                        <dgm:constrLst>
-                          <dgm:constr type="alignOff" val="0.65"/>
-                        </dgm:constrLst>
-                      </dgm:if>
-                      <dgm:else name="Name68">
-                        <dgm:alg type="hierRoot">
-                          <dgm:param type="hierAlign" val="tL"/>
-                        </dgm:alg>
-                        <dgm:shape xmlns:r="http://schemas.openxmlformats.org/officeDocument/2006/relationships" r:blip="">
-                          <dgm:adjLst/>
-                        </dgm:shape>
-                        <dgm:presOf/>
-                        <dgm:constrLst>
-                          <dgm:constr type="alignOff" val="0.25"/>
-                        </dgm:constrLst>
-                      </dgm:else>
-                    </dgm:choose>
-                  </dgm:if>
-                  <dgm:if name="Name69" func="var" arg="hierBranch" op="equ" val="std">
-                    <dgm:alg type="hierRoot"/>
-                    <dgm:shape xmlns:r="http://schemas.openxmlformats.org/officeDocument/2006/relationships" r:blip="">
-                      <dgm:adjLst/>
-                    </dgm:shape>
-                    <dgm:presOf/>
-                    <dgm:constrLst>
-                      <dgm:constr type="alignOff"/>
-                      <dgm:constr type="bendDist" for="des" ptType="parTrans" refType="sp" fact="0.5"/>
-                    </dgm:constrLst>
-                  </dgm:if>
-                  <dgm:if name="Name70" func="var" arg="hierBranch" op="equ" val="init">
-                    <dgm:choose name="Name71">
-                      <dgm:if name="Name72" axis="des" func="maxDepth" op="lte" val="1">
-                        <dgm:choose name="Name73">
-                          <dgm:if name="Name74" axis="ch" ptType="asst" func="cnt" op="gte" val="1">
-                            <dgm:alg type="hierRoot">
-                              <dgm:param type="hierAlign" val="tL"/>
-                            </dgm:alg>
-                            <dgm:shape xmlns:r="http://schemas.openxmlformats.org/officeDocument/2006/relationships" r:blip="">
-                              <dgm:adjLst/>
-                            </dgm:shape>
-                            <dgm:presOf/>
-                            <dgm:constrLst>
-                              <dgm:constr type="alignOff" val="0.65"/>
-                            </dgm:constrLst>
-                          </dgm:if>
-                          <dgm:else name="Name75">
-                            <dgm:alg type="hierRoot">
-                              <dgm:param type="hierAlign" val="tL"/>
-                            </dgm:alg>
-                            <dgm:shape xmlns:r="http://schemas.openxmlformats.org/officeDocument/2006/relationships" r:blip="">
-                              <dgm:adjLst/>
-                            </dgm:shape>
-                            <dgm:presOf/>
-                            <dgm:constrLst>
-                              <dgm:constr type="alignOff" val="0.25"/>
-                            </dgm:constrLst>
-                          </dgm:else>
-                        </dgm:choose>
-                      </dgm:if>
-                      <dgm:else name="Name76">
-                        <dgm:alg type="hierRoot"/>
-                        <dgm:shape xmlns:r="http://schemas.openxmlformats.org/officeDocument/2006/relationships" r:blip="">
-                          <dgm:adjLst/>
-                        </dgm:shape>
-                        <dgm:presOf/>
-                        <dgm:constrLst>
-                          <dgm:constr type="alignOff"/>
-                          <dgm:constr type="bendDist" for="des" ptType="parTrans" refType="sp" fact="0.5"/>
-                        </dgm:constrLst>
-                      </dgm:else>
-                    </dgm:choose>
-                  </dgm:if>
-                  <dgm:else name="Name77">
-                    <dgm:alg type="hierRoot"/>
-                    <dgm:shape xmlns:r="http://schemas.openxmlformats.org/officeDocument/2006/relationships" r:blip="">
-                      <dgm:adjLst/>
-                    </dgm:shape>
-                    <dgm:presOf/>
-                    <dgm:constrLst>
-                      <dgm:constr type="alignOff" val="0.65"/>
-                    </dgm:constrLst>
-                  </dgm:else>
-                </dgm:choose>
-                <dgm:ruleLst/>
-                <dgm:layoutNode name="rootComposite">
-                  <dgm:alg type="composite"/>
-                  <dgm:shape xmlns:r="http://schemas.openxmlformats.org/officeDocument/2006/relationships" r:blip="">
-                    <dgm:adjLst/>
-                  </dgm:shape>
-                  <dgm:presOf axis="self" ptType="node" cnt="1"/>
-                  <dgm:choose name="Name78">
-                    <dgm:if name="Name79" func="var" arg="hierBranch" op="equ" val="init">
-                      <dgm:constrLst>
-                        <dgm:constr type="l" for="ch" forName="rootText"/>
-                        <dgm:constr type="t" for="ch" forName="rootText"/>
-                        <dgm:constr type="w" for="ch" forName="rootText" refType="w"/>
-                        <dgm:constr type="h" for="ch" forName="rootText" refType="h"/>
-                        <dgm:constr type="l" for="ch" forName="rootConnector"/>
-                        <dgm:constr type="t" for="ch" forName="rootConnector"/>
-                        <dgm:constr type="w" for="ch" forName="rootConnector" refType="w" refFor="ch" refForName="rootText" fact="0.2"/>
-                        <dgm:constr type="h" for="ch" forName="rootConnector" refType="h" refFor="ch" refForName="rootText"/>
-                      </dgm:constrLst>
-                    </dgm:if>
-                    <dgm:if name="Name80" func="var" arg="hierBranch" op="equ" val="l">
-                      <dgm:constrLst>
-                        <dgm:constr type="l" for="ch" forName="rootText"/>
-                        <dgm:constr type="t" for="ch" forName="rootText"/>
-                        <dgm:constr type="w" for="ch" forName="rootText" refType="w"/>
-                        <dgm:constr type="h" for="ch" forName="rootText" refType="h"/>
-                        <dgm:constr type="r" for="ch" forName="rootConnector" refType="w"/>
-                        <dgm:constr type="t" for="ch" forName="rootConnector"/>
-                        <dgm:constr type="w" for="ch" forName="rootConnector" refType="w" refFor="ch" refForName="rootText" fact="0.2"/>
-                        <dgm:constr type="h" for="ch" forName="rootConnector" refType="h" refFor="ch" refForName="rootText"/>
-                      </dgm:constrLst>
-                    </dgm:if>
-                    <dgm:if name="Name81" func="var" arg="hierBranch" op="equ" val="r">
-                      <dgm:constrLst>
-                        <dgm:constr type="l" for="ch" forName="rootText"/>
-                        <dgm:constr type="t" for="ch" forName="rootText"/>
-                        <dgm:constr type="w" for="ch" forName="rootText" refType="w"/>
-                        <dgm:constr type="h" for="ch" forName="rootText" refType="h"/>
-                        <dgm:constr type="l" for="ch" forName="rootConnector"/>
-                        <dgm:constr type="t" for="ch" forName="rootConnector"/>
-                        <dgm:constr type="w" for="ch" forName="rootConnector" refType="w" refFor="ch" refForName="rootText" fact="0.2"/>
-                        <dgm:constr type="h" for="ch" forName="rootConnector" refType="h" refFor="ch" refForName="rootText"/>
-                      </dgm:constrLst>
-                    </dgm:if>
-                    <dgm:else name="Name82">
-                      <dgm:constrLst>
-                        <dgm:constr type="l" for="ch" forName="rootText"/>
-                        <dgm:constr type="t" for="ch" forName="rootText"/>
-                        <dgm:constr type="w" for="ch" forName="rootText" refType="w"/>
-                        <dgm:constr type="h" for="ch" forName="rootText" refType="h"/>
-                        <dgm:constr type="r" for="ch" forName="rootConnector" refType="w"/>
-                        <dgm:constr type="t" for="ch" forName="rootConnector"/>
-                        <dgm:constr type="w" for="ch" forName="rootConnector" refType="w" refFor="ch" refForName="rootText" fact="0.2"/>
-                        <dgm:constr type="h" for="ch" forName="rootConnector" refType="h" refFor="ch" refForName="rootText"/>
-                      </dgm:constrLst>
-                    </dgm:else>
-                  </dgm:choose>
-                  <dgm:ruleLst/>
-                  <dgm:layoutNode name="rootText">
-                    <dgm:varLst>
-                      <dgm:chPref val="3"/>
-                    </dgm:varLst>
-                    <dgm:alg type="tx"/>
-                    <dgm:shape xmlns:r="http://schemas.openxmlformats.org/officeDocument/2006/relationships" type="rect" r:blip="">
-                      <dgm:adjLst/>
-                    </dgm:shape>
-                    <dgm:presOf axis="self" ptType="node" cnt="1"/>
-                    <dgm:constrLst>
-                      <dgm:constr type="primFontSz" val="65"/>
-                      <dgm:constr type="lMarg" refType="primFontSz" fact="0.05"/>
-                      <dgm:constr type="rMarg" refType="primFontSz" fact="0.05"/>
-                      <dgm:constr type="tMarg" refType="primFontSz" fact="0.05"/>
-                      <dgm:constr type="bMarg" refType="primFontSz" fact="0.05"/>
-                    </dgm:constrLst>
-                    <dgm:ruleLst>
-                      <dgm:rule type="primFontSz" val="5" fact="NaN" max="NaN"/>
-                    </dgm:ruleLst>
-                  </dgm:layoutNode>
-                  <dgm:layoutNode name="rootConnector" moveWith="rootText">
-                    <dgm:alg type="sp"/>
-                    <dgm:shape xmlns:r="http://schemas.openxmlformats.org/officeDocument/2006/relationships" type="rect" r:blip="" hideGeom="1">
-                      <dgm:adjLst/>
-                    </dgm:shape>
-                    <dgm:presOf axis="self" ptType="node" cnt="1"/>
-                    <dgm:constrLst/>
-                    <dgm:ruleLst/>
-                  </dgm:layoutNode>
-                </dgm:layoutNode>
-                <dgm:layoutNode name="hierChild4">
-                  <dgm:choose name="Name83">
-                    <dgm:if name="Name84" func="var" arg="hierBranch" op="equ" val="l">
-                      <dgm:alg type="hierChild">
-                        <dgm:param type="chAlign" val="r"/>
-                        <dgm:param type="linDir" val="fromT"/>
-                      </dgm:alg>
-                    </dgm:if>
-                    <dgm:if name="Name85" func="var" arg="hierBranch" op="equ" val="r">
-                      <dgm:alg type="hierChild">
-                        <dgm:param type="chAlign" val="l"/>
-                        <dgm:param type="linDir" val="fromT"/>
-                      </dgm:alg>
-                    </dgm:if>
-                    <dgm:if name="Name86" func="var" arg="hierBranch" op="equ" val="hang">
-                      <dgm:choose name="Name87">
-                        <dgm:if name="Name88" func="var" arg="dir" op="equ" val="norm">
-                          <dgm:alg type="hierChild">
-                            <dgm:param type="chAlign" val="l"/>
-                            <dgm:param type="linDir" val="fromL"/>
-                            <dgm:param type="secChAlign" val="t"/>
-                            <dgm:param type="secLinDir" val="fromT"/>
-                          </dgm:alg>
-                        </dgm:if>
-                        <dgm:else name="Name89">
-                          <dgm:alg type="hierChild">
-                            <dgm:param type="chAlign" val="l"/>
-                            <dgm:param type="linDir" val="fromR"/>
-                            <dgm:param type="secChAlign" val="t"/>
-                            <dgm:param type="secLinDir" val="fromT"/>
-                          </dgm:alg>
-                        </dgm:else>
-                      </dgm:choose>
-                    </dgm:if>
-                    <dgm:if name="Name90" func="var" arg="hierBranch" op="equ" val="std">
-                      <dgm:choose name="Name91">
-                        <dgm:if name="Name92" func="var" arg="dir" op="equ" val="norm">
-                          <dgm:alg type="hierChild"/>
-                        </dgm:if>
-                        <dgm:else name="Name93">
-                          <dgm:alg type="hierChild">
-                            <dgm:param type="linDir" val="fromR"/>
-                          </dgm:alg>
-                        </dgm:else>
-                      </dgm:choose>
-                    </dgm:if>
-                    <dgm:if name="Name94" func="var" arg="hierBranch" op="equ" val="init">
-                      <dgm:choose name="Name95">
-                        <dgm:if name="Name96" axis="des" func="maxDepth" op="lte" val="1">
-                          <dgm:alg type="hierChild">
-                            <dgm:param type="chAlign" val="l"/>
-                            <dgm:param type="linDir" val="fromT"/>
-                          </dgm:alg>
-                        </dgm:if>
-                        <dgm:else name="Name97">
-                          <dgm:choose name="Name98">
-                            <dgm:if name="Name99" func="var" arg="dir" op="equ" val="norm">
-                              <dgm:alg type="hierChild"/>
-                            </dgm:if>
-                            <dgm:else name="Name100">
-                              <dgm:alg type="hierChild">
-                                <dgm:param type="linDir" val="fromR"/>
-                              </dgm:alg>
-                            </dgm:else>
-                          </dgm:choose>
-                        </dgm:else>
-                      </dgm:choose>
-                    </dgm:if>
-                    <dgm:else name="Name101"/>
-                  </dgm:choose>
-                  <dgm:shape xmlns:r="http://schemas.openxmlformats.org/officeDocument/2006/relationships" r:blip="">
-                    <dgm:adjLst/>
-                  </dgm:shape>
-                  <dgm:presOf/>
-                  <dgm:constrLst/>
-                  <dgm:ruleLst/>
-                  <dgm:forEach name="Name102" ref="rep2a"/>
-                </dgm:layoutNode>
-                <dgm:layoutNode name="hierChild5">
-                  <dgm:choose name="Name103">
-                    <dgm:if name="Name104" func="var" arg="dir" op="equ" val="norm">
-                      <dgm:alg type="hierChild">
-                        <dgm:param type="chAlign" val="l"/>
-                        <dgm:param type="linDir" val="fromL"/>
-                        <dgm:param type="secChAlign" val="t"/>
-                        <dgm:param type="secLinDir" val="fromT"/>
-                      </dgm:alg>
-                    </dgm:if>
-                    <dgm:else name="Name105">
-                      <dgm:alg type="hierChild">
-                        <dgm:param type="chAlign" val="l"/>
-                        <dgm:param type="linDir" val="fromR"/>
-                        <dgm:param type="secChAlign" val="t"/>
-                        <dgm:param type="secLinDir" val="fromT"/>
-                      </dgm:alg>
-                    </dgm:else>
-                  </dgm:choose>
-                  <dgm:shape xmlns:r="http://schemas.openxmlformats.org/officeDocument/2006/relationships" r:blip="">
-                    <dgm:adjLst/>
-                  </dgm:shape>
-                  <dgm:presOf/>
-                  <dgm:constrLst/>
-                  <dgm:ruleLst/>
-                  <dgm:forEach name="Name106" ref="rep2b"/>
-                </dgm:layoutNode>
+                        <dgm:constrLst/>
+                        <dgm:ruleLst/>
+                        <dgm:forEach name="Name25" ref="repeat"/>
+                      </dgm:layoutNode>
+                    </dgm:layoutNode>
+                  </dgm:forEach>
+                </dgm:forEach>
               </dgm:layoutNode>
-            </dgm:forEach>
+            </dgm:layoutNode>
+          </dgm:forEach>
+        </dgm:forEach>
+      </dgm:layoutNode>
+    </dgm:layoutNode>
+    <dgm:layoutNode name="bgShapesFlow">
+      <dgm:alg type="lin">
+        <dgm:param type="linDir" val="fromT"/>
+        <dgm:param type="nodeVertAlign" val="t"/>
+        <dgm:param type="vertAlign" val="t"/>
+        <dgm:param type="nodeHorzAlign" val="ctr"/>
+      </dgm:alg>
+      <dgm:shape xmlns:r="http://schemas.openxmlformats.org/officeDocument/2006/relationships" r:blip="">
+        <dgm:adjLst/>
+      </dgm:shape>
+      <dgm:presOf/>
+      <dgm:constrLst>
+        <dgm:constr type="userB"/>
+        <dgm:constr type="w" for="ch" forName="rectComp" refType="w"/>
+        <dgm:constr type="h" for="ch" forName="rectComp" refType="h"/>
+        <dgm:constr type="w" for="des" forName="bgRect" refType="w"/>
+        <dgm:constr type="primFontSz" for="des" forName="bgRectTx" op="equ"/>
+      </dgm:constrLst>
+      <dgm:ruleLst/>
+      <dgm:forEach name="Name26" axis="ch" ptType="node" st="2">
+        <dgm:layoutNode name="rectComp">
+          <dgm:alg type="composite">
+            <dgm:param type="vertAlign" val="t"/>
+            <dgm:param type="horzAlign" val="ctr"/>
+          </dgm:alg>
+          <dgm:shape xmlns:r="http://schemas.openxmlformats.org/officeDocument/2006/relationships" r:blip="">
+            <dgm:adjLst/>
+          </dgm:shape>
+          <dgm:presOf/>
+          <dgm:choose name="Name27">
+            <dgm:if name="Name28" func="var" arg="dir" op="equ" val="norm">
+              <dgm:constrLst>
+                <dgm:constr type="userA"/>
+                <dgm:constr type="l" for="ch" forName="bgRect"/>
+                <dgm:constr type="t" for="ch" forName="bgRect"/>
+                <dgm:constr type="h" for="ch" forName="bgRect" refType="userA" fact="1.2"/>
+                <dgm:constr type="l" for="ch" forName="bgRectTx"/>
+                <dgm:constr type="t" for="ch" forName="bgRectTx"/>
+                <dgm:constr type="w" for="ch" forName="bgRectTx" refType="w" refFor="ch" refForName="bgRect" fact="0.3"/>
+                <dgm:constr type="h" for="ch" forName="bgRectTx" refType="h" refFor="ch" refForName="bgRect" op="equ"/>
+              </dgm:constrLst>
+            </dgm:if>
+            <dgm:else name="Name29">
+              <dgm:constrLst>
+                <dgm:constr type="userA"/>
+                <dgm:constr type="l" for="ch" forName="bgRect"/>
+                <dgm:constr type="t" for="ch" forName="bgRect"/>
+                <dgm:constr type="h" for="ch" forName="bgRect" refType="userA" fact="1.2"/>
+                <dgm:constr type="r" for="ch" forName="bgRectTx" refType="w"/>
+                <dgm:constr type="t" for="ch" forName="bgRectTx"/>
+                <dgm:constr type="w" for="ch" forName="bgRectTx" refType="w" refFor="ch" refForName="bgRect" fact="0.3"/>
+                <dgm:constr type="h" for="ch" forName="bgRectTx" refType="h" refFor="ch" refForName="bgRect" op="equ"/>
+              </dgm:constrLst>
+            </dgm:else>
+          </dgm:choose>
+          <dgm:ruleLst/>
+          <dgm:layoutNode name="bgRect" styleLbl="bgShp">
+            <dgm:alg type="sp"/>
+            <dgm:shape xmlns:r="http://schemas.openxmlformats.org/officeDocument/2006/relationships" type="roundRect" r:blip="" zOrderOff="-999">
+              <dgm:adjLst>
+                <dgm:adj idx="1" val="0.1"/>
+              </dgm:adjLst>
+            </dgm:shape>
+            <dgm:presOf axis="desOrSelf" ptType="node"/>
+            <dgm:constrLst/>
+            <dgm:ruleLst/>
           </dgm:layoutNode>
-          <dgm:layoutNode name="hierChild3">
-            <dgm:choose name="Name107">
-              <dgm:if name="Name108" func="var" arg="dir" op="equ" val="norm">
-                <dgm:alg type="hierChild">
-                  <dgm:param type="chAlign" val="l"/>
-                  <dgm:param type="linDir" val="fromL"/>
-                  <dgm:param type="secChAlign" val="t"/>
-                  <dgm:param type="secLinDir" val="fromT"/>
-                </dgm:alg>
-              </dgm:if>
-              <dgm:else name="Name109">
-                <dgm:alg type="hierChild">
-                  <dgm:param type="chAlign" val="l"/>
-                  <dgm:param type="linDir" val="fromR"/>
-                  <dgm:param type="secChAlign" val="t"/>
-                  <dgm:param type="secLinDir" val="fromT"/>
-                </dgm:alg>
-              </dgm:else>
-            </dgm:choose>
-            <dgm:shape xmlns:r="http://schemas.openxmlformats.org/officeDocument/2006/relationships" r:blip="">
+          <dgm:layoutNode name="bgRectTx" styleLbl="bgShp">
+            <dgm:varLst>
+              <dgm:bulletEnabled val="1"/>
+            </dgm:varLst>
+            <dgm:alg type="tx"/>
+            <dgm:presOf axis="desOrSelf" ptType="node"/>
+            <dgm:shape xmlns:r="http://schemas.openxmlformats.org/officeDocument/2006/relationships" type="rect" r:blip="" zOrderOff="-999" hideGeom="1">
               <dgm:adjLst/>
             </dgm:shape>
-            <dgm:presOf/>
-            <dgm:constrLst/>
-            <dgm:ruleLst/>
-            <dgm:forEach name="rep2b" axis="ch" ptType="asst">
-              <dgm:forEach name="Name110" axis="precedSib" ptType="parTrans" st="-1" cnt="1">
-                <dgm:layoutNode name="Name111">
-                  <dgm:alg type="conn">
-                    <dgm:param type="connRout" val="bend"/>
-                    <dgm:param type="dim" val="1D"/>
-                    <dgm:param type="endSty" val="noArr"/>
-                    <dgm:param type="begPts" val="bCtr"/>
-                    <dgm:param type="endPts" val="midL midR"/>
-                  </dgm:alg>
-                  <dgm:shape xmlns:r="http://schemas.openxmlformats.org/officeDocument/2006/relationships" type="conn" r:blip="" zOrderOff="-99999">
-                    <dgm:adjLst/>
-                  </dgm:shape>
-                  <dgm:presOf axis="self"/>
-                  <dgm:constrLst>
-                    <dgm:constr type="begPad"/>
-                    <dgm:constr type="endPad"/>
-                  </dgm:constrLst>
-                  <dgm:ruleLst/>
-                </dgm:layoutNode>
-              </dgm:forEach>
-              <dgm:layoutNode name="hierRoot3">
-                <dgm:varLst>
-                  <dgm:hierBranch val="init"/>
-                </dgm:varLst>
-                <dgm:choose name="Name112">
-                  <dgm:if name="Name113" func="var" arg="hierBranch" op="equ" val="l">
-                    <dgm:alg type="hierRoot">
-                      <dgm:param type="hierAlign" val="tR"/>
-                    </dgm:alg>
-                    <dgm:shape xmlns:r="http://schemas.openxmlformats.org/officeDocument/2006/relationships" r:blip="">
-                      <dgm:adjLst/>
-                    </dgm:shape>
-                    <dgm:presOf/>
-                    <dgm:constrLst>
-                      <dgm:constr type="alignOff" val="0.65"/>
-                    </dgm:constrLst>
-                  </dgm:if>
-                  <dgm:if name="Name114" func="var" arg="hierBranch" op="equ" val="r">
-                    <dgm:alg type="hierRoot">
-                      <dgm:param type="hierAlign" val="tL"/>
-                    </dgm:alg>
-                    <dgm:shape xmlns:r="http://schemas.openxmlformats.org/officeDocument/2006/relationships" r:blip="">
-                      <dgm:adjLst/>
-                    </dgm:shape>
-                    <dgm:presOf/>
-                    <dgm:constrLst>
-                      <dgm:constr type="alignOff" val="0.65"/>
-                    </dgm:constrLst>
-                  </dgm:if>
-                  <dgm:if name="Name115" func="var" arg="hierBranch" op="equ" val="hang">
-                    <dgm:alg type="hierRoot"/>
-                    <dgm:shape xmlns:r="http://schemas.openxmlformats.org/officeDocument/2006/relationships" r:blip="">
-                      <dgm:adjLst/>
-                    </dgm:shape>
-                    <dgm:presOf/>
-                    <dgm:constrLst>
-                      <dgm:constr type="alignOff" val="0.65"/>
-                    </dgm:constrLst>
-                  </dgm:if>
-                  <dgm:if name="Name116" func="var" arg="hierBranch" op="equ" val="std">
-                    <dgm:alg type="hierRoot"/>
-                    <dgm:shape xmlns:r="http://schemas.openxmlformats.org/officeDocument/2006/relationships" r:blip="">
-                      <dgm:adjLst/>
-                    </dgm:shape>
-                    <dgm:presOf/>
-                    <dgm:constrLst>
-                      <dgm:constr type="alignOff"/>
-                      <dgm:constr type="bendDist" for="des" ptType="parTrans" refType="sp" fact="0.5"/>
-                    </dgm:constrLst>
-                  </dgm:if>
-                  <dgm:if name="Name117" func="var" arg="hierBranch" op="equ" val="init">
-                    <dgm:choose name="Name118">
-                      <dgm:if name="Name119" axis="des" func="maxDepth" op="lte" val="1">
-                        <dgm:alg type="hierRoot">
-                          <dgm:param type="hierAlign" val="tL"/>
-                        </dgm:alg>
-                        <dgm:shape xmlns:r="http://schemas.openxmlformats.org/officeDocument/2006/relationships" r:blip="">
-                          <dgm:adjLst/>
-                        </dgm:shape>
-                        <dgm:presOf/>
-                        <dgm:constrLst>
-                          <dgm:constr type="alignOff" val="0.65"/>
-                        </dgm:constrLst>
-                      </dgm:if>
-                      <dgm:else name="Name120">
-                        <dgm:alg type="hierRoot"/>
-                        <dgm:shape xmlns:r="http://schemas.openxmlformats.org/officeDocument/2006/relationships" r:blip="">
-                          <dgm:adjLst/>
-                        </dgm:shape>
-                        <dgm:presOf/>
-                        <dgm:constrLst>
-                          <dgm:constr type="alignOff"/>
-                          <dgm:constr type="bendDist" for="des" ptType="parTrans" refType="sp" fact="0.5"/>
-                        </dgm:constrLst>
-                      </dgm:else>
-                    </dgm:choose>
-                  </dgm:if>
-                  <dgm:else name="Name121"/>
-                </dgm:choose>
-                <dgm:ruleLst/>
-                <dgm:layoutNode name="rootComposite3">
-                  <dgm:alg type="composite"/>
-                  <dgm:shape xmlns:r="http://schemas.openxmlformats.org/officeDocument/2006/relationships" r:blip="">
-                    <dgm:adjLst/>
-                  </dgm:shape>
-                  <dgm:presOf axis="self" ptType="node" cnt="1"/>
-                  <dgm:choose name="Name122">
-                    <dgm:if name="Name123" func="var" arg="hierBranch" op="equ" val="init">
-                      <dgm:constrLst>
-                        <dgm:constr type="l" for="ch" forName="rootText3"/>
-                        <dgm:constr type="t" for="ch" forName="rootText3"/>
-                        <dgm:constr type="w" for="ch" forName="rootText3" refType="w"/>
-                        <dgm:constr type="h" for="ch" forName="rootText3" refType="h"/>
-                        <dgm:constr type="l" for="ch" forName="rootConnector3"/>
-                        <dgm:constr type="t" for="ch" forName="rootConnector3"/>
-                        <dgm:constr type="w" for="ch" forName="rootConnector3" refType="w" refFor="ch" refForName="rootText3" fact="0.2"/>
-                        <dgm:constr type="h" for="ch" forName="rootConnector3" refType="h" refFor="ch" refForName="rootText3"/>
-                      </dgm:constrLst>
-                    </dgm:if>
-                    <dgm:if name="Name124" func="var" arg="hierBranch" op="equ" val="l">
-                      <dgm:constrLst>
-                        <dgm:constr type="l" for="ch" forName="rootText3"/>
-                        <dgm:constr type="t" for="ch" forName="rootText3"/>
-                        <dgm:constr type="w" for="ch" forName="rootText3" refType="w"/>
-                        <dgm:constr type="h" for="ch" forName="rootText3" refType="h"/>
-                        <dgm:constr type="r" for="ch" forName="rootConnector3" refType="w"/>
-                        <dgm:constr type="t" for="ch" forName="rootConnector3"/>
-                        <dgm:constr type="w" for="ch" forName="rootConnector3" refType="w" refFor="ch" refForName="rootText3" fact="0.2"/>
-                        <dgm:constr type="h" for="ch" forName="rootConnector3" refType="h" refFor="ch" refForName="rootText3"/>
-                      </dgm:constrLst>
-                    </dgm:if>
-                    <dgm:if name="Name125" func="var" arg="hierBranch" op="equ" val="r">
-                      <dgm:constrLst>
-                        <dgm:constr type="l" for="ch" forName="rootText3"/>
-                        <dgm:constr type="t" for="ch" forName="rootText3"/>
-                        <dgm:constr type="w" for="ch" forName="rootText3" refType="w"/>
-                        <dgm:constr type="h" for="ch" forName="rootText3" refType="h"/>
-                        <dgm:constr type="l" for="ch" forName="rootConnector3"/>
-                        <dgm:constr type="t" for="ch" forName="rootConnector3"/>
-                        <dgm:constr type="w" for="ch" forName="rootConnector3" refType="w" refFor="ch" refForName="rootText3" fact="0.2"/>
-                        <dgm:constr type="h" for="ch" forName="rootConnector3" refType="h" refFor="ch" refForName="rootText3"/>
-                      </dgm:constrLst>
-                    </dgm:if>
-                    <dgm:else name="Name126">
-                      <dgm:constrLst>
-                        <dgm:constr type="l" for="ch" forName="rootText3"/>
-                        <dgm:constr type="t" for="ch" forName="rootText3"/>
-                        <dgm:constr type="w" for="ch" forName="rootText3" refType="w"/>
-                        <dgm:constr type="h" for="ch" forName="rootText3" refType="h"/>
-                        <dgm:constr type="r" for="ch" forName="rootConnector3" refType="w"/>
-                        <dgm:constr type="t" for="ch" forName="rootConnector3"/>
-                        <dgm:constr type="w" for="ch" forName="rootConnector3" refType="w" refFor="ch" refForName="rootText3" fact="0.2"/>
-                        <dgm:constr type="h" for="ch" forName="rootConnector3" refType="h" refFor="ch" refForName="rootText3"/>
-                      </dgm:constrLst>
-                    </dgm:else>
-                  </dgm:choose>
-                  <dgm:ruleLst/>
-                  <dgm:layoutNode name="rootText3">
-                    <dgm:varLst>
-                      <dgm:chPref val="3"/>
-                    </dgm:varLst>
-                    <dgm:alg type="tx"/>
-                    <dgm:shape xmlns:r="http://schemas.openxmlformats.org/officeDocument/2006/relationships" type="rect" r:blip="">
-                      <dgm:adjLst/>
-                    </dgm:shape>
-                    <dgm:presOf axis="self" ptType="node" cnt="1"/>
-                    <dgm:constrLst>
-                      <dgm:constr type="primFontSz" val="65"/>
-                      <dgm:constr type="lMarg" refType="primFontSz" fact="0.05"/>
-                      <dgm:constr type="rMarg" refType="primFontSz" fact="0.05"/>
-                      <dgm:constr type="tMarg" refType="primFontSz" fact="0.05"/>
-                      <dgm:constr type="bMarg" refType="primFontSz" fact="0.05"/>
-                    </dgm:constrLst>
-                    <dgm:ruleLst>
-                      <dgm:rule type="primFontSz" val="5" fact="NaN" max="NaN"/>
-                    </dgm:ruleLst>
-                  </dgm:layoutNode>
-                  <dgm:layoutNode name="rootConnector3" moveWith="rootText1">
-                    <dgm:alg type="sp"/>
-                    <dgm:shape xmlns:r="http://schemas.openxmlformats.org/officeDocument/2006/relationships" type="rect" r:blip="" hideGeom="1">
-                      <dgm:adjLst/>
-                    </dgm:shape>
-                    <dgm:presOf axis="self" ptType="node" cnt="1"/>
-                    <dgm:constrLst/>
-                    <dgm:ruleLst/>
-                  </dgm:layoutNode>
-                </dgm:layoutNode>
-                <dgm:layoutNode name="hierChild6">
-                  <dgm:choose name="Name127">
-                    <dgm:if name="Name128" func="var" arg="hierBranch" op="equ" val="l">
-                      <dgm:alg type="hierChild">
-                        <dgm:param type="chAlign" val="r"/>
-                        <dgm:param type="linDir" val="fromT"/>
-                      </dgm:alg>
-                    </dgm:if>
-                    <dgm:if name="Name129" func="var" arg="hierBranch" op="equ" val="r">
-                      <dgm:alg type="hierChild">
-                        <dgm:param type="chAlign" val="l"/>
-                        <dgm:param type="linDir" val="fromT"/>
-                      </dgm:alg>
-                    </dgm:if>
-                    <dgm:if name="Name130" func="var" arg="hierBranch" op="equ" val="hang">
-                      <dgm:choose name="Name131">
-                        <dgm:if name="Name132" func="var" arg="dir" op="equ" val="norm">
-                          <dgm:alg type="hierChild">
-                            <dgm:param type="chAlign" val="l"/>
-                            <dgm:param type="linDir" val="fromL"/>
-                            <dgm:param type="secChAlign" val="t"/>
-                            <dgm:param type="secLinDir" val="fromT"/>
-                          </dgm:alg>
-                        </dgm:if>
-                        <dgm:else name="Name133">
-                          <dgm:alg type="hierChild">
-                            <dgm:param type="chAlign" val="l"/>
-                            <dgm:param type="linDir" val="fromR"/>
-                            <dgm:param type="secChAlign" val="t"/>
-                            <dgm:param type="secLinDir" val="fromT"/>
-                          </dgm:alg>
-                        </dgm:else>
-                      </dgm:choose>
-                    </dgm:if>
-                    <dgm:if name="Name134" func="var" arg="hierBranch" op="equ" val="std">
-                      <dgm:choose name="Name135">
-                        <dgm:if name="Name136" func="var" arg="dir" op="equ" val="norm">
-                          <dgm:alg type="hierChild"/>
-                        </dgm:if>
-                        <dgm:else name="Name137">
-                          <dgm:alg type="hierChild">
-                            <dgm:param type="linDir" val="fromR"/>
-                          </dgm:alg>
-                        </dgm:else>
-                      </dgm:choose>
-                    </dgm:if>
-                    <dgm:if name="Name138" func="var" arg="hierBranch" op="equ" val="init">
-                      <dgm:choose name="Name139">
-                        <dgm:if name="Name140" axis="des" func="maxDepth" op="lte" val="1">
-                          <dgm:alg type="hierChild">
-                            <dgm:param type="chAlign" val="l"/>
-                            <dgm:param type="linDir" val="fromT"/>
-                          </dgm:alg>
-                        </dgm:if>
-                        <dgm:else name="Name141">
-                          <dgm:alg type="hierChild"/>
-                        </dgm:else>
-                      </dgm:choose>
-                    </dgm:if>
-                    <dgm:else name="Name142"/>
-                  </dgm:choose>
-                  <dgm:shape xmlns:r="http://schemas.openxmlformats.org/officeDocument/2006/relationships" r:blip="">
-                    <dgm:adjLst/>
-                  </dgm:shape>
-                  <dgm:presOf/>
-                  <dgm:constrLst/>
-                  <dgm:ruleLst/>
-                  <dgm:forEach name="Name143" ref="rep2a"/>
-                </dgm:layoutNode>
-                <dgm:layoutNode name="hierChild7">
-                  <dgm:choose name="Name144">
-                    <dgm:if name="Name145" func="var" arg="dir" op="equ" val="norm">
-                      <dgm:alg type="hierChild">
-                        <dgm:param type="chAlign" val="l"/>
-                        <dgm:param type="linDir" val="fromL"/>
-                        <dgm:param type="secChAlign" val="t"/>
-                        <dgm:param type="secLinDir" val="fromT"/>
-                      </dgm:alg>
-                    </dgm:if>
-                    <dgm:else name="Name146">
-                      <dgm:alg type="hierChild">
-                        <dgm:param type="chAlign" val="l"/>
-                        <dgm:param type="linDir" val="fromR"/>
-                        <dgm:param type="secChAlign" val="t"/>
-                        <dgm:param type="secLinDir" val="fromT"/>
-                      </dgm:alg>
-                    </dgm:else>
-                  </dgm:choose>
-                  <dgm:shape xmlns:r="http://schemas.openxmlformats.org/officeDocument/2006/relationships" r:blip="">
-                    <dgm:adjLst/>
-                  </dgm:shape>
-                  <dgm:presOf/>
-                  <dgm:constrLst/>
-                  <dgm:ruleLst/>
-                  <dgm:forEach name="Name147" ref="rep2b"/>
-                </dgm:layoutNode>
-              </dgm:layoutNode>
-            </dgm:forEach>
+            <dgm:constrLst>
+              <dgm:constr type="primFontSz" val="65"/>
+            </dgm:constrLst>
+            <dgm:ruleLst>
+              <dgm:rule type="primFontSz" val="5" fact="NaN" max="NaN"/>
+            </dgm:ruleLst>
           </dgm:layoutNode>
         </dgm:layoutNode>
+        <dgm:choose name="Name30">
+          <dgm:if name="Name31" axis="self" ptType="node" func="revPos" op="gte" val="2">
+            <dgm:layoutNode name="spComp">
+              <dgm:alg type="composite">
+                <dgm:param type="vertAlign" val="t"/>
+                <dgm:param type="horzAlign" val="ctr"/>
+              </dgm:alg>
+              <dgm:shape xmlns:r="http://schemas.openxmlformats.org/officeDocument/2006/relationships" r:blip="">
+                <dgm:adjLst/>
+              </dgm:shape>
+              <dgm:presOf/>
+              <dgm:constrLst>
+                <dgm:constr type="userA"/>
+                <dgm:constr type="userB"/>
+                <dgm:constr type="l" for="ch" forName="vSp"/>
+                <dgm:constr type="t" for="ch" forName="vSp"/>
+                <dgm:constr type="h" for="ch" forName="vSp" refType="userB"/>
+                <dgm:constr type="hOff" for="ch" forName="vSp" refType="userA" fact="-0.2"/>
+              </dgm:constrLst>
+              <dgm:ruleLst/>
+              <dgm:layoutNode name="vSp">
+                <dgm:alg type="sp"/>
+                <dgm:shape xmlns:r="http://schemas.openxmlformats.org/officeDocument/2006/relationships" r:blip="">
+                  <dgm:adjLst/>
+                </dgm:shape>
+                <dgm:presOf/>
+                <dgm:constrLst/>
+                <dgm:ruleLst/>
+              </dgm:layoutNode>
+            </dgm:layoutNode>
+          </dgm:if>
+          <dgm:else name="Name32"/>
+        </dgm:choose>
       </dgm:forEach>
-    </dgm:forEach>
+    </dgm:layoutNode>
   </dgm:layoutNode>
 </dgm:layoutDef>
 </file>
@@ -7126,13 +6373,15 @@
       <p:sp>
         <p:nvSpPr>
           <p:cNvPr id="2" name="Rectangle 1"/>
-          <p:cNvSpPr/>
+          <p:cNvSpPr>
+            <a:spLocks/>
+          </p:cNvSpPr>
           <p:nvPr/>
         </p:nvSpPr>
         <p:spPr>
           <a:xfrm>
-            <a:off x="0" y="0"/>
-            <a:ext cx="12192000" cy="6858000"/>
+            <a:off x="-1" y="-1"/>
+            <a:ext cx="12179808" cy="6839712"/>
           </a:xfrm>
           <a:prstGeom prst="rect">
             <a:avLst/>
@@ -7201,15 +6450,7 @@
                   <a:schemeClr val="bg1"/>
                 </a:solidFill>
               </a:rPr>
-              <a:t>Schemă </a:t>
-            </a:r>
-            <a:r>
-              <a:rPr lang="ro-RO" sz="2800" dirty="0" smtClean="0">
-                <a:solidFill>
-                  <a:schemeClr val="bg1"/>
-                </a:solidFill>
-              </a:rPr>
-              <a:t>design</a:t>
+              <a:t>Schemă design</a:t>
             </a:r>
             <a:endParaRPr lang="en-US" sz="2800" dirty="0">
               <a:solidFill>
@@ -7226,14 +6467,14 @@
           <p:nvPr>
             <p:extLst>
               <p:ext uri="{D42A27DB-BD31-4B8C-83A1-F6EECF244321}">
-                <p14:modId xmlns:p14="http://schemas.microsoft.com/office/powerpoint/2010/main" val="2056964736"/>
+                <p14:modId xmlns:p14="http://schemas.microsoft.com/office/powerpoint/2010/main" val="3057975317"/>
               </p:ext>
             </p:extLst>
           </p:nvPr>
         </p:nvGraphicFramePr>
         <p:xfrm>
-          <a:off x="374467" y="1332922"/>
-          <a:ext cx="6390459" cy="5181089"/>
+          <a:off x="374467" y="1101268"/>
+          <a:ext cx="6390459" cy="5412744"/>
         </p:xfrm>
         <a:graphic>
           <a:graphicData uri="http://schemas.openxmlformats.org/drawingml/2006/diagram">
@@ -7250,7 +6491,7 @@
         <p:spPr>
           <a:xfrm>
             <a:off x="6053134" y="886368"/>
-            <a:ext cx="5529267" cy="893107"/>
+            <a:ext cx="5681666" cy="893107"/>
           </a:xfrm>
           <a:prstGeom prst="cloudCallout">
             <a:avLst>
@@ -7369,8 +6610,8 @@
         </p:nvSpPr>
         <p:spPr>
           <a:xfrm>
-            <a:off x="6029323" y="2011680"/>
-            <a:ext cx="5265694" cy="1306287"/>
+            <a:off x="6184920" y="2203101"/>
+            <a:ext cx="5549880" cy="1306287"/>
           </a:xfrm>
           <a:prstGeom prst="cloudCallout">
             <a:avLst>
@@ -7496,53 +6737,14 @@
       </p:sp>
       <p:sp>
         <p:nvSpPr>
-          <p:cNvPr id="4" name="Oval 3"/>
-          <p:cNvSpPr/>
-          <p:nvPr/>
-        </p:nvSpPr>
-        <p:spPr>
-          <a:xfrm>
-            <a:off x="1627690" y="4145280"/>
-            <a:ext cx="4642481" cy="2569029"/>
-          </a:xfrm>
-          <a:prstGeom prst="ellipse">
-            <a:avLst/>
-          </a:prstGeom>
-          <a:noFill/>
-        </p:spPr>
-        <p:style>
-          <a:lnRef idx="2">
-            <a:schemeClr val="dk1"/>
-          </a:lnRef>
-          <a:fillRef idx="1">
-            <a:schemeClr val="lt1"/>
-          </a:fillRef>
-          <a:effectRef idx="0">
-            <a:schemeClr val="dk1"/>
-          </a:effectRef>
-          <a:fontRef idx="minor">
-            <a:schemeClr val="dk1"/>
-          </a:fontRef>
-        </p:style>
-        <p:txBody>
-          <a:bodyPr rtlCol="0" anchor="ctr"/>
-          <a:lstStyle/>
-          <a:p>
-            <a:pPr algn="ctr"/>
-            <a:endParaRPr lang="en-US"/>
-          </a:p>
-        </p:txBody>
-      </p:sp>
-      <p:sp>
-        <p:nvSpPr>
           <p:cNvPr id="11" name="Cloud Callout 10"/>
           <p:cNvSpPr/>
           <p:nvPr/>
         </p:nvSpPr>
         <p:spPr>
           <a:xfrm>
-            <a:off x="6029320" y="3631986"/>
-            <a:ext cx="5892713" cy="893107"/>
+            <a:off x="6184083" y="3839303"/>
+            <a:ext cx="5550717" cy="893107"/>
           </a:xfrm>
           <a:prstGeom prst="cloudCallout">
             <a:avLst>
@@ -7610,7 +6812,7 @@
         </p:nvSpPr>
         <p:spPr>
           <a:xfrm>
-            <a:off x="4590093" y="1541417"/>
+            <a:off x="4590093" y="1857559"/>
             <a:ext cx="1008838" cy="238058"/>
           </a:xfrm>
           <a:prstGeom prst="rect">
@@ -7653,7 +6855,7 @@
         </p:nvSpPr>
         <p:spPr>
           <a:xfrm>
-            <a:off x="4590093" y="1890197"/>
+            <a:off x="4590093" y="2230359"/>
             <a:ext cx="1008838" cy="238058"/>
           </a:xfrm>
           <a:prstGeom prst="rect">
@@ -7696,7 +6898,7 @@
         </p:nvSpPr>
         <p:spPr>
           <a:xfrm>
-            <a:off x="4590093" y="3314268"/>
+            <a:off x="4563615" y="3597508"/>
             <a:ext cx="1008838" cy="278237"/>
           </a:xfrm>
           <a:prstGeom prst="rect">
@@ -7748,7 +6950,7 @@
         </p:nvSpPr>
         <p:spPr>
           <a:xfrm>
-            <a:off x="5776295" y="5056755"/>
+            <a:off x="7046449" y="5098565"/>
             <a:ext cx="1418143" cy="278237"/>
           </a:xfrm>
           <a:prstGeom prst="rect">
@@ -7792,7 +6994,7 @@
         </p:nvSpPr>
         <p:spPr>
           <a:xfrm>
-            <a:off x="5776295" y="5386472"/>
+            <a:off x="7046448" y="5487523"/>
             <a:ext cx="1418143" cy="278237"/>
           </a:xfrm>
           <a:prstGeom prst="rect">
@@ -7843,9 +7045,9 @@
           <p:nvPr/>
         </p:nvCxnSpPr>
         <p:spPr>
-          <a:xfrm flipH="1">
-            <a:off x="1395077" y="3314268"/>
-            <a:ext cx="17417" cy="2355012"/>
+          <a:xfrm>
+            <a:off x="921854" y="3736626"/>
+            <a:ext cx="6915" cy="995784"/>
           </a:xfrm>
           <a:prstGeom prst="straightConnector1">
             <a:avLst/>
@@ -7878,7 +7080,7 @@
         </p:nvSpPr>
         <p:spPr>
           <a:xfrm>
-            <a:off x="138385" y="4367577"/>
+            <a:off x="864362" y="4003685"/>
             <a:ext cx="1185318" cy="461665"/>
           </a:xfrm>
           <a:prstGeom prst="rect">
@@ -7904,7 +7106,7 @@
     </p:spTree>
     <p:extLst>
       <p:ext uri="{BB962C8B-B14F-4D97-AF65-F5344CB8AC3E}">
-        <p14:creationId xmlns:p14="http://schemas.microsoft.com/office/powerpoint/2010/main" val="1660416955"/>
+        <p14:creationId xmlns:p14="http://schemas.microsoft.com/office/powerpoint/2010/main" val="1637227099"/>
       </p:ext>
     </p:extLst>
   </p:cSld>

--- a/Documentation/Figures/Șablon.pptx
+++ b/Documentation/Figures/Șablon.pptx
@@ -6,6 +6,7 @@
   </p:sldMasterIdLst>
   <p:sldIdLst>
     <p:sldId id="259" r:id="rId2"/>
+    <p:sldId id="260" r:id="rId3"/>
   </p:sldIdLst>
   <p:sldSz cx="12192000" cy="6858000"/>
   <p:notesSz cx="6858000" cy="9144000"/>
@@ -113,6 +114,753 @@
 </file>
 
 <file path=ppt/diagrams/colors1.xml><?xml version="1.0" encoding="utf-8"?>
+<dgm:colorsDef xmlns:dgm="http://schemas.openxmlformats.org/drawingml/2006/diagram" xmlns:a="http://schemas.openxmlformats.org/drawingml/2006/main" uniqueId="urn:microsoft.com/office/officeart/2005/8/colors/accent1_2">
+  <dgm:title val=""/>
+  <dgm:desc val=""/>
+  <dgm:catLst>
+    <dgm:cat type="accent1" pri="11200"/>
+  </dgm:catLst>
+  <dgm:styleLbl name="node0">
+    <dgm:fillClrLst meth="repeat">
+      <a:schemeClr val="accent1"/>
+    </dgm:fillClrLst>
+    <dgm:linClrLst meth="repeat">
+      <a:schemeClr val="lt1"/>
+    </dgm:linClrLst>
+    <dgm:effectClrLst/>
+    <dgm:txLinClrLst/>
+    <dgm:txFillClrLst/>
+    <dgm:txEffectClrLst/>
+  </dgm:styleLbl>
+  <dgm:styleLbl name="alignNode1">
+    <dgm:fillClrLst meth="repeat">
+      <a:schemeClr val="accent1"/>
+    </dgm:fillClrLst>
+    <dgm:linClrLst meth="repeat">
+      <a:schemeClr val="accent1"/>
+    </dgm:linClrLst>
+    <dgm:effectClrLst/>
+    <dgm:txLinClrLst/>
+    <dgm:txFillClrLst/>
+    <dgm:txEffectClrLst/>
+  </dgm:styleLbl>
+  <dgm:styleLbl name="node1">
+    <dgm:fillClrLst meth="repeat">
+      <a:schemeClr val="accent1"/>
+    </dgm:fillClrLst>
+    <dgm:linClrLst meth="repeat">
+      <a:schemeClr val="lt1"/>
+    </dgm:linClrLst>
+    <dgm:effectClrLst/>
+    <dgm:txLinClrLst/>
+    <dgm:txFillClrLst/>
+    <dgm:txEffectClrLst/>
+  </dgm:styleLbl>
+  <dgm:styleLbl name="lnNode1">
+    <dgm:fillClrLst meth="repeat">
+      <a:schemeClr val="accent1"/>
+    </dgm:fillClrLst>
+    <dgm:linClrLst meth="repeat">
+      <a:schemeClr val="lt1"/>
+    </dgm:linClrLst>
+    <dgm:effectClrLst/>
+    <dgm:txLinClrLst/>
+    <dgm:txFillClrLst/>
+    <dgm:txEffectClrLst/>
+  </dgm:styleLbl>
+  <dgm:styleLbl name="vennNode1">
+    <dgm:fillClrLst meth="repeat">
+      <a:schemeClr val="accent1">
+        <a:alpha val="50000"/>
+      </a:schemeClr>
+    </dgm:fillClrLst>
+    <dgm:linClrLst meth="repeat">
+      <a:schemeClr val="lt1"/>
+    </dgm:linClrLst>
+    <dgm:effectClrLst/>
+    <dgm:txLinClrLst/>
+    <dgm:txFillClrLst/>
+    <dgm:txEffectClrLst/>
+  </dgm:styleLbl>
+  <dgm:styleLbl name="node2">
+    <dgm:fillClrLst meth="repeat">
+      <a:schemeClr val="accent1"/>
+    </dgm:fillClrLst>
+    <dgm:linClrLst meth="repeat">
+      <a:schemeClr val="lt1"/>
+    </dgm:linClrLst>
+    <dgm:effectClrLst/>
+    <dgm:txLinClrLst/>
+    <dgm:txFillClrLst/>
+    <dgm:txEffectClrLst/>
+  </dgm:styleLbl>
+  <dgm:styleLbl name="node3">
+    <dgm:fillClrLst meth="repeat">
+      <a:schemeClr val="accent1"/>
+    </dgm:fillClrLst>
+    <dgm:linClrLst meth="repeat">
+      <a:schemeClr val="lt1"/>
+    </dgm:linClrLst>
+    <dgm:effectClrLst/>
+    <dgm:txLinClrLst/>
+    <dgm:txFillClrLst/>
+    <dgm:txEffectClrLst/>
+  </dgm:styleLbl>
+  <dgm:styleLbl name="node4">
+    <dgm:fillClrLst meth="repeat">
+      <a:schemeClr val="accent1"/>
+    </dgm:fillClrLst>
+    <dgm:linClrLst meth="repeat">
+      <a:schemeClr val="lt1"/>
+    </dgm:linClrLst>
+    <dgm:effectClrLst/>
+    <dgm:txLinClrLst/>
+    <dgm:txFillClrLst/>
+    <dgm:txEffectClrLst/>
+  </dgm:styleLbl>
+  <dgm:styleLbl name="fgImgPlace1">
+    <dgm:fillClrLst meth="repeat">
+      <a:schemeClr val="accent1">
+        <a:tint val="50000"/>
+      </a:schemeClr>
+    </dgm:fillClrLst>
+    <dgm:linClrLst meth="repeat">
+      <a:schemeClr val="lt1"/>
+    </dgm:linClrLst>
+    <dgm:effectClrLst/>
+    <dgm:txLinClrLst/>
+    <dgm:txFillClrLst meth="repeat">
+      <a:schemeClr val="lt1"/>
+    </dgm:txFillClrLst>
+    <dgm:txEffectClrLst/>
+  </dgm:styleLbl>
+  <dgm:styleLbl name="alignImgPlace1">
+    <dgm:fillClrLst meth="repeat">
+      <a:schemeClr val="accent1">
+        <a:tint val="50000"/>
+      </a:schemeClr>
+    </dgm:fillClrLst>
+    <dgm:linClrLst meth="repeat">
+      <a:schemeClr val="lt1"/>
+    </dgm:linClrLst>
+    <dgm:effectClrLst/>
+    <dgm:txLinClrLst/>
+    <dgm:txFillClrLst meth="repeat">
+      <a:schemeClr val="lt1"/>
+    </dgm:txFillClrLst>
+    <dgm:txEffectClrLst/>
+  </dgm:styleLbl>
+  <dgm:styleLbl name="bgImgPlace1">
+    <dgm:fillClrLst meth="repeat">
+      <a:schemeClr val="accent1">
+        <a:tint val="50000"/>
+      </a:schemeClr>
+    </dgm:fillClrLst>
+    <dgm:linClrLst meth="repeat">
+      <a:schemeClr val="lt1"/>
+    </dgm:linClrLst>
+    <dgm:effectClrLst/>
+    <dgm:txLinClrLst/>
+    <dgm:txFillClrLst meth="repeat">
+      <a:schemeClr val="lt1"/>
+    </dgm:txFillClrLst>
+    <dgm:txEffectClrLst/>
+  </dgm:styleLbl>
+  <dgm:styleLbl name="sibTrans2D1">
+    <dgm:fillClrLst meth="repeat">
+      <a:schemeClr val="accent1">
+        <a:tint val="60000"/>
+      </a:schemeClr>
+    </dgm:fillClrLst>
+    <dgm:linClrLst meth="repeat">
+      <a:schemeClr val="accent1">
+        <a:tint val="60000"/>
+      </a:schemeClr>
+    </dgm:linClrLst>
+    <dgm:effectClrLst/>
+    <dgm:txLinClrLst/>
+    <dgm:txFillClrLst/>
+    <dgm:txEffectClrLst/>
+  </dgm:styleLbl>
+  <dgm:styleLbl name="fgSibTrans2D1">
+    <dgm:fillClrLst meth="repeat">
+      <a:schemeClr val="accent1">
+        <a:tint val="60000"/>
+      </a:schemeClr>
+    </dgm:fillClrLst>
+    <dgm:linClrLst meth="repeat">
+      <a:schemeClr val="accent1">
+        <a:tint val="60000"/>
+      </a:schemeClr>
+    </dgm:linClrLst>
+    <dgm:effectClrLst/>
+    <dgm:txLinClrLst/>
+    <dgm:txFillClrLst/>
+    <dgm:txEffectClrLst/>
+  </dgm:styleLbl>
+  <dgm:styleLbl name="bgSibTrans2D1">
+    <dgm:fillClrLst meth="repeat">
+      <a:schemeClr val="accent1">
+        <a:tint val="60000"/>
+      </a:schemeClr>
+    </dgm:fillClrLst>
+    <dgm:linClrLst meth="repeat">
+      <a:schemeClr val="accent1">
+        <a:tint val="60000"/>
+      </a:schemeClr>
+    </dgm:linClrLst>
+    <dgm:effectClrLst/>
+    <dgm:txLinClrLst/>
+    <dgm:txFillClrLst/>
+    <dgm:txEffectClrLst/>
+  </dgm:styleLbl>
+  <dgm:styleLbl name="sibTrans1D1">
+    <dgm:fillClrLst meth="repeat">
+      <a:schemeClr val="accent1"/>
+    </dgm:fillClrLst>
+    <dgm:linClrLst meth="repeat">
+      <a:schemeClr val="accent1"/>
+    </dgm:linClrLst>
+    <dgm:effectClrLst/>
+    <dgm:txLinClrLst/>
+    <dgm:txFillClrLst meth="repeat">
+      <a:schemeClr val="tx1"/>
+    </dgm:txFillClrLst>
+    <dgm:txEffectClrLst/>
+  </dgm:styleLbl>
+  <dgm:styleLbl name="callout">
+    <dgm:fillClrLst meth="repeat">
+      <a:schemeClr val="accent1"/>
+    </dgm:fillClrLst>
+    <dgm:linClrLst meth="repeat">
+      <a:schemeClr val="accent1">
+        <a:tint val="50000"/>
+      </a:schemeClr>
+    </dgm:linClrLst>
+    <dgm:effectClrLst/>
+    <dgm:txLinClrLst/>
+    <dgm:txFillClrLst meth="repeat">
+      <a:schemeClr val="tx1"/>
+    </dgm:txFillClrLst>
+    <dgm:txEffectClrLst/>
+  </dgm:styleLbl>
+  <dgm:styleLbl name="asst0">
+    <dgm:fillClrLst meth="repeat">
+      <a:schemeClr val="accent1"/>
+    </dgm:fillClrLst>
+    <dgm:linClrLst meth="repeat">
+      <a:schemeClr val="lt1"/>
+    </dgm:linClrLst>
+    <dgm:effectClrLst/>
+    <dgm:txLinClrLst/>
+    <dgm:txFillClrLst/>
+    <dgm:txEffectClrLst/>
+  </dgm:styleLbl>
+  <dgm:styleLbl name="asst1">
+    <dgm:fillClrLst meth="repeat">
+      <a:schemeClr val="accent1"/>
+    </dgm:fillClrLst>
+    <dgm:linClrLst meth="repeat">
+      <a:schemeClr val="lt1"/>
+    </dgm:linClrLst>
+    <dgm:effectClrLst/>
+    <dgm:txLinClrLst/>
+    <dgm:txFillClrLst/>
+    <dgm:txEffectClrLst/>
+  </dgm:styleLbl>
+  <dgm:styleLbl name="asst2">
+    <dgm:fillClrLst meth="repeat">
+      <a:schemeClr val="accent1"/>
+    </dgm:fillClrLst>
+    <dgm:linClrLst meth="repeat">
+      <a:schemeClr val="lt1"/>
+    </dgm:linClrLst>
+    <dgm:effectClrLst/>
+    <dgm:txLinClrLst/>
+    <dgm:txFillClrLst/>
+    <dgm:txEffectClrLst/>
+  </dgm:styleLbl>
+  <dgm:styleLbl name="asst3">
+    <dgm:fillClrLst meth="repeat">
+      <a:schemeClr val="accent1"/>
+    </dgm:fillClrLst>
+    <dgm:linClrLst meth="repeat">
+      <a:schemeClr val="lt1"/>
+    </dgm:linClrLst>
+    <dgm:effectClrLst/>
+    <dgm:txLinClrLst/>
+    <dgm:txFillClrLst/>
+    <dgm:txEffectClrLst/>
+  </dgm:styleLbl>
+  <dgm:styleLbl name="asst4">
+    <dgm:fillClrLst meth="repeat">
+      <a:schemeClr val="accent1"/>
+    </dgm:fillClrLst>
+    <dgm:linClrLst meth="repeat">
+      <a:schemeClr val="lt1"/>
+    </dgm:linClrLst>
+    <dgm:effectClrLst/>
+    <dgm:txLinClrLst/>
+    <dgm:txFillClrLst/>
+    <dgm:txEffectClrLst/>
+  </dgm:styleLbl>
+  <dgm:styleLbl name="parChTrans2D1">
+    <dgm:fillClrLst meth="repeat">
+      <a:schemeClr val="accent1">
+        <a:tint val="60000"/>
+      </a:schemeClr>
+    </dgm:fillClrLst>
+    <dgm:linClrLst meth="repeat">
+      <a:schemeClr val="accent1">
+        <a:tint val="60000"/>
+      </a:schemeClr>
+    </dgm:linClrLst>
+    <dgm:effectClrLst/>
+    <dgm:txLinClrLst/>
+    <dgm:txFillClrLst meth="repeat">
+      <a:schemeClr val="lt1"/>
+    </dgm:txFillClrLst>
+    <dgm:txEffectClrLst/>
+  </dgm:styleLbl>
+  <dgm:styleLbl name="parChTrans2D2">
+    <dgm:fillClrLst meth="repeat">
+      <a:schemeClr val="accent1"/>
+    </dgm:fillClrLst>
+    <dgm:linClrLst meth="repeat">
+      <a:schemeClr val="accent1"/>
+    </dgm:linClrLst>
+    <dgm:effectClrLst/>
+    <dgm:txLinClrLst/>
+    <dgm:txFillClrLst meth="repeat">
+      <a:schemeClr val="lt1"/>
+    </dgm:txFillClrLst>
+    <dgm:txEffectClrLst/>
+  </dgm:styleLbl>
+  <dgm:styleLbl name="parChTrans2D3">
+    <dgm:fillClrLst meth="repeat">
+      <a:schemeClr val="accent1"/>
+    </dgm:fillClrLst>
+    <dgm:linClrLst meth="repeat">
+      <a:schemeClr val="accent1"/>
+    </dgm:linClrLst>
+    <dgm:effectClrLst/>
+    <dgm:txLinClrLst/>
+    <dgm:txFillClrLst meth="repeat">
+      <a:schemeClr val="lt1"/>
+    </dgm:txFillClrLst>
+    <dgm:txEffectClrLst/>
+  </dgm:styleLbl>
+  <dgm:styleLbl name="parChTrans2D4">
+    <dgm:fillClrLst meth="repeat">
+      <a:schemeClr val="accent1"/>
+    </dgm:fillClrLst>
+    <dgm:linClrLst meth="repeat">
+      <a:schemeClr val="accent1"/>
+    </dgm:linClrLst>
+    <dgm:effectClrLst/>
+    <dgm:txLinClrLst/>
+    <dgm:txFillClrLst meth="repeat">
+      <a:schemeClr val="lt1"/>
+    </dgm:txFillClrLst>
+    <dgm:txEffectClrLst/>
+  </dgm:styleLbl>
+  <dgm:styleLbl name="parChTrans1D1">
+    <dgm:fillClrLst meth="repeat">
+      <a:schemeClr val="accent1"/>
+    </dgm:fillClrLst>
+    <dgm:linClrLst meth="repeat">
+      <a:schemeClr val="accent1">
+        <a:shade val="60000"/>
+      </a:schemeClr>
+    </dgm:linClrLst>
+    <dgm:effectClrLst/>
+    <dgm:txLinClrLst/>
+    <dgm:txFillClrLst meth="repeat">
+      <a:schemeClr val="tx1"/>
+    </dgm:txFillClrLst>
+    <dgm:txEffectClrLst/>
+  </dgm:styleLbl>
+  <dgm:styleLbl name="parChTrans1D2">
+    <dgm:fillClrLst meth="repeat">
+      <a:schemeClr val="accent1"/>
+    </dgm:fillClrLst>
+    <dgm:linClrLst meth="repeat">
+      <a:schemeClr val="accent1">
+        <a:shade val="60000"/>
+      </a:schemeClr>
+    </dgm:linClrLst>
+    <dgm:effectClrLst/>
+    <dgm:txLinClrLst/>
+    <dgm:txFillClrLst meth="repeat">
+      <a:schemeClr val="tx1"/>
+    </dgm:txFillClrLst>
+    <dgm:txEffectClrLst/>
+  </dgm:styleLbl>
+  <dgm:styleLbl name="parChTrans1D3">
+    <dgm:fillClrLst meth="repeat">
+      <a:schemeClr val="accent1"/>
+    </dgm:fillClrLst>
+    <dgm:linClrLst meth="repeat">
+      <a:schemeClr val="accent1">
+        <a:shade val="80000"/>
+      </a:schemeClr>
+    </dgm:linClrLst>
+    <dgm:effectClrLst/>
+    <dgm:txLinClrLst/>
+    <dgm:txFillClrLst meth="repeat">
+      <a:schemeClr val="tx1"/>
+    </dgm:txFillClrLst>
+    <dgm:txEffectClrLst/>
+  </dgm:styleLbl>
+  <dgm:styleLbl name="parChTrans1D4">
+    <dgm:fillClrLst meth="repeat">
+      <a:schemeClr val="accent1"/>
+    </dgm:fillClrLst>
+    <dgm:linClrLst meth="repeat">
+      <a:schemeClr val="accent1">
+        <a:shade val="80000"/>
+      </a:schemeClr>
+    </dgm:linClrLst>
+    <dgm:effectClrLst/>
+    <dgm:txLinClrLst/>
+    <dgm:txFillClrLst meth="repeat">
+      <a:schemeClr val="tx1"/>
+    </dgm:txFillClrLst>
+    <dgm:txEffectClrLst/>
+  </dgm:styleLbl>
+  <dgm:styleLbl name="fgAcc1">
+    <dgm:fillClrLst meth="repeat">
+      <a:schemeClr val="lt1">
+        <a:alpha val="90000"/>
+      </a:schemeClr>
+    </dgm:fillClrLst>
+    <dgm:linClrLst meth="repeat">
+      <a:schemeClr val="accent1"/>
+    </dgm:linClrLst>
+    <dgm:effectClrLst/>
+    <dgm:txLinClrLst/>
+    <dgm:txFillClrLst meth="repeat">
+      <a:schemeClr val="dk1"/>
+    </dgm:txFillClrLst>
+    <dgm:txEffectClrLst/>
+  </dgm:styleLbl>
+  <dgm:styleLbl name="conFgAcc1">
+    <dgm:fillClrLst meth="repeat">
+      <a:schemeClr val="lt1">
+        <a:alpha val="90000"/>
+      </a:schemeClr>
+    </dgm:fillClrLst>
+    <dgm:linClrLst meth="repeat">
+      <a:schemeClr val="accent1"/>
+    </dgm:linClrLst>
+    <dgm:effectClrLst/>
+    <dgm:txLinClrLst/>
+    <dgm:txFillClrLst meth="repeat">
+      <a:schemeClr val="dk1"/>
+    </dgm:txFillClrLst>
+    <dgm:txEffectClrLst/>
+  </dgm:styleLbl>
+  <dgm:styleLbl name="alignAcc1">
+    <dgm:fillClrLst meth="repeat">
+      <a:schemeClr val="lt1">
+        <a:alpha val="90000"/>
+      </a:schemeClr>
+    </dgm:fillClrLst>
+    <dgm:linClrLst meth="repeat">
+      <a:schemeClr val="accent1"/>
+    </dgm:linClrLst>
+    <dgm:effectClrLst/>
+    <dgm:txLinClrLst/>
+    <dgm:txFillClrLst meth="repeat">
+      <a:schemeClr val="dk1"/>
+    </dgm:txFillClrLst>
+    <dgm:txEffectClrLst/>
+  </dgm:styleLbl>
+  <dgm:styleLbl name="trAlignAcc1">
+    <dgm:fillClrLst meth="repeat">
+      <a:schemeClr val="lt1">
+        <a:alpha val="40000"/>
+      </a:schemeClr>
+    </dgm:fillClrLst>
+    <dgm:linClrLst meth="repeat">
+      <a:schemeClr val="accent1"/>
+    </dgm:linClrLst>
+    <dgm:effectClrLst/>
+    <dgm:txLinClrLst/>
+    <dgm:txFillClrLst meth="repeat">
+      <a:schemeClr val="dk1"/>
+    </dgm:txFillClrLst>
+    <dgm:txEffectClrLst/>
+  </dgm:styleLbl>
+  <dgm:styleLbl name="bgAcc1">
+    <dgm:fillClrLst meth="repeat">
+      <a:schemeClr val="lt1">
+        <a:alpha val="90000"/>
+      </a:schemeClr>
+    </dgm:fillClrLst>
+    <dgm:linClrLst meth="repeat">
+      <a:schemeClr val="accent1"/>
+    </dgm:linClrLst>
+    <dgm:effectClrLst/>
+    <dgm:txLinClrLst/>
+    <dgm:txFillClrLst meth="repeat">
+      <a:schemeClr val="dk1"/>
+    </dgm:txFillClrLst>
+    <dgm:txEffectClrLst/>
+  </dgm:styleLbl>
+  <dgm:styleLbl name="solidFgAcc1">
+    <dgm:fillClrLst meth="repeat">
+      <a:schemeClr val="lt1"/>
+    </dgm:fillClrLst>
+    <dgm:linClrLst meth="repeat">
+      <a:schemeClr val="accent1"/>
+    </dgm:linClrLst>
+    <dgm:effectClrLst/>
+    <dgm:txLinClrLst/>
+    <dgm:txFillClrLst meth="repeat">
+      <a:schemeClr val="dk1"/>
+    </dgm:txFillClrLst>
+    <dgm:txEffectClrLst/>
+  </dgm:styleLbl>
+  <dgm:styleLbl name="solidAlignAcc1">
+    <dgm:fillClrLst meth="repeat">
+      <a:schemeClr val="lt1"/>
+    </dgm:fillClrLst>
+    <dgm:linClrLst meth="repeat">
+      <a:schemeClr val="accent1"/>
+    </dgm:linClrLst>
+    <dgm:effectClrLst/>
+    <dgm:txLinClrLst/>
+    <dgm:txFillClrLst meth="repeat">
+      <a:schemeClr val="dk1"/>
+    </dgm:txFillClrLst>
+    <dgm:txEffectClrLst/>
+  </dgm:styleLbl>
+  <dgm:styleLbl name="solidBgAcc1">
+    <dgm:fillClrLst meth="repeat">
+      <a:schemeClr val="lt1"/>
+    </dgm:fillClrLst>
+    <dgm:linClrLst meth="repeat">
+      <a:schemeClr val="accent1"/>
+    </dgm:linClrLst>
+    <dgm:effectClrLst/>
+    <dgm:txLinClrLst/>
+    <dgm:txFillClrLst meth="repeat">
+      <a:schemeClr val="dk1"/>
+    </dgm:txFillClrLst>
+    <dgm:txEffectClrLst/>
+  </dgm:styleLbl>
+  <dgm:styleLbl name="fgAccFollowNode1">
+    <dgm:fillClrLst meth="repeat">
+      <a:schemeClr val="accent1">
+        <a:alpha val="90000"/>
+        <a:tint val="40000"/>
+      </a:schemeClr>
+    </dgm:fillClrLst>
+    <dgm:linClrLst meth="repeat">
+      <a:schemeClr val="accent1">
+        <a:alpha val="90000"/>
+        <a:tint val="40000"/>
+      </a:schemeClr>
+    </dgm:linClrLst>
+    <dgm:effectClrLst/>
+    <dgm:txLinClrLst/>
+    <dgm:txFillClrLst meth="repeat">
+      <a:schemeClr val="dk1"/>
+    </dgm:txFillClrLst>
+    <dgm:txEffectClrLst/>
+  </dgm:styleLbl>
+  <dgm:styleLbl name="alignAccFollowNode1">
+    <dgm:fillClrLst meth="repeat">
+      <a:schemeClr val="accent1">
+        <a:alpha val="90000"/>
+        <a:tint val="40000"/>
+      </a:schemeClr>
+    </dgm:fillClrLst>
+    <dgm:linClrLst meth="repeat">
+      <a:schemeClr val="accent1">
+        <a:alpha val="90000"/>
+        <a:tint val="40000"/>
+      </a:schemeClr>
+    </dgm:linClrLst>
+    <dgm:effectClrLst/>
+    <dgm:txLinClrLst/>
+    <dgm:txFillClrLst meth="repeat">
+      <a:schemeClr val="dk1"/>
+    </dgm:txFillClrLst>
+    <dgm:txEffectClrLst/>
+  </dgm:styleLbl>
+  <dgm:styleLbl name="bgAccFollowNode1">
+    <dgm:fillClrLst meth="repeat">
+      <a:schemeClr val="accent1">
+        <a:alpha val="90000"/>
+        <a:tint val="40000"/>
+      </a:schemeClr>
+    </dgm:fillClrLst>
+    <dgm:linClrLst meth="repeat">
+      <a:schemeClr val="accent1">
+        <a:alpha val="90000"/>
+        <a:tint val="40000"/>
+      </a:schemeClr>
+    </dgm:linClrLst>
+    <dgm:effectClrLst/>
+    <dgm:txLinClrLst/>
+    <dgm:txFillClrLst meth="repeat">
+      <a:schemeClr val="dk1"/>
+    </dgm:txFillClrLst>
+    <dgm:txEffectClrLst/>
+  </dgm:styleLbl>
+  <dgm:styleLbl name="fgAcc0">
+    <dgm:fillClrLst meth="repeat">
+      <a:schemeClr val="lt1">
+        <a:alpha val="90000"/>
+      </a:schemeClr>
+    </dgm:fillClrLst>
+    <dgm:linClrLst meth="repeat">
+      <a:schemeClr val="accent1"/>
+    </dgm:linClrLst>
+    <dgm:effectClrLst/>
+    <dgm:txLinClrLst/>
+    <dgm:txFillClrLst meth="repeat">
+      <a:schemeClr val="dk1"/>
+    </dgm:txFillClrLst>
+    <dgm:txEffectClrLst/>
+  </dgm:styleLbl>
+  <dgm:styleLbl name="fgAcc2">
+    <dgm:fillClrLst meth="repeat">
+      <a:schemeClr val="lt1">
+        <a:alpha val="90000"/>
+      </a:schemeClr>
+    </dgm:fillClrLst>
+    <dgm:linClrLst meth="repeat">
+      <a:schemeClr val="accent1"/>
+    </dgm:linClrLst>
+    <dgm:effectClrLst/>
+    <dgm:txLinClrLst/>
+    <dgm:txFillClrLst meth="repeat">
+      <a:schemeClr val="dk1"/>
+    </dgm:txFillClrLst>
+    <dgm:txEffectClrLst/>
+  </dgm:styleLbl>
+  <dgm:styleLbl name="fgAcc3">
+    <dgm:fillClrLst meth="repeat">
+      <a:schemeClr val="lt1">
+        <a:alpha val="90000"/>
+      </a:schemeClr>
+    </dgm:fillClrLst>
+    <dgm:linClrLst meth="repeat">
+      <a:schemeClr val="accent1"/>
+    </dgm:linClrLst>
+    <dgm:effectClrLst/>
+    <dgm:txLinClrLst/>
+    <dgm:txFillClrLst meth="repeat">
+      <a:schemeClr val="dk1"/>
+    </dgm:txFillClrLst>
+    <dgm:txEffectClrLst/>
+  </dgm:styleLbl>
+  <dgm:styleLbl name="fgAcc4">
+    <dgm:fillClrLst meth="repeat">
+      <a:schemeClr val="lt1">
+        <a:alpha val="90000"/>
+      </a:schemeClr>
+    </dgm:fillClrLst>
+    <dgm:linClrLst meth="repeat">
+      <a:schemeClr val="accent1"/>
+    </dgm:linClrLst>
+    <dgm:effectClrLst/>
+    <dgm:txLinClrLst/>
+    <dgm:txFillClrLst meth="repeat">
+      <a:schemeClr val="dk1"/>
+    </dgm:txFillClrLst>
+    <dgm:txEffectClrLst/>
+  </dgm:styleLbl>
+  <dgm:styleLbl name="bgShp">
+    <dgm:fillClrLst meth="repeat">
+      <a:schemeClr val="accent1">
+        <a:tint val="40000"/>
+      </a:schemeClr>
+    </dgm:fillClrLst>
+    <dgm:linClrLst meth="repeat">
+      <a:schemeClr val="accent1"/>
+    </dgm:linClrLst>
+    <dgm:effectClrLst/>
+    <dgm:txLinClrLst/>
+    <dgm:txFillClrLst meth="repeat">
+      <a:schemeClr val="dk1"/>
+    </dgm:txFillClrLst>
+    <dgm:txEffectClrLst/>
+  </dgm:styleLbl>
+  <dgm:styleLbl name="dkBgShp">
+    <dgm:fillClrLst meth="repeat">
+      <a:schemeClr val="accent1">
+        <a:shade val="80000"/>
+      </a:schemeClr>
+    </dgm:fillClrLst>
+    <dgm:linClrLst meth="repeat">
+      <a:schemeClr val="accent1"/>
+    </dgm:linClrLst>
+    <dgm:effectClrLst/>
+    <dgm:txLinClrLst/>
+    <dgm:txFillClrLst meth="repeat">
+      <a:schemeClr val="lt1"/>
+    </dgm:txFillClrLst>
+    <dgm:txEffectClrLst/>
+  </dgm:styleLbl>
+  <dgm:styleLbl name="trBgShp">
+    <dgm:fillClrLst meth="repeat">
+      <a:schemeClr val="accent1">
+        <a:tint val="50000"/>
+        <a:alpha val="40000"/>
+      </a:schemeClr>
+    </dgm:fillClrLst>
+    <dgm:linClrLst meth="repeat">
+      <a:schemeClr val="accent1"/>
+    </dgm:linClrLst>
+    <dgm:effectClrLst/>
+    <dgm:txLinClrLst/>
+    <dgm:txFillClrLst meth="repeat">
+      <a:schemeClr val="lt1"/>
+    </dgm:txFillClrLst>
+    <dgm:txEffectClrLst/>
+  </dgm:styleLbl>
+  <dgm:styleLbl name="fgShp">
+    <dgm:fillClrLst meth="repeat">
+      <a:schemeClr val="accent1">
+        <a:tint val="60000"/>
+      </a:schemeClr>
+    </dgm:fillClrLst>
+    <dgm:linClrLst meth="repeat">
+      <a:schemeClr val="lt1"/>
+    </dgm:linClrLst>
+    <dgm:effectClrLst/>
+    <dgm:txLinClrLst/>
+    <dgm:txFillClrLst meth="repeat">
+      <a:schemeClr val="dk1"/>
+    </dgm:txFillClrLst>
+    <dgm:txEffectClrLst/>
+  </dgm:styleLbl>
+  <dgm:styleLbl name="revTx">
+    <dgm:fillClrLst meth="repeat">
+      <a:schemeClr val="lt1">
+        <a:alpha val="0"/>
+      </a:schemeClr>
+    </dgm:fillClrLst>
+    <dgm:linClrLst meth="repeat">
+      <a:schemeClr val="dk1">
+        <a:alpha val="0"/>
+      </a:schemeClr>
+    </dgm:linClrLst>
+    <dgm:effectClrLst/>
+    <dgm:txLinClrLst/>
+    <dgm:txFillClrLst meth="repeat">
+      <a:schemeClr val="tx1"/>
+    </dgm:txFillClrLst>
+    <dgm:txEffectClrLst/>
+  </dgm:styleLbl>
+</dgm:colorsDef>
+</file>
+
+<file path=ppt/diagrams/colors2.xml><?xml version="1.0" encoding="utf-8"?>
 <dgm:colorsDef xmlns:dgm="http://schemas.openxmlformats.org/drawingml/2006/diagram" xmlns:a="http://schemas.openxmlformats.org/drawingml/2006/main" uniqueId="urn:microsoft.com/office/officeart/2005/8/colors/accent1_2">
   <dgm:title val=""/>
   <dgm:desc val=""/>
@@ -997,11 +1745,7 @@
         <a:p>
           <a:r>
             <a:rPr lang="ro-RO" dirty="0" smtClean="0"/>
-            <a:t>Dispozitiv </a:t>
-          </a:r>
-          <a:r>
-            <a:rPr lang="ro-RO" dirty="0" smtClean="0"/>
-            <a:t>2</a:t>
+            <a:t>Dispozitiv 2</a:t>
           </a:r>
           <a:endParaRPr lang="en-US" dirty="0"/>
         </a:p>
@@ -1256,21 +2000,21 @@
     </dgm:pt>
   </dgm:ptLst>
   <dgm:cxnLst>
+    <dgm:cxn modelId="{5587E0CA-F3CF-46E4-81A7-D34B9194E573}" type="presOf" srcId="{1512B27A-390D-4709-8629-FCA8BEDE4660}" destId="{1AA2EE3E-A9B5-4A09-AC15-11E53F7E90D0}" srcOrd="0" destOrd="0" presId="urn:microsoft.com/office/officeart/2005/8/layout/hierarchy6"/>
+    <dgm:cxn modelId="{466EAACD-FEB0-407D-98EB-C67C4904C4D9}" srcId="{2F5A44C0-791D-41F6-AE89-A8AF91720298}" destId="{8B05A671-0DE7-4C81-B7BE-EFEF4D8B285A}" srcOrd="1" destOrd="0" parTransId="{02CFAFD5-A585-4FF0-AD27-9E6537265522}" sibTransId="{EB08C90F-DB27-43A1-986B-3F70646A2D51}"/>
+    <dgm:cxn modelId="{03C19BA9-DDDA-4B12-B71B-059CA12515C8}" type="presOf" srcId="{20707547-4CCB-4CCC-A7B6-76B2B1A97837}" destId="{D963691C-3642-4A13-9D4B-615A02507769}" srcOrd="0" destOrd="0" presId="urn:microsoft.com/office/officeart/2005/8/layout/hierarchy6"/>
+    <dgm:cxn modelId="{78FE7DF6-06A2-4239-BA92-CF770C495D74}" type="presOf" srcId="{2F5A44C0-791D-41F6-AE89-A8AF91720298}" destId="{924D7767-3779-4E75-A9D1-B6EF723A406B}" srcOrd="0" destOrd="0" presId="urn:microsoft.com/office/officeart/2005/8/layout/hierarchy6"/>
+    <dgm:cxn modelId="{1195EE1A-9688-46C0-AD37-7E047FF0526B}" type="presOf" srcId="{ED55D2DB-BE73-4F1D-90F6-D0461196D166}" destId="{EB93688B-C590-459D-A823-880B4C0DE7A9}" srcOrd="0" destOrd="0" presId="urn:microsoft.com/office/officeart/2005/8/layout/hierarchy6"/>
+    <dgm:cxn modelId="{8312631A-31CF-4893-A8A0-3DF28C9A5F95}" type="presOf" srcId="{CE3A7A2B-0120-4596-8CB3-B686980D22EA}" destId="{0EBCFE24-6A1E-417D-87CE-35AF58869832}" srcOrd="0" destOrd="0" presId="urn:microsoft.com/office/officeart/2005/8/layout/hierarchy6"/>
+    <dgm:cxn modelId="{9FC108E5-589B-4D33-BE4E-9E562824F9AC}" srcId="{A3948582-E41B-4E64-96CC-A7B8352B50FD}" destId="{CE3A7A2B-0120-4596-8CB3-B686980D22EA}" srcOrd="0" destOrd="0" parTransId="{325C2410-EEE4-475F-8DC3-556367C17848}" sibTransId="{DCCB8526-D7E7-41F0-B75B-247A63F7E4F2}"/>
+    <dgm:cxn modelId="{A967886E-3D17-4116-99A2-0DDFE39CC8D9}" type="presOf" srcId="{02CFAFD5-A585-4FF0-AD27-9E6537265522}" destId="{A3A32269-1CAF-4DC2-B4D7-72FD83E37B5B}" srcOrd="0" destOrd="0" presId="urn:microsoft.com/office/officeart/2005/8/layout/hierarchy6"/>
+    <dgm:cxn modelId="{7E254444-F2AB-4E1F-B2A0-F03155BFBFF5}" srcId="{CE3A7A2B-0120-4596-8CB3-B686980D22EA}" destId="{2F5A44C0-791D-41F6-AE89-A8AF91720298}" srcOrd="0" destOrd="0" parTransId="{1512B27A-390D-4709-8629-FCA8BEDE4660}" sibTransId="{27C39707-0CBF-4DAD-967E-14A0F8212F79}"/>
+    <dgm:cxn modelId="{F91052DF-FAD6-4169-A99B-BB91E6FE48CD}" srcId="{2F5A44C0-791D-41F6-AE89-A8AF91720298}" destId="{5C4DE19C-A716-4E24-865A-871D15A6106C}" srcOrd="2" destOrd="0" parTransId="{ED55D2DB-BE73-4F1D-90F6-D0461196D166}" sibTransId="{B842B66A-0CB8-48E1-B230-01504D47AD13}"/>
+    <dgm:cxn modelId="{D4BCC8A4-5A98-49C1-ADF8-19EDD0DC1E76}" type="presOf" srcId="{BB8C4245-B896-463C-9F6D-6089A25906F7}" destId="{9310C464-F17A-4EE5-9628-6BEBE30D390D}" srcOrd="0" destOrd="0" presId="urn:microsoft.com/office/officeart/2005/8/layout/hierarchy6"/>
+    <dgm:cxn modelId="{062F8040-83D9-4F19-9FCE-CA56DFA5A374}" type="presOf" srcId="{8B05A671-0DE7-4C81-B7BE-EFEF4D8B285A}" destId="{1956AAFF-10E4-4255-8BD5-2F66FE8CA411}" srcOrd="0" destOrd="0" presId="urn:microsoft.com/office/officeart/2005/8/layout/hierarchy6"/>
+    <dgm:cxn modelId="{B6F868BE-ED82-493A-A7EC-1E32C7EFBDAB}" type="presOf" srcId="{A3948582-E41B-4E64-96CC-A7B8352B50FD}" destId="{34A782E1-AFD9-4879-8F28-FD40976DEF5C}" srcOrd="0" destOrd="0" presId="urn:microsoft.com/office/officeart/2005/8/layout/hierarchy6"/>
     <dgm:cxn modelId="{118EEE52-5EF9-489B-961A-2CA4C78AC153}" srcId="{2F5A44C0-791D-41F6-AE89-A8AF91720298}" destId="{BB8C4245-B896-463C-9F6D-6089A25906F7}" srcOrd="0" destOrd="0" parTransId="{20707547-4CCB-4CCC-A7B6-76B2B1A97837}" sibTransId="{339F42B9-B5A2-493A-8ACA-FF560690E9EC}"/>
-    <dgm:cxn modelId="{5587E0CA-F3CF-46E4-81A7-D34B9194E573}" type="presOf" srcId="{1512B27A-390D-4709-8629-FCA8BEDE4660}" destId="{1AA2EE3E-A9B5-4A09-AC15-11E53F7E90D0}" srcOrd="0" destOrd="0" presId="urn:microsoft.com/office/officeart/2005/8/layout/hierarchy6"/>
-    <dgm:cxn modelId="{B6F868BE-ED82-493A-A7EC-1E32C7EFBDAB}" type="presOf" srcId="{A3948582-E41B-4E64-96CC-A7B8352B50FD}" destId="{34A782E1-AFD9-4879-8F28-FD40976DEF5C}" srcOrd="0" destOrd="0" presId="urn:microsoft.com/office/officeart/2005/8/layout/hierarchy6"/>
-    <dgm:cxn modelId="{D4BCC8A4-5A98-49C1-ADF8-19EDD0DC1E76}" type="presOf" srcId="{BB8C4245-B896-463C-9F6D-6089A25906F7}" destId="{9310C464-F17A-4EE5-9628-6BEBE30D390D}" srcOrd="0" destOrd="0" presId="urn:microsoft.com/office/officeart/2005/8/layout/hierarchy6"/>
-    <dgm:cxn modelId="{1195EE1A-9688-46C0-AD37-7E047FF0526B}" type="presOf" srcId="{ED55D2DB-BE73-4F1D-90F6-D0461196D166}" destId="{EB93688B-C590-459D-A823-880B4C0DE7A9}" srcOrd="0" destOrd="0" presId="urn:microsoft.com/office/officeart/2005/8/layout/hierarchy6"/>
-    <dgm:cxn modelId="{7E254444-F2AB-4E1F-B2A0-F03155BFBFF5}" srcId="{CE3A7A2B-0120-4596-8CB3-B686980D22EA}" destId="{2F5A44C0-791D-41F6-AE89-A8AF91720298}" srcOrd="0" destOrd="0" parTransId="{1512B27A-390D-4709-8629-FCA8BEDE4660}" sibTransId="{27C39707-0CBF-4DAD-967E-14A0F8212F79}"/>
-    <dgm:cxn modelId="{062F8040-83D9-4F19-9FCE-CA56DFA5A374}" type="presOf" srcId="{8B05A671-0DE7-4C81-B7BE-EFEF4D8B285A}" destId="{1956AAFF-10E4-4255-8BD5-2F66FE8CA411}" srcOrd="0" destOrd="0" presId="urn:microsoft.com/office/officeart/2005/8/layout/hierarchy6"/>
-    <dgm:cxn modelId="{466EAACD-FEB0-407D-98EB-C67C4904C4D9}" srcId="{2F5A44C0-791D-41F6-AE89-A8AF91720298}" destId="{8B05A671-0DE7-4C81-B7BE-EFEF4D8B285A}" srcOrd="1" destOrd="0" parTransId="{02CFAFD5-A585-4FF0-AD27-9E6537265522}" sibTransId="{EB08C90F-DB27-43A1-986B-3F70646A2D51}"/>
     <dgm:cxn modelId="{6A26565D-DBEE-4973-A7D9-2C7EDCA01DAB}" type="presOf" srcId="{5C4DE19C-A716-4E24-865A-871D15A6106C}" destId="{98778A9B-C700-42DB-8B31-295727FCB770}" srcOrd="0" destOrd="0" presId="urn:microsoft.com/office/officeart/2005/8/layout/hierarchy6"/>
-    <dgm:cxn modelId="{9FC108E5-589B-4D33-BE4E-9E562824F9AC}" srcId="{A3948582-E41B-4E64-96CC-A7B8352B50FD}" destId="{CE3A7A2B-0120-4596-8CB3-B686980D22EA}" srcOrd="0" destOrd="0" parTransId="{325C2410-EEE4-475F-8DC3-556367C17848}" sibTransId="{DCCB8526-D7E7-41F0-B75B-247A63F7E4F2}"/>
-    <dgm:cxn modelId="{8312631A-31CF-4893-A8A0-3DF28C9A5F95}" type="presOf" srcId="{CE3A7A2B-0120-4596-8CB3-B686980D22EA}" destId="{0EBCFE24-6A1E-417D-87CE-35AF58869832}" srcOrd="0" destOrd="0" presId="urn:microsoft.com/office/officeart/2005/8/layout/hierarchy6"/>
-    <dgm:cxn modelId="{F91052DF-FAD6-4169-A99B-BB91E6FE48CD}" srcId="{2F5A44C0-791D-41F6-AE89-A8AF91720298}" destId="{5C4DE19C-A716-4E24-865A-871D15A6106C}" srcOrd="2" destOrd="0" parTransId="{ED55D2DB-BE73-4F1D-90F6-D0461196D166}" sibTransId="{B842B66A-0CB8-48E1-B230-01504D47AD13}"/>
-    <dgm:cxn modelId="{A967886E-3D17-4116-99A2-0DDFE39CC8D9}" type="presOf" srcId="{02CFAFD5-A585-4FF0-AD27-9E6537265522}" destId="{A3A32269-1CAF-4DC2-B4D7-72FD83E37B5B}" srcOrd="0" destOrd="0" presId="urn:microsoft.com/office/officeart/2005/8/layout/hierarchy6"/>
-    <dgm:cxn modelId="{78FE7DF6-06A2-4239-BA92-CF770C495D74}" type="presOf" srcId="{2F5A44C0-791D-41F6-AE89-A8AF91720298}" destId="{924D7767-3779-4E75-A9D1-B6EF723A406B}" srcOrd="0" destOrd="0" presId="urn:microsoft.com/office/officeart/2005/8/layout/hierarchy6"/>
-    <dgm:cxn modelId="{03C19BA9-DDDA-4B12-B71B-059CA12515C8}" type="presOf" srcId="{20707547-4CCB-4CCC-A7B6-76B2B1A97837}" destId="{D963691C-3642-4A13-9D4B-615A02507769}" srcOrd="0" destOrd="0" presId="urn:microsoft.com/office/officeart/2005/8/layout/hierarchy6"/>
     <dgm:cxn modelId="{29206FD8-7F58-4C50-8275-869490A507CF}" type="presParOf" srcId="{34A782E1-AFD9-4879-8F28-FD40976DEF5C}" destId="{23DD04AF-9014-4775-8943-662D040C6072}" srcOrd="0" destOrd="0" presId="urn:microsoft.com/office/officeart/2005/8/layout/hierarchy6"/>
     <dgm:cxn modelId="{F18D18A6-F339-496B-85A5-F76479F26115}" type="presParOf" srcId="{23DD04AF-9014-4775-8943-662D040C6072}" destId="{2DDC3670-F275-47DC-83E2-1F7471C2ACC3}" srcOrd="0" destOrd="0" presId="urn:microsoft.com/office/officeart/2005/8/layout/hierarchy6"/>
     <dgm:cxn modelId="{2EA92F2E-5B38-4078-A232-9F81AC33C887}" type="presParOf" srcId="{2DDC3670-F275-47DC-83E2-1F7471C2ACC3}" destId="{6710931F-E719-46E6-A357-D18D0D5670D3}" srcOrd="0" destOrd="0" presId="urn:microsoft.com/office/officeart/2005/8/layout/hierarchy6"/>
@@ -1293,6 +2037,1151 @@
     <dgm:cxn modelId="{7CD88F64-A4CE-4486-B74A-6D33315B0E32}" type="presParOf" srcId="{8E767F53-E12B-447F-B855-3F8960579089}" destId="{98778A9B-C700-42DB-8B31-295727FCB770}" srcOrd="0" destOrd="0" presId="urn:microsoft.com/office/officeart/2005/8/layout/hierarchy6"/>
     <dgm:cxn modelId="{51FFBA85-CEA3-4CA6-BAEC-6B95DB121BF8}" type="presParOf" srcId="{8E767F53-E12B-447F-B855-3F8960579089}" destId="{3523AEFA-FF8C-4814-B05D-926C06DFA684}" srcOrd="1" destOrd="0" presId="urn:microsoft.com/office/officeart/2005/8/layout/hierarchy6"/>
     <dgm:cxn modelId="{648401C2-02C7-4174-BAF2-0A33F092553F}" type="presParOf" srcId="{34A782E1-AFD9-4879-8F28-FD40976DEF5C}" destId="{A2E46B28-3E1D-45F8-8E4E-C12F034EA690}" srcOrd="1" destOrd="0" presId="urn:microsoft.com/office/officeart/2005/8/layout/hierarchy6"/>
+  </dgm:cxnLst>
+  <dgm:bg/>
+  <dgm:whole/>
+  <dgm:extLst>
+    <a:ext uri="http://schemas.microsoft.com/office/drawing/2008/diagram">
+      <dsp:dataModelExt xmlns:dsp="http://schemas.microsoft.com/office/drawing/2008/diagram" relId="rId6" minVer="http://schemas.openxmlformats.org/drawingml/2006/diagram"/>
+    </a:ext>
+  </dgm:extLst>
+</dgm:dataModel>
+</file>
+
+<file path=ppt/diagrams/data2.xml><?xml version="1.0" encoding="utf-8"?>
+<dgm:dataModel xmlns:dgm="http://schemas.openxmlformats.org/drawingml/2006/diagram" xmlns:a="http://schemas.openxmlformats.org/drawingml/2006/main">
+  <dgm:ptLst>
+    <dgm:pt modelId="{A3948582-E41B-4E64-96CC-A7B8352B50FD}" type="doc">
+      <dgm:prSet loTypeId="urn:microsoft.com/office/officeart/2005/8/layout/hierarchy6" loCatId="hierarchy" qsTypeId="urn:microsoft.com/office/officeart/2005/8/quickstyle/simple1" qsCatId="simple" csTypeId="urn:microsoft.com/office/officeart/2005/8/colors/accent1_2" csCatId="accent1" phldr="1"/>
+      <dgm:spPr/>
+      <dgm:t>
+        <a:bodyPr/>
+        <a:lstStyle/>
+        <a:p>
+          <a:endParaRPr lang="en-US"/>
+        </a:p>
+      </dgm:t>
+    </dgm:pt>
+    <dgm:pt modelId="{CE3A7A2B-0120-4596-8CB3-B686980D22EA}">
+      <dgm:prSet phldrT="[Text]" custT="1">
+        <dgm:style>
+          <a:lnRef idx="3">
+            <a:schemeClr val="lt1"/>
+          </a:lnRef>
+          <a:fillRef idx="1">
+            <a:schemeClr val="accent5"/>
+          </a:fillRef>
+          <a:effectRef idx="1">
+            <a:schemeClr val="accent5"/>
+          </a:effectRef>
+          <a:fontRef idx="minor">
+            <a:schemeClr val="lt1"/>
+          </a:fontRef>
+        </dgm:style>
+      </dgm:prSet>
+      <dgm:spPr/>
+      <dgm:t>
+        <a:bodyPr/>
+        <a:lstStyle/>
+        <a:p>
+          <a:r>
+            <a:rPr lang="ro-RO" sz="2400" dirty="0" smtClean="0"/>
+            <a:t>Aplicație Client</a:t>
+          </a:r>
+          <a:endParaRPr lang="en-US" sz="2400" dirty="0"/>
+        </a:p>
+      </dgm:t>
+    </dgm:pt>
+    <dgm:pt modelId="{325C2410-EEE4-475F-8DC3-556367C17848}" type="parTrans" cxnId="{9FC108E5-589B-4D33-BE4E-9E562824F9AC}">
+      <dgm:prSet/>
+      <dgm:spPr/>
+      <dgm:t>
+        <a:bodyPr/>
+        <a:lstStyle/>
+        <a:p>
+          <a:endParaRPr lang="en-US"/>
+        </a:p>
+      </dgm:t>
+    </dgm:pt>
+    <dgm:pt modelId="{DCCB8526-D7E7-41F0-B75B-247A63F7E4F2}" type="sibTrans" cxnId="{9FC108E5-589B-4D33-BE4E-9E562824F9AC}">
+      <dgm:prSet/>
+      <dgm:spPr/>
+      <dgm:t>
+        <a:bodyPr/>
+        <a:lstStyle/>
+        <a:p>
+          <a:endParaRPr lang="en-US"/>
+        </a:p>
+      </dgm:t>
+    </dgm:pt>
+    <dgm:pt modelId="{2F5A44C0-791D-41F6-AE89-A8AF91720298}" type="asst">
+      <dgm:prSet phldrT="[Text]" custT="1">
+        <dgm:style>
+          <a:lnRef idx="3">
+            <a:schemeClr val="lt1"/>
+          </a:lnRef>
+          <a:fillRef idx="1">
+            <a:schemeClr val="accent3"/>
+          </a:fillRef>
+          <a:effectRef idx="1">
+            <a:schemeClr val="accent3"/>
+          </a:effectRef>
+          <a:fontRef idx="minor">
+            <a:schemeClr val="lt1"/>
+          </a:fontRef>
+        </dgm:style>
+      </dgm:prSet>
+      <dgm:spPr/>
+      <dgm:t>
+        <a:bodyPr/>
+        <a:lstStyle/>
+        <a:p>
+          <a:r>
+            <a:rPr lang="ro-RO" sz="2400" dirty="0" smtClean="0"/>
+            <a:t>Raspberry Pi</a:t>
+          </a:r>
+          <a:endParaRPr lang="en-US" sz="2400" dirty="0"/>
+        </a:p>
+      </dgm:t>
+    </dgm:pt>
+    <dgm:pt modelId="{1512B27A-390D-4709-8629-FCA8BEDE4660}" type="parTrans" cxnId="{7E254444-F2AB-4E1F-B2A0-F03155BFBFF5}">
+      <dgm:prSet/>
+      <dgm:spPr/>
+      <dgm:t>
+        <a:bodyPr/>
+        <a:lstStyle/>
+        <a:p>
+          <a:endParaRPr lang="en-US"/>
+        </a:p>
+      </dgm:t>
+    </dgm:pt>
+    <dgm:pt modelId="{27C39707-0CBF-4DAD-967E-14A0F8212F79}" type="sibTrans" cxnId="{7E254444-F2AB-4E1F-B2A0-F03155BFBFF5}">
+      <dgm:prSet/>
+      <dgm:spPr/>
+      <dgm:t>
+        <a:bodyPr/>
+        <a:lstStyle/>
+        <a:p>
+          <a:endParaRPr lang="en-US"/>
+        </a:p>
+      </dgm:t>
+    </dgm:pt>
+    <dgm:pt modelId="{BB8C4245-B896-463C-9F6D-6089A25906F7}">
+      <dgm:prSet phldrT="[Text]" custT="1"/>
+      <dgm:spPr/>
+      <dgm:t>
+        <a:bodyPr/>
+        <a:lstStyle/>
+        <a:p>
+          <a:r>
+            <a:rPr lang="ro-RO" sz="1600" dirty="0" smtClean="0"/>
+            <a:t>Dispozitiv</a:t>
+          </a:r>
+          <a:endParaRPr lang="en-US" sz="1600" dirty="0"/>
+        </a:p>
+      </dgm:t>
+    </dgm:pt>
+    <dgm:pt modelId="{20707547-4CCB-4CCC-A7B6-76B2B1A97837}" type="parTrans" cxnId="{118EEE52-5EF9-489B-961A-2CA4C78AC153}">
+      <dgm:prSet/>
+      <dgm:spPr/>
+      <dgm:t>
+        <a:bodyPr/>
+        <a:lstStyle/>
+        <a:p>
+          <a:endParaRPr lang="en-US"/>
+        </a:p>
+      </dgm:t>
+    </dgm:pt>
+    <dgm:pt modelId="{339F42B9-B5A2-493A-8ACA-FF560690E9EC}" type="sibTrans" cxnId="{118EEE52-5EF9-489B-961A-2CA4C78AC153}">
+      <dgm:prSet/>
+      <dgm:spPr/>
+      <dgm:t>
+        <a:bodyPr/>
+        <a:lstStyle/>
+        <a:p>
+          <a:endParaRPr lang="en-US"/>
+        </a:p>
+      </dgm:t>
+    </dgm:pt>
+    <dgm:pt modelId="{8B05A671-0DE7-4C81-B7BE-EFEF4D8B285A}">
+      <dgm:prSet phldrT="[Text]" custT="1"/>
+      <dgm:spPr/>
+      <dgm:t>
+        <a:bodyPr/>
+        <a:lstStyle/>
+        <a:p>
+          <a:r>
+            <a:rPr lang="ro-RO" sz="1600" dirty="0" smtClean="0"/>
+            <a:t>Dispozitiv</a:t>
+          </a:r>
+          <a:endParaRPr lang="en-US" sz="1600" dirty="0"/>
+        </a:p>
+      </dgm:t>
+    </dgm:pt>
+    <dgm:pt modelId="{02CFAFD5-A585-4FF0-AD27-9E6537265522}" type="parTrans" cxnId="{466EAACD-FEB0-407D-98EB-C67C4904C4D9}">
+      <dgm:prSet/>
+      <dgm:spPr/>
+      <dgm:t>
+        <a:bodyPr/>
+        <a:lstStyle/>
+        <a:p>
+          <a:endParaRPr lang="en-US"/>
+        </a:p>
+      </dgm:t>
+    </dgm:pt>
+    <dgm:pt modelId="{EB08C90F-DB27-43A1-986B-3F70646A2D51}" type="sibTrans" cxnId="{466EAACD-FEB0-407D-98EB-C67C4904C4D9}">
+      <dgm:prSet/>
+      <dgm:spPr/>
+      <dgm:t>
+        <a:bodyPr/>
+        <a:lstStyle/>
+        <a:p>
+          <a:endParaRPr lang="en-US"/>
+        </a:p>
+      </dgm:t>
+    </dgm:pt>
+    <dgm:pt modelId="{5C4DE19C-A716-4E24-865A-871D15A6106C}">
+      <dgm:prSet phldrT="[Text]" custT="1"/>
+      <dgm:spPr/>
+      <dgm:t>
+        <a:bodyPr/>
+        <a:lstStyle/>
+        <a:p>
+          <a:r>
+            <a:rPr lang="ro-RO" sz="1600" dirty="0" smtClean="0"/>
+            <a:t>Dispozitiv</a:t>
+          </a:r>
+          <a:endParaRPr lang="en-US" sz="1600" dirty="0"/>
+        </a:p>
+      </dgm:t>
+    </dgm:pt>
+    <dgm:pt modelId="{ED55D2DB-BE73-4F1D-90F6-D0461196D166}" type="parTrans" cxnId="{F91052DF-FAD6-4169-A99B-BB91E6FE48CD}">
+      <dgm:prSet/>
+      <dgm:spPr/>
+      <dgm:t>
+        <a:bodyPr/>
+        <a:lstStyle/>
+        <a:p>
+          <a:endParaRPr lang="en-US"/>
+        </a:p>
+      </dgm:t>
+    </dgm:pt>
+    <dgm:pt modelId="{B842B66A-0CB8-48E1-B230-01504D47AD13}" type="sibTrans" cxnId="{F91052DF-FAD6-4169-A99B-BB91E6FE48CD}">
+      <dgm:prSet/>
+      <dgm:spPr/>
+      <dgm:t>
+        <a:bodyPr/>
+        <a:lstStyle/>
+        <a:p>
+          <a:endParaRPr lang="en-US"/>
+        </a:p>
+      </dgm:t>
+    </dgm:pt>
+    <dgm:pt modelId="{6F4FF149-A6CE-41B1-AE4F-203882021B4B}">
+      <dgm:prSet phldrT="[Text]" custT="1">
+        <dgm:style>
+          <a:lnRef idx="1">
+            <a:schemeClr val="accent3"/>
+          </a:lnRef>
+          <a:fillRef idx="3">
+            <a:schemeClr val="accent3"/>
+          </a:fillRef>
+          <a:effectRef idx="2">
+            <a:schemeClr val="accent3"/>
+          </a:effectRef>
+          <a:fontRef idx="minor">
+            <a:schemeClr val="lt1"/>
+          </a:fontRef>
+        </dgm:style>
+      </dgm:prSet>
+      <dgm:spPr/>
+      <dgm:t>
+        <a:bodyPr/>
+        <a:lstStyle/>
+        <a:p>
+          <a:r>
+            <a:rPr lang="ro-RO" sz="2400" dirty="0" smtClean="0"/>
+            <a:t>Bec</a:t>
+          </a:r>
+          <a:endParaRPr lang="en-US" sz="2400" dirty="0"/>
+        </a:p>
+      </dgm:t>
+    </dgm:pt>
+    <dgm:pt modelId="{9DF1D68F-2B3E-4268-8AFD-0D98C0209666}" type="parTrans" cxnId="{947130EA-0F23-4FE5-9267-E0D2A9DB1EB6}">
+      <dgm:prSet/>
+      <dgm:spPr/>
+      <dgm:t>
+        <a:bodyPr/>
+        <a:lstStyle/>
+        <a:p>
+          <a:endParaRPr lang="en-US"/>
+        </a:p>
+      </dgm:t>
+    </dgm:pt>
+    <dgm:pt modelId="{661E8DE5-3519-455B-9799-EE1CAB41BCAF}" type="sibTrans" cxnId="{947130EA-0F23-4FE5-9267-E0D2A9DB1EB6}">
+      <dgm:prSet/>
+      <dgm:spPr/>
+      <dgm:t>
+        <a:bodyPr/>
+        <a:lstStyle/>
+        <a:p>
+          <a:endParaRPr lang="en-US"/>
+        </a:p>
+      </dgm:t>
+    </dgm:pt>
+    <dgm:pt modelId="{0F5FC267-C6FA-4018-82E4-6D1E0CF53473}">
+      <dgm:prSet phldrT="[Text]" custT="1">
+        <dgm:style>
+          <a:lnRef idx="1">
+            <a:schemeClr val="accent3"/>
+          </a:lnRef>
+          <a:fillRef idx="3">
+            <a:schemeClr val="accent3"/>
+          </a:fillRef>
+          <a:effectRef idx="2">
+            <a:schemeClr val="accent3"/>
+          </a:effectRef>
+          <a:fontRef idx="minor">
+            <a:schemeClr val="lt1"/>
+          </a:fontRef>
+        </dgm:style>
+      </dgm:prSet>
+      <dgm:spPr/>
+      <dgm:t>
+        <a:bodyPr/>
+        <a:lstStyle/>
+        <a:p>
+          <a:r>
+            <a:rPr lang="ro-RO" sz="2400" dirty="0" smtClean="0"/>
+            <a:t>Lampă</a:t>
+          </a:r>
+          <a:endParaRPr lang="en-US" sz="2400" dirty="0"/>
+        </a:p>
+      </dgm:t>
+    </dgm:pt>
+    <dgm:pt modelId="{5F0C85A7-67E4-42A9-A5B9-AB21F3F7D118}" type="parTrans" cxnId="{EB236707-065C-4D1D-B076-86AEC5CEEB91}">
+      <dgm:prSet/>
+      <dgm:spPr/>
+      <dgm:t>
+        <a:bodyPr/>
+        <a:lstStyle/>
+        <a:p>
+          <a:endParaRPr lang="en-US"/>
+        </a:p>
+      </dgm:t>
+    </dgm:pt>
+    <dgm:pt modelId="{A7305806-DFE5-445A-9309-3C585AF24235}" type="sibTrans" cxnId="{EB236707-065C-4D1D-B076-86AEC5CEEB91}">
+      <dgm:prSet/>
+      <dgm:spPr/>
+      <dgm:t>
+        <a:bodyPr/>
+        <a:lstStyle/>
+        <a:p>
+          <a:endParaRPr lang="en-US"/>
+        </a:p>
+      </dgm:t>
+    </dgm:pt>
+    <dgm:pt modelId="{63376BF1-6687-43EE-ADA3-D36BAEFB7DEE}">
+      <dgm:prSet phldrT="[Text]" custT="1">
+        <dgm:style>
+          <a:lnRef idx="1">
+            <a:schemeClr val="accent3"/>
+          </a:lnRef>
+          <a:fillRef idx="3">
+            <a:schemeClr val="accent3"/>
+          </a:fillRef>
+          <a:effectRef idx="2">
+            <a:schemeClr val="accent3"/>
+          </a:effectRef>
+          <a:fontRef idx="minor">
+            <a:schemeClr val="lt1"/>
+          </a:fontRef>
+        </dgm:style>
+      </dgm:prSet>
+      <dgm:spPr/>
+      <dgm:t>
+        <a:bodyPr/>
+        <a:lstStyle/>
+        <a:p>
+          <a:r>
+            <a:rPr lang="en-US" sz="2300" dirty="0" smtClean="0"/>
+            <a:t> </a:t>
+          </a:r>
+          <a:r>
+            <a:rPr lang="ro-RO" sz="2300" dirty="0" smtClean="0"/>
+            <a:t>Alarma de securitate</a:t>
+          </a:r>
+          <a:endParaRPr lang="en-US" sz="2300" dirty="0"/>
+        </a:p>
+      </dgm:t>
+    </dgm:pt>
+    <dgm:pt modelId="{E4233A6D-7415-438D-8FDD-390A966DAF61}" type="parTrans" cxnId="{34FED145-F186-405B-B467-025CCF264B4C}">
+      <dgm:prSet/>
+      <dgm:spPr/>
+      <dgm:t>
+        <a:bodyPr/>
+        <a:lstStyle/>
+        <a:p>
+          <a:endParaRPr lang="en-US"/>
+        </a:p>
+      </dgm:t>
+    </dgm:pt>
+    <dgm:pt modelId="{DEA88744-D54F-46A0-AC82-2F6C542D45AE}" type="sibTrans" cxnId="{34FED145-F186-405B-B467-025CCF264B4C}">
+      <dgm:prSet/>
+      <dgm:spPr/>
+      <dgm:t>
+        <a:bodyPr/>
+        <a:lstStyle/>
+        <a:p>
+          <a:endParaRPr lang="en-US"/>
+        </a:p>
+      </dgm:t>
+    </dgm:pt>
+    <dgm:pt modelId="{A28646E1-B33F-4FF4-9877-08DED234ED89}">
+      <dgm:prSet phldrT="[Text]" custT="1"/>
+      <dgm:spPr/>
+      <dgm:t>
+        <a:bodyPr/>
+        <a:lstStyle/>
+        <a:p>
+          <a:r>
+            <a:rPr lang="ro-RO" sz="1600" dirty="0" smtClean="0"/>
+            <a:t>Dispozitiv</a:t>
+          </a:r>
+          <a:endParaRPr lang="en-US" sz="1600" dirty="0"/>
+        </a:p>
+      </dgm:t>
+    </dgm:pt>
+    <dgm:pt modelId="{30049703-D785-45D5-9086-D41CD69E5E8B}" type="parTrans" cxnId="{F31620ED-FE40-41B8-9A92-2F0DECEB045F}">
+      <dgm:prSet/>
+      <dgm:spPr/>
+      <dgm:t>
+        <a:bodyPr/>
+        <a:lstStyle/>
+        <a:p>
+          <a:endParaRPr lang="en-US"/>
+        </a:p>
+      </dgm:t>
+    </dgm:pt>
+    <dgm:pt modelId="{DAFD1E16-BC67-489D-8D3E-B04961C23619}" type="sibTrans" cxnId="{F31620ED-FE40-41B8-9A92-2F0DECEB045F}">
+      <dgm:prSet/>
+      <dgm:spPr/>
+      <dgm:t>
+        <a:bodyPr/>
+        <a:lstStyle/>
+        <a:p>
+          <a:endParaRPr lang="en-US"/>
+        </a:p>
+      </dgm:t>
+    </dgm:pt>
+    <dgm:pt modelId="{2E1BB674-35BC-45BB-9673-67B940055B31}">
+      <dgm:prSet phldrT="[Text]" custT="1"/>
+      <dgm:spPr/>
+      <dgm:t>
+        <a:bodyPr/>
+        <a:lstStyle/>
+        <a:p>
+          <a:r>
+            <a:rPr lang="ro-RO" sz="1600" dirty="0" smtClean="0"/>
+            <a:t>Dispozitiv</a:t>
+          </a:r>
+          <a:endParaRPr lang="en-US" sz="1600" dirty="0"/>
+        </a:p>
+      </dgm:t>
+    </dgm:pt>
+    <dgm:pt modelId="{F115A2BD-1E7A-4B98-BA46-8A3FF6432199}" type="parTrans" cxnId="{82EAC98A-5ACA-4CC9-8C3F-9F5CEBB95B64}">
+      <dgm:prSet/>
+      <dgm:spPr/>
+      <dgm:t>
+        <a:bodyPr/>
+        <a:lstStyle/>
+        <a:p>
+          <a:endParaRPr lang="en-US"/>
+        </a:p>
+      </dgm:t>
+    </dgm:pt>
+    <dgm:pt modelId="{E40EF4B0-13FD-46F0-9F17-93B749C56BB4}" type="sibTrans" cxnId="{82EAC98A-5ACA-4CC9-8C3F-9F5CEBB95B64}">
+      <dgm:prSet/>
+      <dgm:spPr/>
+      <dgm:t>
+        <a:bodyPr/>
+        <a:lstStyle/>
+        <a:p>
+          <a:endParaRPr lang="en-US"/>
+        </a:p>
+      </dgm:t>
+    </dgm:pt>
+    <dgm:pt modelId="{C6292CA7-7F2C-457B-824C-FDAD1A300612}">
+      <dgm:prSet phldrT="[Text]">
+        <dgm:style>
+          <a:lnRef idx="1">
+            <a:schemeClr val="accent3"/>
+          </a:lnRef>
+          <a:fillRef idx="3">
+            <a:schemeClr val="accent3"/>
+          </a:fillRef>
+          <a:effectRef idx="2">
+            <a:schemeClr val="accent3"/>
+          </a:effectRef>
+          <a:fontRef idx="minor">
+            <a:schemeClr val="lt1"/>
+          </a:fontRef>
+        </dgm:style>
+      </dgm:prSet>
+      <dgm:spPr/>
+      <dgm:t>
+        <a:bodyPr/>
+        <a:lstStyle/>
+        <a:p>
+          <a:r>
+            <a:rPr lang="ro-RO" dirty="0" smtClean="0"/>
+            <a:t>...</a:t>
+          </a:r>
+          <a:endParaRPr lang="en-US" dirty="0"/>
+        </a:p>
+      </dgm:t>
+    </dgm:pt>
+    <dgm:pt modelId="{6797477D-2FBC-4C66-B693-B1358AD756A9}" type="parTrans" cxnId="{EF1D9E71-A555-408C-8B53-311EDD8AFEC0}">
+      <dgm:prSet/>
+      <dgm:spPr/>
+      <dgm:t>
+        <a:bodyPr/>
+        <a:lstStyle/>
+        <a:p>
+          <a:endParaRPr lang="en-US"/>
+        </a:p>
+      </dgm:t>
+    </dgm:pt>
+    <dgm:pt modelId="{EA639A36-FBDA-4389-88D6-486CC80E92FD}" type="sibTrans" cxnId="{EF1D9E71-A555-408C-8B53-311EDD8AFEC0}">
+      <dgm:prSet/>
+      <dgm:spPr/>
+      <dgm:t>
+        <a:bodyPr/>
+        <a:lstStyle/>
+        <a:p>
+          <a:endParaRPr lang="en-US"/>
+        </a:p>
+      </dgm:t>
+    </dgm:pt>
+    <dgm:pt modelId="{1B41352A-2EA7-4FF6-9968-BC030163D094}">
+      <dgm:prSet phldrT="[Text]" custT="1">
+        <dgm:style>
+          <a:lnRef idx="1">
+            <a:schemeClr val="accent3"/>
+          </a:lnRef>
+          <a:fillRef idx="3">
+            <a:schemeClr val="accent3"/>
+          </a:fillRef>
+          <a:effectRef idx="2">
+            <a:schemeClr val="accent3"/>
+          </a:effectRef>
+          <a:fontRef idx="minor">
+            <a:schemeClr val="lt1"/>
+          </a:fontRef>
+        </dgm:style>
+      </dgm:prSet>
+      <dgm:spPr/>
+      <dgm:t>
+        <a:bodyPr/>
+        <a:lstStyle/>
+        <a:p>
+          <a:r>
+            <a:rPr lang="ro-RO" sz="2100" dirty="0" smtClean="0"/>
+            <a:t>Încuietoare usă</a:t>
+          </a:r>
+          <a:endParaRPr lang="en-US" sz="2100" dirty="0"/>
+        </a:p>
+      </dgm:t>
+    </dgm:pt>
+    <dgm:pt modelId="{42ED198D-698B-41D5-96D0-11D7162BABC1}" type="parTrans" cxnId="{D1ADB1EA-4BB3-49A6-AD72-DC1CB8428524}">
+      <dgm:prSet/>
+      <dgm:spPr/>
+      <dgm:t>
+        <a:bodyPr/>
+        <a:lstStyle/>
+        <a:p>
+          <a:endParaRPr lang="en-US"/>
+        </a:p>
+      </dgm:t>
+    </dgm:pt>
+    <dgm:pt modelId="{5A46E43D-4ADE-4B51-BA3E-17CBEA03D9A7}" type="sibTrans" cxnId="{D1ADB1EA-4BB3-49A6-AD72-DC1CB8428524}">
+      <dgm:prSet/>
+      <dgm:spPr/>
+      <dgm:t>
+        <a:bodyPr/>
+        <a:lstStyle/>
+        <a:p>
+          <a:endParaRPr lang="en-US"/>
+        </a:p>
+      </dgm:t>
+    </dgm:pt>
+    <dgm:pt modelId="{2A0496EF-31A8-4FB8-8A7F-A2CBF8606691}" type="asst">
+      <dgm:prSet phldrT="[Text]" custT="1">
+        <dgm:style>
+          <a:lnRef idx="3">
+            <a:schemeClr val="lt1"/>
+          </a:lnRef>
+          <a:fillRef idx="1">
+            <a:schemeClr val="accent6"/>
+          </a:fillRef>
+          <a:effectRef idx="1">
+            <a:schemeClr val="accent6"/>
+          </a:effectRef>
+          <a:fontRef idx="minor">
+            <a:schemeClr val="lt1"/>
+          </a:fontRef>
+        </dgm:style>
+      </dgm:prSet>
+      <dgm:spPr/>
+      <dgm:t>
+        <a:bodyPr/>
+        <a:lstStyle/>
+        <a:p>
+          <a:r>
+            <a:rPr lang="ro-RO" sz="2400" dirty="0" smtClean="0"/>
+            <a:t>Aplicație Server</a:t>
+          </a:r>
+          <a:endParaRPr lang="en-US" sz="2400" dirty="0"/>
+        </a:p>
+      </dgm:t>
+    </dgm:pt>
+    <dgm:pt modelId="{34A3A509-B82F-404C-8687-6E3B1937BBEE}" type="parTrans" cxnId="{A1698EF7-4B92-45E0-ABD2-C3C9D2496C05}">
+      <dgm:prSet/>
+      <dgm:spPr/>
+      <dgm:t>
+        <a:bodyPr/>
+        <a:lstStyle/>
+        <a:p>
+          <a:endParaRPr lang="en-US"/>
+        </a:p>
+      </dgm:t>
+    </dgm:pt>
+    <dgm:pt modelId="{711EDAB4-B415-4A58-84DA-A2ADED836DE6}" type="sibTrans" cxnId="{A1698EF7-4B92-45E0-ABD2-C3C9D2496C05}">
+      <dgm:prSet/>
+      <dgm:spPr/>
+      <dgm:t>
+        <a:bodyPr/>
+        <a:lstStyle/>
+        <a:p>
+          <a:endParaRPr lang="en-US"/>
+        </a:p>
+      </dgm:t>
+    </dgm:pt>
+    <dgm:pt modelId="{34A782E1-AFD9-4879-8F28-FD40976DEF5C}" type="pres">
+      <dgm:prSet presAssocID="{A3948582-E41B-4E64-96CC-A7B8352B50FD}" presName="mainComposite" presStyleCnt="0">
+        <dgm:presLayoutVars>
+          <dgm:chPref val="1"/>
+          <dgm:dir/>
+          <dgm:animOne val="branch"/>
+          <dgm:animLvl val="lvl"/>
+          <dgm:resizeHandles val="exact"/>
+        </dgm:presLayoutVars>
+      </dgm:prSet>
+      <dgm:spPr/>
+      <dgm:t>
+        <a:bodyPr/>
+        <a:lstStyle/>
+        <a:p>
+          <a:endParaRPr lang="en-US"/>
+        </a:p>
+      </dgm:t>
+    </dgm:pt>
+    <dgm:pt modelId="{23DD04AF-9014-4775-8943-662D040C6072}" type="pres">
+      <dgm:prSet presAssocID="{A3948582-E41B-4E64-96CC-A7B8352B50FD}" presName="hierFlow" presStyleCnt="0"/>
+      <dgm:spPr/>
+    </dgm:pt>
+    <dgm:pt modelId="{2DDC3670-F275-47DC-83E2-1F7471C2ACC3}" type="pres">
+      <dgm:prSet presAssocID="{A3948582-E41B-4E64-96CC-A7B8352B50FD}" presName="hierChild1" presStyleCnt="0">
+        <dgm:presLayoutVars>
+          <dgm:chPref val="1"/>
+          <dgm:animOne val="branch"/>
+          <dgm:animLvl val="lvl"/>
+        </dgm:presLayoutVars>
+      </dgm:prSet>
+      <dgm:spPr/>
+    </dgm:pt>
+    <dgm:pt modelId="{6710931F-E719-46E6-A357-D18D0D5670D3}" type="pres">
+      <dgm:prSet presAssocID="{CE3A7A2B-0120-4596-8CB3-B686980D22EA}" presName="Name14" presStyleCnt="0"/>
+      <dgm:spPr/>
+    </dgm:pt>
+    <dgm:pt modelId="{0EBCFE24-6A1E-417D-87CE-35AF58869832}" type="pres">
+      <dgm:prSet presAssocID="{CE3A7A2B-0120-4596-8CB3-B686980D22EA}" presName="level1Shape" presStyleLbl="node0" presStyleIdx="0" presStyleCnt="1">
+        <dgm:presLayoutVars>
+          <dgm:chPref val="3"/>
+        </dgm:presLayoutVars>
+      </dgm:prSet>
+      <dgm:spPr/>
+      <dgm:t>
+        <a:bodyPr/>
+        <a:lstStyle/>
+        <a:p>
+          <a:endParaRPr lang="en-US"/>
+        </a:p>
+      </dgm:t>
+    </dgm:pt>
+    <dgm:pt modelId="{2997A73F-3005-429C-AE38-27DA9ECE5911}" type="pres">
+      <dgm:prSet presAssocID="{CE3A7A2B-0120-4596-8CB3-B686980D22EA}" presName="hierChild2" presStyleCnt="0"/>
+      <dgm:spPr/>
+    </dgm:pt>
+    <dgm:pt modelId="{E68F78C2-FCC0-473C-8802-5A0A0CB2C679}" type="pres">
+      <dgm:prSet presAssocID="{34A3A509-B82F-404C-8687-6E3B1937BBEE}" presName="Name19" presStyleLbl="parChTrans1D2" presStyleIdx="0" presStyleCnt="1"/>
+      <dgm:spPr/>
+      <dgm:t>
+        <a:bodyPr/>
+        <a:lstStyle/>
+        <a:p>
+          <a:endParaRPr lang="en-US"/>
+        </a:p>
+      </dgm:t>
+    </dgm:pt>
+    <dgm:pt modelId="{573EFA02-A1A3-42A6-B675-6629E28A6C40}" type="pres">
+      <dgm:prSet presAssocID="{2A0496EF-31A8-4FB8-8A7F-A2CBF8606691}" presName="Name21" presStyleCnt="0"/>
+      <dgm:spPr/>
+    </dgm:pt>
+    <dgm:pt modelId="{7E20B0C3-8A2C-4390-90B0-51E9C4628327}" type="pres">
+      <dgm:prSet presAssocID="{2A0496EF-31A8-4FB8-8A7F-A2CBF8606691}" presName="level2Shape" presStyleLbl="asst1" presStyleIdx="0" presStyleCnt="2"/>
+      <dgm:spPr/>
+      <dgm:t>
+        <a:bodyPr/>
+        <a:lstStyle/>
+        <a:p>
+          <a:endParaRPr lang="en-US"/>
+        </a:p>
+      </dgm:t>
+    </dgm:pt>
+    <dgm:pt modelId="{AA30F263-DB2D-41E8-8C49-99FDBD56C26B}" type="pres">
+      <dgm:prSet presAssocID="{2A0496EF-31A8-4FB8-8A7F-A2CBF8606691}" presName="hierChild3" presStyleCnt="0"/>
+      <dgm:spPr/>
+    </dgm:pt>
+    <dgm:pt modelId="{1AA2EE3E-A9B5-4A09-AC15-11E53F7E90D0}" type="pres">
+      <dgm:prSet presAssocID="{1512B27A-390D-4709-8629-FCA8BEDE4660}" presName="Name19" presStyleLbl="parChTrans1D3" presStyleIdx="0" presStyleCnt="1"/>
+      <dgm:spPr/>
+      <dgm:t>
+        <a:bodyPr/>
+        <a:lstStyle/>
+        <a:p>
+          <a:endParaRPr lang="en-US"/>
+        </a:p>
+      </dgm:t>
+    </dgm:pt>
+    <dgm:pt modelId="{56BFD2DC-0FCB-47CF-B324-930B12D99E8E}" type="pres">
+      <dgm:prSet presAssocID="{2F5A44C0-791D-41F6-AE89-A8AF91720298}" presName="Name21" presStyleCnt="0"/>
+      <dgm:spPr/>
+    </dgm:pt>
+    <dgm:pt modelId="{924D7767-3779-4E75-A9D1-B6EF723A406B}" type="pres">
+      <dgm:prSet presAssocID="{2F5A44C0-791D-41F6-AE89-A8AF91720298}" presName="level2Shape" presStyleLbl="asst1" presStyleIdx="1" presStyleCnt="2" custScaleX="128939" custScaleY="48761" custLinFactNeighborX="0" custLinFactNeighborY="-3262"/>
+      <dgm:spPr/>
+      <dgm:t>
+        <a:bodyPr/>
+        <a:lstStyle/>
+        <a:p>
+          <a:endParaRPr lang="en-US"/>
+        </a:p>
+      </dgm:t>
+    </dgm:pt>
+    <dgm:pt modelId="{B46D0E8E-8CE8-4F6D-B286-24BCA20A3F59}" type="pres">
+      <dgm:prSet presAssocID="{2F5A44C0-791D-41F6-AE89-A8AF91720298}" presName="hierChild3" presStyleCnt="0"/>
+      <dgm:spPr/>
+    </dgm:pt>
+    <dgm:pt modelId="{D963691C-3642-4A13-9D4B-615A02507769}" type="pres">
+      <dgm:prSet presAssocID="{20707547-4CCB-4CCC-A7B6-76B2B1A97837}" presName="Name19" presStyleLbl="parChTrans1D4" presStyleIdx="0" presStyleCnt="10"/>
+      <dgm:spPr/>
+      <dgm:t>
+        <a:bodyPr/>
+        <a:lstStyle/>
+        <a:p>
+          <a:endParaRPr lang="en-US"/>
+        </a:p>
+      </dgm:t>
+    </dgm:pt>
+    <dgm:pt modelId="{9DDE8466-7BF0-4BDB-A505-62D45F2E1CD8}" type="pres">
+      <dgm:prSet presAssocID="{BB8C4245-B896-463C-9F6D-6089A25906F7}" presName="Name21" presStyleCnt="0"/>
+      <dgm:spPr/>
+    </dgm:pt>
+    <dgm:pt modelId="{9310C464-F17A-4EE5-9628-6BEBE30D390D}" type="pres">
+      <dgm:prSet presAssocID="{BB8C4245-B896-463C-9F6D-6089A25906F7}" presName="level2Shape" presStyleLbl="node4" presStyleIdx="0" presStyleCnt="10" custScaleX="72611" custScaleY="44714"/>
+      <dgm:spPr/>
+      <dgm:t>
+        <a:bodyPr/>
+        <a:lstStyle/>
+        <a:p>
+          <a:endParaRPr lang="en-US"/>
+        </a:p>
+      </dgm:t>
+    </dgm:pt>
+    <dgm:pt modelId="{E7564212-F97A-4529-902A-40C3C1439554}" type="pres">
+      <dgm:prSet presAssocID="{BB8C4245-B896-463C-9F6D-6089A25906F7}" presName="hierChild3" presStyleCnt="0"/>
+      <dgm:spPr/>
+    </dgm:pt>
+    <dgm:pt modelId="{389F7A8F-AE74-4137-84FF-3105FFB8A33B}" type="pres">
+      <dgm:prSet presAssocID="{9DF1D68F-2B3E-4268-8AFD-0D98C0209666}" presName="Name19" presStyleLbl="parChTrans1D4" presStyleIdx="1" presStyleCnt="10"/>
+      <dgm:spPr/>
+      <dgm:t>
+        <a:bodyPr/>
+        <a:lstStyle/>
+        <a:p>
+          <a:endParaRPr lang="en-US"/>
+        </a:p>
+      </dgm:t>
+    </dgm:pt>
+    <dgm:pt modelId="{121A9371-EC50-4D03-BCA5-27C85F9D95A5}" type="pres">
+      <dgm:prSet presAssocID="{6F4FF149-A6CE-41B1-AE4F-203882021B4B}" presName="Name21" presStyleCnt="0"/>
+      <dgm:spPr/>
+    </dgm:pt>
+    <dgm:pt modelId="{99882D7B-548B-49ED-8D25-B2C5E6BB0792}" type="pres">
+      <dgm:prSet presAssocID="{6F4FF149-A6CE-41B1-AE4F-203882021B4B}" presName="level2Shape" presStyleLbl="node4" presStyleIdx="1" presStyleCnt="10"/>
+      <dgm:spPr/>
+      <dgm:t>
+        <a:bodyPr/>
+        <a:lstStyle/>
+        <a:p>
+          <a:endParaRPr lang="en-US"/>
+        </a:p>
+      </dgm:t>
+    </dgm:pt>
+    <dgm:pt modelId="{90C7DA53-0CF6-4F0E-872A-275EE4669865}" type="pres">
+      <dgm:prSet presAssocID="{6F4FF149-A6CE-41B1-AE4F-203882021B4B}" presName="hierChild3" presStyleCnt="0"/>
+      <dgm:spPr/>
+    </dgm:pt>
+    <dgm:pt modelId="{A3A32269-1CAF-4DC2-B4D7-72FD83E37B5B}" type="pres">
+      <dgm:prSet presAssocID="{02CFAFD5-A585-4FF0-AD27-9E6537265522}" presName="Name19" presStyleLbl="parChTrans1D4" presStyleIdx="2" presStyleCnt="10"/>
+      <dgm:spPr/>
+      <dgm:t>
+        <a:bodyPr/>
+        <a:lstStyle/>
+        <a:p>
+          <a:endParaRPr lang="en-US"/>
+        </a:p>
+      </dgm:t>
+    </dgm:pt>
+    <dgm:pt modelId="{B89971CC-77B6-43A3-BA02-4950F0446D79}" type="pres">
+      <dgm:prSet presAssocID="{8B05A671-0DE7-4C81-B7BE-EFEF4D8B285A}" presName="Name21" presStyleCnt="0"/>
+      <dgm:spPr/>
+    </dgm:pt>
+    <dgm:pt modelId="{1956AAFF-10E4-4255-8BD5-2F66FE8CA411}" type="pres">
+      <dgm:prSet presAssocID="{8B05A671-0DE7-4C81-B7BE-EFEF4D8B285A}" presName="level2Shape" presStyleLbl="node4" presStyleIdx="2" presStyleCnt="10" custScaleX="72535" custScaleY="44428"/>
+      <dgm:spPr/>
+      <dgm:t>
+        <a:bodyPr/>
+        <a:lstStyle/>
+        <a:p>
+          <a:endParaRPr lang="en-US"/>
+        </a:p>
+      </dgm:t>
+    </dgm:pt>
+    <dgm:pt modelId="{58BEDEDB-438F-460B-AB10-D8B4BC1EF6DC}" type="pres">
+      <dgm:prSet presAssocID="{8B05A671-0DE7-4C81-B7BE-EFEF4D8B285A}" presName="hierChild3" presStyleCnt="0"/>
+      <dgm:spPr/>
+    </dgm:pt>
+    <dgm:pt modelId="{5150048F-8CE1-41E9-87EB-F85F39971A52}" type="pres">
+      <dgm:prSet presAssocID="{5F0C85A7-67E4-42A9-A5B9-AB21F3F7D118}" presName="Name19" presStyleLbl="parChTrans1D4" presStyleIdx="3" presStyleCnt="10"/>
+      <dgm:spPr/>
+      <dgm:t>
+        <a:bodyPr/>
+        <a:lstStyle/>
+        <a:p>
+          <a:endParaRPr lang="en-US"/>
+        </a:p>
+      </dgm:t>
+    </dgm:pt>
+    <dgm:pt modelId="{EFFB896F-9153-48E6-ABDB-3F570B7A4238}" type="pres">
+      <dgm:prSet presAssocID="{0F5FC267-C6FA-4018-82E4-6D1E0CF53473}" presName="Name21" presStyleCnt="0"/>
+      <dgm:spPr/>
+    </dgm:pt>
+    <dgm:pt modelId="{31B4494D-E553-4E42-BC59-010A49910B4D}" type="pres">
+      <dgm:prSet presAssocID="{0F5FC267-C6FA-4018-82E4-6D1E0CF53473}" presName="level2Shape" presStyleLbl="node4" presStyleIdx="3" presStyleCnt="10"/>
+      <dgm:spPr/>
+      <dgm:t>
+        <a:bodyPr/>
+        <a:lstStyle/>
+        <a:p>
+          <a:endParaRPr lang="en-US"/>
+        </a:p>
+      </dgm:t>
+    </dgm:pt>
+    <dgm:pt modelId="{5AB58B1F-59BF-4903-B7AA-4D28032C9775}" type="pres">
+      <dgm:prSet presAssocID="{0F5FC267-C6FA-4018-82E4-6D1E0CF53473}" presName="hierChild3" presStyleCnt="0"/>
+      <dgm:spPr/>
+    </dgm:pt>
+    <dgm:pt modelId="{EB93688B-C590-459D-A823-880B4C0DE7A9}" type="pres">
+      <dgm:prSet presAssocID="{ED55D2DB-BE73-4F1D-90F6-D0461196D166}" presName="Name19" presStyleLbl="parChTrans1D4" presStyleIdx="4" presStyleCnt="10"/>
+      <dgm:spPr/>
+      <dgm:t>
+        <a:bodyPr/>
+        <a:lstStyle/>
+        <a:p>
+          <a:endParaRPr lang="en-US"/>
+        </a:p>
+      </dgm:t>
+    </dgm:pt>
+    <dgm:pt modelId="{8E767F53-E12B-447F-B855-3F8960579089}" type="pres">
+      <dgm:prSet presAssocID="{5C4DE19C-A716-4E24-865A-871D15A6106C}" presName="Name21" presStyleCnt="0"/>
+      <dgm:spPr/>
+    </dgm:pt>
+    <dgm:pt modelId="{98778A9B-C700-42DB-8B31-295727FCB770}" type="pres">
+      <dgm:prSet presAssocID="{5C4DE19C-A716-4E24-865A-871D15A6106C}" presName="level2Shape" presStyleLbl="node4" presStyleIdx="4" presStyleCnt="10" custScaleX="72535" custScaleY="44428"/>
+      <dgm:spPr/>
+      <dgm:t>
+        <a:bodyPr/>
+        <a:lstStyle/>
+        <a:p>
+          <a:endParaRPr lang="en-US"/>
+        </a:p>
+      </dgm:t>
+    </dgm:pt>
+    <dgm:pt modelId="{3523AEFA-FF8C-4814-B05D-926C06DFA684}" type="pres">
+      <dgm:prSet presAssocID="{5C4DE19C-A716-4E24-865A-871D15A6106C}" presName="hierChild3" presStyleCnt="0"/>
+      <dgm:spPr/>
+    </dgm:pt>
+    <dgm:pt modelId="{AC8DB091-B58F-49E6-9A89-C4137BD364D0}" type="pres">
+      <dgm:prSet presAssocID="{E4233A6D-7415-438D-8FDD-390A966DAF61}" presName="Name19" presStyleLbl="parChTrans1D4" presStyleIdx="5" presStyleCnt="10"/>
+      <dgm:spPr/>
+      <dgm:t>
+        <a:bodyPr/>
+        <a:lstStyle/>
+        <a:p>
+          <a:endParaRPr lang="en-US"/>
+        </a:p>
+      </dgm:t>
+    </dgm:pt>
+    <dgm:pt modelId="{F101C031-9A21-4A48-A92C-60D325E8480E}" type="pres">
+      <dgm:prSet presAssocID="{63376BF1-6687-43EE-ADA3-D36BAEFB7DEE}" presName="Name21" presStyleCnt="0"/>
+      <dgm:spPr/>
+    </dgm:pt>
+    <dgm:pt modelId="{B288F2FA-C717-48A3-A9F5-9FC1E4AF394C}" type="pres">
+      <dgm:prSet presAssocID="{63376BF1-6687-43EE-ADA3-D36BAEFB7DEE}" presName="level2Shape" presStyleLbl="node4" presStyleIdx="5" presStyleCnt="10"/>
+      <dgm:spPr/>
+      <dgm:t>
+        <a:bodyPr/>
+        <a:lstStyle/>
+        <a:p>
+          <a:endParaRPr lang="en-US"/>
+        </a:p>
+      </dgm:t>
+    </dgm:pt>
+    <dgm:pt modelId="{E19C5927-C0C2-4D3F-9EB8-BB1397081298}" type="pres">
+      <dgm:prSet presAssocID="{63376BF1-6687-43EE-ADA3-D36BAEFB7DEE}" presName="hierChild3" presStyleCnt="0"/>
+      <dgm:spPr/>
+    </dgm:pt>
+    <dgm:pt modelId="{9C7D0A91-8C5C-4FD7-8EB9-A2426F718068}" type="pres">
+      <dgm:prSet presAssocID="{F115A2BD-1E7A-4B98-BA46-8A3FF6432199}" presName="Name19" presStyleLbl="parChTrans1D4" presStyleIdx="6" presStyleCnt="10"/>
+      <dgm:spPr/>
+      <dgm:t>
+        <a:bodyPr/>
+        <a:lstStyle/>
+        <a:p>
+          <a:endParaRPr lang="en-US"/>
+        </a:p>
+      </dgm:t>
+    </dgm:pt>
+    <dgm:pt modelId="{A2E9B3DE-C94A-428E-B973-3A8E970DAF21}" type="pres">
+      <dgm:prSet presAssocID="{2E1BB674-35BC-45BB-9673-67B940055B31}" presName="Name21" presStyleCnt="0"/>
+      <dgm:spPr/>
+    </dgm:pt>
+    <dgm:pt modelId="{05786130-55A6-41D7-9FFE-9F45D3899688}" type="pres">
+      <dgm:prSet presAssocID="{2E1BB674-35BC-45BB-9673-67B940055B31}" presName="level2Shape" presStyleLbl="node4" presStyleIdx="6" presStyleCnt="10" custScaleX="72535" custScaleY="44428"/>
+      <dgm:spPr/>
+      <dgm:t>
+        <a:bodyPr/>
+        <a:lstStyle/>
+        <a:p>
+          <a:endParaRPr lang="en-US"/>
+        </a:p>
+      </dgm:t>
+    </dgm:pt>
+    <dgm:pt modelId="{8E050C95-0C76-4AA8-8EDE-92336EEEF6D9}" type="pres">
+      <dgm:prSet presAssocID="{2E1BB674-35BC-45BB-9673-67B940055B31}" presName="hierChild3" presStyleCnt="0"/>
+      <dgm:spPr/>
+    </dgm:pt>
+    <dgm:pt modelId="{F8775318-346A-4AC7-9707-6144772C35D5}" type="pres">
+      <dgm:prSet presAssocID="{42ED198D-698B-41D5-96D0-11D7162BABC1}" presName="Name19" presStyleLbl="parChTrans1D4" presStyleIdx="7" presStyleCnt="10"/>
+      <dgm:spPr/>
+      <dgm:t>
+        <a:bodyPr/>
+        <a:lstStyle/>
+        <a:p>
+          <a:endParaRPr lang="en-US"/>
+        </a:p>
+      </dgm:t>
+    </dgm:pt>
+    <dgm:pt modelId="{EA90AA85-5CE8-4F16-A5AB-ECA0363D71C3}" type="pres">
+      <dgm:prSet presAssocID="{1B41352A-2EA7-4FF6-9968-BC030163D094}" presName="Name21" presStyleCnt="0"/>
+      <dgm:spPr/>
+    </dgm:pt>
+    <dgm:pt modelId="{B62A4414-83F8-46D3-8330-4FC9C5171295}" type="pres">
+      <dgm:prSet presAssocID="{1B41352A-2EA7-4FF6-9968-BC030163D094}" presName="level2Shape" presStyleLbl="node4" presStyleIdx="7" presStyleCnt="10"/>
+      <dgm:spPr/>
+      <dgm:t>
+        <a:bodyPr/>
+        <a:lstStyle/>
+        <a:p>
+          <a:endParaRPr lang="en-US"/>
+        </a:p>
+      </dgm:t>
+    </dgm:pt>
+    <dgm:pt modelId="{F04AAB42-79E9-4408-9DF1-7F6544ABED4C}" type="pres">
+      <dgm:prSet presAssocID="{1B41352A-2EA7-4FF6-9968-BC030163D094}" presName="hierChild3" presStyleCnt="0"/>
+      <dgm:spPr/>
+    </dgm:pt>
+    <dgm:pt modelId="{D52E9823-1814-4F22-988A-F8D4598EB50D}" type="pres">
+      <dgm:prSet presAssocID="{30049703-D785-45D5-9086-D41CD69E5E8B}" presName="Name19" presStyleLbl="parChTrans1D4" presStyleIdx="8" presStyleCnt="10"/>
+      <dgm:spPr/>
+      <dgm:t>
+        <a:bodyPr/>
+        <a:lstStyle/>
+        <a:p>
+          <a:endParaRPr lang="en-US"/>
+        </a:p>
+      </dgm:t>
+    </dgm:pt>
+    <dgm:pt modelId="{0A2406BF-19C9-47A8-B942-0A6D36760DBB}" type="pres">
+      <dgm:prSet presAssocID="{A28646E1-B33F-4FF4-9877-08DED234ED89}" presName="Name21" presStyleCnt="0"/>
+      <dgm:spPr/>
+    </dgm:pt>
+    <dgm:pt modelId="{8C7EEA08-EF08-4AD9-9C21-35B928AE57CA}" type="pres">
+      <dgm:prSet presAssocID="{A28646E1-B33F-4FF4-9877-08DED234ED89}" presName="level2Shape" presStyleLbl="node4" presStyleIdx="8" presStyleCnt="10" custScaleX="72535" custScaleY="44428"/>
+      <dgm:spPr/>
+      <dgm:t>
+        <a:bodyPr/>
+        <a:lstStyle/>
+        <a:p>
+          <a:endParaRPr lang="en-US"/>
+        </a:p>
+      </dgm:t>
+    </dgm:pt>
+    <dgm:pt modelId="{42BB810A-2FD8-477C-94AA-C10AF5965FDF}" type="pres">
+      <dgm:prSet presAssocID="{A28646E1-B33F-4FF4-9877-08DED234ED89}" presName="hierChild3" presStyleCnt="0"/>
+      <dgm:spPr/>
+    </dgm:pt>
+    <dgm:pt modelId="{E5CAF7CA-E25C-4C1C-B864-8B33F7D31AAE}" type="pres">
+      <dgm:prSet presAssocID="{6797477D-2FBC-4C66-B693-B1358AD756A9}" presName="Name19" presStyleLbl="parChTrans1D4" presStyleIdx="9" presStyleCnt="10"/>
+      <dgm:spPr/>
+      <dgm:t>
+        <a:bodyPr/>
+        <a:lstStyle/>
+        <a:p>
+          <a:endParaRPr lang="en-US"/>
+        </a:p>
+      </dgm:t>
+    </dgm:pt>
+    <dgm:pt modelId="{FE480ED2-5B2E-42FA-AE25-A526B7F79718}" type="pres">
+      <dgm:prSet presAssocID="{C6292CA7-7F2C-457B-824C-FDAD1A300612}" presName="Name21" presStyleCnt="0"/>
+      <dgm:spPr/>
+    </dgm:pt>
+    <dgm:pt modelId="{2122F150-D109-449A-8204-7E319E4F5DAA}" type="pres">
+      <dgm:prSet presAssocID="{C6292CA7-7F2C-457B-824C-FDAD1A300612}" presName="level2Shape" presStyleLbl="node4" presStyleIdx="9" presStyleCnt="10"/>
+      <dgm:spPr/>
+      <dgm:t>
+        <a:bodyPr/>
+        <a:lstStyle/>
+        <a:p>
+          <a:endParaRPr lang="en-US"/>
+        </a:p>
+      </dgm:t>
+    </dgm:pt>
+    <dgm:pt modelId="{A0473C42-314D-403D-A4CB-DF24F9FA9AE5}" type="pres">
+      <dgm:prSet presAssocID="{C6292CA7-7F2C-457B-824C-FDAD1A300612}" presName="hierChild3" presStyleCnt="0"/>
+      <dgm:spPr/>
+    </dgm:pt>
+    <dgm:pt modelId="{A2E46B28-3E1D-45F8-8E4E-C12F034EA690}" type="pres">
+      <dgm:prSet presAssocID="{A3948582-E41B-4E64-96CC-A7B8352B50FD}" presName="bgShapesFlow" presStyleCnt="0"/>
+      <dgm:spPr/>
+    </dgm:pt>
+  </dgm:ptLst>
+  <dgm:cxnLst>
+    <dgm:cxn modelId="{9CECA818-D527-4FE0-919E-C19006374085}" type="presOf" srcId="{5C4DE19C-A716-4E24-865A-871D15A6106C}" destId="{98778A9B-C700-42DB-8B31-295727FCB770}" srcOrd="0" destOrd="0" presId="urn:microsoft.com/office/officeart/2005/8/layout/hierarchy6"/>
+    <dgm:cxn modelId="{418B5CB2-8F43-48C1-8199-E6DE90661697}" type="presOf" srcId="{34A3A509-B82F-404C-8687-6E3B1937BBEE}" destId="{E68F78C2-FCC0-473C-8802-5A0A0CB2C679}" srcOrd="0" destOrd="0" presId="urn:microsoft.com/office/officeart/2005/8/layout/hierarchy6"/>
+    <dgm:cxn modelId="{7E254444-F2AB-4E1F-B2A0-F03155BFBFF5}" srcId="{2A0496EF-31A8-4FB8-8A7F-A2CBF8606691}" destId="{2F5A44C0-791D-41F6-AE89-A8AF91720298}" srcOrd="0" destOrd="0" parTransId="{1512B27A-390D-4709-8629-FCA8BEDE4660}" sibTransId="{27C39707-0CBF-4DAD-967E-14A0F8212F79}"/>
+    <dgm:cxn modelId="{07075BE4-1887-4775-8F41-989EDCB308BF}" type="presOf" srcId="{30049703-D785-45D5-9086-D41CD69E5E8B}" destId="{D52E9823-1814-4F22-988A-F8D4598EB50D}" srcOrd="0" destOrd="0" presId="urn:microsoft.com/office/officeart/2005/8/layout/hierarchy6"/>
+    <dgm:cxn modelId="{BD788C0F-E087-4B94-A180-E6C511057C18}" type="presOf" srcId="{8B05A671-0DE7-4C81-B7BE-EFEF4D8B285A}" destId="{1956AAFF-10E4-4255-8BD5-2F66FE8CA411}" srcOrd="0" destOrd="0" presId="urn:microsoft.com/office/officeart/2005/8/layout/hierarchy6"/>
+    <dgm:cxn modelId="{EB236707-065C-4D1D-B076-86AEC5CEEB91}" srcId="{8B05A671-0DE7-4C81-B7BE-EFEF4D8B285A}" destId="{0F5FC267-C6FA-4018-82E4-6D1E0CF53473}" srcOrd="0" destOrd="0" parTransId="{5F0C85A7-67E4-42A9-A5B9-AB21F3F7D118}" sibTransId="{A7305806-DFE5-445A-9309-3C585AF24235}"/>
+    <dgm:cxn modelId="{08D78291-1718-4BC8-86C8-91374E503D0A}" type="presOf" srcId="{6F4FF149-A6CE-41B1-AE4F-203882021B4B}" destId="{99882D7B-548B-49ED-8D25-B2C5E6BB0792}" srcOrd="0" destOrd="0" presId="urn:microsoft.com/office/officeart/2005/8/layout/hierarchy6"/>
+    <dgm:cxn modelId="{C6BBB91B-D864-4683-B753-01DB05FA3F69}" type="presOf" srcId="{CE3A7A2B-0120-4596-8CB3-B686980D22EA}" destId="{0EBCFE24-6A1E-417D-87CE-35AF58869832}" srcOrd="0" destOrd="0" presId="urn:microsoft.com/office/officeart/2005/8/layout/hierarchy6"/>
+    <dgm:cxn modelId="{0667E768-73F9-4898-A480-9B6CDA8EA0A1}" type="presOf" srcId="{42ED198D-698B-41D5-96D0-11D7162BABC1}" destId="{F8775318-346A-4AC7-9707-6144772C35D5}" srcOrd="0" destOrd="0" presId="urn:microsoft.com/office/officeart/2005/8/layout/hierarchy6"/>
+    <dgm:cxn modelId="{281E5842-A5EC-45F4-84F1-613FD73DE8AA}" type="presOf" srcId="{F115A2BD-1E7A-4B98-BA46-8A3FF6432199}" destId="{9C7D0A91-8C5C-4FD7-8EB9-A2426F718068}" srcOrd="0" destOrd="0" presId="urn:microsoft.com/office/officeart/2005/8/layout/hierarchy6"/>
+    <dgm:cxn modelId="{118EEE52-5EF9-489B-961A-2CA4C78AC153}" srcId="{2F5A44C0-791D-41F6-AE89-A8AF91720298}" destId="{BB8C4245-B896-463C-9F6D-6089A25906F7}" srcOrd="0" destOrd="0" parTransId="{20707547-4CCB-4CCC-A7B6-76B2B1A97837}" sibTransId="{339F42B9-B5A2-493A-8ACA-FF560690E9EC}"/>
+    <dgm:cxn modelId="{02264204-A44F-4440-BCAE-58C7345FA323}" type="presOf" srcId="{A3948582-E41B-4E64-96CC-A7B8352B50FD}" destId="{34A782E1-AFD9-4879-8F28-FD40976DEF5C}" srcOrd="0" destOrd="0" presId="urn:microsoft.com/office/officeart/2005/8/layout/hierarchy6"/>
+    <dgm:cxn modelId="{A1698EF7-4B92-45E0-ABD2-C3C9D2496C05}" srcId="{CE3A7A2B-0120-4596-8CB3-B686980D22EA}" destId="{2A0496EF-31A8-4FB8-8A7F-A2CBF8606691}" srcOrd="0" destOrd="0" parTransId="{34A3A509-B82F-404C-8687-6E3B1937BBEE}" sibTransId="{711EDAB4-B415-4A58-84DA-A2ADED836DE6}"/>
+    <dgm:cxn modelId="{7DAA723A-1CE3-49C2-B8CB-FB0D95B0DACC}" type="presOf" srcId="{A28646E1-B33F-4FF4-9877-08DED234ED89}" destId="{8C7EEA08-EF08-4AD9-9C21-35B928AE57CA}" srcOrd="0" destOrd="0" presId="urn:microsoft.com/office/officeart/2005/8/layout/hierarchy6"/>
+    <dgm:cxn modelId="{51B12532-E68A-4486-9A3F-B4FE41BA33A3}" type="presOf" srcId="{1512B27A-390D-4709-8629-FCA8BEDE4660}" destId="{1AA2EE3E-A9B5-4A09-AC15-11E53F7E90D0}" srcOrd="0" destOrd="0" presId="urn:microsoft.com/office/officeart/2005/8/layout/hierarchy6"/>
+    <dgm:cxn modelId="{82EAC98A-5ACA-4CC9-8C3F-9F5CEBB95B64}" srcId="{2F5A44C0-791D-41F6-AE89-A8AF91720298}" destId="{2E1BB674-35BC-45BB-9673-67B940055B31}" srcOrd="3" destOrd="0" parTransId="{F115A2BD-1E7A-4B98-BA46-8A3FF6432199}" sibTransId="{E40EF4B0-13FD-46F0-9F17-93B749C56BB4}"/>
+    <dgm:cxn modelId="{F31620ED-FE40-41B8-9A92-2F0DECEB045F}" srcId="{2F5A44C0-791D-41F6-AE89-A8AF91720298}" destId="{A28646E1-B33F-4FF4-9877-08DED234ED89}" srcOrd="4" destOrd="0" parTransId="{30049703-D785-45D5-9086-D41CD69E5E8B}" sibTransId="{DAFD1E16-BC67-489D-8D3E-B04961C23619}"/>
+    <dgm:cxn modelId="{24B89DA9-AFAD-4CFC-9AFC-4D95741AC436}" type="presOf" srcId="{ED55D2DB-BE73-4F1D-90F6-D0461196D166}" destId="{EB93688B-C590-459D-A823-880B4C0DE7A9}" srcOrd="0" destOrd="0" presId="urn:microsoft.com/office/officeart/2005/8/layout/hierarchy6"/>
+    <dgm:cxn modelId="{F91052DF-FAD6-4169-A99B-BB91E6FE48CD}" srcId="{2F5A44C0-791D-41F6-AE89-A8AF91720298}" destId="{5C4DE19C-A716-4E24-865A-871D15A6106C}" srcOrd="2" destOrd="0" parTransId="{ED55D2DB-BE73-4F1D-90F6-D0461196D166}" sibTransId="{B842B66A-0CB8-48E1-B230-01504D47AD13}"/>
+    <dgm:cxn modelId="{BDB714D0-302E-4D8E-A146-143209CB7EB9}" type="presOf" srcId="{2A0496EF-31A8-4FB8-8A7F-A2CBF8606691}" destId="{7E20B0C3-8A2C-4390-90B0-51E9C4628327}" srcOrd="0" destOrd="0" presId="urn:microsoft.com/office/officeart/2005/8/layout/hierarchy6"/>
+    <dgm:cxn modelId="{EF1D9E71-A555-408C-8B53-311EDD8AFEC0}" srcId="{A28646E1-B33F-4FF4-9877-08DED234ED89}" destId="{C6292CA7-7F2C-457B-824C-FDAD1A300612}" srcOrd="0" destOrd="0" parTransId="{6797477D-2FBC-4C66-B693-B1358AD756A9}" sibTransId="{EA639A36-FBDA-4389-88D6-486CC80E92FD}"/>
+    <dgm:cxn modelId="{9FC108E5-589B-4D33-BE4E-9E562824F9AC}" srcId="{A3948582-E41B-4E64-96CC-A7B8352B50FD}" destId="{CE3A7A2B-0120-4596-8CB3-B686980D22EA}" srcOrd="0" destOrd="0" parTransId="{325C2410-EEE4-475F-8DC3-556367C17848}" sibTransId="{DCCB8526-D7E7-41F0-B75B-247A63F7E4F2}"/>
+    <dgm:cxn modelId="{6A982B11-3CCE-4A26-A4C6-8D35256F7E10}" type="presOf" srcId="{6797477D-2FBC-4C66-B693-B1358AD756A9}" destId="{E5CAF7CA-E25C-4C1C-B864-8B33F7D31AAE}" srcOrd="0" destOrd="0" presId="urn:microsoft.com/office/officeart/2005/8/layout/hierarchy6"/>
+    <dgm:cxn modelId="{84AEBEDF-699D-409C-8FDF-39B8F2078832}" type="presOf" srcId="{2F5A44C0-791D-41F6-AE89-A8AF91720298}" destId="{924D7767-3779-4E75-A9D1-B6EF723A406B}" srcOrd="0" destOrd="0" presId="urn:microsoft.com/office/officeart/2005/8/layout/hierarchy6"/>
+    <dgm:cxn modelId="{34FED145-F186-405B-B467-025CCF264B4C}" srcId="{5C4DE19C-A716-4E24-865A-871D15A6106C}" destId="{63376BF1-6687-43EE-ADA3-D36BAEFB7DEE}" srcOrd="0" destOrd="0" parTransId="{E4233A6D-7415-438D-8FDD-390A966DAF61}" sibTransId="{DEA88744-D54F-46A0-AC82-2F6C542D45AE}"/>
+    <dgm:cxn modelId="{6F58FB3E-AA2A-4594-A1AD-4B37C53642A9}" type="presOf" srcId="{9DF1D68F-2B3E-4268-8AFD-0D98C0209666}" destId="{389F7A8F-AE74-4137-84FF-3105FFB8A33B}" srcOrd="0" destOrd="0" presId="urn:microsoft.com/office/officeart/2005/8/layout/hierarchy6"/>
+    <dgm:cxn modelId="{2A455528-482E-4825-98EB-67F715F8E105}" type="presOf" srcId="{63376BF1-6687-43EE-ADA3-D36BAEFB7DEE}" destId="{B288F2FA-C717-48A3-A9F5-9FC1E4AF394C}" srcOrd="0" destOrd="0" presId="urn:microsoft.com/office/officeart/2005/8/layout/hierarchy6"/>
+    <dgm:cxn modelId="{C58A26B1-320E-40AF-910A-81FF791114BD}" type="presOf" srcId="{20707547-4CCB-4CCC-A7B6-76B2B1A97837}" destId="{D963691C-3642-4A13-9D4B-615A02507769}" srcOrd="0" destOrd="0" presId="urn:microsoft.com/office/officeart/2005/8/layout/hierarchy6"/>
+    <dgm:cxn modelId="{D1ADB1EA-4BB3-49A6-AD72-DC1CB8428524}" srcId="{2E1BB674-35BC-45BB-9673-67B940055B31}" destId="{1B41352A-2EA7-4FF6-9968-BC030163D094}" srcOrd="0" destOrd="0" parTransId="{42ED198D-698B-41D5-96D0-11D7162BABC1}" sibTransId="{5A46E43D-4ADE-4B51-BA3E-17CBEA03D9A7}"/>
+    <dgm:cxn modelId="{947130EA-0F23-4FE5-9267-E0D2A9DB1EB6}" srcId="{BB8C4245-B896-463C-9F6D-6089A25906F7}" destId="{6F4FF149-A6CE-41B1-AE4F-203882021B4B}" srcOrd="0" destOrd="0" parTransId="{9DF1D68F-2B3E-4268-8AFD-0D98C0209666}" sibTransId="{661E8DE5-3519-455B-9799-EE1CAB41BCAF}"/>
+    <dgm:cxn modelId="{0D0FBA14-6749-470B-A6B1-11AF98DD40A2}" type="presOf" srcId="{C6292CA7-7F2C-457B-824C-FDAD1A300612}" destId="{2122F150-D109-449A-8204-7E319E4F5DAA}" srcOrd="0" destOrd="0" presId="urn:microsoft.com/office/officeart/2005/8/layout/hierarchy6"/>
+    <dgm:cxn modelId="{C4F33C3F-965D-4E83-8D38-1174A8666C11}" type="presOf" srcId="{BB8C4245-B896-463C-9F6D-6089A25906F7}" destId="{9310C464-F17A-4EE5-9628-6BEBE30D390D}" srcOrd="0" destOrd="0" presId="urn:microsoft.com/office/officeart/2005/8/layout/hierarchy6"/>
+    <dgm:cxn modelId="{DFA0B2A2-59B8-4745-9561-49A9AC52E211}" type="presOf" srcId="{E4233A6D-7415-438D-8FDD-390A966DAF61}" destId="{AC8DB091-B58F-49E6-9A89-C4137BD364D0}" srcOrd="0" destOrd="0" presId="urn:microsoft.com/office/officeart/2005/8/layout/hierarchy6"/>
+    <dgm:cxn modelId="{466EAACD-FEB0-407D-98EB-C67C4904C4D9}" srcId="{2F5A44C0-791D-41F6-AE89-A8AF91720298}" destId="{8B05A671-0DE7-4C81-B7BE-EFEF4D8B285A}" srcOrd="1" destOrd="0" parTransId="{02CFAFD5-A585-4FF0-AD27-9E6537265522}" sibTransId="{EB08C90F-DB27-43A1-986B-3F70646A2D51}"/>
+    <dgm:cxn modelId="{DD6ED853-DFB6-4D4E-AAFF-9BA2955F65B3}" type="presOf" srcId="{0F5FC267-C6FA-4018-82E4-6D1E0CF53473}" destId="{31B4494D-E553-4E42-BC59-010A49910B4D}" srcOrd="0" destOrd="0" presId="urn:microsoft.com/office/officeart/2005/8/layout/hierarchy6"/>
+    <dgm:cxn modelId="{F070D942-9F3D-4F57-9CFE-BFC88E7801DA}" type="presOf" srcId="{1B41352A-2EA7-4FF6-9968-BC030163D094}" destId="{B62A4414-83F8-46D3-8330-4FC9C5171295}" srcOrd="0" destOrd="0" presId="urn:microsoft.com/office/officeart/2005/8/layout/hierarchy6"/>
+    <dgm:cxn modelId="{442D9682-DD1F-48FB-B407-434E123177AC}" type="presOf" srcId="{02CFAFD5-A585-4FF0-AD27-9E6537265522}" destId="{A3A32269-1CAF-4DC2-B4D7-72FD83E37B5B}" srcOrd="0" destOrd="0" presId="urn:microsoft.com/office/officeart/2005/8/layout/hierarchy6"/>
+    <dgm:cxn modelId="{B5855E00-4E6E-4E7C-84C8-9CC496C04A8D}" type="presOf" srcId="{2E1BB674-35BC-45BB-9673-67B940055B31}" destId="{05786130-55A6-41D7-9FFE-9F45D3899688}" srcOrd="0" destOrd="0" presId="urn:microsoft.com/office/officeart/2005/8/layout/hierarchy6"/>
+    <dgm:cxn modelId="{630F4EFE-B45A-4F04-A344-E066CF88173B}" type="presOf" srcId="{5F0C85A7-67E4-42A9-A5B9-AB21F3F7D118}" destId="{5150048F-8CE1-41E9-87EB-F85F39971A52}" srcOrd="0" destOrd="0" presId="urn:microsoft.com/office/officeart/2005/8/layout/hierarchy6"/>
+    <dgm:cxn modelId="{B157827E-F4AF-41C0-ACCC-3E51FC913D1A}" type="presParOf" srcId="{34A782E1-AFD9-4879-8F28-FD40976DEF5C}" destId="{23DD04AF-9014-4775-8943-662D040C6072}" srcOrd="0" destOrd="0" presId="urn:microsoft.com/office/officeart/2005/8/layout/hierarchy6"/>
+    <dgm:cxn modelId="{CBD25336-E641-4ED6-B5EC-0330BE95EF49}" type="presParOf" srcId="{23DD04AF-9014-4775-8943-662D040C6072}" destId="{2DDC3670-F275-47DC-83E2-1F7471C2ACC3}" srcOrd="0" destOrd="0" presId="urn:microsoft.com/office/officeart/2005/8/layout/hierarchy6"/>
+    <dgm:cxn modelId="{62DF30C1-3676-4D78-9E5C-93EA7567C6AA}" type="presParOf" srcId="{2DDC3670-F275-47DC-83E2-1F7471C2ACC3}" destId="{6710931F-E719-46E6-A357-D18D0D5670D3}" srcOrd="0" destOrd="0" presId="urn:microsoft.com/office/officeart/2005/8/layout/hierarchy6"/>
+    <dgm:cxn modelId="{1F615504-4A1D-47B5-BDF2-E723737CB2CB}" type="presParOf" srcId="{6710931F-E719-46E6-A357-D18D0D5670D3}" destId="{0EBCFE24-6A1E-417D-87CE-35AF58869832}" srcOrd="0" destOrd="0" presId="urn:microsoft.com/office/officeart/2005/8/layout/hierarchy6"/>
+    <dgm:cxn modelId="{14242CF2-50F2-4C91-98A4-CEDF4CFD8B54}" type="presParOf" srcId="{6710931F-E719-46E6-A357-D18D0D5670D3}" destId="{2997A73F-3005-429C-AE38-27DA9ECE5911}" srcOrd="1" destOrd="0" presId="urn:microsoft.com/office/officeart/2005/8/layout/hierarchy6"/>
+    <dgm:cxn modelId="{5D69F722-4CC8-43B2-BE5B-8194E422EBB0}" type="presParOf" srcId="{2997A73F-3005-429C-AE38-27DA9ECE5911}" destId="{E68F78C2-FCC0-473C-8802-5A0A0CB2C679}" srcOrd="0" destOrd="0" presId="urn:microsoft.com/office/officeart/2005/8/layout/hierarchy6"/>
+    <dgm:cxn modelId="{D6F03FB7-D40D-4739-9ADD-F00FB189B941}" type="presParOf" srcId="{2997A73F-3005-429C-AE38-27DA9ECE5911}" destId="{573EFA02-A1A3-42A6-B675-6629E28A6C40}" srcOrd="1" destOrd="0" presId="urn:microsoft.com/office/officeart/2005/8/layout/hierarchy6"/>
+    <dgm:cxn modelId="{89BB051A-4957-494F-8755-604528D7B1EC}" type="presParOf" srcId="{573EFA02-A1A3-42A6-B675-6629E28A6C40}" destId="{7E20B0C3-8A2C-4390-90B0-51E9C4628327}" srcOrd="0" destOrd="0" presId="urn:microsoft.com/office/officeart/2005/8/layout/hierarchy6"/>
+    <dgm:cxn modelId="{1EDAF51F-F838-4852-B7AE-738527861167}" type="presParOf" srcId="{573EFA02-A1A3-42A6-B675-6629E28A6C40}" destId="{AA30F263-DB2D-41E8-8C49-99FDBD56C26B}" srcOrd="1" destOrd="0" presId="urn:microsoft.com/office/officeart/2005/8/layout/hierarchy6"/>
+    <dgm:cxn modelId="{2A9085FD-4F12-474E-B657-60FBCA0D0AA9}" type="presParOf" srcId="{AA30F263-DB2D-41E8-8C49-99FDBD56C26B}" destId="{1AA2EE3E-A9B5-4A09-AC15-11E53F7E90D0}" srcOrd="0" destOrd="0" presId="urn:microsoft.com/office/officeart/2005/8/layout/hierarchy6"/>
+    <dgm:cxn modelId="{53FB11C3-B380-492A-8A11-74ABBA1C7573}" type="presParOf" srcId="{AA30F263-DB2D-41E8-8C49-99FDBD56C26B}" destId="{56BFD2DC-0FCB-47CF-B324-930B12D99E8E}" srcOrd="1" destOrd="0" presId="urn:microsoft.com/office/officeart/2005/8/layout/hierarchy6"/>
+    <dgm:cxn modelId="{58349ED3-3DA7-4DAF-AE7F-F2D7209CE07A}" type="presParOf" srcId="{56BFD2DC-0FCB-47CF-B324-930B12D99E8E}" destId="{924D7767-3779-4E75-A9D1-B6EF723A406B}" srcOrd="0" destOrd="0" presId="urn:microsoft.com/office/officeart/2005/8/layout/hierarchy6"/>
+    <dgm:cxn modelId="{9D67F1F2-B452-4F22-A8D8-111FB5EEB596}" type="presParOf" srcId="{56BFD2DC-0FCB-47CF-B324-930B12D99E8E}" destId="{B46D0E8E-8CE8-4F6D-B286-24BCA20A3F59}" srcOrd="1" destOrd="0" presId="urn:microsoft.com/office/officeart/2005/8/layout/hierarchy6"/>
+    <dgm:cxn modelId="{E6AF7ADB-462A-426D-9473-EB4C285A94D3}" type="presParOf" srcId="{B46D0E8E-8CE8-4F6D-B286-24BCA20A3F59}" destId="{D963691C-3642-4A13-9D4B-615A02507769}" srcOrd="0" destOrd="0" presId="urn:microsoft.com/office/officeart/2005/8/layout/hierarchy6"/>
+    <dgm:cxn modelId="{0F933BD8-7EA3-4FD0-9A3A-DC005F7BD638}" type="presParOf" srcId="{B46D0E8E-8CE8-4F6D-B286-24BCA20A3F59}" destId="{9DDE8466-7BF0-4BDB-A505-62D45F2E1CD8}" srcOrd="1" destOrd="0" presId="urn:microsoft.com/office/officeart/2005/8/layout/hierarchy6"/>
+    <dgm:cxn modelId="{DD554008-0F21-462E-BE90-E25BBE6C332D}" type="presParOf" srcId="{9DDE8466-7BF0-4BDB-A505-62D45F2E1CD8}" destId="{9310C464-F17A-4EE5-9628-6BEBE30D390D}" srcOrd="0" destOrd="0" presId="urn:microsoft.com/office/officeart/2005/8/layout/hierarchy6"/>
+    <dgm:cxn modelId="{05B62F11-9748-4250-8824-E94D4D054EBE}" type="presParOf" srcId="{9DDE8466-7BF0-4BDB-A505-62D45F2E1CD8}" destId="{E7564212-F97A-4529-902A-40C3C1439554}" srcOrd="1" destOrd="0" presId="urn:microsoft.com/office/officeart/2005/8/layout/hierarchy6"/>
+    <dgm:cxn modelId="{80CDE09E-4651-48BE-ACB5-B7EF42345B85}" type="presParOf" srcId="{E7564212-F97A-4529-902A-40C3C1439554}" destId="{389F7A8F-AE74-4137-84FF-3105FFB8A33B}" srcOrd="0" destOrd="0" presId="urn:microsoft.com/office/officeart/2005/8/layout/hierarchy6"/>
+    <dgm:cxn modelId="{B0DC1EC1-F443-468F-813B-55AF2E5FF586}" type="presParOf" srcId="{E7564212-F97A-4529-902A-40C3C1439554}" destId="{121A9371-EC50-4D03-BCA5-27C85F9D95A5}" srcOrd="1" destOrd="0" presId="urn:microsoft.com/office/officeart/2005/8/layout/hierarchy6"/>
+    <dgm:cxn modelId="{F6DFD99F-3442-4182-A5D8-CC78E8141A28}" type="presParOf" srcId="{121A9371-EC50-4D03-BCA5-27C85F9D95A5}" destId="{99882D7B-548B-49ED-8D25-B2C5E6BB0792}" srcOrd="0" destOrd="0" presId="urn:microsoft.com/office/officeart/2005/8/layout/hierarchy6"/>
+    <dgm:cxn modelId="{928D8ABE-2C50-4C8E-943F-6CA8CA99F321}" type="presParOf" srcId="{121A9371-EC50-4D03-BCA5-27C85F9D95A5}" destId="{90C7DA53-0CF6-4F0E-872A-275EE4669865}" srcOrd="1" destOrd="0" presId="urn:microsoft.com/office/officeart/2005/8/layout/hierarchy6"/>
+    <dgm:cxn modelId="{DFA826F5-2232-48E5-B332-DA82B7AB2C84}" type="presParOf" srcId="{B46D0E8E-8CE8-4F6D-B286-24BCA20A3F59}" destId="{A3A32269-1CAF-4DC2-B4D7-72FD83E37B5B}" srcOrd="2" destOrd="0" presId="urn:microsoft.com/office/officeart/2005/8/layout/hierarchy6"/>
+    <dgm:cxn modelId="{5EC1B11E-10D2-418E-BD28-9FBBF96A1DAF}" type="presParOf" srcId="{B46D0E8E-8CE8-4F6D-B286-24BCA20A3F59}" destId="{B89971CC-77B6-43A3-BA02-4950F0446D79}" srcOrd="3" destOrd="0" presId="urn:microsoft.com/office/officeart/2005/8/layout/hierarchy6"/>
+    <dgm:cxn modelId="{8D023A8B-95AD-4953-83A0-755A9E18A3EF}" type="presParOf" srcId="{B89971CC-77B6-43A3-BA02-4950F0446D79}" destId="{1956AAFF-10E4-4255-8BD5-2F66FE8CA411}" srcOrd="0" destOrd="0" presId="urn:microsoft.com/office/officeart/2005/8/layout/hierarchy6"/>
+    <dgm:cxn modelId="{EFE52EBE-3D0E-45FF-9F2F-CB199EAE1D4A}" type="presParOf" srcId="{B89971CC-77B6-43A3-BA02-4950F0446D79}" destId="{58BEDEDB-438F-460B-AB10-D8B4BC1EF6DC}" srcOrd="1" destOrd="0" presId="urn:microsoft.com/office/officeart/2005/8/layout/hierarchy6"/>
+    <dgm:cxn modelId="{DA77535B-C276-46D1-892E-0418CC540A33}" type="presParOf" srcId="{58BEDEDB-438F-460B-AB10-D8B4BC1EF6DC}" destId="{5150048F-8CE1-41E9-87EB-F85F39971A52}" srcOrd="0" destOrd="0" presId="urn:microsoft.com/office/officeart/2005/8/layout/hierarchy6"/>
+    <dgm:cxn modelId="{564C9499-3C57-445E-9C14-CCE92048CFE3}" type="presParOf" srcId="{58BEDEDB-438F-460B-AB10-D8B4BC1EF6DC}" destId="{EFFB896F-9153-48E6-ABDB-3F570B7A4238}" srcOrd="1" destOrd="0" presId="urn:microsoft.com/office/officeart/2005/8/layout/hierarchy6"/>
+    <dgm:cxn modelId="{93F78E65-9824-485B-B0CF-B01931DBF514}" type="presParOf" srcId="{EFFB896F-9153-48E6-ABDB-3F570B7A4238}" destId="{31B4494D-E553-4E42-BC59-010A49910B4D}" srcOrd="0" destOrd="0" presId="urn:microsoft.com/office/officeart/2005/8/layout/hierarchy6"/>
+    <dgm:cxn modelId="{6EC6E98B-B53A-4888-B483-F268BDBB27D1}" type="presParOf" srcId="{EFFB896F-9153-48E6-ABDB-3F570B7A4238}" destId="{5AB58B1F-59BF-4903-B7AA-4D28032C9775}" srcOrd="1" destOrd="0" presId="urn:microsoft.com/office/officeart/2005/8/layout/hierarchy6"/>
+    <dgm:cxn modelId="{8A88F8F0-1CB2-4903-ADFE-03C828DF2C70}" type="presParOf" srcId="{B46D0E8E-8CE8-4F6D-B286-24BCA20A3F59}" destId="{EB93688B-C590-459D-A823-880B4C0DE7A9}" srcOrd="4" destOrd="0" presId="urn:microsoft.com/office/officeart/2005/8/layout/hierarchy6"/>
+    <dgm:cxn modelId="{1F1CA6C3-E003-4437-AB20-34425808CD9E}" type="presParOf" srcId="{B46D0E8E-8CE8-4F6D-B286-24BCA20A3F59}" destId="{8E767F53-E12B-447F-B855-3F8960579089}" srcOrd="5" destOrd="0" presId="urn:microsoft.com/office/officeart/2005/8/layout/hierarchy6"/>
+    <dgm:cxn modelId="{7797BEAD-853A-4451-97B2-F636D51D8D35}" type="presParOf" srcId="{8E767F53-E12B-447F-B855-3F8960579089}" destId="{98778A9B-C700-42DB-8B31-295727FCB770}" srcOrd="0" destOrd="0" presId="urn:microsoft.com/office/officeart/2005/8/layout/hierarchy6"/>
+    <dgm:cxn modelId="{59E95592-5F61-4639-BBBA-1538C3ABB74C}" type="presParOf" srcId="{8E767F53-E12B-447F-B855-3F8960579089}" destId="{3523AEFA-FF8C-4814-B05D-926C06DFA684}" srcOrd="1" destOrd="0" presId="urn:microsoft.com/office/officeart/2005/8/layout/hierarchy6"/>
+    <dgm:cxn modelId="{2E0631FA-5082-435D-AE39-D8935EFC0AF7}" type="presParOf" srcId="{3523AEFA-FF8C-4814-B05D-926C06DFA684}" destId="{AC8DB091-B58F-49E6-9A89-C4137BD364D0}" srcOrd="0" destOrd="0" presId="urn:microsoft.com/office/officeart/2005/8/layout/hierarchy6"/>
+    <dgm:cxn modelId="{E20D64C0-E14D-4001-9F71-4EDD8084D889}" type="presParOf" srcId="{3523AEFA-FF8C-4814-B05D-926C06DFA684}" destId="{F101C031-9A21-4A48-A92C-60D325E8480E}" srcOrd="1" destOrd="0" presId="urn:microsoft.com/office/officeart/2005/8/layout/hierarchy6"/>
+    <dgm:cxn modelId="{B744CE32-0532-421C-9EDC-7469895EE100}" type="presParOf" srcId="{F101C031-9A21-4A48-A92C-60D325E8480E}" destId="{B288F2FA-C717-48A3-A9F5-9FC1E4AF394C}" srcOrd="0" destOrd="0" presId="urn:microsoft.com/office/officeart/2005/8/layout/hierarchy6"/>
+    <dgm:cxn modelId="{2AF5C2F9-6EF7-436A-BD8D-C103077F30A1}" type="presParOf" srcId="{F101C031-9A21-4A48-A92C-60D325E8480E}" destId="{E19C5927-C0C2-4D3F-9EB8-BB1397081298}" srcOrd="1" destOrd="0" presId="urn:microsoft.com/office/officeart/2005/8/layout/hierarchy6"/>
+    <dgm:cxn modelId="{D2C3D126-0F73-44EB-ADE2-057EC37C4BDB}" type="presParOf" srcId="{B46D0E8E-8CE8-4F6D-B286-24BCA20A3F59}" destId="{9C7D0A91-8C5C-4FD7-8EB9-A2426F718068}" srcOrd="6" destOrd="0" presId="urn:microsoft.com/office/officeart/2005/8/layout/hierarchy6"/>
+    <dgm:cxn modelId="{ADFADEB8-5EC6-431F-869E-A794666A2952}" type="presParOf" srcId="{B46D0E8E-8CE8-4F6D-B286-24BCA20A3F59}" destId="{A2E9B3DE-C94A-428E-B973-3A8E970DAF21}" srcOrd="7" destOrd="0" presId="urn:microsoft.com/office/officeart/2005/8/layout/hierarchy6"/>
+    <dgm:cxn modelId="{6290B346-D05A-4735-B088-6863681F950B}" type="presParOf" srcId="{A2E9B3DE-C94A-428E-B973-3A8E970DAF21}" destId="{05786130-55A6-41D7-9FFE-9F45D3899688}" srcOrd="0" destOrd="0" presId="urn:microsoft.com/office/officeart/2005/8/layout/hierarchy6"/>
+    <dgm:cxn modelId="{7566D4AA-5D52-4186-8829-F982A7DB910E}" type="presParOf" srcId="{A2E9B3DE-C94A-428E-B973-3A8E970DAF21}" destId="{8E050C95-0C76-4AA8-8EDE-92336EEEF6D9}" srcOrd="1" destOrd="0" presId="urn:microsoft.com/office/officeart/2005/8/layout/hierarchy6"/>
+    <dgm:cxn modelId="{58A8C192-7C9B-4C82-9543-BC62B585F123}" type="presParOf" srcId="{8E050C95-0C76-4AA8-8EDE-92336EEEF6D9}" destId="{F8775318-346A-4AC7-9707-6144772C35D5}" srcOrd="0" destOrd="0" presId="urn:microsoft.com/office/officeart/2005/8/layout/hierarchy6"/>
+    <dgm:cxn modelId="{95159606-68B2-4E80-9574-909DD291B404}" type="presParOf" srcId="{8E050C95-0C76-4AA8-8EDE-92336EEEF6D9}" destId="{EA90AA85-5CE8-4F16-A5AB-ECA0363D71C3}" srcOrd="1" destOrd="0" presId="urn:microsoft.com/office/officeart/2005/8/layout/hierarchy6"/>
+    <dgm:cxn modelId="{012ECF17-B932-4C4C-86A6-75F1D64F6F97}" type="presParOf" srcId="{EA90AA85-5CE8-4F16-A5AB-ECA0363D71C3}" destId="{B62A4414-83F8-46D3-8330-4FC9C5171295}" srcOrd="0" destOrd="0" presId="urn:microsoft.com/office/officeart/2005/8/layout/hierarchy6"/>
+    <dgm:cxn modelId="{0515D73D-E853-4776-8432-F921467E6C0C}" type="presParOf" srcId="{EA90AA85-5CE8-4F16-A5AB-ECA0363D71C3}" destId="{F04AAB42-79E9-4408-9DF1-7F6544ABED4C}" srcOrd="1" destOrd="0" presId="urn:microsoft.com/office/officeart/2005/8/layout/hierarchy6"/>
+    <dgm:cxn modelId="{A88052CB-19E0-4A79-A58C-37AF6C262D38}" type="presParOf" srcId="{B46D0E8E-8CE8-4F6D-B286-24BCA20A3F59}" destId="{D52E9823-1814-4F22-988A-F8D4598EB50D}" srcOrd="8" destOrd="0" presId="urn:microsoft.com/office/officeart/2005/8/layout/hierarchy6"/>
+    <dgm:cxn modelId="{15AA4F5A-D0B9-40AC-BF7D-172D30D63538}" type="presParOf" srcId="{B46D0E8E-8CE8-4F6D-B286-24BCA20A3F59}" destId="{0A2406BF-19C9-47A8-B942-0A6D36760DBB}" srcOrd="9" destOrd="0" presId="urn:microsoft.com/office/officeart/2005/8/layout/hierarchy6"/>
+    <dgm:cxn modelId="{33F227E3-409E-4745-B320-6431281D3EF0}" type="presParOf" srcId="{0A2406BF-19C9-47A8-B942-0A6D36760DBB}" destId="{8C7EEA08-EF08-4AD9-9C21-35B928AE57CA}" srcOrd="0" destOrd="0" presId="urn:microsoft.com/office/officeart/2005/8/layout/hierarchy6"/>
+    <dgm:cxn modelId="{4E3A07B7-90C4-4182-897F-263A926875E9}" type="presParOf" srcId="{0A2406BF-19C9-47A8-B942-0A6D36760DBB}" destId="{42BB810A-2FD8-477C-94AA-C10AF5965FDF}" srcOrd="1" destOrd="0" presId="urn:microsoft.com/office/officeart/2005/8/layout/hierarchy6"/>
+    <dgm:cxn modelId="{8BBA7E43-2EAC-402F-B9DC-72A580C11E4B}" type="presParOf" srcId="{42BB810A-2FD8-477C-94AA-C10AF5965FDF}" destId="{E5CAF7CA-E25C-4C1C-B864-8B33F7D31AAE}" srcOrd="0" destOrd="0" presId="urn:microsoft.com/office/officeart/2005/8/layout/hierarchy6"/>
+    <dgm:cxn modelId="{EEE55D67-3F7F-4B7A-9694-2CD82B422B8C}" type="presParOf" srcId="{42BB810A-2FD8-477C-94AA-C10AF5965FDF}" destId="{FE480ED2-5B2E-42FA-AE25-A526B7F79718}" srcOrd="1" destOrd="0" presId="urn:microsoft.com/office/officeart/2005/8/layout/hierarchy6"/>
+    <dgm:cxn modelId="{EB1B3989-BA29-48DC-90AF-2495A468A0BD}" type="presParOf" srcId="{FE480ED2-5B2E-42FA-AE25-A526B7F79718}" destId="{2122F150-D109-449A-8204-7E319E4F5DAA}" srcOrd="0" destOrd="0" presId="urn:microsoft.com/office/officeart/2005/8/layout/hierarchy6"/>
+    <dgm:cxn modelId="{77689832-1716-461B-AF97-7D4E42735F37}" type="presParOf" srcId="{FE480ED2-5B2E-42FA-AE25-A526B7F79718}" destId="{A0473C42-314D-403D-A4CB-DF24F9FA9AE5}" srcOrd="1" destOrd="0" presId="urn:microsoft.com/office/officeart/2005/8/layout/hierarchy6"/>
+    <dgm:cxn modelId="{6BE77803-2D78-4A9F-AEEA-3E613322353E}" type="presParOf" srcId="{34A782E1-AFD9-4879-8F28-FD40976DEF5C}" destId="{A2E46B28-3E1D-45F8-8E4E-C12F034EA690}" srcOrd="1" destOrd="0" presId="urn:microsoft.com/office/officeart/2005/8/layout/hierarchy6"/>
   </dgm:cxnLst>
   <dgm:bg/>
   <dgm:whole/>
@@ -1800,11 +3689,7 @@
           </a:pPr>
           <a:r>
             <a:rPr lang="ro-RO" sz="2900" kern="1200" dirty="0" smtClean="0"/>
-            <a:t>Dispozitiv </a:t>
-          </a:r>
-          <a:r>
-            <a:rPr lang="ro-RO" sz="2900" kern="1200" dirty="0" smtClean="0"/>
-            <a:t>2</a:t>
+            <a:t>Dispozitiv 2</a:t>
           </a:r>
           <a:endParaRPr lang="en-US" sz="2900" kern="1200" dirty="0"/>
         </a:p>
@@ -1968,7 +3853,2311 @@
 </dsp:drawing>
 </file>
 
+<file path=ppt/diagrams/drawing2.xml><?xml version="1.0" encoding="utf-8"?>
+<dsp:drawing xmlns:dgm="http://schemas.openxmlformats.org/drawingml/2006/diagram" xmlns:dsp="http://schemas.microsoft.com/office/drawing/2008/diagram" xmlns:a="http://schemas.openxmlformats.org/drawingml/2006/main">
+  <dsp:spTree>
+    <dsp:nvGrpSpPr>
+      <dsp:cNvPr id="0" name=""/>
+      <dsp:cNvGrpSpPr/>
+    </dsp:nvGrpSpPr>
+    <dsp:grpSpPr/>
+    <dsp:sp modelId="{0EBCFE24-6A1E-417D-87CE-35AF58869832}">
+      <dsp:nvSpPr>
+        <dsp:cNvPr id="0" name=""/>
+        <dsp:cNvSpPr/>
+      </dsp:nvSpPr>
+      <dsp:spPr>
+        <a:xfrm>
+          <a:off x="4389946" y="308221"/>
+          <a:ext cx="1686598" cy="1124398"/>
+        </a:xfrm>
+        <a:prstGeom prst="roundRect">
+          <a:avLst>
+            <a:gd name="adj" fmla="val 10000"/>
+          </a:avLst>
+        </a:prstGeom>
+        <a:solidFill>
+          <a:schemeClr val="accent5"/>
+        </a:solidFill>
+        <a:ln w="19050" cap="flat" cmpd="sng" algn="ctr">
+          <a:solidFill>
+            <a:schemeClr val="lt1"/>
+          </a:solidFill>
+          <a:prstDash val="solid"/>
+          <a:miter lim="800000"/>
+        </a:ln>
+        <a:effectLst/>
+      </dsp:spPr>
+      <dsp:style>
+        <a:lnRef idx="3">
+          <a:schemeClr val="lt1"/>
+        </a:lnRef>
+        <a:fillRef idx="1">
+          <a:schemeClr val="accent5"/>
+        </a:fillRef>
+        <a:effectRef idx="1">
+          <a:schemeClr val="accent5"/>
+        </a:effectRef>
+        <a:fontRef idx="minor">
+          <a:schemeClr val="lt1"/>
+        </a:fontRef>
+      </dsp:style>
+      <dsp:txBody>
+        <a:bodyPr spcFirstLastPara="0" vert="horz" wrap="square" lIns="91440" tIns="91440" rIns="91440" bIns="91440" numCol="1" spcCol="1270" anchor="ctr" anchorCtr="0">
+          <a:noAutofit/>
+        </a:bodyPr>
+        <a:lstStyle/>
+        <a:p>
+          <a:pPr lvl="0" algn="ctr" defTabSz="1066800">
+            <a:lnSpc>
+              <a:spcPct val="90000"/>
+            </a:lnSpc>
+            <a:spcBef>
+              <a:spcPct val="0"/>
+            </a:spcBef>
+            <a:spcAft>
+              <a:spcPct val="35000"/>
+            </a:spcAft>
+          </a:pPr>
+          <a:r>
+            <a:rPr lang="ro-RO" sz="2400" kern="1200" dirty="0" smtClean="0"/>
+            <a:t>Aplicație Client</a:t>
+          </a:r>
+          <a:endParaRPr lang="en-US" sz="2400" kern="1200" dirty="0"/>
+        </a:p>
+      </dsp:txBody>
+      <dsp:txXfrm>
+        <a:off x="4422878" y="341153"/>
+        <a:ext cx="1620734" cy="1058534"/>
+      </dsp:txXfrm>
+    </dsp:sp>
+    <dsp:sp modelId="{E68F78C2-FCC0-473C-8802-5A0A0CB2C679}">
+      <dsp:nvSpPr>
+        <dsp:cNvPr id="0" name=""/>
+        <dsp:cNvSpPr/>
+      </dsp:nvSpPr>
+      <dsp:spPr>
+        <a:xfrm>
+          <a:off x="5187525" y="1432620"/>
+          <a:ext cx="91440" cy="449759"/>
+        </a:xfrm>
+        <a:custGeom>
+          <a:avLst/>
+          <a:gdLst/>
+          <a:ahLst/>
+          <a:cxnLst/>
+          <a:rect l="0" t="0" r="0" b="0"/>
+          <a:pathLst>
+            <a:path>
+              <a:moveTo>
+                <a:pt x="45720" y="0"/>
+              </a:moveTo>
+              <a:lnTo>
+                <a:pt x="45720" y="449759"/>
+              </a:lnTo>
+            </a:path>
+          </a:pathLst>
+        </a:custGeom>
+        <a:noFill/>
+        <a:ln w="12700" cap="flat" cmpd="sng" algn="ctr">
+          <a:solidFill>
+            <a:schemeClr val="accent1">
+              <a:shade val="60000"/>
+              <a:hueOff val="0"/>
+              <a:satOff val="0"/>
+              <a:lumOff val="0"/>
+              <a:alphaOff val="0"/>
+            </a:schemeClr>
+          </a:solidFill>
+          <a:prstDash val="solid"/>
+          <a:miter lim="800000"/>
+        </a:ln>
+        <a:effectLst/>
+      </dsp:spPr>
+      <dsp:style>
+        <a:lnRef idx="2">
+          <a:scrgbClr r="0" g="0" b="0"/>
+        </a:lnRef>
+        <a:fillRef idx="0">
+          <a:scrgbClr r="0" g="0" b="0"/>
+        </a:fillRef>
+        <a:effectRef idx="0">
+          <a:scrgbClr r="0" g="0" b="0"/>
+        </a:effectRef>
+        <a:fontRef idx="minor"/>
+      </dsp:style>
+    </dsp:sp>
+    <dsp:sp modelId="{7E20B0C3-8A2C-4390-90B0-51E9C4628327}">
+      <dsp:nvSpPr>
+        <dsp:cNvPr id="0" name=""/>
+        <dsp:cNvSpPr/>
+      </dsp:nvSpPr>
+      <dsp:spPr>
+        <a:xfrm>
+          <a:off x="4389946" y="1882380"/>
+          <a:ext cx="1686598" cy="1124398"/>
+        </a:xfrm>
+        <a:prstGeom prst="roundRect">
+          <a:avLst>
+            <a:gd name="adj" fmla="val 10000"/>
+          </a:avLst>
+        </a:prstGeom>
+        <a:solidFill>
+          <a:schemeClr val="accent6"/>
+        </a:solidFill>
+        <a:ln w="19050" cap="flat" cmpd="sng" algn="ctr">
+          <a:solidFill>
+            <a:schemeClr val="lt1"/>
+          </a:solidFill>
+          <a:prstDash val="solid"/>
+          <a:miter lim="800000"/>
+        </a:ln>
+        <a:effectLst/>
+      </dsp:spPr>
+      <dsp:style>
+        <a:lnRef idx="3">
+          <a:schemeClr val="lt1"/>
+        </a:lnRef>
+        <a:fillRef idx="1">
+          <a:schemeClr val="accent6"/>
+        </a:fillRef>
+        <a:effectRef idx="1">
+          <a:schemeClr val="accent6"/>
+        </a:effectRef>
+        <a:fontRef idx="minor">
+          <a:schemeClr val="lt1"/>
+        </a:fontRef>
+      </dsp:style>
+      <dsp:txBody>
+        <a:bodyPr spcFirstLastPara="0" vert="horz" wrap="square" lIns="91440" tIns="91440" rIns="91440" bIns="91440" numCol="1" spcCol="1270" anchor="ctr" anchorCtr="0">
+          <a:noAutofit/>
+        </a:bodyPr>
+        <a:lstStyle/>
+        <a:p>
+          <a:pPr lvl="0" algn="ctr" defTabSz="1066800">
+            <a:lnSpc>
+              <a:spcPct val="90000"/>
+            </a:lnSpc>
+            <a:spcBef>
+              <a:spcPct val="0"/>
+            </a:spcBef>
+            <a:spcAft>
+              <a:spcPct val="35000"/>
+            </a:spcAft>
+          </a:pPr>
+          <a:r>
+            <a:rPr lang="ro-RO" sz="2400" kern="1200" dirty="0" smtClean="0"/>
+            <a:t>Aplicație Server</a:t>
+          </a:r>
+          <a:endParaRPr lang="en-US" sz="2400" kern="1200" dirty="0"/>
+        </a:p>
+      </dsp:txBody>
+      <dsp:txXfrm>
+        <a:off x="4422878" y="1915312"/>
+        <a:ext cx="1620734" cy="1058534"/>
+      </dsp:txXfrm>
+    </dsp:sp>
+    <dsp:sp modelId="{1AA2EE3E-A9B5-4A09-AC15-11E53F7E90D0}">
+      <dsp:nvSpPr>
+        <dsp:cNvPr id="0" name=""/>
+        <dsp:cNvSpPr/>
+      </dsp:nvSpPr>
+      <dsp:spPr>
+        <a:xfrm>
+          <a:off x="5187525" y="3006779"/>
+          <a:ext cx="91440" cy="413081"/>
+        </a:xfrm>
+        <a:custGeom>
+          <a:avLst/>
+          <a:gdLst/>
+          <a:ahLst/>
+          <a:cxnLst/>
+          <a:rect l="0" t="0" r="0" b="0"/>
+          <a:pathLst>
+            <a:path>
+              <a:moveTo>
+                <a:pt x="45720" y="0"/>
+              </a:moveTo>
+              <a:lnTo>
+                <a:pt x="45720" y="413081"/>
+              </a:lnTo>
+            </a:path>
+          </a:pathLst>
+        </a:custGeom>
+        <a:noFill/>
+        <a:ln w="12700" cap="flat" cmpd="sng" algn="ctr">
+          <a:solidFill>
+            <a:schemeClr val="accent1">
+              <a:shade val="80000"/>
+              <a:hueOff val="0"/>
+              <a:satOff val="0"/>
+              <a:lumOff val="0"/>
+              <a:alphaOff val="0"/>
+            </a:schemeClr>
+          </a:solidFill>
+          <a:prstDash val="solid"/>
+          <a:miter lim="800000"/>
+        </a:ln>
+        <a:effectLst/>
+      </dsp:spPr>
+      <dsp:style>
+        <a:lnRef idx="2">
+          <a:scrgbClr r="0" g="0" b="0"/>
+        </a:lnRef>
+        <a:fillRef idx="0">
+          <a:scrgbClr r="0" g="0" b="0"/>
+        </a:fillRef>
+        <a:effectRef idx="0">
+          <a:scrgbClr r="0" g="0" b="0"/>
+        </a:effectRef>
+        <a:fontRef idx="minor"/>
+      </dsp:style>
+    </dsp:sp>
+    <dsp:sp modelId="{924D7767-3779-4E75-A9D1-B6EF723A406B}">
+      <dsp:nvSpPr>
+        <dsp:cNvPr id="0" name=""/>
+        <dsp:cNvSpPr/>
+      </dsp:nvSpPr>
+      <dsp:spPr>
+        <a:xfrm>
+          <a:off x="4145903" y="3419861"/>
+          <a:ext cx="2174683" cy="548268"/>
+        </a:xfrm>
+        <a:prstGeom prst="roundRect">
+          <a:avLst>
+            <a:gd name="adj" fmla="val 10000"/>
+          </a:avLst>
+        </a:prstGeom>
+        <a:solidFill>
+          <a:schemeClr val="accent3"/>
+        </a:solidFill>
+        <a:ln w="19050" cap="flat" cmpd="sng" algn="ctr">
+          <a:solidFill>
+            <a:schemeClr val="lt1"/>
+          </a:solidFill>
+          <a:prstDash val="solid"/>
+          <a:miter lim="800000"/>
+        </a:ln>
+        <a:effectLst/>
+      </dsp:spPr>
+      <dsp:style>
+        <a:lnRef idx="3">
+          <a:schemeClr val="lt1"/>
+        </a:lnRef>
+        <a:fillRef idx="1">
+          <a:schemeClr val="accent3"/>
+        </a:fillRef>
+        <a:effectRef idx="1">
+          <a:schemeClr val="accent3"/>
+        </a:effectRef>
+        <a:fontRef idx="minor">
+          <a:schemeClr val="lt1"/>
+        </a:fontRef>
+      </dsp:style>
+      <dsp:txBody>
+        <a:bodyPr spcFirstLastPara="0" vert="horz" wrap="square" lIns="91440" tIns="91440" rIns="91440" bIns="91440" numCol="1" spcCol="1270" anchor="ctr" anchorCtr="0">
+          <a:noAutofit/>
+        </a:bodyPr>
+        <a:lstStyle/>
+        <a:p>
+          <a:pPr lvl="0" algn="ctr" defTabSz="1066800">
+            <a:lnSpc>
+              <a:spcPct val="90000"/>
+            </a:lnSpc>
+            <a:spcBef>
+              <a:spcPct val="0"/>
+            </a:spcBef>
+            <a:spcAft>
+              <a:spcPct val="35000"/>
+            </a:spcAft>
+          </a:pPr>
+          <a:r>
+            <a:rPr lang="ro-RO" sz="2400" kern="1200" dirty="0" smtClean="0"/>
+            <a:t>Raspberry Pi</a:t>
+          </a:r>
+          <a:endParaRPr lang="en-US" sz="2400" kern="1200" dirty="0"/>
+        </a:p>
+      </dsp:txBody>
+      <dsp:txXfrm>
+        <a:off x="4161961" y="3435919"/>
+        <a:ext cx="2142567" cy="516152"/>
+      </dsp:txXfrm>
+    </dsp:sp>
+    <dsp:sp modelId="{D963691C-3642-4A13-9D4B-615A02507769}">
+      <dsp:nvSpPr>
+        <dsp:cNvPr id="0" name=""/>
+        <dsp:cNvSpPr/>
+      </dsp:nvSpPr>
+      <dsp:spPr>
+        <a:xfrm>
+          <a:off x="848410" y="3968129"/>
+          <a:ext cx="4384835" cy="486437"/>
+        </a:xfrm>
+        <a:custGeom>
+          <a:avLst/>
+          <a:gdLst/>
+          <a:ahLst/>
+          <a:cxnLst/>
+          <a:rect l="0" t="0" r="0" b="0"/>
+          <a:pathLst>
+            <a:path>
+              <a:moveTo>
+                <a:pt x="4384835" y="0"/>
+              </a:moveTo>
+              <a:lnTo>
+                <a:pt x="4384835" y="243218"/>
+              </a:lnTo>
+              <a:lnTo>
+                <a:pt x="0" y="243218"/>
+              </a:lnTo>
+              <a:lnTo>
+                <a:pt x="0" y="486437"/>
+              </a:lnTo>
+            </a:path>
+          </a:pathLst>
+        </a:custGeom>
+        <a:noFill/>
+        <a:ln w="12700" cap="flat" cmpd="sng" algn="ctr">
+          <a:solidFill>
+            <a:schemeClr val="accent1">
+              <a:shade val="80000"/>
+              <a:hueOff val="0"/>
+              <a:satOff val="0"/>
+              <a:lumOff val="0"/>
+              <a:alphaOff val="0"/>
+            </a:schemeClr>
+          </a:solidFill>
+          <a:prstDash val="solid"/>
+          <a:miter lim="800000"/>
+        </a:ln>
+        <a:effectLst/>
+      </dsp:spPr>
+      <dsp:style>
+        <a:lnRef idx="2">
+          <a:scrgbClr r="0" g="0" b="0"/>
+        </a:lnRef>
+        <a:fillRef idx="0">
+          <a:scrgbClr r="0" g="0" b="0"/>
+        </a:fillRef>
+        <a:effectRef idx="0">
+          <a:scrgbClr r="0" g="0" b="0"/>
+        </a:effectRef>
+        <a:fontRef idx="minor"/>
+      </dsp:style>
+    </dsp:sp>
+    <dsp:sp modelId="{9310C464-F17A-4EE5-9628-6BEBE30D390D}">
+      <dsp:nvSpPr>
+        <dsp:cNvPr id="0" name=""/>
+        <dsp:cNvSpPr/>
+      </dsp:nvSpPr>
+      <dsp:spPr>
+        <a:xfrm>
+          <a:off x="236082" y="4454566"/>
+          <a:ext cx="1224655" cy="502763"/>
+        </a:xfrm>
+        <a:prstGeom prst="roundRect">
+          <a:avLst>
+            <a:gd name="adj" fmla="val 10000"/>
+          </a:avLst>
+        </a:prstGeom>
+        <a:solidFill>
+          <a:schemeClr val="accent1">
+            <a:hueOff val="0"/>
+            <a:satOff val="0"/>
+            <a:lumOff val="0"/>
+            <a:alphaOff val="0"/>
+          </a:schemeClr>
+        </a:solidFill>
+        <a:ln w="12700" cap="flat" cmpd="sng" algn="ctr">
+          <a:solidFill>
+            <a:schemeClr val="lt1">
+              <a:hueOff val="0"/>
+              <a:satOff val="0"/>
+              <a:lumOff val="0"/>
+              <a:alphaOff val="0"/>
+            </a:schemeClr>
+          </a:solidFill>
+          <a:prstDash val="solid"/>
+          <a:miter lim="800000"/>
+        </a:ln>
+        <a:effectLst/>
+      </dsp:spPr>
+      <dsp:style>
+        <a:lnRef idx="2">
+          <a:scrgbClr r="0" g="0" b="0"/>
+        </a:lnRef>
+        <a:fillRef idx="1">
+          <a:scrgbClr r="0" g="0" b="0"/>
+        </a:fillRef>
+        <a:effectRef idx="0">
+          <a:scrgbClr r="0" g="0" b="0"/>
+        </a:effectRef>
+        <a:fontRef idx="minor">
+          <a:schemeClr val="lt1"/>
+        </a:fontRef>
+      </dsp:style>
+      <dsp:txBody>
+        <a:bodyPr spcFirstLastPara="0" vert="horz" wrap="square" lIns="60960" tIns="60960" rIns="60960" bIns="60960" numCol="1" spcCol="1270" anchor="ctr" anchorCtr="0">
+          <a:noAutofit/>
+        </a:bodyPr>
+        <a:lstStyle/>
+        <a:p>
+          <a:pPr lvl="0" algn="ctr" defTabSz="711200">
+            <a:lnSpc>
+              <a:spcPct val="90000"/>
+            </a:lnSpc>
+            <a:spcBef>
+              <a:spcPct val="0"/>
+            </a:spcBef>
+            <a:spcAft>
+              <a:spcPct val="35000"/>
+            </a:spcAft>
+          </a:pPr>
+          <a:r>
+            <a:rPr lang="ro-RO" sz="1600" kern="1200" dirty="0" smtClean="0"/>
+            <a:t>Dispozitiv</a:t>
+          </a:r>
+          <a:endParaRPr lang="en-US" sz="1600" kern="1200" dirty="0"/>
+        </a:p>
+      </dsp:txBody>
+      <dsp:txXfrm>
+        <a:off x="250807" y="4469291"/>
+        <a:ext cx="1195205" cy="473313"/>
+      </dsp:txXfrm>
+    </dsp:sp>
+    <dsp:sp modelId="{389F7A8F-AE74-4137-84FF-3105FFB8A33B}">
+      <dsp:nvSpPr>
+        <dsp:cNvPr id="0" name=""/>
+        <dsp:cNvSpPr/>
+      </dsp:nvSpPr>
+      <dsp:spPr>
+        <a:xfrm>
+          <a:off x="802690" y="4957330"/>
+          <a:ext cx="91440" cy="449759"/>
+        </a:xfrm>
+        <a:custGeom>
+          <a:avLst/>
+          <a:gdLst/>
+          <a:ahLst/>
+          <a:cxnLst/>
+          <a:rect l="0" t="0" r="0" b="0"/>
+          <a:pathLst>
+            <a:path>
+              <a:moveTo>
+                <a:pt x="45720" y="0"/>
+              </a:moveTo>
+              <a:lnTo>
+                <a:pt x="45720" y="449759"/>
+              </a:lnTo>
+            </a:path>
+          </a:pathLst>
+        </a:custGeom>
+        <a:noFill/>
+        <a:ln w="12700" cap="flat" cmpd="sng" algn="ctr">
+          <a:solidFill>
+            <a:schemeClr val="accent1">
+              <a:shade val="80000"/>
+              <a:hueOff val="0"/>
+              <a:satOff val="0"/>
+              <a:lumOff val="0"/>
+              <a:alphaOff val="0"/>
+            </a:schemeClr>
+          </a:solidFill>
+          <a:prstDash val="solid"/>
+          <a:miter lim="800000"/>
+        </a:ln>
+        <a:effectLst/>
+      </dsp:spPr>
+      <dsp:style>
+        <a:lnRef idx="2">
+          <a:scrgbClr r="0" g="0" b="0"/>
+        </a:lnRef>
+        <a:fillRef idx="0">
+          <a:scrgbClr r="0" g="0" b="0"/>
+        </a:fillRef>
+        <a:effectRef idx="0">
+          <a:scrgbClr r="0" g="0" b="0"/>
+        </a:effectRef>
+        <a:fontRef idx="minor"/>
+      </dsp:style>
+    </dsp:sp>
+    <dsp:sp modelId="{99882D7B-548B-49ED-8D25-B2C5E6BB0792}">
+      <dsp:nvSpPr>
+        <dsp:cNvPr id="0" name=""/>
+        <dsp:cNvSpPr/>
+      </dsp:nvSpPr>
+      <dsp:spPr>
+        <a:xfrm>
+          <a:off x="5110" y="5407090"/>
+          <a:ext cx="1686598" cy="1124398"/>
+        </a:xfrm>
+        <a:prstGeom prst="roundRect">
+          <a:avLst>
+            <a:gd name="adj" fmla="val 10000"/>
+          </a:avLst>
+        </a:prstGeom>
+        <a:gradFill rotWithShape="1">
+          <a:gsLst>
+            <a:gs pos="0">
+              <a:schemeClr val="accent3">
+                <a:satMod val="103000"/>
+                <a:lumMod val="102000"/>
+                <a:tint val="94000"/>
+              </a:schemeClr>
+            </a:gs>
+            <a:gs pos="50000">
+              <a:schemeClr val="accent3">
+                <a:satMod val="110000"/>
+                <a:lumMod val="100000"/>
+                <a:shade val="100000"/>
+              </a:schemeClr>
+            </a:gs>
+            <a:gs pos="100000">
+              <a:schemeClr val="accent3">
+                <a:lumMod val="99000"/>
+                <a:satMod val="120000"/>
+                <a:shade val="78000"/>
+              </a:schemeClr>
+            </a:gs>
+          </a:gsLst>
+          <a:lin ang="5400000" scaled="0"/>
+        </a:gradFill>
+        <a:ln w="6350" cap="flat" cmpd="sng" algn="ctr">
+          <a:solidFill>
+            <a:schemeClr val="accent3"/>
+          </a:solidFill>
+          <a:prstDash val="solid"/>
+          <a:miter lim="800000"/>
+        </a:ln>
+        <a:effectLst/>
+      </dsp:spPr>
+      <dsp:style>
+        <a:lnRef idx="1">
+          <a:schemeClr val="accent3"/>
+        </a:lnRef>
+        <a:fillRef idx="3">
+          <a:schemeClr val="accent3"/>
+        </a:fillRef>
+        <a:effectRef idx="2">
+          <a:schemeClr val="accent3"/>
+        </a:effectRef>
+        <a:fontRef idx="minor">
+          <a:schemeClr val="lt1"/>
+        </a:fontRef>
+      </dsp:style>
+      <dsp:txBody>
+        <a:bodyPr spcFirstLastPara="0" vert="horz" wrap="square" lIns="91440" tIns="91440" rIns="91440" bIns="91440" numCol="1" spcCol="1270" anchor="ctr" anchorCtr="0">
+          <a:noAutofit/>
+        </a:bodyPr>
+        <a:lstStyle/>
+        <a:p>
+          <a:pPr lvl="0" algn="ctr" defTabSz="1066800">
+            <a:lnSpc>
+              <a:spcPct val="90000"/>
+            </a:lnSpc>
+            <a:spcBef>
+              <a:spcPct val="0"/>
+            </a:spcBef>
+            <a:spcAft>
+              <a:spcPct val="35000"/>
+            </a:spcAft>
+          </a:pPr>
+          <a:r>
+            <a:rPr lang="ro-RO" sz="2400" kern="1200" dirty="0" smtClean="0"/>
+            <a:t>Bec</a:t>
+          </a:r>
+          <a:endParaRPr lang="en-US" sz="2400" kern="1200" dirty="0"/>
+        </a:p>
+      </dsp:txBody>
+      <dsp:txXfrm>
+        <a:off x="38042" y="5440022"/>
+        <a:ext cx="1620734" cy="1058534"/>
+      </dsp:txXfrm>
+    </dsp:sp>
+    <dsp:sp modelId="{A3A32269-1CAF-4DC2-B4D7-72FD83E37B5B}">
+      <dsp:nvSpPr>
+        <dsp:cNvPr id="0" name=""/>
+        <dsp:cNvSpPr/>
+      </dsp:nvSpPr>
+      <dsp:spPr>
+        <a:xfrm>
+          <a:off x="3040988" y="3968129"/>
+          <a:ext cx="2192257" cy="486437"/>
+        </a:xfrm>
+        <a:custGeom>
+          <a:avLst/>
+          <a:gdLst/>
+          <a:ahLst/>
+          <a:cxnLst/>
+          <a:rect l="0" t="0" r="0" b="0"/>
+          <a:pathLst>
+            <a:path>
+              <a:moveTo>
+                <a:pt x="2192257" y="0"/>
+              </a:moveTo>
+              <a:lnTo>
+                <a:pt x="2192257" y="243218"/>
+              </a:lnTo>
+              <a:lnTo>
+                <a:pt x="0" y="243218"/>
+              </a:lnTo>
+              <a:lnTo>
+                <a:pt x="0" y="486437"/>
+              </a:lnTo>
+            </a:path>
+          </a:pathLst>
+        </a:custGeom>
+        <a:noFill/>
+        <a:ln w="12700" cap="flat" cmpd="sng" algn="ctr">
+          <a:solidFill>
+            <a:schemeClr val="accent1">
+              <a:shade val="80000"/>
+              <a:hueOff val="0"/>
+              <a:satOff val="0"/>
+              <a:lumOff val="0"/>
+              <a:alphaOff val="0"/>
+            </a:schemeClr>
+          </a:solidFill>
+          <a:prstDash val="solid"/>
+          <a:miter lim="800000"/>
+        </a:ln>
+        <a:effectLst/>
+      </dsp:spPr>
+      <dsp:style>
+        <a:lnRef idx="2">
+          <a:scrgbClr r="0" g="0" b="0"/>
+        </a:lnRef>
+        <a:fillRef idx="0">
+          <a:scrgbClr r="0" g="0" b="0"/>
+        </a:fillRef>
+        <a:effectRef idx="0">
+          <a:scrgbClr r="0" g="0" b="0"/>
+        </a:effectRef>
+        <a:fontRef idx="minor"/>
+      </dsp:style>
+    </dsp:sp>
+    <dsp:sp modelId="{1956AAFF-10E4-4255-8BD5-2F66FE8CA411}">
+      <dsp:nvSpPr>
+        <dsp:cNvPr id="0" name=""/>
+        <dsp:cNvSpPr/>
+      </dsp:nvSpPr>
+      <dsp:spPr>
+        <a:xfrm>
+          <a:off x="2429300" y="4454566"/>
+          <a:ext cx="1223374" cy="499547"/>
+        </a:xfrm>
+        <a:prstGeom prst="roundRect">
+          <a:avLst>
+            <a:gd name="adj" fmla="val 10000"/>
+          </a:avLst>
+        </a:prstGeom>
+        <a:solidFill>
+          <a:schemeClr val="accent1">
+            <a:hueOff val="0"/>
+            <a:satOff val="0"/>
+            <a:lumOff val="0"/>
+            <a:alphaOff val="0"/>
+          </a:schemeClr>
+        </a:solidFill>
+        <a:ln w="12700" cap="flat" cmpd="sng" algn="ctr">
+          <a:solidFill>
+            <a:schemeClr val="lt1">
+              <a:hueOff val="0"/>
+              <a:satOff val="0"/>
+              <a:lumOff val="0"/>
+              <a:alphaOff val="0"/>
+            </a:schemeClr>
+          </a:solidFill>
+          <a:prstDash val="solid"/>
+          <a:miter lim="800000"/>
+        </a:ln>
+        <a:effectLst/>
+      </dsp:spPr>
+      <dsp:style>
+        <a:lnRef idx="2">
+          <a:scrgbClr r="0" g="0" b="0"/>
+        </a:lnRef>
+        <a:fillRef idx="1">
+          <a:scrgbClr r="0" g="0" b="0"/>
+        </a:fillRef>
+        <a:effectRef idx="0">
+          <a:scrgbClr r="0" g="0" b="0"/>
+        </a:effectRef>
+        <a:fontRef idx="minor">
+          <a:schemeClr val="lt1"/>
+        </a:fontRef>
+      </dsp:style>
+      <dsp:txBody>
+        <a:bodyPr spcFirstLastPara="0" vert="horz" wrap="square" lIns="60960" tIns="60960" rIns="60960" bIns="60960" numCol="1" spcCol="1270" anchor="ctr" anchorCtr="0">
+          <a:noAutofit/>
+        </a:bodyPr>
+        <a:lstStyle/>
+        <a:p>
+          <a:pPr lvl="0" algn="ctr" defTabSz="711200">
+            <a:lnSpc>
+              <a:spcPct val="90000"/>
+            </a:lnSpc>
+            <a:spcBef>
+              <a:spcPct val="0"/>
+            </a:spcBef>
+            <a:spcAft>
+              <a:spcPct val="35000"/>
+            </a:spcAft>
+          </a:pPr>
+          <a:r>
+            <a:rPr lang="ro-RO" sz="1600" kern="1200" dirty="0" smtClean="0"/>
+            <a:t>Dispozitiv</a:t>
+          </a:r>
+          <a:endParaRPr lang="en-US" sz="1600" kern="1200" dirty="0"/>
+        </a:p>
+      </dsp:txBody>
+      <dsp:txXfrm>
+        <a:off x="2443931" y="4469197"/>
+        <a:ext cx="1194112" cy="470285"/>
+      </dsp:txXfrm>
+    </dsp:sp>
+    <dsp:sp modelId="{5150048F-8CE1-41E9-87EB-F85F39971A52}">
+      <dsp:nvSpPr>
+        <dsp:cNvPr id="0" name=""/>
+        <dsp:cNvSpPr/>
+      </dsp:nvSpPr>
+      <dsp:spPr>
+        <a:xfrm>
+          <a:off x="2995268" y="4954114"/>
+          <a:ext cx="91440" cy="449759"/>
+        </a:xfrm>
+        <a:custGeom>
+          <a:avLst/>
+          <a:gdLst/>
+          <a:ahLst/>
+          <a:cxnLst/>
+          <a:rect l="0" t="0" r="0" b="0"/>
+          <a:pathLst>
+            <a:path>
+              <a:moveTo>
+                <a:pt x="45720" y="0"/>
+              </a:moveTo>
+              <a:lnTo>
+                <a:pt x="45720" y="449759"/>
+              </a:lnTo>
+            </a:path>
+          </a:pathLst>
+        </a:custGeom>
+        <a:noFill/>
+        <a:ln w="12700" cap="flat" cmpd="sng" algn="ctr">
+          <a:solidFill>
+            <a:schemeClr val="accent1">
+              <a:shade val="80000"/>
+              <a:hueOff val="0"/>
+              <a:satOff val="0"/>
+              <a:lumOff val="0"/>
+              <a:alphaOff val="0"/>
+            </a:schemeClr>
+          </a:solidFill>
+          <a:prstDash val="solid"/>
+          <a:miter lim="800000"/>
+        </a:ln>
+        <a:effectLst/>
+      </dsp:spPr>
+      <dsp:style>
+        <a:lnRef idx="2">
+          <a:scrgbClr r="0" g="0" b="0"/>
+        </a:lnRef>
+        <a:fillRef idx="0">
+          <a:scrgbClr r="0" g="0" b="0"/>
+        </a:fillRef>
+        <a:effectRef idx="0">
+          <a:scrgbClr r="0" g="0" b="0"/>
+        </a:effectRef>
+        <a:fontRef idx="minor"/>
+      </dsp:style>
+    </dsp:sp>
+    <dsp:sp modelId="{31B4494D-E553-4E42-BC59-010A49910B4D}">
+      <dsp:nvSpPr>
+        <dsp:cNvPr id="0" name=""/>
+        <dsp:cNvSpPr/>
+      </dsp:nvSpPr>
+      <dsp:spPr>
+        <a:xfrm>
+          <a:off x="2197688" y="5403874"/>
+          <a:ext cx="1686598" cy="1124398"/>
+        </a:xfrm>
+        <a:prstGeom prst="roundRect">
+          <a:avLst>
+            <a:gd name="adj" fmla="val 10000"/>
+          </a:avLst>
+        </a:prstGeom>
+        <a:gradFill rotWithShape="1">
+          <a:gsLst>
+            <a:gs pos="0">
+              <a:schemeClr val="accent3">
+                <a:satMod val="103000"/>
+                <a:lumMod val="102000"/>
+                <a:tint val="94000"/>
+              </a:schemeClr>
+            </a:gs>
+            <a:gs pos="50000">
+              <a:schemeClr val="accent3">
+                <a:satMod val="110000"/>
+                <a:lumMod val="100000"/>
+                <a:shade val="100000"/>
+              </a:schemeClr>
+            </a:gs>
+            <a:gs pos="100000">
+              <a:schemeClr val="accent3">
+                <a:lumMod val="99000"/>
+                <a:satMod val="120000"/>
+                <a:shade val="78000"/>
+              </a:schemeClr>
+            </a:gs>
+          </a:gsLst>
+          <a:lin ang="5400000" scaled="0"/>
+        </a:gradFill>
+        <a:ln w="6350" cap="flat" cmpd="sng" algn="ctr">
+          <a:solidFill>
+            <a:schemeClr val="accent3"/>
+          </a:solidFill>
+          <a:prstDash val="solid"/>
+          <a:miter lim="800000"/>
+        </a:ln>
+        <a:effectLst/>
+      </dsp:spPr>
+      <dsp:style>
+        <a:lnRef idx="1">
+          <a:schemeClr val="accent3"/>
+        </a:lnRef>
+        <a:fillRef idx="3">
+          <a:schemeClr val="accent3"/>
+        </a:fillRef>
+        <a:effectRef idx="2">
+          <a:schemeClr val="accent3"/>
+        </a:effectRef>
+        <a:fontRef idx="minor">
+          <a:schemeClr val="lt1"/>
+        </a:fontRef>
+      </dsp:style>
+      <dsp:txBody>
+        <a:bodyPr spcFirstLastPara="0" vert="horz" wrap="square" lIns="91440" tIns="91440" rIns="91440" bIns="91440" numCol="1" spcCol="1270" anchor="ctr" anchorCtr="0">
+          <a:noAutofit/>
+        </a:bodyPr>
+        <a:lstStyle/>
+        <a:p>
+          <a:pPr lvl="0" algn="ctr" defTabSz="1066800">
+            <a:lnSpc>
+              <a:spcPct val="90000"/>
+            </a:lnSpc>
+            <a:spcBef>
+              <a:spcPct val="0"/>
+            </a:spcBef>
+            <a:spcAft>
+              <a:spcPct val="35000"/>
+            </a:spcAft>
+          </a:pPr>
+          <a:r>
+            <a:rPr lang="ro-RO" sz="2400" kern="1200" dirty="0" smtClean="0"/>
+            <a:t>Lampă</a:t>
+          </a:r>
+          <a:endParaRPr lang="en-US" sz="2400" kern="1200" dirty="0"/>
+        </a:p>
+      </dsp:txBody>
+      <dsp:txXfrm>
+        <a:off x="2230620" y="5436806"/>
+        <a:ext cx="1620734" cy="1058534"/>
+      </dsp:txXfrm>
+    </dsp:sp>
+    <dsp:sp modelId="{EB93688B-C590-459D-A823-880B4C0DE7A9}">
+      <dsp:nvSpPr>
+        <dsp:cNvPr id="0" name=""/>
+        <dsp:cNvSpPr/>
+      </dsp:nvSpPr>
+      <dsp:spPr>
+        <a:xfrm>
+          <a:off x="5187525" y="3968129"/>
+          <a:ext cx="91440" cy="486437"/>
+        </a:xfrm>
+        <a:custGeom>
+          <a:avLst/>
+          <a:gdLst/>
+          <a:ahLst/>
+          <a:cxnLst/>
+          <a:rect l="0" t="0" r="0" b="0"/>
+          <a:pathLst>
+            <a:path>
+              <a:moveTo>
+                <a:pt x="45720" y="0"/>
+              </a:moveTo>
+              <a:lnTo>
+                <a:pt x="45720" y="243218"/>
+              </a:lnTo>
+              <a:lnTo>
+                <a:pt x="46040" y="243218"/>
+              </a:lnTo>
+              <a:lnTo>
+                <a:pt x="46040" y="486437"/>
+              </a:lnTo>
+            </a:path>
+          </a:pathLst>
+        </a:custGeom>
+        <a:noFill/>
+        <a:ln w="12700" cap="flat" cmpd="sng" algn="ctr">
+          <a:solidFill>
+            <a:schemeClr val="accent1">
+              <a:shade val="80000"/>
+              <a:hueOff val="0"/>
+              <a:satOff val="0"/>
+              <a:lumOff val="0"/>
+              <a:alphaOff val="0"/>
+            </a:schemeClr>
+          </a:solidFill>
+          <a:prstDash val="solid"/>
+          <a:miter lim="800000"/>
+        </a:ln>
+        <a:effectLst/>
+      </dsp:spPr>
+      <dsp:style>
+        <a:lnRef idx="2">
+          <a:scrgbClr r="0" g="0" b="0"/>
+        </a:lnRef>
+        <a:fillRef idx="0">
+          <a:scrgbClr r="0" g="0" b="0"/>
+        </a:fillRef>
+        <a:effectRef idx="0">
+          <a:scrgbClr r="0" g="0" b="0"/>
+        </a:effectRef>
+        <a:fontRef idx="minor"/>
+      </dsp:style>
+    </dsp:sp>
+    <dsp:sp modelId="{98778A9B-C700-42DB-8B31-295727FCB770}">
+      <dsp:nvSpPr>
+        <dsp:cNvPr id="0" name=""/>
+        <dsp:cNvSpPr/>
+      </dsp:nvSpPr>
+      <dsp:spPr>
+        <a:xfrm>
+          <a:off x="4621878" y="4454566"/>
+          <a:ext cx="1223374" cy="499547"/>
+        </a:xfrm>
+        <a:prstGeom prst="roundRect">
+          <a:avLst>
+            <a:gd name="adj" fmla="val 10000"/>
+          </a:avLst>
+        </a:prstGeom>
+        <a:solidFill>
+          <a:schemeClr val="accent1">
+            <a:hueOff val="0"/>
+            <a:satOff val="0"/>
+            <a:lumOff val="0"/>
+            <a:alphaOff val="0"/>
+          </a:schemeClr>
+        </a:solidFill>
+        <a:ln w="12700" cap="flat" cmpd="sng" algn="ctr">
+          <a:solidFill>
+            <a:schemeClr val="lt1">
+              <a:hueOff val="0"/>
+              <a:satOff val="0"/>
+              <a:lumOff val="0"/>
+              <a:alphaOff val="0"/>
+            </a:schemeClr>
+          </a:solidFill>
+          <a:prstDash val="solid"/>
+          <a:miter lim="800000"/>
+        </a:ln>
+        <a:effectLst/>
+      </dsp:spPr>
+      <dsp:style>
+        <a:lnRef idx="2">
+          <a:scrgbClr r="0" g="0" b="0"/>
+        </a:lnRef>
+        <a:fillRef idx="1">
+          <a:scrgbClr r="0" g="0" b="0"/>
+        </a:fillRef>
+        <a:effectRef idx="0">
+          <a:scrgbClr r="0" g="0" b="0"/>
+        </a:effectRef>
+        <a:fontRef idx="minor">
+          <a:schemeClr val="lt1"/>
+        </a:fontRef>
+      </dsp:style>
+      <dsp:txBody>
+        <a:bodyPr spcFirstLastPara="0" vert="horz" wrap="square" lIns="60960" tIns="60960" rIns="60960" bIns="60960" numCol="1" spcCol="1270" anchor="ctr" anchorCtr="0">
+          <a:noAutofit/>
+        </a:bodyPr>
+        <a:lstStyle/>
+        <a:p>
+          <a:pPr lvl="0" algn="ctr" defTabSz="711200">
+            <a:lnSpc>
+              <a:spcPct val="90000"/>
+            </a:lnSpc>
+            <a:spcBef>
+              <a:spcPct val="0"/>
+            </a:spcBef>
+            <a:spcAft>
+              <a:spcPct val="35000"/>
+            </a:spcAft>
+          </a:pPr>
+          <a:r>
+            <a:rPr lang="ro-RO" sz="1600" kern="1200" dirty="0" smtClean="0"/>
+            <a:t>Dispozitiv</a:t>
+          </a:r>
+          <a:endParaRPr lang="en-US" sz="1600" kern="1200" dirty="0"/>
+        </a:p>
+      </dsp:txBody>
+      <dsp:txXfrm>
+        <a:off x="4636509" y="4469197"/>
+        <a:ext cx="1194112" cy="470285"/>
+      </dsp:txXfrm>
+    </dsp:sp>
+    <dsp:sp modelId="{AC8DB091-B58F-49E6-9A89-C4137BD364D0}">
+      <dsp:nvSpPr>
+        <dsp:cNvPr id="0" name=""/>
+        <dsp:cNvSpPr/>
+      </dsp:nvSpPr>
+      <dsp:spPr>
+        <a:xfrm>
+          <a:off x="5187845" y="4954114"/>
+          <a:ext cx="91440" cy="449759"/>
+        </a:xfrm>
+        <a:custGeom>
+          <a:avLst/>
+          <a:gdLst/>
+          <a:ahLst/>
+          <a:cxnLst/>
+          <a:rect l="0" t="0" r="0" b="0"/>
+          <a:pathLst>
+            <a:path>
+              <a:moveTo>
+                <a:pt x="45720" y="0"/>
+              </a:moveTo>
+              <a:lnTo>
+                <a:pt x="45720" y="449759"/>
+              </a:lnTo>
+            </a:path>
+          </a:pathLst>
+        </a:custGeom>
+        <a:noFill/>
+        <a:ln w="12700" cap="flat" cmpd="sng" algn="ctr">
+          <a:solidFill>
+            <a:schemeClr val="accent1">
+              <a:shade val="80000"/>
+              <a:hueOff val="0"/>
+              <a:satOff val="0"/>
+              <a:lumOff val="0"/>
+              <a:alphaOff val="0"/>
+            </a:schemeClr>
+          </a:solidFill>
+          <a:prstDash val="solid"/>
+          <a:miter lim="800000"/>
+        </a:ln>
+        <a:effectLst/>
+      </dsp:spPr>
+      <dsp:style>
+        <a:lnRef idx="2">
+          <a:scrgbClr r="0" g="0" b="0"/>
+        </a:lnRef>
+        <a:fillRef idx="0">
+          <a:scrgbClr r="0" g="0" b="0"/>
+        </a:fillRef>
+        <a:effectRef idx="0">
+          <a:scrgbClr r="0" g="0" b="0"/>
+        </a:effectRef>
+        <a:fontRef idx="minor"/>
+      </dsp:style>
+    </dsp:sp>
+    <dsp:sp modelId="{B288F2FA-C717-48A3-A9F5-9FC1E4AF394C}">
+      <dsp:nvSpPr>
+        <dsp:cNvPr id="0" name=""/>
+        <dsp:cNvSpPr/>
+      </dsp:nvSpPr>
+      <dsp:spPr>
+        <a:xfrm>
+          <a:off x="4390266" y="5403874"/>
+          <a:ext cx="1686598" cy="1124398"/>
+        </a:xfrm>
+        <a:prstGeom prst="roundRect">
+          <a:avLst>
+            <a:gd name="adj" fmla="val 10000"/>
+          </a:avLst>
+        </a:prstGeom>
+        <a:gradFill rotWithShape="1">
+          <a:gsLst>
+            <a:gs pos="0">
+              <a:schemeClr val="accent3">
+                <a:satMod val="103000"/>
+                <a:lumMod val="102000"/>
+                <a:tint val="94000"/>
+              </a:schemeClr>
+            </a:gs>
+            <a:gs pos="50000">
+              <a:schemeClr val="accent3">
+                <a:satMod val="110000"/>
+                <a:lumMod val="100000"/>
+                <a:shade val="100000"/>
+              </a:schemeClr>
+            </a:gs>
+            <a:gs pos="100000">
+              <a:schemeClr val="accent3">
+                <a:lumMod val="99000"/>
+                <a:satMod val="120000"/>
+                <a:shade val="78000"/>
+              </a:schemeClr>
+            </a:gs>
+          </a:gsLst>
+          <a:lin ang="5400000" scaled="0"/>
+        </a:gradFill>
+        <a:ln w="6350" cap="flat" cmpd="sng" algn="ctr">
+          <a:solidFill>
+            <a:schemeClr val="accent3"/>
+          </a:solidFill>
+          <a:prstDash val="solid"/>
+          <a:miter lim="800000"/>
+        </a:ln>
+        <a:effectLst/>
+      </dsp:spPr>
+      <dsp:style>
+        <a:lnRef idx="1">
+          <a:schemeClr val="accent3"/>
+        </a:lnRef>
+        <a:fillRef idx="3">
+          <a:schemeClr val="accent3"/>
+        </a:fillRef>
+        <a:effectRef idx="2">
+          <a:schemeClr val="accent3"/>
+        </a:effectRef>
+        <a:fontRef idx="minor">
+          <a:schemeClr val="lt1"/>
+        </a:fontRef>
+      </dsp:style>
+      <dsp:txBody>
+        <a:bodyPr spcFirstLastPara="0" vert="horz" wrap="square" lIns="87630" tIns="87630" rIns="87630" bIns="87630" numCol="1" spcCol="1270" anchor="ctr" anchorCtr="0">
+          <a:noAutofit/>
+        </a:bodyPr>
+        <a:lstStyle/>
+        <a:p>
+          <a:pPr lvl="0" algn="ctr" defTabSz="1022350">
+            <a:lnSpc>
+              <a:spcPct val="90000"/>
+            </a:lnSpc>
+            <a:spcBef>
+              <a:spcPct val="0"/>
+            </a:spcBef>
+            <a:spcAft>
+              <a:spcPct val="35000"/>
+            </a:spcAft>
+          </a:pPr>
+          <a:r>
+            <a:rPr lang="en-US" sz="2300" kern="1200" dirty="0" smtClean="0"/>
+            <a:t> </a:t>
+          </a:r>
+          <a:r>
+            <a:rPr lang="ro-RO" sz="2300" kern="1200" dirty="0" smtClean="0"/>
+            <a:t>Alarma de securitate</a:t>
+          </a:r>
+          <a:endParaRPr lang="en-US" sz="2300" kern="1200" dirty="0"/>
+        </a:p>
+      </dsp:txBody>
+      <dsp:txXfrm>
+        <a:off x="4423198" y="5436806"/>
+        <a:ext cx="1620734" cy="1058534"/>
+      </dsp:txXfrm>
+    </dsp:sp>
+    <dsp:sp modelId="{9C7D0A91-8C5C-4FD7-8EB9-A2426F718068}">
+      <dsp:nvSpPr>
+        <dsp:cNvPr id="0" name=""/>
+        <dsp:cNvSpPr/>
+      </dsp:nvSpPr>
+      <dsp:spPr>
+        <a:xfrm>
+          <a:off x="5233245" y="3968129"/>
+          <a:ext cx="2192898" cy="486437"/>
+        </a:xfrm>
+        <a:custGeom>
+          <a:avLst/>
+          <a:gdLst/>
+          <a:ahLst/>
+          <a:cxnLst/>
+          <a:rect l="0" t="0" r="0" b="0"/>
+          <a:pathLst>
+            <a:path>
+              <a:moveTo>
+                <a:pt x="0" y="0"/>
+              </a:moveTo>
+              <a:lnTo>
+                <a:pt x="0" y="243218"/>
+              </a:lnTo>
+              <a:lnTo>
+                <a:pt x="2192898" y="243218"/>
+              </a:lnTo>
+              <a:lnTo>
+                <a:pt x="2192898" y="486437"/>
+              </a:lnTo>
+            </a:path>
+          </a:pathLst>
+        </a:custGeom>
+        <a:noFill/>
+        <a:ln w="12700" cap="flat" cmpd="sng" algn="ctr">
+          <a:solidFill>
+            <a:schemeClr val="accent1">
+              <a:shade val="80000"/>
+              <a:hueOff val="0"/>
+              <a:satOff val="0"/>
+              <a:lumOff val="0"/>
+              <a:alphaOff val="0"/>
+            </a:schemeClr>
+          </a:solidFill>
+          <a:prstDash val="solid"/>
+          <a:miter lim="800000"/>
+        </a:ln>
+        <a:effectLst/>
+      </dsp:spPr>
+      <dsp:style>
+        <a:lnRef idx="2">
+          <a:scrgbClr r="0" g="0" b="0"/>
+        </a:lnRef>
+        <a:fillRef idx="0">
+          <a:scrgbClr r="0" g="0" b="0"/>
+        </a:fillRef>
+        <a:effectRef idx="0">
+          <a:scrgbClr r="0" g="0" b="0"/>
+        </a:effectRef>
+        <a:fontRef idx="minor"/>
+      </dsp:style>
+    </dsp:sp>
+    <dsp:sp modelId="{05786130-55A6-41D7-9FFE-9F45D3899688}">
+      <dsp:nvSpPr>
+        <dsp:cNvPr id="0" name=""/>
+        <dsp:cNvSpPr/>
+      </dsp:nvSpPr>
+      <dsp:spPr>
+        <a:xfrm>
+          <a:off x="6814456" y="4454566"/>
+          <a:ext cx="1223374" cy="499547"/>
+        </a:xfrm>
+        <a:prstGeom prst="roundRect">
+          <a:avLst>
+            <a:gd name="adj" fmla="val 10000"/>
+          </a:avLst>
+        </a:prstGeom>
+        <a:solidFill>
+          <a:schemeClr val="accent1">
+            <a:hueOff val="0"/>
+            <a:satOff val="0"/>
+            <a:lumOff val="0"/>
+            <a:alphaOff val="0"/>
+          </a:schemeClr>
+        </a:solidFill>
+        <a:ln w="12700" cap="flat" cmpd="sng" algn="ctr">
+          <a:solidFill>
+            <a:schemeClr val="lt1">
+              <a:hueOff val="0"/>
+              <a:satOff val="0"/>
+              <a:lumOff val="0"/>
+              <a:alphaOff val="0"/>
+            </a:schemeClr>
+          </a:solidFill>
+          <a:prstDash val="solid"/>
+          <a:miter lim="800000"/>
+        </a:ln>
+        <a:effectLst/>
+      </dsp:spPr>
+      <dsp:style>
+        <a:lnRef idx="2">
+          <a:scrgbClr r="0" g="0" b="0"/>
+        </a:lnRef>
+        <a:fillRef idx="1">
+          <a:scrgbClr r="0" g="0" b="0"/>
+        </a:fillRef>
+        <a:effectRef idx="0">
+          <a:scrgbClr r="0" g="0" b="0"/>
+        </a:effectRef>
+        <a:fontRef idx="minor">
+          <a:schemeClr val="lt1"/>
+        </a:fontRef>
+      </dsp:style>
+      <dsp:txBody>
+        <a:bodyPr spcFirstLastPara="0" vert="horz" wrap="square" lIns="60960" tIns="60960" rIns="60960" bIns="60960" numCol="1" spcCol="1270" anchor="ctr" anchorCtr="0">
+          <a:noAutofit/>
+        </a:bodyPr>
+        <a:lstStyle/>
+        <a:p>
+          <a:pPr lvl="0" algn="ctr" defTabSz="711200">
+            <a:lnSpc>
+              <a:spcPct val="90000"/>
+            </a:lnSpc>
+            <a:spcBef>
+              <a:spcPct val="0"/>
+            </a:spcBef>
+            <a:spcAft>
+              <a:spcPct val="35000"/>
+            </a:spcAft>
+          </a:pPr>
+          <a:r>
+            <a:rPr lang="ro-RO" sz="1600" kern="1200" dirty="0" smtClean="0"/>
+            <a:t>Dispozitiv</a:t>
+          </a:r>
+          <a:endParaRPr lang="en-US" sz="1600" kern="1200" dirty="0"/>
+        </a:p>
+      </dsp:txBody>
+      <dsp:txXfrm>
+        <a:off x="6829087" y="4469197"/>
+        <a:ext cx="1194112" cy="470285"/>
+      </dsp:txXfrm>
+    </dsp:sp>
+    <dsp:sp modelId="{F8775318-346A-4AC7-9707-6144772C35D5}">
+      <dsp:nvSpPr>
+        <dsp:cNvPr id="0" name=""/>
+        <dsp:cNvSpPr/>
+      </dsp:nvSpPr>
+      <dsp:spPr>
+        <a:xfrm>
+          <a:off x="7380423" y="4954114"/>
+          <a:ext cx="91440" cy="449759"/>
+        </a:xfrm>
+        <a:custGeom>
+          <a:avLst/>
+          <a:gdLst/>
+          <a:ahLst/>
+          <a:cxnLst/>
+          <a:rect l="0" t="0" r="0" b="0"/>
+          <a:pathLst>
+            <a:path>
+              <a:moveTo>
+                <a:pt x="45720" y="0"/>
+              </a:moveTo>
+              <a:lnTo>
+                <a:pt x="45720" y="449759"/>
+              </a:lnTo>
+            </a:path>
+          </a:pathLst>
+        </a:custGeom>
+        <a:noFill/>
+        <a:ln w="12700" cap="flat" cmpd="sng" algn="ctr">
+          <a:solidFill>
+            <a:schemeClr val="accent1">
+              <a:shade val="80000"/>
+              <a:hueOff val="0"/>
+              <a:satOff val="0"/>
+              <a:lumOff val="0"/>
+              <a:alphaOff val="0"/>
+            </a:schemeClr>
+          </a:solidFill>
+          <a:prstDash val="solid"/>
+          <a:miter lim="800000"/>
+        </a:ln>
+        <a:effectLst/>
+      </dsp:spPr>
+      <dsp:style>
+        <a:lnRef idx="2">
+          <a:scrgbClr r="0" g="0" b="0"/>
+        </a:lnRef>
+        <a:fillRef idx="0">
+          <a:scrgbClr r="0" g="0" b="0"/>
+        </a:fillRef>
+        <a:effectRef idx="0">
+          <a:scrgbClr r="0" g="0" b="0"/>
+        </a:effectRef>
+        <a:fontRef idx="minor"/>
+      </dsp:style>
+    </dsp:sp>
+    <dsp:sp modelId="{B62A4414-83F8-46D3-8330-4FC9C5171295}">
+      <dsp:nvSpPr>
+        <dsp:cNvPr id="0" name=""/>
+        <dsp:cNvSpPr/>
+      </dsp:nvSpPr>
+      <dsp:spPr>
+        <a:xfrm>
+          <a:off x="6582844" y="5403874"/>
+          <a:ext cx="1686598" cy="1124398"/>
+        </a:xfrm>
+        <a:prstGeom prst="roundRect">
+          <a:avLst>
+            <a:gd name="adj" fmla="val 10000"/>
+          </a:avLst>
+        </a:prstGeom>
+        <a:gradFill rotWithShape="1">
+          <a:gsLst>
+            <a:gs pos="0">
+              <a:schemeClr val="accent3">
+                <a:satMod val="103000"/>
+                <a:lumMod val="102000"/>
+                <a:tint val="94000"/>
+              </a:schemeClr>
+            </a:gs>
+            <a:gs pos="50000">
+              <a:schemeClr val="accent3">
+                <a:satMod val="110000"/>
+                <a:lumMod val="100000"/>
+                <a:shade val="100000"/>
+              </a:schemeClr>
+            </a:gs>
+            <a:gs pos="100000">
+              <a:schemeClr val="accent3">
+                <a:lumMod val="99000"/>
+                <a:satMod val="120000"/>
+                <a:shade val="78000"/>
+              </a:schemeClr>
+            </a:gs>
+          </a:gsLst>
+          <a:lin ang="5400000" scaled="0"/>
+        </a:gradFill>
+        <a:ln w="6350" cap="flat" cmpd="sng" algn="ctr">
+          <a:solidFill>
+            <a:schemeClr val="accent3"/>
+          </a:solidFill>
+          <a:prstDash val="solid"/>
+          <a:miter lim="800000"/>
+        </a:ln>
+        <a:effectLst/>
+      </dsp:spPr>
+      <dsp:style>
+        <a:lnRef idx="1">
+          <a:schemeClr val="accent3"/>
+        </a:lnRef>
+        <a:fillRef idx="3">
+          <a:schemeClr val="accent3"/>
+        </a:fillRef>
+        <a:effectRef idx="2">
+          <a:schemeClr val="accent3"/>
+        </a:effectRef>
+        <a:fontRef idx="minor">
+          <a:schemeClr val="lt1"/>
+        </a:fontRef>
+      </dsp:style>
+      <dsp:txBody>
+        <a:bodyPr spcFirstLastPara="0" vert="horz" wrap="square" lIns="80010" tIns="80010" rIns="80010" bIns="80010" numCol="1" spcCol="1270" anchor="ctr" anchorCtr="0">
+          <a:noAutofit/>
+        </a:bodyPr>
+        <a:lstStyle/>
+        <a:p>
+          <a:pPr lvl="0" algn="ctr" defTabSz="933450">
+            <a:lnSpc>
+              <a:spcPct val="90000"/>
+            </a:lnSpc>
+            <a:spcBef>
+              <a:spcPct val="0"/>
+            </a:spcBef>
+            <a:spcAft>
+              <a:spcPct val="35000"/>
+            </a:spcAft>
+          </a:pPr>
+          <a:r>
+            <a:rPr lang="ro-RO" sz="2100" kern="1200" dirty="0" smtClean="0"/>
+            <a:t>Încuietoare usă</a:t>
+          </a:r>
+          <a:endParaRPr lang="en-US" sz="2100" kern="1200" dirty="0"/>
+        </a:p>
+      </dsp:txBody>
+      <dsp:txXfrm>
+        <a:off x="6615776" y="5436806"/>
+        <a:ext cx="1620734" cy="1058534"/>
+      </dsp:txXfrm>
+    </dsp:sp>
+    <dsp:sp modelId="{D52E9823-1814-4F22-988A-F8D4598EB50D}">
+      <dsp:nvSpPr>
+        <dsp:cNvPr id="0" name=""/>
+        <dsp:cNvSpPr/>
+      </dsp:nvSpPr>
+      <dsp:spPr>
+        <a:xfrm>
+          <a:off x="5233245" y="3968129"/>
+          <a:ext cx="4385476" cy="486437"/>
+        </a:xfrm>
+        <a:custGeom>
+          <a:avLst/>
+          <a:gdLst/>
+          <a:ahLst/>
+          <a:cxnLst/>
+          <a:rect l="0" t="0" r="0" b="0"/>
+          <a:pathLst>
+            <a:path>
+              <a:moveTo>
+                <a:pt x="0" y="0"/>
+              </a:moveTo>
+              <a:lnTo>
+                <a:pt x="0" y="243218"/>
+              </a:lnTo>
+              <a:lnTo>
+                <a:pt x="4385476" y="243218"/>
+              </a:lnTo>
+              <a:lnTo>
+                <a:pt x="4385476" y="486437"/>
+              </a:lnTo>
+            </a:path>
+          </a:pathLst>
+        </a:custGeom>
+        <a:noFill/>
+        <a:ln w="12700" cap="flat" cmpd="sng" algn="ctr">
+          <a:solidFill>
+            <a:schemeClr val="accent1">
+              <a:shade val="80000"/>
+              <a:hueOff val="0"/>
+              <a:satOff val="0"/>
+              <a:lumOff val="0"/>
+              <a:alphaOff val="0"/>
+            </a:schemeClr>
+          </a:solidFill>
+          <a:prstDash val="solid"/>
+          <a:miter lim="800000"/>
+        </a:ln>
+        <a:effectLst/>
+      </dsp:spPr>
+      <dsp:style>
+        <a:lnRef idx="2">
+          <a:scrgbClr r="0" g="0" b="0"/>
+        </a:lnRef>
+        <a:fillRef idx="0">
+          <a:scrgbClr r="0" g="0" b="0"/>
+        </a:fillRef>
+        <a:effectRef idx="0">
+          <a:scrgbClr r="0" g="0" b="0"/>
+        </a:effectRef>
+        <a:fontRef idx="minor"/>
+      </dsp:style>
+    </dsp:sp>
+    <dsp:sp modelId="{8C7EEA08-EF08-4AD9-9C21-35B928AE57CA}">
+      <dsp:nvSpPr>
+        <dsp:cNvPr id="0" name=""/>
+        <dsp:cNvSpPr/>
+      </dsp:nvSpPr>
+      <dsp:spPr>
+        <a:xfrm>
+          <a:off x="9007034" y="4454566"/>
+          <a:ext cx="1223374" cy="499547"/>
+        </a:xfrm>
+        <a:prstGeom prst="roundRect">
+          <a:avLst>
+            <a:gd name="adj" fmla="val 10000"/>
+          </a:avLst>
+        </a:prstGeom>
+        <a:solidFill>
+          <a:schemeClr val="accent1">
+            <a:hueOff val="0"/>
+            <a:satOff val="0"/>
+            <a:lumOff val="0"/>
+            <a:alphaOff val="0"/>
+          </a:schemeClr>
+        </a:solidFill>
+        <a:ln w="12700" cap="flat" cmpd="sng" algn="ctr">
+          <a:solidFill>
+            <a:schemeClr val="lt1">
+              <a:hueOff val="0"/>
+              <a:satOff val="0"/>
+              <a:lumOff val="0"/>
+              <a:alphaOff val="0"/>
+            </a:schemeClr>
+          </a:solidFill>
+          <a:prstDash val="solid"/>
+          <a:miter lim="800000"/>
+        </a:ln>
+        <a:effectLst/>
+      </dsp:spPr>
+      <dsp:style>
+        <a:lnRef idx="2">
+          <a:scrgbClr r="0" g="0" b="0"/>
+        </a:lnRef>
+        <a:fillRef idx="1">
+          <a:scrgbClr r="0" g="0" b="0"/>
+        </a:fillRef>
+        <a:effectRef idx="0">
+          <a:scrgbClr r="0" g="0" b="0"/>
+        </a:effectRef>
+        <a:fontRef idx="minor">
+          <a:schemeClr val="lt1"/>
+        </a:fontRef>
+      </dsp:style>
+      <dsp:txBody>
+        <a:bodyPr spcFirstLastPara="0" vert="horz" wrap="square" lIns="60960" tIns="60960" rIns="60960" bIns="60960" numCol="1" spcCol="1270" anchor="ctr" anchorCtr="0">
+          <a:noAutofit/>
+        </a:bodyPr>
+        <a:lstStyle/>
+        <a:p>
+          <a:pPr lvl="0" algn="ctr" defTabSz="711200">
+            <a:lnSpc>
+              <a:spcPct val="90000"/>
+            </a:lnSpc>
+            <a:spcBef>
+              <a:spcPct val="0"/>
+            </a:spcBef>
+            <a:spcAft>
+              <a:spcPct val="35000"/>
+            </a:spcAft>
+          </a:pPr>
+          <a:r>
+            <a:rPr lang="ro-RO" sz="1600" kern="1200" dirty="0" smtClean="0"/>
+            <a:t>Dispozitiv</a:t>
+          </a:r>
+          <a:endParaRPr lang="en-US" sz="1600" kern="1200" dirty="0"/>
+        </a:p>
+      </dsp:txBody>
+      <dsp:txXfrm>
+        <a:off x="9021665" y="4469197"/>
+        <a:ext cx="1194112" cy="470285"/>
+      </dsp:txXfrm>
+    </dsp:sp>
+    <dsp:sp modelId="{E5CAF7CA-E25C-4C1C-B864-8B33F7D31AAE}">
+      <dsp:nvSpPr>
+        <dsp:cNvPr id="0" name=""/>
+        <dsp:cNvSpPr/>
+      </dsp:nvSpPr>
+      <dsp:spPr>
+        <a:xfrm>
+          <a:off x="9573001" y="4954114"/>
+          <a:ext cx="91440" cy="449759"/>
+        </a:xfrm>
+        <a:custGeom>
+          <a:avLst/>
+          <a:gdLst/>
+          <a:ahLst/>
+          <a:cxnLst/>
+          <a:rect l="0" t="0" r="0" b="0"/>
+          <a:pathLst>
+            <a:path>
+              <a:moveTo>
+                <a:pt x="45720" y="0"/>
+              </a:moveTo>
+              <a:lnTo>
+                <a:pt x="45720" y="449759"/>
+              </a:lnTo>
+            </a:path>
+          </a:pathLst>
+        </a:custGeom>
+        <a:noFill/>
+        <a:ln w="12700" cap="flat" cmpd="sng" algn="ctr">
+          <a:solidFill>
+            <a:schemeClr val="accent1">
+              <a:shade val="80000"/>
+              <a:hueOff val="0"/>
+              <a:satOff val="0"/>
+              <a:lumOff val="0"/>
+              <a:alphaOff val="0"/>
+            </a:schemeClr>
+          </a:solidFill>
+          <a:prstDash val="solid"/>
+          <a:miter lim="800000"/>
+        </a:ln>
+        <a:effectLst/>
+      </dsp:spPr>
+      <dsp:style>
+        <a:lnRef idx="2">
+          <a:scrgbClr r="0" g="0" b="0"/>
+        </a:lnRef>
+        <a:fillRef idx="0">
+          <a:scrgbClr r="0" g="0" b="0"/>
+        </a:fillRef>
+        <a:effectRef idx="0">
+          <a:scrgbClr r="0" g="0" b="0"/>
+        </a:effectRef>
+        <a:fontRef idx="minor"/>
+      </dsp:style>
+    </dsp:sp>
+    <dsp:sp modelId="{2122F150-D109-449A-8204-7E319E4F5DAA}">
+      <dsp:nvSpPr>
+        <dsp:cNvPr id="0" name=""/>
+        <dsp:cNvSpPr/>
+      </dsp:nvSpPr>
+      <dsp:spPr>
+        <a:xfrm>
+          <a:off x="8775422" y="5403874"/>
+          <a:ext cx="1686598" cy="1124398"/>
+        </a:xfrm>
+        <a:prstGeom prst="roundRect">
+          <a:avLst>
+            <a:gd name="adj" fmla="val 10000"/>
+          </a:avLst>
+        </a:prstGeom>
+        <a:gradFill rotWithShape="1">
+          <a:gsLst>
+            <a:gs pos="0">
+              <a:schemeClr val="accent3">
+                <a:satMod val="103000"/>
+                <a:lumMod val="102000"/>
+                <a:tint val="94000"/>
+              </a:schemeClr>
+            </a:gs>
+            <a:gs pos="50000">
+              <a:schemeClr val="accent3">
+                <a:satMod val="110000"/>
+                <a:lumMod val="100000"/>
+                <a:shade val="100000"/>
+              </a:schemeClr>
+            </a:gs>
+            <a:gs pos="100000">
+              <a:schemeClr val="accent3">
+                <a:lumMod val="99000"/>
+                <a:satMod val="120000"/>
+                <a:shade val="78000"/>
+              </a:schemeClr>
+            </a:gs>
+          </a:gsLst>
+          <a:lin ang="5400000" scaled="0"/>
+        </a:gradFill>
+        <a:ln w="6350" cap="flat" cmpd="sng" algn="ctr">
+          <a:solidFill>
+            <a:schemeClr val="accent3"/>
+          </a:solidFill>
+          <a:prstDash val="solid"/>
+          <a:miter lim="800000"/>
+        </a:ln>
+        <a:effectLst/>
+      </dsp:spPr>
+      <dsp:style>
+        <a:lnRef idx="1">
+          <a:schemeClr val="accent3"/>
+        </a:lnRef>
+        <a:fillRef idx="3">
+          <a:schemeClr val="accent3"/>
+        </a:fillRef>
+        <a:effectRef idx="2">
+          <a:schemeClr val="accent3"/>
+        </a:effectRef>
+        <a:fontRef idx="minor">
+          <a:schemeClr val="lt1"/>
+        </a:fontRef>
+      </dsp:style>
+      <dsp:txBody>
+        <a:bodyPr spcFirstLastPara="0" vert="horz" wrap="square" lIns="186690" tIns="186690" rIns="186690" bIns="186690" numCol="1" spcCol="1270" anchor="ctr" anchorCtr="0">
+          <a:noAutofit/>
+        </a:bodyPr>
+        <a:lstStyle/>
+        <a:p>
+          <a:pPr lvl="0" algn="ctr" defTabSz="2178050">
+            <a:lnSpc>
+              <a:spcPct val="90000"/>
+            </a:lnSpc>
+            <a:spcBef>
+              <a:spcPct val="0"/>
+            </a:spcBef>
+            <a:spcAft>
+              <a:spcPct val="35000"/>
+            </a:spcAft>
+          </a:pPr>
+          <a:r>
+            <a:rPr lang="ro-RO" sz="4900" kern="1200" dirty="0" smtClean="0"/>
+            <a:t>...</a:t>
+          </a:r>
+          <a:endParaRPr lang="en-US" sz="4900" kern="1200" dirty="0"/>
+        </a:p>
+      </dsp:txBody>
+      <dsp:txXfrm>
+        <a:off x="8808354" y="5436806"/>
+        <a:ext cx="1620734" cy="1058534"/>
+      </dsp:txXfrm>
+    </dsp:sp>
+  </dsp:spTree>
+</dsp:drawing>
+</file>
+
 <file path=ppt/diagrams/layout1.xml><?xml version="1.0" encoding="utf-8"?>
+<dgm:layoutDef xmlns:dgm="http://schemas.openxmlformats.org/drawingml/2006/diagram" xmlns:a="http://schemas.openxmlformats.org/drawingml/2006/main" uniqueId="urn:microsoft.com/office/officeart/2005/8/layout/hierarchy6">
+  <dgm:title val=""/>
+  <dgm:desc val=""/>
+  <dgm:catLst>
+    <dgm:cat type="hierarchy" pri="3000"/>
+  </dgm:catLst>
+  <dgm:sampData>
+    <dgm:dataModel>
+      <dgm:ptLst>
+        <dgm:pt modelId="0" type="doc"/>
+        <dgm:pt modelId="1">
+          <dgm:prSet phldr="1"/>
+        </dgm:pt>
+        <dgm:pt modelId="2">
+          <dgm:prSet phldr="1"/>
+        </dgm:pt>
+        <dgm:pt modelId="21">
+          <dgm:prSet phldr="1"/>
+        </dgm:pt>
+        <dgm:pt modelId="22">
+          <dgm:prSet phldr="1"/>
+        </dgm:pt>
+        <dgm:pt modelId="3">
+          <dgm:prSet phldr="1"/>
+        </dgm:pt>
+        <dgm:pt modelId="31">
+          <dgm:prSet phldr="1"/>
+        </dgm:pt>
+        <dgm:pt modelId="4">
+          <dgm:prSet phldr="1"/>
+        </dgm:pt>
+        <dgm:pt modelId="5">
+          <dgm:prSet phldr="1"/>
+        </dgm:pt>
+        <dgm:pt modelId="6">
+          <dgm:prSet phldr="1"/>
+        </dgm:pt>
+      </dgm:ptLst>
+      <dgm:cxnLst>
+        <dgm:cxn modelId="7" srcId="0" destId="1" srcOrd="0" destOrd="0"/>
+        <dgm:cxn modelId="8" srcId="1" destId="2" srcOrd="0" destOrd="0"/>
+        <dgm:cxn modelId="9" srcId="1" destId="3" srcOrd="1" destOrd="0"/>
+        <dgm:cxn modelId="23" srcId="2" destId="21" srcOrd="0" destOrd="0"/>
+        <dgm:cxn modelId="24" srcId="2" destId="22" srcOrd="1" destOrd="0"/>
+        <dgm:cxn modelId="33" srcId="3" destId="31" srcOrd="0" destOrd="0"/>
+        <dgm:cxn modelId="10" srcId="0" destId="4" srcOrd="1" destOrd="0"/>
+        <dgm:cxn modelId="11" srcId="0" destId="5" srcOrd="2" destOrd="0"/>
+        <dgm:cxn modelId="12" srcId="0" destId="6" srcOrd="3" destOrd="0"/>
+      </dgm:cxnLst>
+      <dgm:bg/>
+      <dgm:whole/>
+    </dgm:dataModel>
+  </dgm:sampData>
+  <dgm:styleData>
+    <dgm:dataModel>
+      <dgm:ptLst>
+        <dgm:pt modelId="0" type="doc"/>
+        <dgm:pt modelId="1"/>
+        <dgm:pt modelId="11"/>
+        <dgm:pt modelId="12"/>
+        <dgm:pt modelId="2"/>
+        <dgm:pt modelId="3"/>
+      </dgm:ptLst>
+      <dgm:cxnLst>
+        <dgm:cxn modelId="4" srcId="0" destId="1" srcOrd="0" destOrd="0"/>
+        <dgm:cxn modelId="13" srcId="1" destId="11" srcOrd="0" destOrd="0"/>
+        <dgm:cxn modelId="14" srcId="1" destId="12" srcOrd="1" destOrd="0"/>
+        <dgm:cxn modelId="5" srcId="0" destId="2" srcOrd="1" destOrd="0"/>
+        <dgm:cxn modelId="6" srcId="0" destId="3" srcOrd="2" destOrd="0"/>
+      </dgm:cxnLst>
+      <dgm:bg/>
+      <dgm:whole/>
+    </dgm:dataModel>
+  </dgm:styleData>
+  <dgm:clrData>
+    <dgm:dataModel>
+      <dgm:ptLst>
+        <dgm:pt modelId="0" type="doc"/>
+        <dgm:pt modelId="1"/>
+        <dgm:pt modelId="2"/>
+        <dgm:pt modelId="21"/>
+        <dgm:pt modelId="211"/>
+        <dgm:pt modelId="3"/>
+        <dgm:pt modelId="31"/>
+        <dgm:pt modelId="311"/>
+        <dgm:pt modelId="4"/>
+        <dgm:pt modelId="5"/>
+        <dgm:pt modelId="6"/>
+        <dgm:pt modelId="7"/>
+      </dgm:ptLst>
+      <dgm:cxnLst>
+        <dgm:cxn modelId="8" srcId="0" destId="1" srcOrd="0" destOrd="0"/>
+        <dgm:cxn modelId="9" srcId="1" destId="2" srcOrd="0" destOrd="0"/>
+        <dgm:cxn modelId="10" srcId="1" destId="3" srcOrd="1" destOrd="0"/>
+        <dgm:cxn modelId="23" srcId="2" destId="21" srcOrd="0" destOrd="0"/>
+        <dgm:cxn modelId="24" srcId="21" destId="211" srcOrd="0" destOrd="0"/>
+        <dgm:cxn modelId="33" srcId="3" destId="31" srcOrd="0" destOrd="0"/>
+        <dgm:cxn modelId="34" srcId="31" destId="311" srcOrd="0" destOrd="0"/>
+        <dgm:cxn modelId="11" srcId="0" destId="4" srcOrd="1" destOrd="0"/>
+        <dgm:cxn modelId="12" srcId="0" destId="5" srcOrd="2" destOrd="0"/>
+        <dgm:cxn modelId="13" srcId="0" destId="6" srcOrd="3" destOrd="0"/>
+        <dgm:cxn modelId="14" srcId="0" destId="7" srcOrd="4" destOrd="0"/>
+      </dgm:cxnLst>
+      <dgm:bg/>
+      <dgm:whole/>
+    </dgm:dataModel>
+  </dgm:clrData>
+  <dgm:layoutNode name="mainComposite">
+    <dgm:varLst>
+      <dgm:chPref val="1"/>
+      <dgm:dir/>
+      <dgm:animOne val="branch"/>
+      <dgm:animLvl val="lvl"/>
+      <dgm:resizeHandles val="exact"/>
+    </dgm:varLst>
+    <dgm:alg type="composite">
+      <dgm:param type="vertAlign" val="mid"/>
+      <dgm:param type="horzAlign" val="ctr"/>
+    </dgm:alg>
+    <dgm:shape xmlns:r="http://schemas.openxmlformats.org/officeDocument/2006/relationships" r:blip="">
+      <dgm:adjLst/>
+    </dgm:shape>
+    <dgm:presOf/>
+    <dgm:choose name="Name0">
+      <dgm:if name="Name1" axis="ch" ptType="node" func="cnt" op="gte" val="2">
+        <dgm:choose name="Name2">
+          <dgm:if name="Name3" func="var" arg="dir" op="equ" val="norm">
+            <dgm:constrLst>
+              <dgm:constr type="l" for="ch" forName="hierFlow" refType="w" fact="0.3"/>
+              <dgm:constr type="t" for="ch" forName="hierFlow"/>
+              <dgm:constr type="r" for="ch" forName="hierFlow" refType="w" fact="0.98"/>
+              <dgm:constr type="b" for="ch" forName="hierFlow" refType="h" fact="0.98"/>
+              <dgm:constr type="l" for="ch" forName="bgShapesFlow"/>
+              <dgm:constr type="t" for="ch" forName="bgShapesFlow"/>
+              <dgm:constr type="r" for="ch" forName="bgShapesFlow" refType="w"/>
+              <dgm:constr type="b" for="ch" forName="bgShapesFlow" refType="h"/>
+              <dgm:constr type="w" for="des" forName="level1Shape" refType="w"/>
+              <dgm:constr type="h" for="des" forName="level1Shape" refType="w" refFor="des" refForName="level1Shape" fact="0.66667"/>
+              <dgm:constr type="w" for="des" forName="level2Shape" refType="w" refFor="des" refForName="level1Shape" op="equ"/>
+              <dgm:constr type="h" for="des" forName="level2Shape" refType="h" refFor="des" refForName="level1Shape" op="equ"/>
+              <dgm:constr type="sp" for="des" refType="h" refFor="des" refForName="level1Shape" op="equ" fact="0.4"/>
+              <dgm:constr type="sibSp" for="des" forName="hierChild1" refType="w" refFor="des" refForName="level1Shape" op="equ" fact="0.3"/>
+              <dgm:constr type="sibSp" for="des" forName="hierChild2" refType="sibSp" refFor="des" refForName="hierChild1" op="equ"/>
+              <dgm:constr type="sibSp" for="des" forName="hierChild3" refType="sibSp" refFor="des" refForName="hierChild1" op="equ"/>
+              <dgm:constr type="userA" for="des" refType="h" refFor="des" refForName="level1Shape" op="equ"/>
+              <dgm:constr type="userB" for="des" refType="sp" refFor="des" op="equ"/>
+              <dgm:constr type="h" for="des" forName="firstBuf" refType="h" refFor="des" refForName="level1Shape" fact="0.1"/>
+            </dgm:constrLst>
+          </dgm:if>
+          <dgm:else name="Name4">
+            <dgm:constrLst>
+              <dgm:constr type="l" for="ch" forName="hierFlow" refType="w" fact="0.02"/>
+              <dgm:constr type="t" for="ch" forName="hierFlow"/>
+              <dgm:constr type="r" for="ch" forName="hierFlow" refType="w" fact="0.7"/>
+              <dgm:constr type="b" for="ch" forName="hierFlow" refType="h" fact="0.98"/>
+              <dgm:constr type="l" for="ch" forName="bgShapesFlow"/>
+              <dgm:constr type="t" for="ch" forName="bgShapesFlow"/>
+              <dgm:constr type="r" for="ch" forName="bgShapesFlow" refType="w"/>
+              <dgm:constr type="b" for="ch" forName="bgShapesFlow" refType="h"/>
+              <dgm:constr type="w" for="des" forName="level1Shape" refType="w"/>
+              <dgm:constr type="h" for="des" forName="level1Shape" refType="w" refFor="des" refForName="level1Shape" fact="0.66667"/>
+              <dgm:constr type="w" for="des" forName="level2Shape" refType="w" refFor="des" refForName="level1Shape" op="equ"/>
+              <dgm:constr type="h" for="des" forName="level2Shape" refType="h" refFor="des" refForName="level1Shape" op="equ"/>
+              <dgm:constr type="sp" for="des" refType="h" refFor="des" refForName="level1Shape" op="equ" fact="0.4"/>
+              <dgm:constr type="sibSp" for="des" forName="hierChild1" refType="w" refFor="des" refForName="level1Shape" op="equ" fact="0.3"/>
+              <dgm:constr type="sibSp" for="des" forName="hierChild2" refType="sibSp" refFor="des" refForName="hierChild1" op="equ"/>
+              <dgm:constr type="sibSp" for="des" forName="hierChild3" refType="sibSp" refFor="des" refForName="hierChild1" op="equ"/>
+              <dgm:constr type="userA" for="des" refType="h" refFor="des" refForName="level1Shape" op="equ"/>
+              <dgm:constr type="userB" for="des" refType="sp" refFor="des" op="equ"/>
+              <dgm:constr type="h" for="des" forName="firstBuf" refType="h" refFor="des" refForName="level1Shape" fact="0.1"/>
+            </dgm:constrLst>
+          </dgm:else>
+        </dgm:choose>
+      </dgm:if>
+      <dgm:else name="Name5">
+        <dgm:constrLst>
+          <dgm:constr type="l" for="ch" forName="hierFlow"/>
+          <dgm:constr type="t" for="ch" forName="hierFlow"/>
+          <dgm:constr type="r" for="ch" forName="hierFlow" refType="w"/>
+          <dgm:constr type="b" for="ch" forName="hierFlow" refType="h"/>
+          <dgm:constr type="l" for="ch" forName="bgShapesFlow"/>
+          <dgm:constr type="t" for="ch" forName="bgShapesFlow"/>
+          <dgm:constr type="r" for="ch" forName="bgShapesFlow" refType="w"/>
+          <dgm:constr type="b" for="ch" forName="bgShapesFlow" refType="h"/>
+          <dgm:constr type="w" for="des" forName="level1Shape" refType="w"/>
+          <dgm:constr type="h" for="des" forName="level1Shape" refType="w" refFor="des" refForName="level1Shape" fact="0.66667"/>
+          <dgm:constr type="w" for="des" forName="level2Shape" refType="w" refFor="des" refForName="level1Shape" op="equ"/>
+          <dgm:constr type="h" for="des" forName="level2Shape" refType="h" refFor="des" refForName="level1Shape" op="equ"/>
+          <dgm:constr type="sp" for="des" refType="h" refFor="des" refForName="level1Shape" op="equ" fact="0.4"/>
+          <dgm:constr type="sibSp" for="des" forName="hierChild1" refType="w" refFor="des" refForName="level1Shape" op="equ" fact="0.3"/>
+          <dgm:constr type="sibSp" for="des" forName="hierChild2" refType="sibSp" refFor="des" refForName="hierChild1" op="equ"/>
+          <dgm:constr type="sibSp" for="des" forName="hierChild3" refType="sibSp" refFor="des" refForName="hierChild1" op="equ"/>
+          <dgm:constr type="userA" for="des" refType="h" refFor="des" refForName="level1Shape" op="equ"/>
+          <dgm:constr type="userB" for="des" refType="sp" refFor="des" op="equ"/>
+          <dgm:constr type="h" for="des" forName="firstBuf" refType="h" refFor="des" refForName="level1Shape" fact="0.1"/>
+        </dgm:constrLst>
+      </dgm:else>
+    </dgm:choose>
+    <dgm:ruleLst/>
+    <dgm:layoutNode name="hierFlow">
+      <dgm:alg type="lin">
+        <dgm:param type="linDir" val="fromT"/>
+        <dgm:param type="nodeVertAlign" val="t"/>
+        <dgm:param type="vertAlign" val="t"/>
+        <dgm:param type="nodeHorzAlign" val="ctr"/>
+        <dgm:param type="fallback" val="2D"/>
+      </dgm:alg>
+      <dgm:shape xmlns:r="http://schemas.openxmlformats.org/officeDocument/2006/relationships" r:blip="">
+        <dgm:adjLst/>
+      </dgm:shape>
+      <dgm:presOf/>
+      <dgm:constrLst/>
+      <dgm:ruleLst/>
+      <dgm:choose name="Name6">
+        <dgm:if name="Name7" axis="ch" ptType="node" func="cnt" op="gte" val="2">
+          <dgm:layoutNode name="firstBuf">
+            <dgm:alg type="sp"/>
+            <dgm:shape xmlns:r="http://schemas.openxmlformats.org/officeDocument/2006/relationships" r:blip="">
+              <dgm:adjLst/>
+            </dgm:shape>
+            <dgm:presOf/>
+            <dgm:constrLst/>
+            <dgm:ruleLst/>
+          </dgm:layoutNode>
+        </dgm:if>
+        <dgm:else name="Name8"/>
+      </dgm:choose>
+      <dgm:layoutNode name="hierChild1">
+        <dgm:varLst>
+          <dgm:chPref val="1"/>
+          <dgm:animOne val="branch"/>
+          <dgm:animLvl val="lvl"/>
+        </dgm:varLst>
+        <dgm:choose name="Name9">
+          <dgm:if name="Name10" func="var" arg="dir" op="equ" val="norm">
+            <dgm:alg type="hierChild">
+              <dgm:param type="linDir" val="fromL"/>
+              <dgm:param type="vertAlign" val="t"/>
+            </dgm:alg>
+          </dgm:if>
+          <dgm:else name="Name11">
+            <dgm:alg type="hierChild">
+              <dgm:param type="linDir" val="fromR"/>
+              <dgm:param type="vertAlign" val="t"/>
+            </dgm:alg>
+          </dgm:else>
+        </dgm:choose>
+        <dgm:shape xmlns:r="http://schemas.openxmlformats.org/officeDocument/2006/relationships" r:blip="">
+          <dgm:adjLst/>
+        </dgm:shape>
+        <dgm:presOf/>
+        <dgm:constrLst>
+          <dgm:constr type="primFontSz" for="des" ptType="node" op="equ"/>
+        </dgm:constrLst>
+        <dgm:ruleLst/>
+        <dgm:forEach name="Name12" axis="ch" cnt="3">
+          <dgm:forEach name="Name13" axis="self" ptType="node">
+            <dgm:layoutNode name="Name14">
+              <dgm:alg type="hierRoot"/>
+              <dgm:shape xmlns:r="http://schemas.openxmlformats.org/officeDocument/2006/relationships" r:blip="">
+                <dgm:adjLst/>
+              </dgm:shape>
+              <dgm:presOf/>
+              <dgm:constrLst/>
+              <dgm:ruleLst/>
+              <dgm:layoutNode name="level1Shape" styleLbl="node0">
+                <dgm:varLst>
+                  <dgm:chPref val="3"/>
+                </dgm:varLst>
+                <dgm:alg type="tx"/>
+                <dgm:shape xmlns:r="http://schemas.openxmlformats.org/officeDocument/2006/relationships" type="roundRect" r:blip="">
+                  <dgm:adjLst>
+                    <dgm:adj idx="1" val="0.1"/>
+                  </dgm:adjLst>
+                </dgm:shape>
+                <dgm:presOf axis="self"/>
+                <dgm:constrLst>
+                  <dgm:constr type="primFontSz" val="65"/>
+                  <dgm:constr type="tMarg" refType="primFontSz" fact="0.3"/>
+                  <dgm:constr type="bMarg" refType="primFontSz" fact="0.3"/>
+                  <dgm:constr type="lMarg" refType="primFontSz" fact="0.3"/>
+                  <dgm:constr type="rMarg" refType="primFontSz" fact="0.3"/>
+                </dgm:constrLst>
+                <dgm:ruleLst>
+                  <dgm:rule type="primFontSz" val="5" fact="NaN" max="NaN"/>
+                </dgm:ruleLst>
+              </dgm:layoutNode>
+              <dgm:layoutNode name="hierChild2">
+                <dgm:choose name="Name15">
+                  <dgm:if name="Name16" func="var" arg="dir" op="equ" val="norm">
+                    <dgm:alg type="hierChild">
+                      <dgm:param type="linDir" val="fromL"/>
+                    </dgm:alg>
+                  </dgm:if>
+                  <dgm:else name="Name17">
+                    <dgm:alg type="hierChild">
+                      <dgm:param type="linDir" val="fromR"/>
+                    </dgm:alg>
+                  </dgm:else>
+                </dgm:choose>
+                <dgm:shape xmlns:r="http://schemas.openxmlformats.org/officeDocument/2006/relationships" r:blip="">
+                  <dgm:adjLst/>
+                </dgm:shape>
+                <dgm:presOf/>
+                <dgm:constrLst/>
+                <dgm:ruleLst/>
+                <dgm:forEach name="repeat" axis="ch">
+                  <dgm:forEach name="Name18" axis="self" ptType="parTrans" cnt="1">
+                    <dgm:layoutNode name="Name19">
+                      <dgm:alg type="conn">
+                        <dgm:param type="dim" val="1D"/>
+                        <dgm:param type="endSty" val="noArr"/>
+                        <dgm:param type="connRout" val="bend"/>
+                        <dgm:param type="begPts" val="bCtr"/>
+                        <dgm:param type="endPts" val="tCtr"/>
+                      </dgm:alg>
+                      <dgm:shape xmlns:r="http://schemas.openxmlformats.org/officeDocument/2006/relationships" type="conn" r:blip="">
+                        <dgm:adjLst/>
+                      </dgm:shape>
+                      <dgm:presOf axis="self"/>
+                      <dgm:constrLst>
+                        <dgm:constr type="w" val="1"/>
+                        <dgm:constr type="h" val="1"/>
+                        <dgm:constr type="begPad"/>
+                        <dgm:constr type="endPad"/>
+                      </dgm:constrLst>
+                      <dgm:ruleLst/>
+                    </dgm:layoutNode>
+                  </dgm:forEach>
+                  <dgm:forEach name="Name20" axis="self" ptType="node">
+                    <dgm:layoutNode name="Name21">
+                      <dgm:alg type="hierRoot"/>
+                      <dgm:shape xmlns:r="http://schemas.openxmlformats.org/officeDocument/2006/relationships" r:blip="">
+                        <dgm:adjLst/>
+                      </dgm:shape>
+                      <dgm:presOf/>
+                      <dgm:constrLst/>
+                      <dgm:ruleLst/>
+                      <dgm:layoutNode name="level2Shape">
+                        <dgm:alg type="tx"/>
+                        <dgm:shape xmlns:r="http://schemas.openxmlformats.org/officeDocument/2006/relationships" type="roundRect" r:blip="">
+                          <dgm:adjLst>
+                            <dgm:adj idx="1" val="0.1"/>
+                          </dgm:adjLst>
+                        </dgm:shape>
+                        <dgm:presOf axis="self"/>
+                        <dgm:constrLst>
+                          <dgm:constr type="primFontSz" val="65"/>
+                          <dgm:constr type="tMarg" refType="primFontSz" fact="0.3"/>
+                          <dgm:constr type="bMarg" refType="primFontSz" fact="0.3"/>
+                          <dgm:constr type="lMarg" refType="primFontSz" fact="0.3"/>
+                          <dgm:constr type="rMarg" refType="primFontSz" fact="0.3"/>
+                        </dgm:constrLst>
+                        <dgm:ruleLst>
+                          <dgm:rule type="primFontSz" val="5" fact="NaN" max="NaN"/>
+                        </dgm:ruleLst>
+                      </dgm:layoutNode>
+                      <dgm:layoutNode name="hierChild3">
+                        <dgm:choose name="Name22">
+                          <dgm:if name="Name23" func="var" arg="dir" op="equ" val="norm">
+                            <dgm:alg type="hierChild">
+                              <dgm:param type="linDir" val="fromL"/>
+                            </dgm:alg>
+                          </dgm:if>
+                          <dgm:else name="Name24">
+                            <dgm:alg type="hierChild">
+                              <dgm:param type="linDir" val="fromR"/>
+                            </dgm:alg>
+                          </dgm:else>
+                        </dgm:choose>
+                        <dgm:shape xmlns:r="http://schemas.openxmlformats.org/officeDocument/2006/relationships" r:blip="">
+                          <dgm:adjLst/>
+                        </dgm:shape>
+                        <dgm:presOf/>
+                        <dgm:constrLst/>
+                        <dgm:ruleLst/>
+                        <dgm:forEach name="Name25" ref="repeat"/>
+                      </dgm:layoutNode>
+                    </dgm:layoutNode>
+                  </dgm:forEach>
+                </dgm:forEach>
+              </dgm:layoutNode>
+            </dgm:layoutNode>
+          </dgm:forEach>
+        </dgm:forEach>
+      </dgm:layoutNode>
+    </dgm:layoutNode>
+    <dgm:layoutNode name="bgShapesFlow">
+      <dgm:alg type="lin">
+        <dgm:param type="linDir" val="fromT"/>
+        <dgm:param type="nodeVertAlign" val="t"/>
+        <dgm:param type="vertAlign" val="t"/>
+        <dgm:param type="nodeHorzAlign" val="ctr"/>
+      </dgm:alg>
+      <dgm:shape xmlns:r="http://schemas.openxmlformats.org/officeDocument/2006/relationships" r:blip="">
+        <dgm:adjLst/>
+      </dgm:shape>
+      <dgm:presOf/>
+      <dgm:constrLst>
+        <dgm:constr type="userB"/>
+        <dgm:constr type="w" for="ch" forName="rectComp" refType="w"/>
+        <dgm:constr type="h" for="ch" forName="rectComp" refType="h"/>
+        <dgm:constr type="w" for="des" forName="bgRect" refType="w"/>
+        <dgm:constr type="primFontSz" for="des" forName="bgRectTx" op="equ"/>
+      </dgm:constrLst>
+      <dgm:ruleLst/>
+      <dgm:forEach name="Name26" axis="ch" ptType="node" st="2">
+        <dgm:layoutNode name="rectComp">
+          <dgm:alg type="composite">
+            <dgm:param type="vertAlign" val="t"/>
+            <dgm:param type="horzAlign" val="ctr"/>
+          </dgm:alg>
+          <dgm:shape xmlns:r="http://schemas.openxmlformats.org/officeDocument/2006/relationships" r:blip="">
+            <dgm:adjLst/>
+          </dgm:shape>
+          <dgm:presOf/>
+          <dgm:choose name="Name27">
+            <dgm:if name="Name28" func="var" arg="dir" op="equ" val="norm">
+              <dgm:constrLst>
+                <dgm:constr type="userA"/>
+                <dgm:constr type="l" for="ch" forName="bgRect"/>
+                <dgm:constr type="t" for="ch" forName="bgRect"/>
+                <dgm:constr type="h" for="ch" forName="bgRect" refType="userA" fact="1.2"/>
+                <dgm:constr type="l" for="ch" forName="bgRectTx"/>
+                <dgm:constr type="t" for="ch" forName="bgRectTx"/>
+                <dgm:constr type="w" for="ch" forName="bgRectTx" refType="w" refFor="ch" refForName="bgRect" fact="0.3"/>
+                <dgm:constr type="h" for="ch" forName="bgRectTx" refType="h" refFor="ch" refForName="bgRect" op="equ"/>
+              </dgm:constrLst>
+            </dgm:if>
+            <dgm:else name="Name29">
+              <dgm:constrLst>
+                <dgm:constr type="userA"/>
+                <dgm:constr type="l" for="ch" forName="bgRect"/>
+                <dgm:constr type="t" for="ch" forName="bgRect"/>
+                <dgm:constr type="h" for="ch" forName="bgRect" refType="userA" fact="1.2"/>
+                <dgm:constr type="r" for="ch" forName="bgRectTx" refType="w"/>
+                <dgm:constr type="t" for="ch" forName="bgRectTx"/>
+                <dgm:constr type="w" for="ch" forName="bgRectTx" refType="w" refFor="ch" refForName="bgRect" fact="0.3"/>
+                <dgm:constr type="h" for="ch" forName="bgRectTx" refType="h" refFor="ch" refForName="bgRect" op="equ"/>
+              </dgm:constrLst>
+            </dgm:else>
+          </dgm:choose>
+          <dgm:ruleLst/>
+          <dgm:layoutNode name="bgRect" styleLbl="bgShp">
+            <dgm:alg type="sp"/>
+            <dgm:shape xmlns:r="http://schemas.openxmlformats.org/officeDocument/2006/relationships" type="roundRect" r:blip="" zOrderOff="-999">
+              <dgm:adjLst>
+                <dgm:adj idx="1" val="0.1"/>
+              </dgm:adjLst>
+            </dgm:shape>
+            <dgm:presOf axis="desOrSelf" ptType="node"/>
+            <dgm:constrLst/>
+            <dgm:ruleLst/>
+          </dgm:layoutNode>
+          <dgm:layoutNode name="bgRectTx" styleLbl="bgShp">
+            <dgm:varLst>
+              <dgm:bulletEnabled val="1"/>
+            </dgm:varLst>
+            <dgm:alg type="tx"/>
+            <dgm:presOf axis="desOrSelf" ptType="node"/>
+            <dgm:shape xmlns:r="http://schemas.openxmlformats.org/officeDocument/2006/relationships" type="rect" r:blip="" zOrderOff="-999" hideGeom="1">
+              <dgm:adjLst/>
+            </dgm:shape>
+            <dgm:constrLst>
+              <dgm:constr type="primFontSz" val="65"/>
+            </dgm:constrLst>
+            <dgm:ruleLst>
+              <dgm:rule type="primFontSz" val="5" fact="NaN" max="NaN"/>
+            </dgm:ruleLst>
+          </dgm:layoutNode>
+        </dgm:layoutNode>
+        <dgm:choose name="Name30">
+          <dgm:if name="Name31" axis="self" ptType="node" func="revPos" op="gte" val="2">
+            <dgm:layoutNode name="spComp">
+              <dgm:alg type="composite">
+                <dgm:param type="vertAlign" val="t"/>
+                <dgm:param type="horzAlign" val="ctr"/>
+              </dgm:alg>
+              <dgm:shape xmlns:r="http://schemas.openxmlformats.org/officeDocument/2006/relationships" r:blip="">
+                <dgm:adjLst/>
+              </dgm:shape>
+              <dgm:presOf/>
+              <dgm:constrLst>
+                <dgm:constr type="userA"/>
+                <dgm:constr type="userB"/>
+                <dgm:constr type="l" for="ch" forName="vSp"/>
+                <dgm:constr type="t" for="ch" forName="vSp"/>
+                <dgm:constr type="h" for="ch" forName="vSp" refType="userB"/>
+                <dgm:constr type="hOff" for="ch" forName="vSp" refType="userA" fact="-0.2"/>
+              </dgm:constrLst>
+              <dgm:ruleLst/>
+              <dgm:layoutNode name="vSp">
+                <dgm:alg type="sp"/>
+                <dgm:shape xmlns:r="http://schemas.openxmlformats.org/officeDocument/2006/relationships" r:blip="">
+                  <dgm:adjLst/>
+                </dgm:shape>
+                <dgm:presOf/>
+                <dgm:constrLst/>
+                <dgm:ruleLst/>
+              </dgm:layoutNode>
+            </dgm:layoutNode>
+          </dgm:if>
+          <dgm:else name="Name32"/>
+        </dgm:choose>
+      </dgm:forEach>
+    </dgm:layoutNode>
+  </dgm:layoutNode>
+</dgm:layoutDef>
+</file>
+
+<file path=ppt/diagrams/layout2.xml><?xml version="1.0" encoding="utf-8"?>
 <dgm:layoutDef xmlns:dgm="http://schemas.openxmlformats.org/drawingml/2006/diagram" xmlns:a="http://schemas.openxmlformats.org/drawingml/2006/main" uniqueId="urn:microsoft.com/office/officeart/2005/8/layout/hierarchy6">
   <dgm:title val=""/>
   <dgm:desc val=""/>
@@ -3513,6 +7702,1040 @@
 </dgm:styleDef>
 </file>
 
+<file path=ppt/diagrams/quickStyle2.xml><?xml version="1.0" encoding="utf-8"?>
+<dgm:styleDef xmlns:dgm="http://schemas.openxmlformats.org/drawingml/2006/diagram" xmlns:a="http://schemas.openxmlformats.org/drawingml/2006/main" uniqueId="urn:microsoft.com/office/officeart/2005/8/quickstyle/simple1">
+  <dgm:title val=""/>
+  <dgm:desc val=""/>
+  <dgm:catLst>
+    <dgm:cat type="simple" pri="10100"/>
+  </dgm:catLst>
+  <dgm:scene3d>
+    <a:camera prst="orthographicFront"/>
+    <a:lightRig rig="threePt" dir="t"/>
+  </dgm:scene3d>
+  <dgm:styleLbl name="node0">
+    <dgm:scene3d>
+      <a:camera prst="orthographicFront"/>
+      <a:lightRig rig="threePt" dir="t"/>
+    </dgm:scene3d>
+    <dgm:sp3d/>
+    <dgm:txPr/>
+    <dgm:style>
+      <a:lnRef idx="2">
+        <a:scrgbClr r="0" g="0" b="0"/>
+      </a:lnRef>
+      <a:fillRef idx="1">
+        <a:scrgbClr r="0" g="0" b="0"/>
+      </a:fillRef>
+      <a:effectRef idx="0">
+        <a:scrgbClr r="0" g="0" b="0"/>
+      </a:effectRef>
+      <a:fontRef idx="minor">
+        <a:schemeClr val="lt1"/>
+      </a:fontRef>
+    </dgm:style>
+  </dgm:styleLbl>
+  <dgm:styleLbl name="lnNode1">
+    <dgm:scene3d>
+      <a:camera prst="orthographicFront"/>
+      <a:lightRig rig="threePt" dir="t"/>
+    </dgm:scene3d>
+    <dgm:sp3d/>
+    <dgm:txPr/>
+    <dgm:style>
+      <a:lnRef idx="2">
+        <a:scrgbClr r="0" g="0" b="0"/>
+      </a:lnRef>
+      <a:fillRef idx="1">
+        <a:scrgbClr r="0" g="0" b="0"/>
+      </a:fillRef>
+      <a:effectRef idx="0">
+        <a:scrgbClr r="0" g="0" b="0"/>
+      </a:effectRef>
+      <a:fontRef idx="minor">
+        <a:schemeClr val="lt1"/>
+      </a:fontRef>
+    </dgm:style>
+  </dgm:styleLbl>
+  <dgm:styleLbl name="vennNode1">
+    <dgm:scene3d>
+      <a:camera prst="orthographicFront"/>
+      <a:lightRig rig="threePt" dir="t"/>
+    </dgm:scene3d>
+    <dgm:sp3d/>
+    <dgm:txPr/>
+    <dgm:style>
+      <a:lnRef idx="2">
+        <a:scrgbClr r="0" g="0" b="0"/>
+      </a:lnRef>
+      <a:fillRef idx="1">
+        <a:scrgbClr r="0" g="0" b="0"/>
+      </a:fillRef>
+      <a:effectRef idx="0">
+        <a:scrgbClr r="0" g="0" b="0"/>
+      </a:effectRef>
+      <a:fontRef idx="minor">
+        <a:schemeClr val="tx1"/>
+      </a:fontRef>
+    </dgm:style>
+  </dgm:styleLbl>
+  <dgm:styleLbl name="alignNode1">
+    <dgm:scene3d>
+      <a:camera prst="orthographicFront"/>
+      <a:lightRig rig="threePt" dir="t"/>
+    </dgm:scene3d>
+    <dgm:sp3d/>
+    <dgm:txPr/>
+    <dgm:style>
+      <a:lnRef idx="2">
+        <a:scrgbClr r="0" g="0" b="0"/>
+      </a:lnRef>
+      <a:fillRef idx="1">
+        <a:scrgbClr r="0" g="0" b="0"/>
+      </a:fillRef>
+      <a:effectRef idx="0">
+        <a:scrgbClr r="0" g="0" b="0"/>
+      </a:effectRef>
+      <a:fontRef idx="minor">
+        <a:schemeClr val="lt1"/>
+      </a:fontRef>
+    </dgm:style>
+  </dgm:styleLbl>
+  <dgm:styleLbl name="node1">
+    <dgm:scene3d>
+      <a:camera prst="orthographicFront"/>
+      <a:lightRig rig="threePt" dir="t"/>
+    </dgm:scene3d>
+    <dgm:sp3d/>
+    <dgm:txPr/>
+    <dgm:style>
+      <a:lnRef idx="2">
+        <a:scrgbClr r="0" g="0" b="0"/>
+      </a:lnRef>
+      <a:fillRef idx="1">
+        <a:scrgbClr r="0" g="0" b="0"/>
+      </a:fillRef>
+      <a:effectRef idx="0">
+        <a:scrgbClr r="0" g="0" b="0"/>
+      </a:effectRef>
+      <a:fontRef idx="minor">
+        <a:schemeClr val="lt1"/>
+      </a:fontRef>
+    </dgm:style>
+  </dgm:styleLbl>
+  <dgm:styleLbl name="node2">
+    <dgm:scene3d>
+      <a:camera prst="orthographicFront"/>
+      <a:lightRig rig="threePt" dir="t"/>
+    </dgm:scene3d>
+    <dgm:sp3d/>
+    <dgm:txPr/>
+    <dgm:style>
+      <a:lnRef idx="2">
+        <a:scrgbClr r="0" g="0" b="0"/>
+      </a:lnRef>
+      <a:fillRef idx="1">
+        <a:scrgbClr r="0" g="0" b="0"/>
+      </a:fillRef>
+      <a:effectRef idx="0">
+        <a:scrgbClr r="0" g="0" b="0"/>
+      </a:effectRef>
+      <a:fontRef idx="minor">
+        <a:schemeClr val="lt1"/>
+      </a:fontRef>
+    </dgm:style>
+  </dgm:styleLbl>
+  <dgm:styleLbl name="node3">
+    <dgm:scene3d>
+      <a:camera prst="orthographicFront"/>
+      <a:lightRig rig="threePt" dir="t"/>
+    </dgm:scene3d>
+    <dgm:sp3d/>
+    <dgm:txPr/>
+    <dgm:style>
+      <a:lnRef idx="2">
+        <a:scrgbClr r="0" g="0" b="0"/>
+      </a:lnRef>
+      <a:fillRef idx="1">
+        <a:scrgbClr r="0" g="0" b="0"/>
+      </a:fillRef>
+      <a:effectRef idx="0">
+        <a:scrgbClr r="0" g="0" b="0"/>
+      </a:effectRef>
+      <a:fontRef idx="minor">
+        <a:schemeClr val="lt1"/>
+      </a:fontRef>
+    </dgm:style>
+  </dgm:styleLbl>
+  <dgm:styleLbl name="node4">
+    <dgm:scene3d>
+      <a:camera prst="orthographicFront"/>
+      <a:lightRig rig="threePt" dir="t"/>
+    </dgm:scene3d>
+    <dgm:sp3d/>
+    <dgm:txPr/>
+    <dgm:style>
+      <a:lnRef idx="2">
+        <a:scrgbClr r="0" g="0" b="0"/>
+      </a:lnRef>
+      <a:fillRef idx="1">
+        <a:scrgbClr r="0" g="0" b="0"/>
+      </a:fillRef>
+      <a:effectRef idx="0">
+        <a:scrgbClr r="0" g="0" b="0"/>
+      </a:effectRef>
+      <a:fontRef idx="minor">
+        <a:schemeClr val="lt1"/>
+      </a:fontRef>
+    </dgm:style>
+  </dgm:styleLbl>
+  <dgm:styleLbl name="fgImgPlace1">
+    <dgm:scene3d>
+      <a:camera prst="orthographicFront"/>
+      <a:lightRig rig="threePt" dir="t"/>
+    </dgm:scene3d>
+    <dgm:sp3d/>
+    <dgm:txPr/>
+    <dgm:style>
+      <a:lnRef idx="2">
+        <a:scrgbClr r="0" g="0" b="0"/>
+      </a:lnRef>
+      <a:fillRef idx="1">
+        <a:scrgbClr r="0" g="0" b="0"/>
+      </a:fillRef>
+      <a:effectRef idx="0">
+        <a:scrgbClr r="0" g="0" b="0"/>
+      </a:effectRef>
+      <a:fontRef idx="minor"/>
+    </dgm:style>
+  </dgm:styleLbl>
+  <dgm:styleLbl name="alignImgPlace1">
+    <dgm:scene3d>
+      <a:camera prst="orthographicFront"/>
+      <a:lightRig rig="threePt" dir="t"/>
+    </dgm:scene3d>
+    <dgm:sp3d/>
+    <dgm:txPr/>
+    <dgm:style>
+      <a:lnRef idx="2">
+        <a:scrgbClr r="0" g="0" b="0"/>
+      </a:lnRef>
+      <a:fillRef idx="1">
+        <a:scrgbClr r="0" g="0" b="0"/>
+      </a:fillRef>
+      <a:effectRef idx="0">
+        <a:scrgbClr r="0" g="0" b="0"/>
+      </a:effectRef>
+      <a:fontRef idx="minor"/>
+    </dgm:style>
+  </dgm:styleLbl>
+  <dgm:styleLbl name="bgImgPlace1">
+    <dgm:scene3d>
+      <a:camera prst="orthographicFront"/>
+      <a:lightRig rig="threePt" dir="t"/>
+    </dgm:scene3d>
+    <dgm:sp3d/>
+    <dgm:txPr/>
+    <dgm:style>
+      <a:lnRef idx="2">
+        <a:scrgbClr r="0" g="0" b="0"/>
+      </a:lnRef>
+      <a:fillRef idx="1">
+        <a:scrgbClr r="0" g="0" b="0"/>
+      </a:fillRef>
+      <a:effectRef idx="0">
+        <a:scrgbClr r="0" g="0" b="0"/>
+      </a:effectRef>
+      <a:fontRef idx="minor"/>
+    </dgm:style>
+  </dgm:styleLbl>
+  <dgm:styleLbl name="sibTrans2D1">
+    <dgm:scene3d>
+      <a:camera prst="orthographicFront"/>
+      <a:lightRig rig="threePt" dir="t"/>
+    </dgm:scene3d>
+    <dgm:sp3d/>
+    <dgm:txPr/>
+    <dgm:style>
+      <a:lnRef idx="0">
+        <a:scrgbClr r="0" g="0" b="0"/>
+      </a:lnRef>
+      <a:fillRef idx="1">
+        <a:scrgbClr r="0" g="0" b="0"/>
+      </a:fillRef>
+      <a:effectRef idx="0">
+        <a:scrgbClr r="0" g="0" b="0"/>
+      </a:effectRef>
+      <a:fontRef idx="minor">
+        <a:schemeClr val="lt1"/>
+      </a:fontRef>
+    </dgm:style>
+  </dgm:styleLbl>
+  <dgm:styleLbl name="fgSibTrans2D1">
+    <dgm:scene3d>
+      <a:camera prst="orthographicFront"/>
+      <a:lightRig rig="threePt" dir="t"/>
+    </dgm:scene3d>
+    <dgm:sp3d/>
+    <dgm:txPr/>
+    <dgm:style>
+      <a:lnRef idx="0">
+        <a:scrgbClr r="0" g="0" b="0"/>
+      </a:lnRef>
+      <a:fillRef idx="1">
+        <a:scrgbClr r="0" g="0" b="0"/>
+      </a:fillRef>
+      <a:effectRef idx="0">
+        <a:scrgbClr r="0" g="0" b="0"/>
+      </a:effectRef>
+      <a:fontRef idx="minor">
+        <a:schemeClr val="lt1"/>
+      </a:fontRef>
+    </dgm:style>
+  </dgm:styleLbl>
+  <dgm:styleLbl name="bgSibTrans2D1">
+    <dgm:scene3d>
+      <a:camera prst="orthographicFront"/>
+      <a:lightRig rig="threePt" dir="t"/>
+    </dgm:scene3d>
+    <dgm:sp3d/>
+    <dgm:txPr/>
+    <dgm:style>
+      <a:lnRef idx="0">
+        <a:scrgbClr r="0" g="0" b="0"/>
+      </a:lnRef>
+      <a:fillRef idx="1">
+        <a:scrgbClr r="0" g="0" b="0"/>
+      </a:fillRef>
+      <a:effectRef idx="0">
+        <a:scrgbClr r="0" g="0" b="0"/>
+      </a:effectRef>
+      <a:fontRef idx="minor">
+        <a:schemeClr val="lt1"/>
+      </a:fontRef>
+    </dgm:style>
+  </dgm:styleLbl>
+  <dgm:styleLbl name="sibTrans1D1">
+    <dgm:scene3d>
+      <a:camera prst="orthographicFront"/>
+      <a:lightRig rig="threePt" dir="t"/>
+    </dgm:scene3d>
+    <dgm:sp3d/>
+    <dgm:txPr/>
+    <dgm:style>
+      <a:lnRef idx="1">
+        <a:scrgbClr r="0" g="0" b="0"/>
+      </a:lnRef>
+      <a:fillRef idx="0">
+        <a:scrgbClr r="0" g="0" b="0"/>
+      </a:fillRef>
+      <a:effectRef idx="0">
+        <a:scrgbClr r="0" g="0" b="0"/>
+      </a:effectRef>
+      <a:fontRef idx="minor"/>
+    </dgm:style>
+  </dgm:styleLbl>
+  <dgm:styleLbl name="callout">
+    <dgm:scene3d>
+      <a:camera prst="orthographicFront"/>
+      <a:lightRig rig="threePt" dir="t"/>
+    </dgm:scene3d>
+    <dgm:sp3d/>
+    <dgm:txPr/>
+    <dgm:style>
+      <a:lnRef idx="2">
+        <a:scrgbClr r="0" g="0" b="0"/>
+      </a:lnRef>
+      <a:fillRef idx="1">
+        <a:scrgbClr r="0" g="0" b="0"/>
+      </a:fillRef>
+      <a:effectRef idx="0">
+        <a:scrgbClr r="0" g="0" b="0"/>
+      </a:effectRef>
+      <a:fontRef idx="minor"/>
+    </dgm:style>
+  </dgm:styleLbl>
+  <dgm:styleLbl name="asst0">
+    <dgm:scene3d>
+      <a:camera prst="orthographicFront"/>
+      <a:lightRig rig="threePt" dir="t"/>
+    </dgm:scene3d>
+    <dgm:sp3d/>
+    <dgm:txPr/>
+    <dgm:style>
+      <a:lnRef idx="2">
+        <a:scrgbClr r="0" g="0" b="0"/>
+      </a:lnRef>
+      <a:fillRef idx="1">
+        <a:scrgbClr r="0" g="0" b="0"/>
+      </a:fillRef>
+      <a:effectRef idx="0">
+        <a:scrgbClr r="0" g="0" b="0"/>
+      </a:effectRef>
+      <a:fontRef idx="minor">
+        <a:schemeClr val="lt1"/>
+      </a:fontRef>
+    </dgm:style>
+  </dgm:styleLbl>
+  <dgm:styleLbl name="asst1">
+    <dgm:scene3d>
+      <a:camera prst="orthographicFront"/>
+      <a:lightRig rig="threePt" dir="t"/>
+    </dgm:scene3d>
+    <dgm:sp3d/>
+    <dgm:txPr/>
+    <dgm:style>
+      <a:lnRef idx="2">
+        <a:scrgbClr r="0" g="0" b="0"/>
+      </a:lnRef>
+      <a:fillRef idx="1">
+        <a:scrgbClr r="0" g="0" b="0"/>
+      </a:fillRef>
+      <a:effectRef idx="0">
+        <a:scrgbClr r="0" g="0" b="0"/>
+      </a:effectRef>
+      <a:fontRef idx="minor">
+        <a:schemeClr val="lt1"/>
+      </a:fontRef>
+    </dgm:style>
+  </dgm:styleLbl>
+  <dgm:styleLbl name="asst2">
+    <dgm:scene3d>
+      <a:camera prst="orthographicFront"/>
+      <a:lightRig rig="threePt" dir="t"/>
+    </dgm:scene3d>
+    <dgm:sp3d/>
+    <dgm:txPr/>
+    <dgm:style>
+      <a:lnRef idx="2">
+        <a:scrgbClr r="0" g="0" b="0"/>
+      </a:lnRef>
+      <a:fillRef idx="1">
+        <a:scrgbClr r="0" g="0" b="0"/>
+      </a:fillRef>
+      <a:effectRef idx="0">
+        <a:scrgbClr r="0" g="0" b="0"/>
+      </a:effectRef>
+      <a:fontRef idx="minor">
+        <a:schemeClr val="lt1"/>
+      </a:fontRef>
+    </dgm:style>
+  </dgm:styleLbl>
+  <dgm:styleLbl name="asst3">
+    <dgm:scene3d>
+      <a:camera prst="orthographicFront"/>
+      <a:lightRig rig="threePt" dir="t"/>
+    </dgm:scene3d>
+    <dgm:sp3d/>
+    <dgm:txPr/>
+    <dgm:style>
+      <a:lnRef idx="2">
+        <a:scrgbClr r="0" g="0" b="0"/>
+      </a:lnRef>
+      <a:fillRef idx="1">
+        <a:scrgbClr r="0" g="0" b="0"/>
+      </a:fillRef>
+      <a:effectRef idx="0">
+        <a:scrgbClr r="0" g="0" b="0"/>
+      </a:effectRef>
+      <a:fontRef idx="minor">
+        <a:schemeClr val="lt1"/>
+      </a:fontRef>
+    </dgm:style>
+  </dgm:styleLbl>
+  <dgm:styleLbl name="asst4">
+    <dgm:scene3d>
+      <a:camera prst="orthographicFront"/>
+      <a:lightRig rig="threePt" dir="t"/>
+    </dgm:scene3d>
+    <dgm:sp3d/>
+    <dgm:txPr/>
+    <dgm:style>
+      <a:lnRef idx="2">
+        <a:scrgbClr r="0" g="0" b="0"/>
+      </a:lnRef>
+      <a:fillRef idx="1">
+        <a:scrgbClr r="0" g="0" b="0"/>
+      </a:fillRef>
+      <a:effectRef idx="0">
+        <a:scrgbClr r="0" g="0" b="0"/>
+      </a:effectRef>
+      <a:fontRef idx="minor">
+        <a:schemeClr val="lt1"/>
+      </a:fontRef>
+    </dgm:style>
+  </dgm:styleLbl>
+  <dgm:styleLbl name="parChTrans2D1">
+    <dgm:scene3d>
+      <a:camera prst="orthographicFront"/>
+      <a:lightRig rig="threePt" dir="t"/>
+    </dgm:scene3d>
+    <dgm:sp3d/>
+    <dgm:txPr/>
+    <dgm:style>
+      <a:lnRef idx="2">
+        <a:scrgbClr r="0" g="0" b="0"/>
+      </a:lnRef>
+      <a:fillRef idx="1">
+        <a:scrgbClr r="0" g="0" b="0"/>
+      </a:fillRef>
+      <a:effectRef idx="0">
+        <a:scrgbClr r="0" g="0" b="0"/>
+      </a:effectRef>
+      <a:fontRef idx="minor">
+        <a:schemeClr val="lt1"/>
+      </a:fontRef>
+    </dgm:style>
+  </dgm:styleLbl>
+  <dgm:styleLbl name="parChTrans2D2">
+    <dgm:scene3d>
+      <a:camera prst="orthographicFront"/>
+      <a:lightRig rig="threePt" dir="t"/>
+    </dgm:scene3d>
+    <dgm:sp3d/>
+    <dgm:txPr/>
+    <dgm:style>
+      <a:lnRef idx="2">
+        <a:scrgbClr r="0" g="0" b="0"/>
+      </a:lnRef>
+      <a:fillRef idx="1">
+        <a:scrgbClr r="0" g="0" b="0"/>
+      </a:fillRef>
+      <a:effectRef idx="0">
+        <a:scrgbClr r="0" g="0" b="0"/>
+      </a:effectRef>
+      <a:fontRef idx="minor">
+        <a:schemeClr val="lt1"/>
+      </a:fontRef>
+    </dgm:style>
+  </dgm:styleLbl>
+  <dgm:styleLbl name="parChTrans2D3">
+    <dgm:scene3d>
+      <a:camera prst="orthographicFront"/>
+      <a:lightRig rig="threePt" dir="t"/>
+    </dgm:scene3d>
+    <dgm:sp3d/>
+    <dgm:txPr/>
+    <dgm:style>
+      <a:lnRef idx="2">
+        <a:scrgbClr r="0" g="0" b="0"/>
+      </a:lnRef>
+      <a:fillRef idx="1">
+        <a:scrgbClr r="0" g="0" b="0"/>
+      </a:fillRef>
+      <a:effectRef idx="0">
+        <a:scrgbClr r="0" g="0" b="0"/>
+      </a:effectRef>
+      <a:fontRef idx="minor">
+        <a:schemeClr val="lt1"/>
+      </a:fontRef>
+    </dgm:style>
+  </dgm:styleLbl>
+  <dgm:styleLbl name="parChTrans2D4">
+    <dgm:scene3d>
+      <a:camera prst="orthographicFront"/>
+      <a:lightRig rig="threePt" dir="t"/>
+    </dgm:scene3d>
+    <dgm:sp3d/>
+    <dgm:txPr/>
+    <dgm:style>
+      <a:lnRef idx="2">
+        <a:scrgbClr r="0" g="0" b="0"/>
+      </a:lnRef>
+      <a:fillRef idx="1">
+        <a:scrgbClr r="0" g="0" b="0"/>
+      </a:fillRef>
+      <a:effectRef idx="0">
+        <a:scrgbClr r="0" g="0" b="0"/>
+      </a:effectRef>
+      <a:fontRef idx="minor">
+        <a:schemeClr val="lt1"/>
+      </a:fontRef>
+    </dgm:style>
+  </dgm:styleLbl>
+  <dgm:styleLbl name="parChTrans1D1">
+    <dgm:scene3d>
+      <a:camera prst="orthographicFront"/>
+      <a:lightRig rig="threePt" dir="t"/>
+    </dgm:scene3d>
+    <dgm:sp3d/>
+    <dgm:txPr/>
+    <dgm:style>
+      <a:lnRef idx="2">
+        <a:scrgbClr r="0" g="0" b="0"/>
+      </a:lnRef>
+      <a:fillRef idx="0">
+        <a:scrgbClr r="0" g="0" b="0"/>
+      </a:fillRef>
+      <a:effectRef idx="0">
+        <a:scrgbClr r="0" g="0" b="0"/>
+      </a:effectRef>
+      <a:fontRef idx="minor"/>
+    </dgm:style>
+  </dgm:styleLbl>
+  <dgm:styleLbl name="parChTrans1D2">
+    <dgm:scene3d>
+      <a:camera prst="orthographicFront"/>
+      <a:lightRig rig="threePt" dir="t"/>
+    </dgm:scene3d>
+    <dgm:sp3d/>
+    <dgm:txPr/>
+    <dgm:style>
+      <a:lnRef idx="2">
+        <a:scrgbClr r="0" g="0" b="0"/>
+      </a:lnRef>
+      <a:fillRef idx="0">
+        <a:scrgbClr r="0" g="0" b="0"/>
+      </a:fillRef>
+      <a:effectRef idx="0">
+        <a:scrgbClr r="0" g="0" b="0"/>
+      </a:effectRef>
+      <a:fontRef idx="minor"/>
+    </dgm:style>
+  </dgm:styleLbl>
+  <dgm:styleLbl name="parChTrans1D3">
+    <dgm:scene3d>
+      <a:camera prst="orthographicFront"/>
+      <a:lightRig rig="threePt" dir="t"/>
+    </dgm:scene3d>
+    <dgm:sp3d/>
+    <dgm:txPr/>
+    <dgm:style>
+      <a:lnRef idx="2">
+        <a:scrgbClr r="0" g="0" b="0"/>
+      </a:lnRef>
+      <a:fillRef idx="0">
+        <a:scrgbClr r="0" g="0" b="0"/>
+      </a:fillRef>
+      <a:effectRef idx="0">
+        <a:scrgbClr r="0" g="0" b="0"/>
+      </a:effectRef>
+      <a:fontRef idx="minor"/>
+    </dgm:style>
+  </dgm:styleLbl>
+  <dgm:styleLbl name="parChTrans1D4">
+    <dgm:scene3d>
+      <a:camera prst="orthographicFront"/>
+      <a:lightRig rig="threePt" dir="t"/>
+    </dgm:scene3d>
+    <dgm:sp3d/>
+    <dgm:txPr/>
+    <dgm:style>
+      <a:lnRef idx="2">
+        <a:scrgbClr r="0" g="0" b="0"/>
+      </a:lnRef>
+      <a:fillRef idx="0">
+        <a:scrgbClr r="0" g="0" b="0"/>
+      </a:fillRef>
+      <a:effectRef idx="0">
+        <a:scrgbClr r="0" g="0" b="0"/>
+      </a:effectRef>
+      <a:fontRef idx="minor"/>
+    </dgm:style>
+  </dgm:styleLbl>
+  <dgm:styleLbl name="fgAcc1">
+    <dgm:scene3d>
+      <a:camera prst="orthographicFront"/>
+      <a:lightRig rig="threePt" dir="t"/>
+    </dgm:scene3d>
+    <dgm:sp3d/>
+    <dgm:txPr/>
+    <dgm:style>
+      <a:lnRef idx="2">
+        <a:scrgbClr r="0" g="0" b="0"/>
+      </a:lnRef>
+      <a:fillRef idx="1">
+        <a:scrgbClr r="0" g="0" b="0"/>
+      </a:fillRef>
+      <a:effectRef idx="0">
+        <a:scrgbClr r="0" g="0" b="0"/>
+      </a:effectRef>
+      <a:fontRef idx="minor"/>
+    </dgm:style>
+  </dgm:styleLbl>
+  <dgm:styleLbl name="conFgAcc1">
+    <dgm:scene3d>
+      <a:camera prst="orthographicFront"/>
+      <a:lightRig rig="threePt" dir="t"/>
+    </dgm:scene3d>
+    <dgm:sp3d/>
+    <dgm:txPr/>
+    <dgm:style>
+      <a:lnRef idx="2">
+        <a:scrgbClr r="0" g="0" b="0"/>
+      </a:lnRef>
+      <a:fillRef idx="1">
+        <a:scrgbClr r="0" g="0" b="0"/>
+      </a:fillRef>
+      <a:effectRef idx="0">
+        <a:scrgbClr r="0" g="0" b="0"/>
+      </a:effectRef>
+      <a:fontRef idx="minor"/>
+    </dgm:style>
+  </dgm:styleLbl>
+  <dgm:styleLbl name="alignAcc1">
+    <dgm:scene3d>
+      <a:camera prst="orthographicFront"/>
+      <a:lightRig rig="threePt" dir="t"/>
+    </dgm:scene3d>
+    <dgm:sp3d/>
+    <dgm:txPr/>
+    <dgm:style>
+      <a:lnRef idx="2">
+        <a:scrgbClr r="0" g="0" b="0"/>
+      </a:lnRef>
+      <a:fillRef idx="1">
+        <a:scrgbClr r="0" g="0" b="0"/>
+      </a:fillRef>
+      <a:effectRef idx="0">
+        <a:scrgbClr r="0" g="0" b="0"/>
+      </a:effectRef>
+      <a:fontRef idx="minor"/>
+    </dgm:style>
+  </dgm:styleLbl>
+  <dgm:styleLbl name="trAlignAcc1">
+    <dgm:scene3d>
+      <a:camera prst="orthographicFront"/>
+      <a:lightRig rig="threePt" dir="t"/>
+    </dgm:scene3d>
+    <dgm:sp3d/>
+    <dgm:txPr/>
+    <dgm:style>
+      <a:lnRef idx="1">
+        <a:scrgbClr r="0" g="0" b="0"/>
+      </a:lnRef>
+      <a:fillRef idx="1">
+        <a:scrgbClr r="0" g="0" b="0"/>
+      </a:fillRef>
+      <a:effectRef idx="0">
+        <a:scrgbClr r="0" g="0" b="0"/>
+      </a:effectRef>
+      <a:fontRef idx="minor"/>
+    </dgm:style>
+  </dgm:styleLbl>
+  <dgm:styleLbl name="bgAcc1">
+    <dgm:scene3d>
+      <a:camera prst="orthographicFront"/>
+      <a:lightRig rig="threePt" dir="t"/>
+    </dgm:scene3d>
+    <dgm:sp3d/>
+    <dgm:txPr/>
+    <dgm:style>
+      <a:lnRef idx="2">
+        <a:scrgbClr r="0" g="0" b="0"/>
+      </a:lnRef>
+      <a:fillRef idx="1">
+        <a:scrgbClr r="0" g="0" b="0"/>
+      </a:fillRef>
+      <a:effectRef idx="0">
+        <a:scrgbClr r="0" g="0" b="0"/>
+      </a:effectRef>
+      <a:fontRef idx="minor"/>
+    </dgm:style>
+  </dgm:styleLbl>
+  <dgm:styleLbl name="solidFgAcc1">
+    <dgm:scene3d>
+      <a:camera prst="orthographicFront"/>
+      <a:lightRig rig="threePt" dir="t"/>
+    </dgm:scene3d>
+    <dgm:sp3d/>
+    <dgm:txPr/>
+    <dgm:style>
+      <a:lnRef idx="2">
+        <a:scrgbClr r="0" g="0" b="0"/>
+      </a:lnRef>
+      <a:fillRef idx="1">
+        <a:scrgbClr r="0" g="0" b="0"/>
+      </a:fillRef>
+      <a:effectRef idx="0">
+        <a:scrgbClr r="0" g="0" b="0"/>
+      </a:effectRef>
+      <a:fontRef idx="minor"/>
+    </dgm:style>
+  </dgm:styleLbl>
+  <dgm:styleLbl name="solidAlignAcc1">
+    <dgm:scene3d>
+      <a:camera prst="orthographicFront"/>
+      <a:lightRig rig="threePt" dir="t"/>
+    </dgm:scene3d>
+    <dgm:sp3d/>
+    <dgm:txPr/>
+    <dgm:style>
+      <a:lnRef idx="2">
+        <a:scrgbClr r="0" g="0" b="0"/>
+      </a:lnRef>
+      <a:fillRef idx="1">
+        <a:scrgbClr r="0" g="0" b="0"/>
+      </a:fillRef>
+      <a:effectRef idx="0">
+        <a:scrgbClr r="0" g="0" b="0"/>
+      </a:effectRef>
+      <a:fontRef idx="minor"/>
+    </dgm:style>
+  </dgm:styleLbl>
+  <dgm:styleLbl name="solidBgAcc1">
+    <dgm:scene3d>
+      <a:camera prst="orthographicFront"/>
+      <a:lightRig rig="threePt" dir="t"/>
+    </dgm:scene3d>
+    <dgm:sp3d/>
+    <dgm:txPr/>
+    <dgm:style>
+      <a:lnRef idx="2">
+        <a:scrgbClr r="0" g="0" b="0"/>
+      </a:lnRef>
+      <a:fillRef idx="1">
+        <a:scrgbClr r="0" g="0" b="0"/>
+      </a:fillRef>
+      <a:effectRef idx="0">
+        <a:scrgbClr r="0" g="0" b="0"/>
+      </a:effectRef>
+      <a:fontRef idx="minor"/>
+    </dgm:style>
+  </dgm:styleLbl>
+  <dgm:styleLbl name="fgAccFollowNode1">
+    <dgm:scene3d>
+      <a:camera prst="orthographicFront"/>
+      <a:lightRig rig="threePt" dir="t"/>
+    </dgm:scene3d>
+    <dgm:sp3d/>
+    <dgm:txPr/>
+    <dgm:style>
+      <a:lnRef idx="2">
+        <a:scrgbClr r="0" g="0" b="0"/>
+      </a:lnRef>
+      <a:fillRef idx="1">
+        <a:scrgbClr r="0" g="0" b="0"/>
+      </a:fillRef>
+      <a:effectRef idx="0">
+        <a:scrgbClr r="0" g="0" b="0"/>
+      </a:effectRef>
+      <a:fontRef idx="minor"/>
+    </dgm:style>
+  </dgm:styleLbl>
+  <dgm:styleLbl name="alignAccFollowNode1">
+    <dgm:scene3d>
+      <a:camera prst="orthographicFront"/>
+      <a:lightRig rig="threePt" dir="t"/>
+    </dgm:scene3d>
+    <dgm:sp3d/>
+    <dgm:txPr/>
+    <dgm:style>
+      <a:lnRef idx="2">
+        <a:scrgbClr r="0" g="0" b="0"/>
+      </a:lnRef>
+      <a:fillRef idx="1">
+        <a:scrgbClr r="0" g="0" b="0"/>
+      </a:fillRef>
+      <a:effectRef idx="0">
+        <a:scrgbClr r="0" g="0" b="0"/>
+      </a:effectRef>
+      <a:fontRef idx="minor"/>
+    </dgm:style>
+  </dgm:styleLbl>
+  <dgm:styleLbl name="bgAccFollowNode1">
+    <dgm:scene3d>
+      <a:camera prst="orthographicFront"/>
+      <a:lightRig rig="threePt" dir="t"/>
+    </dgm:scene3d>
+    <dgm:sp3d/>
+    <dgm:txPr/>
+    <dgm:style>
+      <a:lnRef idx="2">
+        <a:scrgbClr r="0" g="0" b="0"/>
+      </a:lnRef>
+      <a:fillRef idx="1">
+        <a:scrgbClr r="0" g="0" b="0"/>
+      </a:fillRef>
+      <a:effectRef idx="0">
+        <a:scrgbClr r="0" g="0" b="0"/>
+      </a:effectRef>
+      <a:fontRef idx="minor"/>
+    </dgm:style>
+  </dgm:styleLbl>
+  <dgm:styleLbl name="fgAcc0">
+    <dgm:scene3d>
+      <a:camera prst="orthographicFront"/>
+      <a:lightRig rig="threePt" dir="t"/>
+    </dgm:scene3d>
+    <dgm:sp3d/>
+    <dgm:txPr/>
+    <dgm:style>
+      <a:lnRef idx="2">
+        <a:scrgbClr r="0" g="0" b="0"/>
+      </a:lnRef>
+      <a:fillRef idx="1">
+        <a:scrgbClr r="0" g="0" b="0"/>
+      </a:fillRef>
+      <a:effectRef idx="0">
+        <a:scrgbClr r="0" g="0" b="0"/>
+      </a:effectRef>
+      <a:fontRef idx="minor"/>
+    </dgm:style>
+  </dgm:styleLbl>
+  <dgm:styleLbl name="fgAcc2">
+    <dgm:scene3d>
+      <a:camera prst="orthographicFront"/>
+      <a:lightRig rig="threePt" dir="t"/>
+    </dgm:scene3d>
+    <dgm:sp3d/>
+    <dgm:txPr/>
+    <dgm:style>
+      <a:lnRef idx="2">
+        <a:scrgbClr r="0" g="0" b="0"/>
+      </a:lnRef>
+      <a:fillRef idx="1">
+        <a:scrgbClr r="0" g="0" b="0"/>
+      </a:fillRef>
+      <a:effectRef idx="0">
+        <a:scrgbClr r="0" g="0" b="0"/>
+      </a:effectRef>
+      <a:fontRef idx="minor"/>
+    </dgm:style>
+  </dgm:styleLbl>
+  <dgm:styleLbl name="fgAcc3">
+    <dgm:scene3d>
+      <a:camera prst="orthographicFront"/>
+      <a:lightRig rig="threePt" dir="t"/>
+    </dgm:scene3d>
+    <dgm:sp3d/>
+    <dgm:txPr/>
+    <dgm:style>
+      <a:lnRef idx="2">
+        <a:scrgbClr r="0" g="0" b="0"/>
+      </a:lnRef>
+      <a:fillRef idx="1">
+        <a:scrgbClr r="0" g="0" b="0"/>
+      </a:fillRef>
+      <a:effectRef idx="0">
+        <a:scrgbClr r="0" g="0" b="0"/>
+      </a:effectRef>
+      <a:fontRef idx="minor"/>
+    </dgm:style>
+  </dgm:styleLbl>
+  <dgm:styleLbl name="fgAcc4">
+    <dgm:scene3d>
+      <a:camera prst="orthographicFront"/>
+      <a:lightRig rig="threePt" dir="t"/>
+    </dgm:scene3d>
+    <dgm:sp3d/>
+    <dgm:txPr/>
+    <dgm:style>
+      <a:lnRef idx="2">
+        <a:scrgbClr r="0" g="0" b="0"/>
+      </a:lnRef>
+      <a:fillRef idx="1">
+        <a:scrgbClr r="0" g="0" b="0"/>
+      </a:fillRef>
+      <a:effectRef idx="0">
+        <a:scrgbClr r="0" g="0" b="0"/>
+      </a:effectRef>
+      <a:fontRef idx="minor"/>
+    </dgm:style>
+  </dgm:styleLbl>
+  <dgm:styleLbl name="bgShp">
+    <dgm:scene3d>
+      <a:camera prst="orthographicFront"/>
+      <a:lightRig rig="threePt" dir="t"/>
+    </dgm:scene3d>
+    <dgm:sp3d/>
+    <dgm:txPr/>
+    <dgm:style>
+      <a:lnRef idx="0">
+        <a:scrgbClr r="0" g="0" b="0"/>
+      </a:lnRef>
+      <a:fillRef idx="1">
+        <a:scrgbClr r="0" g="0" b="0"/>
+      </a:fillRef>
+      <a:effectRef idx="0">
+        <a:scrgbClr r="0" g="0" b="0"/>
+      </a:effectRef>
+      <a:fontRef idx="minor"/>
+    </dgm:style>
+  </dgm:styleLbl>
+  <dgm:styleLbl name="dkBgShp">
+    <dgm:scene3d>
+      <a:camera prst="orthographicFront"/>
+      <a:lightRig rig="threePt" dir="t"/>
+    </dgm:scene3d>
+    <dgm:sp3d/>
+    <dgm:txPr/>
+    <dgm:style>
+      <a:lnRef idx="0">
+        <a:scrgbClr r="0" g="0" b="0"/>
+      </a:lnRef>
+      <a:fillRef idx="1">
+        <a:scrgbClr r="0" g="0" b="0"/>
+      </a:fillRef>
+      <a:effectRef idx="0">
+        <a:scrgbClr r="0" g="0" b="0"/>
+      </a:effectRef>
+      <a:fontRef idx="minor"/>
+    </dgm:style>
+  </dgm:styleLbl>
+  <dgm:styleLbl name="trBgShp">
+    <dgm:scene3d>
+      <a:camera prst="orthographicFront"/>
+      <a:lightRig rig="threePt" dir="t"/>
+    </dgm:scene3d>
+    <dgm:sp3d/>
+    <dgm:txPr/>
+    <dgm:style>
+      <a:lnRef idx="0">
+        <a:scrgbClr r="0" g="0" b="0"/>
+      </a:lnRef>
+      <a:fillRef idx="1">
+        <a:scrgbClr r="0" g="0" b="0"/>
+      </a:fillRef>
+      <a:effectRef idx="0">
+        <a:scrgbClr r="0" g="0" b="0"/>
+      </a:effectRef>
+      <a:fontRef idx="minor"/>
+    </dgm:style>
+  </dgm:styleLbl>
+  <dgm:styleLbl name="fgShp">
+    <dgm:scene3d>
+      <a:camera prst="orthographicFront"/>
+      <a:lightRig rig="threePt" dir="t"/>
+    </dgm:scene3d>
+    <dgm:sp3d/>
+    <dgm:txPr/>
+    <dgm:style>
+      <a:lnRef idx="2">
+        <a:scrgbClr r="0" g="0" b="0"/>
+      </a:lnRef>
+      <a:fillRef idx="1">
+        <a:scrgbClr r="0" g="0" b="0"/>
+      </a:fillRef>
+      <a:effectRef idx="0">
+        <a:scrgbClr r="0" g="0" b="0"/>
+      </a:effectRef>
+      <a:fontRef idx="minor"/>
+    </dgm:style>
+  </dgm:styleLbl>
+  <dgm:styleLbl name="revTx">
+    <dgm:scene3d>
+      <a:camera prst="orthographicFront"/>
+      <a:lightRig rig="threePt" dir="t"/>
+    </dgm:scene3d>
+    <dgm:sp3d/>
+    <dgm:txPr/>
+    <dgm:style>
+      <a:lnRef idx="0">
+        <a:scrgbClr r="0" g="0" b="0"/>
+      </a:lnRef>
+      <a:fillRef idx="0">
+        <a:scrgbClr r="0" g="0" b="0"/>
+      </a:fillRef>
+      <a:effectRef idx="0">
+        <a:scrgbClr r="0" g="0" b="0"/>
+      </a:effectRef>
+      <a:fontRef idx="minor"/>
+    </dgm:style>
+  </dgm:styleLbl>
+</dgm:styleDef>
+</file>
+
 <file path=ppt/slideLayouts/slideLayout1.xml><?xml version="1.0" encoding="utf-8"?>
 <p:sldLayout xmlns:a="http://schemas.openxmlformats.org/drawingml/2006/main" xmlns:r="http://schemas.openxmlformats.org/officeDocument/2006/relationships" xmlns:p="http://schemas.openxmlformats.org/presentationml/2006/main" type="title" preserve="1">
   <p:cSld name="Title Slide">
@@ -3644,7 +8867,7 @@
           <a:p>
             <a:fld id="{AD4712C2-029A-4884-AB9A-6281E8C47259}" type="datetimeFigureOut">
               <a:rPr lang="en-US" smtClean="0"/>
-              <a:t>09-Jun-18</a:t>
+              <a:t>14-Jun-18</a:t>
             </a:fld>
             <a:endParaRPr lang="en-US"/>
           </a:p>
@@ -3814,7 +9037,7 @@
           <a:p>
             <a:fld id="{AD4712C2-029A-4884-AB9A-6281E8C47259}" type="datetimeFigureOut">
               <a:rPr lang="en-US" smtClean="0"/>
-              <a:t>09-Jun-18</a:t>
+              <a:t>14-Jun-18</a:t>
             </a:fld>
             <a:endParaRPr lang="en-US"/>
           </a:p>
@@ -3994,7 +9217,7 @@
           <a:p>
             <a:fld id="{AD4712C2-029A-4884-AB9A-6281E8C47259}" type="datetimeFigureOut">
               <a:rPr lang="en-US" smtClean="0"/>
-              <a:t>09-Jun-18</a:t>
+              <a:t>14-Jun-18</a:t>
             </a:fld>
             <a:endParaRPr lang="en-US"/>
           </a:p>
@@ -4164,7 +9387,7 @@
           <a:p>
             <a:fld id="{AD4712C2-029A-4884-AB9A-6281E8C47259}" type="datetimeFigureOut">
               <a:rPr lang="en-US" smtClean="0"/>
-              <a:t>09-Jun-18</a:t>
+              <a:t>14-Jun-18</a:t>
             </a:fld>
             <a:endParaRPr lang="en-US"/>
           </a:p>
@@ -4410,7 +9633,7 @@
           <a:p>
             <a:fld id="{AD4712C2-029A-4884-AB9A-6281E8C47259}" type="datetimeFigureOut">
               <a:rPr lang="en-US" smtClean="0"/>
-              <a:t>09-Jun-18</a:t>
+              <a:t>14-Jun-18</a:t>
             </a:fld>
             <a:endParaRPr lang="en-US"/>
           </a:p>
@@ -4642,7 +9865,7 @@
           <a:p>
             <a:fld id="{AD4712C2-029A-4884-AB9A-6281E8C47259}" type="datetimeFigureOut">
               <a:rPr lang="en-US" smtClean="0"/>
-              <a:t>09-Jun-18</a:t>
+              <a:t>14-Jun-18</a:t>
             </a:fld>
             <a:endParaRPr lang="en-US"/>
           </a:p>
@@ -5009,7 +10232,7 @@
           <a:p>
             <a:fld id="{AD4712C2-029A-4884-AB9A-6281E8C47259}" type="datetimeFigureOut">
               <a:rPr lang="en-US" smtClean="0"/>
-              <a:t>09-Jun-18</a:t>
+              <a:t>14-Jun-18</a:t>
             </a:fld>
             <a:endParaRPr lang="en-US"/>
           </a:p>
@@ -5127,7 +10350,7 @@
           <a:p>
             <a:fld id="{AD4712C2-029A-4884-AB9A-6281E8C47259}" type="datetimeFigureOut">
               <a:rPr lang="en-US" smtClean="0"/>
-              <a:t>09-Jun-18</a:t>
+              <a:t>14-Jun-18</a:t>
             </a:fld>
             <a:endParaRPr lang="en-US"/>
           </a:p>
@@ -5222,7 +10445,7 @@
           <a:p>
             <a:fld id="{AD4712C2-029A-4884-AB9A-6281E8C47259}" type="datetimeFigureOut">
               <a:rPr lang="en-US" smtClean="0"/>
-              <a:t>09-Jun-18</a:t>
+              <a:t>14-Jun-18</a:t>
             </a:fld>
             <a:endParaRPr lang="en-US"/>
           </a:p>
@@ -5499,7 +10722,7 @@
           <a:p>
             <a:fld id="{AD4712C2-029A-4884-AB9A-6281E8C47259}" type="datetimeFigureOut">
               <a:rPr lang="en-US" smtClean="0"/>
-              <a:t>09-Jun-18</a:t>
+              <a:t>14-Jun-18</a:t>
             </a:fld>
             <a:endParaRPr lang="en-US"/>
           </a:p>
@@ -5752,7 +10975,7 @@
           <a:p>
             <a:fld id="{AD4712C2-029A-4884-AB9A-6281E8C47259}" type="datetimeFigureOut">
               <a:rPr lang="en-US" smtClean="0"/>
-              <a:t>09-Jun-18</a:t>
+              <a:t>14-Jun-18</a:t>
             </a:fld>
             <a:endParaRPr lang="en-US"/>
           </a:p>
@@ -5965,7 +11188,7 @@
           <a:p>
             <a:fld id="{AD4712C2-029A-4884-AB9A-6281E8C47259}" type="datetimeFigureOut">
               <a:rPr lang="en-US" smtClean="0"/>
-              <a:t>09-Jun-18</a:t>
+              <a:t>14-Jun-18</a:t>
             </a:fld>
             <a:endParaRPr lang="en-US"/>
           </a:p>
@@ -6380,8 +11603,8 @@
         </p:nvSpPr>
         <p:spPr>
           <a:xfrm>
-            <a:off x="-1" y="-1"/>
-            <a:ext cx="12179808" cy="6839712"/>
+            <a:off x="0" y="-1"/>
+            <a:ext cx="12179806" cy="6839712"/>
           </a:xfrm>
           <a:prstGeom prst="rect">
             <a:avLst/>
@@ -7123,6 +12346,720 @@
 </p:sld>
 </file>
 
+<file path=ppt/slides/slide2.xml><?xml version="1.0" encoding="utf-8"?>
+<p:sld xmlns:a="http://schemas.openxmlformats.org/drawingml/2006/main" xmlns:r="http://schemas.openxmlformats.org/officeDocument/2006/relationships" xmlns:p="http://schemas.openxmlformats.org/presentationml/2006/main">
+  <p:cSld>
+    <p:spTree>
+      <p:nvGrpSpPr>
+        <p:cNvPr id="1" name=""/>
+        <p:cNvGrpSpPr/>
+        <p:nvPr/>
+      </p:nvGrpSpPr>
+      <p:grpSpPr>
+        <a:xfrm>
+          <a:off x="0" y="0"/>
+          <a:ext cx="0" cy="0"/>
+          <a:chOff x="0" y="0"/>
+          <a:chExt cx="0" cy="0"/>
+        </a:xfrm>
+      </p:grpSpPr>
+      <p:sp>
+        <p:nvSpPr>
+          <p:cNvPr id="2" name="Rectangle 1"/>
+          <p:cNvSpPr>
+            <a:spLocks/>
+          </p:cNvSpPr>
+          <p:nvPr/>
+        </p:nvSpPr>
+        <p:spPr>
+          <a:xfrm>
+            <a:off x="0" y="-1"/>
+            <a:ext cx="12174584" cy="6839712"/>
+          </a:xfrm>
+          <a:prstGeom prst="rect">
+            <a:avLst/>
+          </a:prstGeom>
+        </p:spPr>
+        <p:style>
+          <a:lnRef idx="1">
+            <a:schemeClr val="accent1"/>
+          </a:lnRef>
+          <a:fillRef idx="1002">
+            <a:schemeClr val="lt2"/>
+          </a:fillRef>
+          <a:effectRef idx="1">
+            <a:schemeClr val="accent1"/>
+          </a:effectRef>
+          <a:fontRef idx="minor">
+            <a:schemeClr val="dk1"/>
+          </a:fontRef>
+        </p:style>
+        <p:txBody>
+          <a:bodyPr rtlCol="0" anchor="ctr"/>
+          <a:lstStyle/>
+          <a:p>
+            <a:pPr algn="ctr"/>
+            <a:endParaRPr lang="en-US" dirty="0"/>
+          </a:p>
+        </p:txBody>
+      </p:sp>
+      <p:graphicFrame>
+        <p:nvGraphicFramePr>
+          <p:cNvPr id="8" name="Diagram 7"/>
+          <p:cNvGraphicFramePr/>
+          <p:nvPr>
+            <p:extLst>
+              <p:ext uri="{D42A27DB-BD31-4B8C-83A1-F6EECF244321}">
+                <p14:modId xmlns:p14="http://schemas.microsoft.com/office/powerpoint/2010/main" val="1678791606"/>
+              </p:ext>
+            </p:extLst>
+          </p:nvPr>
+        </p:nvGraphicFramePr>
+        <p:xfrm>
+          <a:off x="218285" y="0"/>
+          <a:ext cx="10467132" cy="6839711"/>
+        </p:xfrm>
+        <a:graphic>
+          <a:graphicData uri="http://schemas.openxmlformats.org/drawingml/2006/diagram">
+            <dgm:relIds xmlns:dgm="http://schemas.openxmlformats.org/drawingml/2006/diagram" xmlns:r="http://schemas.openxmlformats.org/officeDocument/2006/relationships" r:dm="rId2" r:lo="rId3" r:qs="rId4" r:cs="rId5"/>
+          </a:graphicData>
+        </a:graphic>
+      </p:graphicFrame>
+      <p:sp>
+        <p:nvSpPr>
+          <p:cNvPr id="5" name="Rectangle 4"/>
+          <p:cNvSpPr/>
+          <p:nvPr/>
+        </p:nvSpPr>
+        <p:spPr>
+          <a:xfrm>
+            <a:off x="218285" y="193010"/>
+            <a:ext cx="2353584" cy="908257"/>
+          </a:xfrm>
+          <a:prstGeom prst="rect">
+            <a:avLst/>
+          </a:prstGeom>
+        </p:spPr>
+        <p:style>
+          <a:lnRef idx="1">
+            <a:schemeClr val="accent2"/>
+          </a:lnRef>
+          <a:fillRef idx="2">
+            <a:schemeClr val="accent2"/>
+          </a:fillRef>
+          <a:effectRef idx="1">
+            <a:schemeClr val="accent2"/>
+          </a:effectRef>
+          <a:fontRef idx="minor">
+            <a:schemeClr val="dk1"/>
+          </a:fontRef>
+        </p:style>
+        <p:txBody>
+          <a:bodyPr rtlCol="0" anchor="ctr"/>
+          <a:lstStyle/>
+          <a:p>
+            <a:pPr algn="ctr"/>
+            <a:r>
+              <a:rPr lang="ro-RO" sz="2800" dirty="0" smtClean="0">
+                <a:solidFill>
+                  <a:schemeClr val="bg1"/>
+                </a:solidFill>
+              </a:rPr>
+              <a:t>Arhitectură detaliată</a:t>
+            </a:r>
+            <a:endParaRPr lang="en-US" sz="2800" dirty="0">
+              <a:solidFill>
+                <a:schemeClr val="bg1"/>
+              </a:solidFill>
+            </a:endParaRPr>
+          </a:p>
+        </p:txBody>
+      </p:sp>
+      <p:cxnSp>
+        <p:nvCxnSpPr>
+          <p:cNvPr id="4" name="Straight Arrow Connector 3"/>
+          <p:cNvCxnSpPr/>
+          <p:nvPr/>
+        </p:nvCxnSpPr>
+        <p:spPr>
+          <a:xfrm flipV="1">
+            <a:off x="0" y="1689463"/>
+            <a:ext cx="12192000" cy="17414"/>
+          </a:xfrm>
+          <a:prstGeom prst="straightConnector1">
+            <a:avLst/>
+          </a:prstGeom>
+          <a:ln>
+            <a:tailEnd type="triangle"/>
+          </a:ln>
+        </p:spPr>
+        <p:style>
+          <a:lnRef idx="2">
+            <a:schemeClr val="dk1"/>
+          </a:lnRef>
+          <a:fillRef idx="0">
+            <a:schemeClr val="dk1"/>
+          </a:fillRef>
+          <a:effectRef idx="1">
+            <a:schemeClr val="dk1"/>
+          </a:effectRef>
+          <a:fontRef idx="minor">
+            <a:schemeClr val="tx1"/>
+          </a:fontRef>
+        </p:style>
+      </p:cxnSp>
+      <p:cxnSp>
+        <p:nvCxnSpPr>
+          <p:cNvPr id="24" name="Straight Arrow Connector 23"/>
+          <p:cNvCxnSpPr/>
+          <p:nvPr/>
+        </p:nvCxnSpPr>
+        <p:spPr>
+          <a:xfrm flipV="1">
+            <a:off x="-12194" y="3182983"/>
+            <a:ext cx="12192000" cy="17414"/>
+          </a:xfrm>
+          <a:prstGeom prst="straightConnector1">
+            <a:avLst/>
+          </a:prstGeom>
+          <a:ln>
+            <a:tailEnd type="triangle"/>
+          </a:ln>
+        </p:spPr>
+        <p:style>
+          <a:lnRef idx="2">
+            <a:schemeClr val="dk1"/>
+          </a:lnRef>
+          <a:fillRef idx="0">
+            <a:schemeClr val="dk1"/>
+          </a:fillRef>
+          <a:effectRef idx="1">
+            <a:schemeClr val="dk1"/>
+          </a:effectRef>
+          <a:fontRef idx="minor">
+            <a:schemeClr val="tx1"/>
+          </a:fontRef>
+        </p:style>
+      </p:cxnSp>
+      <p:sp>
+        <p:nvSpPr>
+          <p:cNvPr id="25" name="Rounded Rectangle 24"/>
+          <p:cNvSpPr/>
+          <p:nvPr/>
+        </p:nvSpPr>
+        <p:spPr>
+          <a:xfrm>
+            <a:off x="9468827" y="566793"/>
+            <a:ext cx="1193074" cy="461554"/>
+          </a:xfrm>
+          <a:prstGeom prst="roundRect">
+            <a:avLst/>
+          </a:prstGeom>
+        </p:spPr>
+        <p:style>
+          <a:lnRef idx="1">
+            <a:schemeClr val="accent5"/>
+          </a:lnRef>
+          <a:fillRef idx="2">
+            <a:schemeClr val="accent5"/>
+          </a:fillRef>
+          <a:effectRef idx="1">
+            <a:schemeClr val="accent5"/>
+          </a:effectRef>
+          <a:fontRef idx="minor">
+            <a:schemeClr val="dk1"/>
+          </a:fontRef>
+        </p:style>
+        <p:txBody>
+          <a:bodyPr rtlCol="0" anchor="ctr"/>
+          <a:lstStyle/>
+          <a:p>
+            <a:pPr algn="ctr"/>
+            <a:r>
+              <a:rPr lang="ro-RO" sz="1600" dirty="0" smtClean="0"/>
+              <a:t>TypeScript</a:t>
+            </a:r>
+          </a:p>
+        </p:txBody>
+      </p:sp>
+      <p:sp>
+        <p:nvSpPr>
+          <p:cNvPr id="26" name="Rounded Rectangle 25"/>
+          <p:cNvSpPr/>
+          <p:nvPr/>
+        </p:nvSpPr>
+        <p:spPr>
+          <a:xfrm>
+            <a:off x="8191716" y="566793"/>
+            <a:ext cx="1193074" cy="461554"/>
+          </a:xfrm>
+          <a:prstGeom prst="roundRect">
+            <a:avLst/>
+          </a:prstGeom>
+        </p:spPr>
+        <p:style>
+          <a:lnRef idx="1">
+            <a:schemeClr val="accent5"/>
+          </a:lnRef>
+          <a:fillRef idx="2">
+            <a:schemeClr val="accent5"/>
+          </a:fillRef>
+          <a:effectRef idx="1">
+            <a:schemeClr val="accent5"/>
+          </a:effectRef>
+          <a:fontRef idx="minor">
+            <a:schemeClr val="dk1"/>
+          </a:fontRef>
+        </p:style>
+        <p:txBody>
+          <a:bodyPr rtlCol="0" anchor="ctr"/>
+          <a:lstStyle/>
+          <a:p>
+            <a:pPr algn="ctr"/>
+            <a:r>
+              <a:rPr lang="ro-RO" sz="1600" dirty="0" smtClean="0"/>
+              <a:t>Angular 5</a:t>
+            </a:r>
+          </a:p>
+        </p:txBody>
+      </p:sp>
+      <p:sp>
+        <p:nvSpPr>
+          <p:cNvPr id="27" name="Rounded Rectangle 26"/>
+          <p:cNvSpPr/>
+          <p:nvPr/>
+        </p:nvSpPr>
+        <p:spPr>
+          <a:xfrm>
+            <a:off x="10743327" y="566793"/>
+            <a:ext cx="1193074" cy="461554"/>
+          </a:xfrm>
+          <a:prstGeom prst="roundRect">
+            <a:avLst/>
+          </a:prstGeom>
+        </p:spPr>
+        <p:style>
+          <a:lnRef idx="1">
+            <a:schemeClr val="accent5"/>
+          </a:lnRef>
+          <a:fillRef idx="2">
+            <a:schemeClr val="accent5"/>
+          </a:fillRef>
+          <a:effectRef idx="1">
+            <a:schemeClr val="accent5"/>
+          </a:effectRef>
+          <a:fontRef idx="minor">
+            <a:schemeClr val="dk1"/>
+          </a:fontRef>
+        </p:style>
+        <p:txBody>
+          <a:bodyPr rtlCol="0" anchor="ctr"/>
+          <a:lstStyle/>
+          <a:p>
+            <a:pPr algn="ctr"/>
+            <a:r>
+              <a:rPr lang="ro-RO" sz="1600" dirty="0" smtClean="0"/>
+              <a:t>Boostrap</a:t>
+            </a:r>
+          </a:p>
+        </p:txBody>
+      </p:sp>
+      <p:sp>
+        <p:nvSpPr>
+          <p:cNvPr id="28" name="Rounded Rectangle 27"/>
+          <p:cNvSpPr/>
+          <p:nvPr/>
+        </p:nvSpPr>
+        <p:spPr>
+          <a:xfrm>
+            <a:off x="9468827" y="2234301"/>
+            <a:ext cx="1193074" cy="461554"/>
+          </a:xfrm>
+          <a:prstGeom prst="roundRect">
+            <a:avLst/>
+          </a:prstGeom>
+        </p:spPr>
+        <p:style>
+          <a:lnRef idx="1">
+            <a:schemeClr val="accent6"/>
+          </a:lnRef>
+          <a:fillRef idx="2">
+            <a:schemeClr val="accent6"/>
+          </a:fillRef>
+          <a:effectRef idx="1">
+            <a:schemeClr val="accent6"/>
+          </a:effectRef>
+          <a:fontRef idx="minor">
+            <a:schemeClr val="dk1"/>
+          </a:fontRef>
+        </p:style>
+        <p:txBody>
+          <a:bodyPr rtlCol="0" anchor="ctr"/>
+          <a:lstStyle/>
+          <a:p>
+            <a:pPr algn="ctr"/>
+            <a:r>
+              <a:rPr lang="ro-RO" sz="1600" dirty="0" smtClean="0"/>
+              <a:t>REST</a:t>
+            </a:r>
+          </a:p>
+        </p:txBody>
+      </p:sp>
+      <p:sp>
+        <p:nvSpPr>
+          <p:cNvPr id="29" name="Rounded Rectangle 28"/>
+          <p:cNvSpPr/>
+          <p:nvPr/>
+        </p:nvSpPr>
+        <p:spPr>
+          <a:xfrm>
+            <a:off x="8191716" y="2234301"/>
+            <a:ext cx="1193074" cy="461554"/>
+          </a:xfrm>
+          <a:prstGeom prst="roundRect">
+            <a:avLst/>
+          </a:prstGeom>
+        </p:spPr>
+        <p:style>
+          <a:lnRef idx="1">
+            <a:schemeClr val="accent6"/>
+          </a:lnRef>
+          <a:fillRef idx="2">
+            <a:schemeClr val="accent6"/>
+          </a:fillRef>
+          <a:effectRef idx="1">
+            <a:schemeClr val="accent6"/>
+          </a:effectRef>
+          <a:fontRef idx="minor">
+            <a:schemeClr val="dk1"/>
+          </a:fontRef>
+        </p:style>
+        <p:txBody>
+          <a:bodyPr rtlCol="0" anchor="ctr"/>
+          <a:lstStyle/>
+          <a:p>
+            <a:pPr algn="ctr"/>
+            <a:r>
+              <a:rPr lang="ro-RO" sz="1600" dirty="0" smtClean="0"/>
+              <a:t>Java</a:t>
+            </a:r>
+          </a:p>
+        </p:txBody>
+      </p:sp>
+      <p:sp>
+        <p:nvSpPr>
+          <p:cNvPr id="30" name="Rounded Rectangle 29"/>
+          <p:cNvSpPr/>
+          <p:nvPr/>
+        </p:nvSpPr>
+        <p:spPr>
+          <a:xfrm>
+            <a:off x="10743327" y="2234849"/>
+            <a:ext cx="1193074" cy="461554"/>
+          </a:xfrm>
+          <a:prstGeom prst="roundRect">
+            <a:avLst/>
+          </a:prstGeom>
+        </p:spPr>
+        <p:style>
+          <a:lnRef idx="1">
+            <a:schemeClr val="accent6"/>
+          </a:lnRef>
+          <a:fillRef idx="2">
+            <a:schemeClr val="accent6"/>
+          </a:fillRef>
+          <a:effectRef idx="1">
+            <a:schemeClr val="accent6"/>
+          </a:effectRef>
+          <a:fontRef idx="minor">
+            <a:schemeClr val="dk1"/>
+          </a:fontRef>
+        </p:style>
+        <p:txBody>
+          <a:bodyPr rtlCol="0" anchor="ctr"/>
+          <a:lstStyle/>
+          <a:p>
+            <a:pPr algn="ctr"/>
+            <a:r>
+              <a:rPr lang="ro-RO" sz="1600" dirty="0" smtClean="0"/>
+              <a:t>Spring Boot</a:t>
+            </a:r>
+          </a:p>
+        </p:txBody>
+      </p:sp>
+      <p:sp>
+        <p:nvSpPr>
+          <p:cNvPr id="31" name="Rounded Rectangle 30"/>
+          <p:cNvSpPr/>
+          <p:nvPr/>
+        </p:nvSpPr>
+        <p:spPr>
+          <a:xfrm>
+            <a:off x="10743327" y="3484093"/>
+            <a:ext cx="1193074" cy="461554"/>
+          </a:xfrm>
+          <a:prstGeom prst="roundRect">
+            <a:avLst/>
+          </a:prstGeom>
+        </p:spPr>
+        <p:style>
+          <a:lnRef idx="1">
+            <a:schemeClr val="accent3"/>
+          </a:lnRef>
+          <a:fillRef idx="2">
+            <a:schemeClr val="accent3"/>
+          </a:fillRef>
+          <a:effectRef idx="1">
+            <a:schemeClr val="accent3"/>
+          </a:effectRef>
+          <a:fontRef idx="minor">
+            <a:schemeClr val="dk1"/>
+          </a:fontRef>
+        </p:style>
+        <p:txBody>
+          <a:bodyPr rtlCol="0" anchor="ctr"/>
+          <a:lstStyle/>
+          <a:p>
+            <a:pPr algn="ctr"/>
+            <a:r>
+              <a:rPr lang="ro-RO" sz="1600" dirty="0" smtClean="0"/>
+              <a:t>Java</a:t>
+            </a:r>
+          </a:p>
+        </p:txBody>
+      </p:sp>
+      <p:sp>
+        <p:nvSpPr>
+          <p:cNvPr id="32" name="Rounded Rectangle 31"/>
+          <p:cNvSpPr/>
+          <p:nvPr/>
+        </p:nvSpPr>
+        <p:spPr>
+          <a:xfrm>
+            <a:off x="10743327" y="4218864"/>
+            <a:ext cx="1193074" cy="461554"/>
+          </a:xfrm>
+          <a:prstGeom prst="roundRect">
+            <a:avLst/>
+          </a:prstGeom>
+        </p:spPr>
+        <p:style>
+          <a:lnRef idx="1">
+            <a:schemeClr val="accent3"/>
+          </a:lnRef>
+          <a:fillRef idx="2">
+            <a:schemeClr val="accent3"/>
+          </a:fillRef>
+          <a:effectRef idx="1">
+            <a:schemeClr val="accent3"/>
+          </a:effectRef>
+          <a:fontRef idx="minor">
+            <a:schemeClr val="dk1"/>
+          </a:fontRef>
+        </p:style>
+        <p:txBody>
+          <a:bodyPr rtlCol="0" anchor="ctr"/>
+          <a:lstStyle/>
+          <a:p>
+            <a:pPr algn="ctr"/>
+            <a:r>
+              <a:rPr lang="ro-RO" sz="1600" dirty="0" smtClean="0"/>
+              <a:t>Raspbian OS</a:t>
+            </a:r>
+          </a:p>
+        </p:txBody>
+      </p:sp>
+      <p:sp>
+        <p:nvSpPr>
+          <p:cNvPr id="33" name="Rounded Rectangle 32"/>
+          <p:cNvSpPr/>
+          <p:nvPr/>
+        </p:nvSpPr>
+        <p:spPr>
+          <a:xfrm>
+            <a:off x="10743327" y="4906624"/>
+            <a:ext cx="1193074" cy="461554"/>
+          </a:xfrm>
+          <a:prstGeom prst="roundRect">
+            <a:avLst/>
+          </a:prstGeom>
+        </p:spPr>
+        <p:style>
+          <a:lnRef idx="1">
+            <a:schemeClr val="accent3"/>
+          </a:lnRef>
+          <a:fillRef idx="2">
+            <a:schemeClr val="accent3"/>
+          </a:fillRef>
+          <a:effectRef idx="1">
+            <a:schemeClr val="accent3"/>
+          </a:effectRef>
+          <a:fontRef idx="minor">
+            <a:schemeClr val="dk1"/>
+          </a:fontRef>
+        </p:style>
+        <p:txBody>
+          <a:bodyPr rtlCol="0" anchor="ctr"/>
+          <a:lstStyle/>
+          <a:p>
+            <a:pPr algn="ctr"/>
+            <a:r>
+              <a:rPr lang="ro-RO" sz="1600" dirty="0" smtClean="0"/>
+              <a:t>Pi4J</a:t>
+            </a:r>
+          </a:p>
+        </p:txBody>
+      </p:sp>
+      <p:cxnSp>
+        <p:nvCxnSpPr>
+          <p:cNvPr id="16" name="Straight Arrow Connector 15"/>
+          <p:cNvCxnSpPr/>
+          <p:nvPr/>
+        </p:nvCxnSpPr>
+        <p:spPr>
+          <a:xfrm flipH="1">
+            <a:off x="531223" y="2454259"/>
+            <a:ext cx="7454" cy="1778363"/>
+          </a:xfrm>
+          <a:prstGeom prst="straightConnector1">
+            <a:avLst/>
+          </a:prstGeom>
+          <a:ln>
+            <a:headEnd type="triangle"/>
+            <a:tailEnd type="triangle"/>
+          </a:ln>
+        </p:spPr>
+        <p:style>
+          <a:lnRef idx="1">
+            <a:schemeClr val="accent1"/>
+          </a:lnRef>
+          <a:fillRef idx="0">
+            <a:schemeClr val="accent1"/>
+          </a:fillRef>
+          <a:effectRef idx="0">
+            <a:schemeClr val="accent1"/>
+          </a:effectRef>
+          <a:fontRef idx="minor">
+            <a:schemeClr val="tx1"/>
+          </a:fontRef>
+        </p:style>
+      </p:cxnSp>
+      <p:sp>
+        <p:nvSpPr>
+          <p:cNvPr id="17" name="TextBox 16"/>
+          <p:cNvSpPr txBox="1"/>
+          <p:nvPr/>
+        </p:nvSpPr>
+        <p:spPr>
+          <a:xfrm>
+            <a:off x="507311" y="3280885"/>
+            <a:ext cx="1661123" cy="307777"/>
+          </a:xfrm>
+          <a:prstGeom prst="rect">
+            <a:avLst/>
+          </a:prstGeom>
+          <a:noFill/>
+        </p:spPr>
+        <p:txBody>
+          <a:bodyPr wrap="square" rtlCol="0">
+            <a:spAutoFit/>
+          </a:bodyPr>
+          <a:lstStyle/>
+          <a:p>
+            <a:pPr algn="ctr"/>
+            <a:r>
+              <a:rPr lang="ro-RO" sz="1400" dirty="0" smtClean="0"/>
+              <a:t>Comunicare criptată</a:t>
+            </a:r>
+            <a:endParaRPr lang="en-US" sz="1400" dirty="0"/>
+          </a:p>
+        </p:txBody>
+      </p:sp>
+      <p:cxnSp>
+        <p:nvCxnSpPr>
+          <p:cNvPr id="19" name="Straight Arrow Connector 18"/>
+          <p:cNvCxnSpPr/>
+          <p:nvPr/>
+        </p:nvCxnSpPr>
+        <p:spPr>
+          <a:xfrm>
+            <a:off x="2790154" y="797570"/>
+            <a:ext cx="0" cy="1656689"/>
+          </a:xfrm>
+          <a:prstGeom prst="straightConnector1">
+            <a:avLst/>
+          </a:prstGeom>
+          <a:ln>
+            <a:headEnd type="triangle"/>
+            <a:tailEnd type="triangle"/>
+          </a:ln>
+        </p:spPr>
+        <p:style>
+          <a:lnRef idx="1">
+            <a:schemeClr val="accent1"/>
+          </a:lnRef>
+          <a:fillRef idx="0">
+            <a:schemeClr val="accent1"/>
+          </a:fillRef>
+          <a:effectRef idx="0">
+            <a:schemeClr val="accent1"/>
+          </a:effectRef>
+          <a:fontRef idx="minor">
+            <a:schemeClr val="tx1"/>
+          </a:fontRef>
+        </p:style>
+      </p:cxnSp>
+      <p:sp>
+        <p:nvSpPr>
+          <p:cNvPr id="20" name="TextBox 19"/>
+          <p:cNvSpPr txBox="1"/>
+          <p:nvPr/>
+        </p:nvSpPr>
+        <p:spPr>
+          <a:xfrm>
+            <a:off x="2514949" y="1404428"/>
+            <a:ext cx="1661123" cy="307777"/>
+          </a:xfrm>
+          <a:prstGeom prst="rect">
+            <a:avLst/>
+          </a:prstGeom>
+          <a:noFill/>
+        </p:spPr>
+        <p:txBody>
+          <a:bodyPr wrap="square" rtlCol="0">
+            <a:spAutoFit/>
+          </a:bodyPr>
+          <a:lstStyle/>
+          <a:p>
+            <a:pPr algn="ctr"/>
+            <a:r>
+              <a:rPr lang="ro-RO" sz="1400" dirty="0" smtClean="0"/>
+              <a:t>Autentificare</a:t>
+            </a:r>
+            <a:endParaRPr lang="en-US" sz="1400" dirty="0"/>
+          </a:p>
+        </p:txBody>
+      </p:sp>
+    </p:spTree>
+    <p:extLst>
+      <p:ext uri="{BB962C8B-B14F-4D97-AF65-F5344CB8AC3E}">
+        <p14:creationId xmlns:p14="http://schemas.microsoft.com/office/powerpoint/2010/main" val="2159416170"/>
+      </p:ext>
+    </p:extLst>
+  </p:cSld>
+  <p:clrMapOvr>
+    <a:masterClrMapping/>
+  </p:clrMapOvr>
+  <p:timing>
+    <p:tnLst>
+      <p:par>
+        <p:cTn id="1" dur="indefinite" restart="never" nodeType="tmRoot"/>
+      </p:par>
+    </p:tnLst>
+  </p:timing>
+</p:sld>
+</file>
+
 <file path=ppt/theme/theme1.xml><?xml version="1.0" encoding="utf-8"?>
 <a:theme xmlns:a="http://schemas.openxmlformats.org/drawingml/2006/main" name="Office Theme">
   <a:themeElements>

--- a/Documentation/Figures/Șablon.pptx
+++ b/Documentation/Figures/Șablon.pptx
@@ -2639,7 +2639,11 @@
         <a:p>
           <a:r>
             <a:rPr lang="ro-RO" sz="2400" dirty="0" smtClean="0"/>
-            <a:t>Aplicație Server</a:t>
+            <a:t>Aplicație </a:t>
+          </a:r>
+          <a:r>
+            <a:rPr lang="ro-RO" sz="2400" dirty="0" smtClean="0"/>
+            <a:t>Server</a:t>
           </a:r>
           <a:endParaRPr lang="en-US" sz="2400" dirty="0"/>
         </a:p>
@@ -3089,45 +3093,45 @@
     </dgm:pt>
   </dgm:ptLst>
   <dgm:cxnLst>
-    <dgm:cxn modelId="{9CECA818-D527-4FE0-919E-C19006374085}" type="presOf" srcId="{5C4DE19C-A716-4E24-865A-871D15A6106C}" destId="{98778A9B-C700-42DB-8B31-295727FCB770}" srcOrd="0" destOrd="0" presId="urn:microsoft.com/office/officeart/2005/8/layout/hierarchy6"/>
-    <dgm:cxn modelId="{418B5CB2-8F43-48C1-8199-E6DE90661697}" type="presOf" srcId="{34A3A509-B82F-404C-8687-6E3B1937BBEE}" destId="{E68F78C2-FCC0-473C-8802-5A0A0CB2C679}" srcOrd="0" destOrd="0" presId="urn:microsoft.com/office/officeart/2005/8/layout/hierarchy6"/>
-    <dgm:cxn modelId="{7E254444-F2AB-4E1F-B2A0-F03155BFBFF5}" srcId="{2A0496EF-31A8-4FB8-8A7F-A2CBF8606691}" destId="{2F5A44C0-791D-41F6-AE89-A8AF91720298}" srcOrd="0" destOrd="0" parTransId="{1512B27A-390D-4709-8629-FCA8BEDE4660}" sibTransId="{27C39707-0CBF-4DAD-967E-14A0F8212F79}"/>
-    <dgm:cxn modelId="{07075BE4-1887-4775-8F41-989EDCB308BF}" type="presOf" srcId="{30049703-D785-45D5-9086-D41CD69E5E8B}" destId="{D52E9823-1814-4F22-988A-F8D4598EB50D}" srcOrd="0" destOrd="0" presId="urn:microsoft.com/office/officeart/2005/8/layout/hierarchy6"/>
-    <dgm:cxn modelId="{BD788C0F-E087-4B94-A180-E6C511057C18}" type="presOf" srcId="{8B05A671-0DE7-4C81-B7BE-EFEF4D8B285A}" destId="{1956AAFF-10E4-4255-8BD5-2F66FE8CA411}" srcOrd="0" destOrd="0" presId="urn:microsoft.com/office/officeart/2005/8/layout/hierarchy6"/>
+    <dgm:cxn modelId="{DFA0B2A2-59B8-4745-9561-49A9AC52E211}" type="presOf" srcId="{E4233A6D-7415-438D-8FDD-390A966DAF61}" destId="{AC8DB091-B58F-49E6-9A89-C4137BD364D0}" srcOrd="0" destOrd="0" presId="urn:microsoft.com/office/officeart/2005/8/layout/hierarchy6"/>
+    <dgm:cxn modelId="{BDB714D0-302E-4D8E-A146-143209CB7EB9}" type="presOf" srcId="{2A0496EF-31A8-4FB8-8A7F-A2CBF8606691}" destId="{7E20B0C3-8A2C-4390-90B0-51E9C4628327}" srcOrd="0" destOrd="0" presId="urn:microsoft.com/office/officeart/2005/8/layout/hierarchy6"/>
+    <dgm:cxn modelId="{84AEBEDF-699D-409C-8FDF-39B8F2078832}" type="presOf" srcId="{2F5A44C0-791D-41F6-AE89-A8AF91720298}" destId="{924D7767-3779-4E75-A9D1-B6EF723A406B}" srcOrd="0" destOrd="0" presId="urn:microsoft.com/office/officeart/2005/8/layout/hierarchy6"/>
     <dgm:cxn modelId="{EB236707-065C-4D1D-B076-86AEC5CEEB91}" srcId="{8B05A671-0DE7-4C81-B7BE-EFEF4D8B285A}" destId="{0F5FC267-C6FA-4018-82E4-6D1E0CF53473}" srcOrd="0" destOrd="0" parTransId="{5F0C85A7-67E4-42A9-A5B9-AB21F3F7D118}" sibTransId="{A7305806-DFE5-445A-9309-3C585AF24235}"/>
-    <dgm:cxn modelId="{08D78291-1718-4BC8-86C8-91374E503D0A}" type="presOf" srcId="{6F4FF149-A6CE-41B1-AE4F-203882021B4B}" destId="{99882D7B-548B-49ED-8D25-B2C5E6BB0792}" srcOrd="0" destOrd="0" presId="urn:microsoft.com/office/officeart/2005/8/layout/hierarchy6"/>
-    <dgm:cxn modelId="{C6BBB91B-D864-4683-B753-01DB05FA3F69}" type="presOf" srcId="{CE3A7A2B-0120-4596-8CB3-B686980D22EA}" destId="{0EBCFE24-6A1E-417D-87CE-35AF58869832}" srcOrd="0" destOrd="0" presId="urn:microsoft.com/office/officeart/2005/8/layout/hierarchy6"/>
-    <dgm:cxn modelId="{0667E768-73F9-4898-A480-9B6CDA8EA0A1}" type="presOf" srcId="{42ED198D-698B-41D5-96D0-11D7162BABC1}" destId="{F8775318-346A-4AC7-9707-6144772C35D5}" srcOrd="0" destOrd="0" presId="urn:microsoft.com/office/officeart/2005/8/layout/hierarchy6"/>
-    <dgm:cxn modelId="{281E5842-A5EC-45F4-84F1-613FD73DE8AA}" type="presOf" srcId="{F115A2BD-1E7A-4B98-BA46-8A3FF6432199}" destId="{9C7D0A91-8C5C-4FD7-8EB9-A2426F718068}" srcOrd="0" destOrd="0" presId="urn:microsoft.com/office/officeart/2005/8/layout/hierarchy6"/>
-    <dgm:cxn modelId="{118EEE52-5EF9-489B-961A-2CA4C78AC153}" srcId="{2F5A44C0-791D-41F6-AE89-A8AF91720298}" destId="{BB8C4245-B896-463C-9F6D-6089A25906F7}" srcOrd="0" destOrd="0" parTransId="{20707547-4CCB-4CCC-A7B6-76B2B1A97837}" sibTransId="{339F42B9-B5A2-493A-8ACA-FF560690E9EC}"/>
+    <dgm:cxn modelId="{6F58FB3E-AA2A-4594-A1AD-4B37C53642A9}" type="presOf" srcId="{9DF1D68F-2B3E-4268-8AFD-0D98C0209666}" destId="{389F7A8F-AE74-4137-84FF-3105FFB8A33B}" srcOrd="0" destOrd="0" presId="urn:microsoft.com/office/officeart/2005/8/layout/hierarchy6"/>
     <dgm:cxn modelId="{02264204-A44F-4440-BCAE-58C7345FA323}" type="presOf" srcId="{A3948582-E41B-4E64-96CC-A7B8352B50FD}" destId="{34A782E1-AFD9-4879-8F28-FD40976DEF5C}" srcOrd="0" destOrd="0" presId="urn:microsoft.com/office/officeart/2005/8/layout/hierarchy6"/>
     <dgm:cxn modelId="{A1698EF7-4B92-45E0-ABD2-C3C9D2496C05}" srcId="{CE3A7A2B-0120-4596-8CB3-B686980D22EA}" destId="{2A0496EF-31A8-4FB8-8A7F-A2CBF8606691}" srcOrd="0" destOrd="0" parTransId="{34A3A509-B82F-404C-8687-6E3B1937BBEE}" sibTransId="{711EDAB4-B415-4A58-84DA-A2ADED836DE6}"/>
+    <dgm:cxn modelId="{B5855E00-4E6E-4E7C-84C8-9CC496C04A8D}" type="presOf" srcId="{2E1BB674-35BC-45BB-9673-67B940055B31}" destId="{05786130-55A6-41D7-9FFE-9F45D3899688}" srcOrd="0" destOrd="0" presId="urn:microsoft.com/office/officeart/2005/8/layout/hierarchy6"/>
+    <dgm:cxn modelId="{9CECA818-D527-4FE0-919E-C19006374085}" type="presOf" srcId="{5C4DE19C-A716-4E24-865A-871D15A6106C}" destId="{98778A9B-C700-42DB-8B31-295727FCB770}" srcOrd="0" destOrd="0" presId="urn:microsoft.com/office/officeart/2005/8/layout/hierarchy6"/>
+    <dgm:cxn modelId="{442D9682-DD1F-48FB-B407-434E123177AC}" type="presOf" srcId="{02CFAFD5-A585-4FF0-AD27-9E6537265522}" destId="{A3A32269-1CAF-4DC2-B4D7-72FD83E37B5B}" srcOrd="0" destOrd="0" presId="urn:microsoft.com/office/officeart/2005/8/layout/hierarchy6"/>
+    <dgm:cxn modelId="{281E5842-A5EC-45F4-84F1-613FD73DE8AA}" type="presOf" srcId="{F115A2BD-1E7A-4B98-BA46-8A3FF6432199}" destId="{9C7D0A91-8C5C-4FD7-8EB9-A2426F718068}" srcOrd="0" destOrd="0" presId="urn:microsoft.com/office/officeart/2005/8/layout/hierarchy6"/>
+    <dgm:cxn modelId="{0D0FBA14-6749-470B-A6B1-11AF98DD40A2}" type="presOf" srcId="{C6292CA7-7F2C-457B-824C-FDAD1A300612}" destId="{2122F150-D109-449A-8204-7E319E4F5DAA}" srcOrd="0" destOrd="0" presId="urn:microsoft.com/office/officeart/2005/8/layout/hierarchy6"/>
+    <dgm:cxn modelId="{118EEE52-5EF9-489B-961A-2CA4C78AC153}" srcId="{2F5A44C0-791D-41F6-AE89-A8AF91720298}" destId="{BB8C4245-B896-463C-9F6D-6089A25906F7}" srcOrd="0" destOrd="0" parTransId="{20707547-4CCB-4CCC-A7B6-76B2B1A97837}" sibTransId="{339F42B9-B5A2-493A-8ACA-FF560690E9EC}"/>
+    <dgm:cxn modelId="{7E254444-F2AB-4E1F-B2A0-F03155BFBFF5}" srcId="{2A0496EF-31A8-4FB8-8A7F-A2CBF8606691}" destId="{2F5A44C0-791D-41F6-AE89-A8AF91720298}" srcOrd="0" destOrd="0" parTransId="{1512B27A-390D-4709-8629-FCA8BEDE4660}" sibTransId="{27C39707-0CBF-4DAD-967E-14A0F8212F79}"/>
+    <dgm:cxn modelId="{F91052DF-FAD6-4169-A99B-BB91E6FE48CD}" srcId="{2F5A44C0-791D-41F6-AE89-A8AF91720298}" destId="{5C4DE19C-A716-4E24-865A-871D15A6106C}" srcOrd="2" destOrd="0" parTransId="{ED55D2DB-BE73-4F1D-90F6-D0461196D166}" sibTransId="{B842B66A-0CB8-48E1-B230-01504D47AD13}"/>
     <dgm:cxn modelId="{7DAA723A-1CE3-49C2-B8CB-FB0D95B0DACC}" type="presOf" srcId="{A28646E1-B33F-4FF4-9877-08DED234ED89}" destId="{8C7EEA08-EF08-4AD9-9C21-35B928AE57CA}" srcOrd="0" destOrd="0" presId="urn:microsoft.com/office/officeart/2005/8/layout/hierarchy6"/>
+    <dgm:cxn modelId="{DD6ED853-DFB6-4D4E-AAFF-9BA2955F65B3}" type="presOf" srcId="{0F5FC267-C6FA-4018-82E4-6D1E0CF53473}" destId="{31B4494D-E553-4E42-BC59-010A49910B4D}" srcOrd="0" destOrd="0" presId="urn:microsoft.com/office/officeart/2005/8/layout/hierarchy6"/>
+    <dgm:cxn modelId="{418B5CB2-8F43-48C1-8199-E6DE90661697}" type="presOf" srcId="{34A3A509-B82F-404C-8687-6E3B1937BBEE}" destId="{E68F78C2-FCC0-473C-8802-5A0A0CB2C679}" srcOrd="0" destOrd="0" presId="urn:microsoft.com/office/officeart/2005/8/layout/hierarchy6"/>
+    <dgm:cxn modelId="{C4F33C3F-965D-4E83-8D38-1174A8666C11}" type="presOf" srcId="{BB8C4245-B896-463C-9F6D-6089A25906F7}" destId="{9310C464-F17A-4EE5-9628-6BEBE30D390D}" srcOrd="0" destOrd="0" presId="urn:microsoft.com/office/officeart/2005/8/layout/hierarchy6"/>
+    <dgm:cxn modelId="{C58A26B1-320E-40AF-910A-81FF791114BD}" type="presOf" srcId="{20707547-4CCB-4CCC-A7B6-76B2B1A97837}" destId="{D963691C-3642-4A13-9D4B-615A02507769}" srcOrd="0" destOrd="0" presId="urn:microsoft.com/office/officeart/2005/8/layout/hierarchy6"/>
+    <dgm:cxn modelId="{C6BBB91B-D864-4683-B753-01DB05FA3F69}" type="presOf" srcId="{CE3A7A2B-0120-4596-8CB3-B686980D22EA}" destId="{0EBCFE24-6A1E-417D-87CE-35AF58869832}" srcOrd="0" destOrd="0" presId="urn:microsoft.com/office/officeart/2005/8/layout/hierarchy6"/>
+    <dgm:cxn modelId="{07075BE4-1887-4775-8F41-989EDCB308BF}" type="presOf" srcId="{30049703-D785-45D5-9086-D41CD69E5E8B}" destId="{D52E9823-1814-4F22-988A-F8D4598EB50D}" srcOrd="0" destOrd="0" presId="urn:microsoft.com/office/officeart/2005/8/layout/hierarchy6"/>
     <dgm:cxn modelId="{51B12532-E68A-4486-9A3F-B4FE41BA33A3}" type="presOf" srcId="{1512B27A-390D-4709-8629-FCA8BEDE4660}" destId="{1AA2EE3E-A9B5-4A09-AC15-11E53F7E90D0}" srcOrd="0" destOrd="0" presId="urn:microsoft.com/office/officeart/2005/8/layout/hierarchy6"/>
+    <dgm:cxn modelId="{EF1D9E71-A555-408C-8B53-311EDD8AFEC0}" srcId="{A28646E1-B33F-4FF4-9877-08DED234ED89}" destId="{C6292CA7-7F2C-457B-824C-FDAD1A300612}" srcOrd="0" destOrd="0" parTransId="{6797477D-2FBC-4C66-B693-B1358AD756A9}" sibTransId="{EA639A36-FBDA-4389-88D6-486CC80E92FD}"/>
+    <dgm:cxn modelId="{F31620ED-FE40-41B8-9A92-2F0DECEB045F}" srcId="{2F5A44C0-791D-41F6-AE89-A8AF91720298}" destId="{A28646E1-B33F-4FF4-9877-08DED234ED89}" srcOrd="4" destOrd="0" parTransId="{30049703-D785-45D5-9086-D41CD69E5E8B}" sibTransId="{DAFD1E16-BC67-489D-8D3E-B04961C23619}"/>
+    <dgm:cxn modelId="{08D78291-1718-4BC8-86C8-91374E503D0A}" type="presOf" srcId="{6F4FF149-A6CE-41B1-AE4F-203882021B4B}" destId="{99882D7B-548B-49ED-8D25-B2C5E6BB0792}" srcOrd="0" destOrd="0" presId="urn:microsoft.com/office/officeart/2005/8/layout/hierarchy6"/>
+    <dgm:cxn modelId="{0667E768-73F9-4898-A480-9B6CDA8EA0A1}" type="presOf" srcId="{42ED198D-698B-41D5-96D0-11D7162BABC1}" destId="{F8775318-346A-4AC7-9707-6144772C35D5}" srcOrd="0" destOrd="0" presId="urn:microsoft.com/office/officeart/2005/8/layout/hierarchy6"/>
+    <dgm:cxn modelId="{34FED145-F186-405B-B467-025CCF264B4C}" srcId="{5C4DE19C-A716-4E24-865A-871D15A6106C}" destId="{63376BF1-6687-43EE-ADA3-D36BAEFB7DEE}" srcOrd="0" destOrd="0" parTransId="{E4233A6D-7415-438D-8FDD-390A966DAF61}" sibTransId="{DEA88744-D54F-46A0-AC82-2F6C542D45AE}"/>
+    <dgm:cxn modelId="{BD788C0F-E087-4B94-A180-E6C511057C18}" type="presOf" srcId="{8B05A671-0DE7-4C81-B7BE-EFEF4D8B285A}" destId="{1956AAFF-10E4-4255-8BD5-2F66FE8CA411}" srcOrd="0" destOrd="0" presId="urn:microsoft.com/office/officeart/2005/8/layout/hierarchy6"/>
+    <dgm:cxn modelId="{630F4EFE-B45A-4F04-A344-E066CF88173B}" type="presOf" srcId="{5F0C85A7-67E4-42A9-A5B9-AB21F3F7D118}" destId="{5150048F-8CE1-41E9-87EB-F85F39971A52}" srcOrd="0" destOrd="0" presId="urn:microsoft.com/office/officeart/2005/8/layout/hierarchy6"/>
+    <dgm:cxn modelId="{9FC108E5-589B-4D33-BE4E-9E562824F9AC}" srcId="{A3948582-E41B-4E64-96CC-A7B8352B50FD}" destId="{CE3A7A2B-0120-4596-8CB3-B686980D22EA}" srcOrd="0" destOrd="0" parTransId="{325C2410-EEE4-475F-8DC3-556367C17848}" sibTransId="{DCCB8526-D7E7-41F0-B75B-247A63F7E4F2}"/>
     <dgm:cxn modelId="{82EAC98A-5ACA-4CC9-8C3F-9F5CEBB95B64}" srcId="{2F5A44C0-791D-41F6-AE89-A8AF91720298}" destId="{2E1BB674-35BC-45BB-9673-67B940055B31}" srcOrd="3" destOrd="0" parTransId="{F115A2BD-1E7A-4B98-BA46-8A3FF6432199}" sibTransId="{E40EF4B0-13FD-46F0-9F17-93B749C56BB4}"/>
-    <dgm:cxn modelId="{F31620ED-FE40-41B8-9A92-2F0DECEB045F}" srcId="{2F5A44C0-791D-41F6-AE89-A8AF91720298}" destId="{A28646E1-B33F-4FF4-9877-08DED234ED89}" srcOrd="4" destOrd="0" parTransId="{30049703-D785-45D5-9086-D41CD69E5E8B}" sibTransId="{DAFD1E16-BC67-489D-8D3E-B04961C23619}"/>
+    <dgm:cxn modelId="{D1ADB1EA-4BB3-49A6-AD72-DC1CB8428524}" srcId="{2E1BB674-35BC-45BB-9673-67B940055B31}" destId="{1B41352A-2EA7-4FF6-9968-BC030163D094}" srcOrd="0" destOrd="0" parTransId="{42ED198D-698B-41D5-96D0-11D7162BABC1}" sibTransId="{5A46E43D-4ADE-4B51-BA3E-17CBEA03D9A7}"/>
     <dgm:cxn modelId="{24B89DA9-AFAD-4CFC-9AFC-4D95741AC436}" type="presOf" srcId="{ED55D2DB-BE73-4F1D-90F6-D0461196D166}" destId="{EB93688B-C590-459D-A823-880B4C0DE7A9}" srcOrd="0" destOrd="0" presId="urn:microsoft.com/office/officeart/2005/8/layout/hierarchy6"/>
-    <dgm:cxn modelId="{F91052DF-FAD6-4169-A99B-BB91E6FE48CD}" srcId="{2F5A44C0-791D-41F6-AE89-A8AF91720298}" destId="{5C4DE19C-A716-4E24-865A-871D15A6106C}" srcOrd="2" destOrd="0" parTransId="{ED55D2DB-BE73-4F1D-90F6-D0461196D166}" sibTransId="{B842B66A-0CB8-48E1-B230-01504D47AD13}"/>
-    <dgm:cxn modelId="{BDB714D0-302E-4D8E-A146-143209CB7EB9}" type="presOf" srcId="{2A0496EF-31A8-4FB8-8A7F-A2CBF8606691}" destId="{7E20B0C3-8A2C-4390-90B0-51E9C4628327}" srcOrd="0" destOrd="0" presId="urn:microsoft.com/office/officeart/2005/8/layout/hierarchy6"/>
-    <dgm:cxn modelId="{EF1D9E71-A555-408C-8B53-311EDD8AFEC0}" srcId="{A28646E1-B33F-4FF4-9877-08DED234ED89}" destId="{C6292CA7-7F2C-457B-824C-FDAD1A300612}" srcOrd="0" destOrd="0" parTransId="{6797477D-2FBC-4C66-B693-B1358AD756A9}" sibTransId="{EA639A36-FBDA-4389-88D6-486CC80E92FD}"/>
-    <dgm:cxn modelId="{9FC108E5-589B-4D33-BE4E-9E562824F9AC}" srcId="{A3948582-E41B-4E64-96CC-A7B8352B50FD}" destId="{CE3A7A2B-0120-4596-8CB3-B686980D22EA}" srcOrd="0" destOrd="0" parTransId="{325C2410-EEE4-475F-8DC3-556367C17848}" sibTransId="{DCCB8526-D7E7-41F0-B75B-247A63F7E4F2}"/>
+    <dgm:cxn modelId="{466EAACD-FEB0-407D-98EB-C67C4904C4D9}" srcId="{2F5A44C0-791D-41F6-AE89-A8AF91720298}" destId="{8B05A671-0DE7-4C81-B7BE-EFEF4D8B285A}" srcOrd="1" destOrd="0" parTransId="{02CFAFD5-A585-4FF0-AD27-9E6537265522}" sibTransId="{EB08C90F-DB27-43A1-986B-3F70646A2D51}"/>
+    <dgm:cxn modelId="{F070D942-9F3D-4F57-9CFE-BFC88E7801DA}" type="presOf" srcId="{1B41352A-2EA7-4FF6-9968-BC030163D094}" destId="{B62A4414-83F8-46D3-8330-4FC9C5171295}" srcOrd="0" destOrd="0" presId="urn:microsoft.com/office/officeart/2005/8/layout/hierarchy6"/>
+    <dgm:cxn modelId="{947130EA-0F23-4FE5-9267-E0D2A9DB1EB6}" srcId="{BB8C4245-B896-463C-9F6D-6089A25906F7}" destId="{6F4FF149-A6CE-41B1-AE4F-203882021B4B}" srcOrd="0" destOrd="0" parTransId="{9DF1D68F-2B3E-4268-8AFD-0D98C0209666}" sibTransId="{661E8DE5-3519-455B-9799-EE1CAB41BCAF}"/>
     <dgm:cxn modelId="{6A982B11-3CCE-4A26-A4C6-8D35256F7E10}" type="presOf" srcId="{6797477D-2FBC-4C66-B693-B1358AD756A9}" destId="{E5CAF7CA-E25C-4C1C-B864-8B33F7D31AAE}" srcOrd="0" destOrd="0" presId="urn:microsoft.com/office/officeart/2005/8/layout/hierarchy6"/>
-    <dgm:cxn modelId="{84AEBEDF-699D-409C-8FDF-39B8F2078832}" type="presOf" srcId="{2F5A44C0-791D-41F6-AE89-A8AF91720298}" destId="{924D7767-3779-4E75-A9D1-B6EF723A406B}" srcOrd="0" destOrd="0" presId="urn:microsoft.com/office/officeart/2005/8/layout/hierarchy6"/>
-    <dgm:cxn modelId="{34FED145-F186-405B-B467-025CCF264B4C}" srcId="{5C4DE19C-A716-4E24-865A-871D15A6106C}" destId="{63376BF1-6687-43EE-ADA3-D36BAEFB7DEE}" srcOrd="0" destOrd="0" parTransId="{E4233A6D-7415-438D-8FDD-390A966DAF61}" sibTransId="{DEA88744-D54F-46A0-AC82-2F6C542D45AE}"/>
-    <dgm:cxn modelId="{6F58FB3E-AA2A-4594-A1AD-4B37C53642A9}" type="presOf" srcId="{9DF1D68F-2B3E-4268-8AFD-0D98C0209666}" destId="{389F7A8F-AE74-4137-84FF-3105FFB8A33B}" srcOrd="0" destOrd="0" presId="urn:microsoft.com/office/officeart/2005/8/layout/hierarchy6"/>
     <dgm:cxn modelId="{2A455528-482E-4825-98EB-67F715F8E105}" type="presOf" srcId="{63376BF1-6687-43EE-ADA3-D36BAEFB7DEE}" destId="{B288F2FA-C717-48A3-A9F5-9FC1E4AF394C}" srcOrd="0" destOrd="0" presId="urn:microsoft.com/office/officeart/2005/8/layout/hierarchy6"/>
-    <dgm:cxn modelId="{C58A26B1-320E-40AF-910A-81FF791114BD}" type="presOf" srcId="{20707547-4CCB-4CCC-A7B6-76B2B1A97837}" destId="{D963691C-3642-4A13-9D4B-615A02507769}" srcOrd="0" destOrd="0" presId="urn:microsoft.com/office/officeart/2005/8/layout/hierarchy6"/>
-    <dgm:cxn modelId="{D1ADB1EA-4BB3-49A6-AD72-DC1CB8428524}" srcId="{2E1BB674-35BC-45BB-9673-67B940055B31}" destId="{1B41352A-2EA7-4FF6-9968-BC030163D094}" srcOrd="0" destOrd="0" parTransId="{42ED198D-698B-41D5-96D0-11D7162BABC1}" sibTransId="{5A46E43D-4ADE-4B51-BA3E-17CBEA03D9A7}"/>
-    <dgm:cxn modelId="{947130EA-0F23-4FE5-9267-E0D2A9DB1EB6}" srcId="{BB8C4245-B896-463C-9F6D-6089A25906F7}" destId="{6F4FF149-A6CE-41B1-AE4F-203882021B4B}" srcOrd="0" destOrd="0" parTransId="{9DF1D68F-2B3E-4268-8AFD-0D98C0209666}" sibTransId="{661E8DE5-3519-455B-9799-EE1CAB41BCAF}"/>
-    <dgm:cxn modelId="{0D0FBA14-6749-470B-A6B1-11AF98DD40A2}" type="presOf" srcId="{C6292CA7-7F2C-457B-824C-FDAD1A300612}" destId="{2122F150-D109-449A-8204-7E319E4F5DAA}" srcOrd="0" destOrd="0" presId="urn:microsoft.com/office/officeart/2005/8/layout/hierarchy6"/>
-    <dgm:cxn modelId="{C4F33C3F-965D-4E83-8D38-1174A8666C11}" type="presOf" srcId="{BB8C4245-B896-463C-9F6D-6089A25906F7}" destId="{9310C464-F17A-4EE5-9628-6BEBE30D390D}" srcOrd="0" destOrd="0" presId="urn:microsoft.com/office/officeart/2005/8/layout/hierarchy6"/>
-    <dgm:cxn modelId="{DFA0B2A2-59B8-4745-9561-49A9AC52E211}" type="presOf" srcId="{E4233A6D-7415-438D-8FDD-390A966DAF61}" destId="{AC8DB091-B58F-49E6-9A89-C4137BD364D0}" srcOrd="0" destOrd="0" presId="urn:microsoft.com/office/officeart/2005/8/layout/hierarchy6"/>
-    <dgm:cxn modelId="{466EAACD-FEB0-407D-98EB-C67C4904C4D9}" srcId="{2F5A44C0-791D-41F6-AE89-A8AF91720298}" destId="{8B05A671-0DE7-4C81-B7BE-EFEF4D8B285A}" srcOrd="1" destOrd="0" parTransId="{02CFAFD5-A585-4FF0-AD27-9E6537265522}" sibTransId="{EB08C90F-DB27-43A1-986B-3F70646A2D51}"/>
-    <dgm:cxn modelId="{DD6ED853-DFB6-4D4E-AAFF-9BA2955F65B3}" type="presOf" srcId="{0F5FC267-C6FA-4018-82E4-6D1E0CF53473}" destId="{31B4494D-E553-4E42-BC59-010A49910B4D}" srcOrd="0" destOrd="0" presId="urn:microsoft.com/office/officeart/2005/8/layout/hierarchy6"/>
-    <dgm:cxn modelId="{F070D942-9F3D-4F57-9CFE-BFC88E7801DA}" type="presOf" srcId="{1B41352A-2EA7-4FF6-9968-BC030163D094}" destId="{B62A4414-83F8-46D3-8330-4FC9C5171295}" srcOrd="0" destOrd="0" presId="urn:microsoft.com/office/officeart/2005/8/layout/hierarchy6"/>
-    <dgm:cxn modelId="{442D9682-DD1F-48FB-B407-434E123177AC}" type="presOf" srcId="{02CFAFD5-A585-4FF0-AD27-9E6537265522}" destId="{A3A32269-1CAF-4DC2-B4D7-72FD83E37B5B}" srcOrd="0" destOrd="0" presId="urn:microsoft.com/office/officeart/2005/8/layout/hierarchy6"/>
-    <dgm:cxn modelId="{B5855E00-4E6E-4E7C-84C8-9CC496C04A8D}" type="presOf" srcId="{2E1BB674-35BC-45BB-9673-67B940055B31}" destId="{05786130-55A6-41D7-9FFE-9F45D3899688}" srcOrd="0" destOrd="0" presId="urn:microsoft.com/office/officeart/2005/8/layout/hierarchy6"/>
-    <dgm:cxn modelId="{630F4EFE-B45A-4F04-A344-E066CF88173B}" type="presOf" srcId="{5F0C85A7-67E4-42A9-A5B9-AB21F3F7D118}" destId="{5150048F-8CE1-41E9-87EB-F85F39971A52}" srcOrd="0" destOrd="0" presId="urn:microsoft.com/office/officeart/2005/8/layout/hierarchy6"/>
     <dgm:cxn modelId="{B157827E-F4AF-41C0-ACCC-3E51FC913D1A}" type="presParOf" srcId="{34A782E1-AFD9-4879-8F28-FD40976DEF5C}" destId="{23DD04AF-9014-4775-8943-662D040C6072}" srcOrd="0" destOrd="0" presId="urn:microsoft.com/office/officeart/2005/8/layout/hierarchy6"/>
     <dgm:cxn modelId="{CBD25336-E641-4ED6-B5EC-0330BE95EF49}" type="presParOf" srcId="{23DD04AF-9014-4775-8943-662D040C6072}" destId="{2DDC3670-F275-47DC-83E2-1F7471C2ACC3}" srcOrd="0" destOrd="0" presId="urn:microsoft.com/office/officeart/2005/8/layout/hierarchy6"/>
     <dgm:cxn modelId="{62DF30C1-3676-4D78-9E5C-93EA7567C6AA}" type="presParOf" srcId="{2DDC3670-F275-47DC-83E2-1F7471C2ACC3}" destId="{6710931F-E719-46E6-A357-D18D0D5670D3}" srcOrd="0" destOrd="0" presId="urn:microsoft.com/office/officeart/2005/8/layout/hierarchy6"/>
@@ -4047,7 +4051,11 @@
           </a:pPr>
           <a:r>
             <a:rPr lang="ro-RO" sz="2400" kern="1200" dirty="0" smtClean="0"/>
-            <a:t>Aplicație Server</a:t>
+            <a:t>Aplicație </a:t>
+          </a:r>
+          <a:r>
+            <a:rPr lang="ro-RO" sz="2400" kern="1200" dirty="0" smtClean="0"/>
+            <a:t>Server</a:t>
           </a:r>
           <a:endParaRPr lang="en-US" sz="2400" kern="1200" dirty="0"/>
         </a:p>
@@ -12410,7 +12418,7 @@
           <p:nvPr>
             <p:extLst>
               <p:ext uri="{D42A27DB-BD31-4B8C-83A1-F6EECF244321}">
-                <p14:modId xmlns:p14="http://schemas.microsoft.com/office/powerpoint/2010/main" val="1678791606"/>
+                <p14:modId xmlns:p14="http://schemas.microsoft.com/office/powerpoint/2010/main" val="3334663289"/>
               </p:ext>
             </p:extLst>
           </p:nvPr>
@@ -13040,6 +13048,82 @@
           </a:p>
         </p:txBody>
       </p:sp>
+      <p:sp>
+        <p:nvSpPr>
+          <p:cNvPr id="3" name="Rounded Rectangle 2"/>
+          <p:cNvSpPr/>
+          <p:nvPr/>
+        </p:nvSpPr>
+        <p:spPr>
+          <a:xfrm>
+            <a:off x="6702549" y="1883549"/>
+            <a:ext cx="1091622" cy="1120908"/>
+          </a:xfrm>
+          <a:prstGeom prst="roundRect">
+            <a:avLst/>
+          </a:prstGeom>
+        </p:spPr>
+        <p:style>
+          <a:lnRef idx="3">
+            <a:schemeClr val="lt1"/>
+          </a:lnRef>
+          <a:fillRef idx="1">
+            <a:schemeClr val="accent6"/>
+          </a:fillRef>
+          <a:effectRef idx="1">
+            <a:schemeClr val="accent6"/>
+          </a:effectRef>
+          <a:fontRef idx="minor">
+            <a:schemeClr val="lt1"/>
+          </a:fontRef>
+        </p:style>
+        <p:txBody>
+          <a:bodyPr rtlCol="0" anchor="ctr"/>
+          <a:lstStyle/>
+          <a:p>
+            <a:pPr algn="ctr"/>
+            <a:r>
+              <a:rPr lang="ro-RO" dirty="0" smtClean="0"/>
+              <a:t>Bază de date</a:t>
+            </a:r>
+            <a:endParaRPr lang="en-US" dirty="0"/>
+          </a:p>
+        </p:txBody>
+      </p:sp>
+      <p:cxnSp>
+        <p:nvCxnSpPr>
+          <p:cNvPr id="9" name="Straight Arrow Connector 8"/>
+          <p:cNvCxnSpPr/>
+          <p:nvPr/>
+        </p:nvCxnSpPr>
+        <p:spPr>
+          <a:xfrm>
+            <a:off x="6313714" y="2454259"/>
+            <a:ext cx="388835" cy="0"/>
+          </a:xfrm>
+          <a:prstGeom prst="straightConnector1">
+            <a:avLst/>
+          </a:prstGeom>
+          <a:ln>
+            <a:headEnd type="triangle"/>
+            <a:tailEnd type="triangle"/>
+          </a:ln>
+        </p:spPr>
+        <p:style>
+          <a:lnRef idx="3">
+            <a:schemeClr val="accent6"/>
+          </a:lnRef>
+          <a:fillRef idx="0">
+            <a:schemeClr val="accent6"/>
+          </a:fillRef>
+          <a:effectRef idx="2">
+            <a:schemeClr val="accent6"/>
+          </a:effectRef>
+          <a:fontRef idx="minor">
+            <a:schemeClr val="tx1"/>
+          </a:fontRef>
+        </p:style>
+      </p:cxnSp>
     </p:spTree>
     <p:extLst>
       <p:ext uri="{BB962C8B-B14F-4D97-AF65-F5344CB8AC3E}">

--- a/Documentation/Figures/Șablon.pptx
+++ b/Documentation/Figures/Șablon.pptx
@@ -2587,7 +2587,11 @@
         <a:p>
           <a:r>
             <a:rPr lang="ro-RO" sz="2100" dirty="0" smtClean="0"/>
-            <a:t>Încuietoare usă</a:t>
+            <a:t>Încuietoare </a:t>
+          </a:r>
+          <a:r>
+            <a:rPr lang="ro-RO" sz="2100" dirty="0" smtClean="0"/>
+            <a:t>ușă</a:t>
           </a:r>
           <a:endParaRPr lang="en-US" sz="2100" dirty="0"/>
         </a:p>
@@ -2639,11 +2643,7 @@
         <a:p>
           <a:r>
             <a:rPr lang="ro-RO" sz="2400" dirty="0" smtClean="0"/>
-            <a:t>Aplicație </a:t>
-          </a:r>
-          <a:r>
-            <a:rPr lang="ro-RO" sz="2400" dirty="0" smtClean="0"/>
-            <a:t>Server</a:t>
+            <a:t>Aplicație Server</a:t>
           </a:r>
           <a:endParaRPr lang="en-US" sz="2400" dirty="0"/>
         </a:p>
@@ -3093,45 +3093,45 @@
     </dgm:pt>
   </dgm:ptLst>
   <dgm:cxnLst>
-    <dgm:cxn modelId="{DFA0B2A2-59B8-4745-9561-49A9AC52E211}" type="presOf" srcId="{E4233A6D-7415-438D-8FDD-390A966DAF61}" destId="{AC8DB091-B58F-49E6-9A89-C4137BD364D0}" srcOrd="0" destOrd="0" presId="urn:microsoft.com/office/officeart/2005/8/layout/hierarchy6"/>
-    <dgm:cxn modelId="{BDB714D0-302E-4D8E-A146-143209CB7EB9}" type="presOf" srcId="{2A0496EF-31A8-4FB8-8A7F-A2CBF8606691}" destId="{7E20B0C3-8A2C-4390-90B0-51E9C4628327}" srcOrd="0" destOrd="0" presId="urn:microsoft.com/office/officeart/2005/8/layout/hierarchy6"/>
-    <dgm:cxn modelId="{84AEBEDF-699D-409C-8FDF-39B8F2078832}" type="presOf" srcId="{2F5A44C0-791D-41F6-AE89-A8AF91720298}" destId="{924D7767-3779-4E75-A9D1-B6EF723A406B}" srcOrd="0" destOrd="0" presId="urn:microsoft.com/office/officeart/2005/8/layout/hierarchy6"/>
+    <dgm:cxn modelId="{9CECA818-D527-4FE0-919E-C19006374085}" type="presOf" srcId="{5C4DE19C-A716-4E24-865A-871D15A6106C}" destId="{98778A9B-C700-42DB-8B31-295727FCB770}" srcOrd="0" destOrd="0" presId="urn:microsoft.com/office/officeart/2005/8/layout/hierarchy6"/>
+    <dgm:cxn modelId="{418B5CB2-8F43-48C1-8199-E6DE90661697}" type="presOf" srcId="{34A3A509-B82F-404C-8687-6E3B1937BBEE}" destId="{E68F78C2-FCC0-473C-8802-5A0A0CB2C679}" srcOrd="0" destOrd="0" presId="urn:microsoft.com/office/officeart/2005/8/layout/hierarchy6"/>
+    <dgm:cxn modelId="{7E254444-F2AB-4E1F-B2A0-F03155BFBFF5}" srcId="{2A0496EF-31A8-4FB8-8A7F-A2CBF8606691}" destId="{2F5A44C0-791D-41F6-AE89-A8AF91720298}" srcOrd="0" destOrd="0" parTransId="{1512B27A-390D-4709-8629-FCA8BEDE4660}" sibTransId="{27C39707-0CBF-4DAD-967E-14A0F8212F79}"/>
+    <dgm:cxn modelId="{07075BE4-1887-4775-8F41-989EDCB308BF}" type="presOf" srcId="{30049703-D785-45D5-9086-D41CD69E5E8B}" destId="{D52E9823-1814-4F22-988A-F8D4598EB50D}" srcOrd="0" destOrd="0" presId="urn:microsoft.com/office/officeart/2005/8/layout/hierarchy6"/>
+    <dgm:cxn modelId="{BD788C0F-E087-4B94-A180-E6C511057C18}" type="presOf" srcId="{8B05A671-0DE7-4C81-B7BE-EFEF4D8B285A}" destId="{1956AAFF-10E4-4255-8BD5-2F66FE8CA411}" srcOrd="0" destOrd="0" presId="urn:microsoft.com/office/officeart/2005/8/layout/hierarchy6"/>
     <dgm:cxn modelId="{EB236707-065C-4D1D-B076-86AEC5CEEB91}" srcId="{8B05A671-0DE7-4C81-B7BE-EFEF4D8B285A}" destId="{0F5FC267-C6FA-4018-82E4-6D1E0CF53473}" srcOrd="0" destOrd="0" parTransId="{5F0C85A7-67E4-42A9-A5B9-AB21F3F7D118}" sibTransId="{A7305806-DFE5-445A-9309-3C585AF24235}"/>
-    <dgm:cxn modelId="{6F58FB3E-AA2A-4594-A1AD-4B37C53642A9}" type="presOf" srcId="{9DF1D68F-2B3E-4268-8AFD-0D98C0209666}" destId="{389F7A8F-AE74-4137-84FF-3105FFB8A33B}" srcOrd="0" destOrd="0" presId="urn:microsoft.com/office/officeart/2005/8/layout/hierarchy6"/>
+    <dgm:cxn modelId="{08D78291-1718-4BC8-86C8-91374E503D0A}" type="presOf" srcId="{6F4FF149-A6CE-41B1-AE4F-203882021B4B}" destId="{99882D7B-548B-49ED-8D25-B2C5E6BB0792}" srcOrd="0" destOrd="0" presId="urn:microsoft.com/office/officeart/2005/8/layout/hierarchy6"/>
+    <dgm:cxn modelId="{C6BBB91B-D864-4683-B753-01DB05FA3F69}" type="presOf" srcId="{CE3A7A2B-0120-4596-8CB3-B686980D22EA}" destId="{0EBCFE24-6A1E-417D-87CE-35AF58869832}" srcOrd="0" destOrd="0" presId="urn:microsoft.com/office/officeart/2005/8/layout/hierarchy6"/>
+    <dgm:cxn modelId="{0667E768-73F9-4898-A480-9B6CDA8EA0A1}" type="presOf" srcId="{42ED198D-698B-41D5-96D0-11D7162BABC1}" destId="{F8775318-346A-4AC7-9707-6144772C35D5}" srcOrd="0" destOrd="0" presId="urn:microsoft.com/office/officeart/2005/8/layout/hierarchy6"/>
+    <dgm:cxn modelId="{281E5842-A5EC-45F4-84F1-613FD73DE8AA}" type="presOf" srcId="{F115A2BD-1E7A-4B98-BA46-8A3FF6432199}" destId="{9C7D0A91-8C5C-4FD7-8EB9-A2426F718068}" srcOrd="0" destOrd="0" presId="urn:microsoft.com/office/officeart/2005/8/layout/hierarchy6"/>
+    <dgm:cxn modelId="{118EEE52-5EF9-489B-961A-2CA4C78AC153}" srcId="{2F5A44C0-791D-41F6-AE89-A8AF91720298}" destId="{BB8C4245-B896-463C-9F6D-6089A25906F7}" srcOrd="0" destOrd="0" parTransId="{20707547-4CCB-4CCC-A7B6-76B2B1A97837}" sibTransId="{339F42B9-B5A2-493A-8ACA-FF560690E9EC}"/>
     <dgm:cxn modelId="{02264204-A44F-4440-BCAE-58C7345FA323}" type="presOf" srcId="{A3948582-E41B-4E64-96CC-A7B8352B50FD}" destId="{34A782E1-AFD9-4879-8F28-FD40976DEF5C}" srcOrd="0" destOrd="0" presId="urn:microsoft.com/office/officeart/2005/8/layout/hierarchy6"/>
     <dgm:cxn modelId="{A1698EF7-4B92-45E0-ABD2-C3C9D2496C05}" srcId="{CE3A7A2B-0120-4596-8CB3-B686980D22EA}" destId="{2A0496EF-31A8-4FB8-8A7F-A2CBF8606691}" srcOrd="0" destOrd="0" parTransId="{34A3A509-B82F-404C-8687-6E3B1937BBEE}" sibTransId="{711EDAB4-B415-4A58-84DA-A2ADED836DE6}"/>
+    <dgm:cxn modelId="{7DAA723A-1CE3-49C2-B8CB-FB0D95B0DACC}" type="presOf" srcId="{A28646E1-B33F-4FF4-9877-08DED234ED89}" destId="{8C7EEA08-EF08-4AD9-9C21-35B928AE57CA}" srcOrd="0" destOrd="0" presId="urn:microsoft.com/office/officeart/2005/8/layout/hierarchy6"/>
+    <dgm:cxn modelId="{51B12532-E68A-4486-9A3F-B4FE41BA33A3}" type="presOf" srcId="{1512B27A-390D-4709-8629-FCA8BEDE4660}" destId="{1AA2EE3E-A9B5-4A09-AC15-11E53F7E90D0}" srcOrd="0" destOrd="0" presId="urn:microsoft.com/office/officeart/2005/8/layout/hierarchy6"/>
+    <dgm:cxn modelId="{82EAC98A-5ACA-4CC9-8C3F-9F5CEBB95B64}" srcId="{2F5A44C0-791D-41F6-AE89-A8AF91720298}" destId="{2E1BB674-35BC-45BB-9673-67B940055B31}" srcOrd="3" destOrd="0" parTransId="{F115A2BD-1E7A-4B98-BA46-8A3FF6432199}" sibTransId="{E40EF4B0-13FD-46F0-9F17-93B749C56BB4}"/>
+    <dgm:cxn modelId="{F31620ED-FE40-41B8-9A92-2F0DECEB045F}" srcId="{2F5A44C0-791D-41F6-AE89-A8AF91720298}" destId="{A28646E1-B33F-4FF4-9877-08DED234ED89}" srcOrd="4" destOrd="0" parTransId="{30049703-D785-45D5-9086-D41CD69E5E8B}" sibTransId="{DAFD1E16-BC67-489D-8D3E-B04961C23619}"/>
+    <dgm:cxn modelId="{24B89DA9-AFAD-4CFC-9AFC-4D95741AC436}" type="presOf" srcId="{ED55D2DB-BE73-4F1D-90F6-D0461196D166}" destId="{EB93688B-C590-459D-A823-880B4C0DE7A9}" srcOrd="0" destOrd="0" presId="urn:microsoft.com/office/officeart/2005/8/layout/hierarchy6"/>
+    <dgm:cxn modelId="{F91052DF-FAD6-4169-A99B-BB91E6FE48CD}" srcId="{2F5A44C0-791D-41F6-AE89-A8AF91720298}" destId="{5C4DE19C-A716-4E24-865A-871D15A6106C}" srcOrd="2" destOrd="0" parTransId="{ED55D2DB-BE73-4F1D-90F6-D0461196D166}" sibTransId="{B842B66A-0CB8-48E1-B230-01504D47AD13}"/>
+    <dgm:cxn modelId="{BDB714D0-302E-4D8E-A146-143209CB7EB9}" type="presOf" srcId="{2A0496EF-31A8-4FB8-8A7F-A2CBF8606691}" destId="{7E20B0C3-8A2C-4390-90B0-51E9C4628327}" srcOrd="0" destOrd="0" presId="urn:microsoft.com/office/officeart/2005/8/layout/hierarchy6"/>
+    <dgm:cxn modelId="{EF1D9E71-A555-408C-8B53-311EDD8AFEC0}" srcId="{A28646E1-B33F-4FF4-9877-08DED234ED89}" destId="{C6292CA7-7F2C-457B-824C-FDAD1A300612}" srcOrd="0" destOrd="0" parTransId="{6797477D-2FBC-4C66-B693-B1358AD756A9}" sibTransId="{EA639A36-FBDA-4389-88D6-486CC80E92FD}"/>
+    <dgm:cxn modelId="{9FC108E5-589B-4D33-BE4E-9E562824F9AC}" srcId="{A3948582-E41B-4E64-96CC-A7B8352B50FD}" destId="{CE3A7A2B-0120-4596-8CB3-B686980D22EA}" srcOrd="0" destOrd="0" parTransId="{325C2410-EEE4-475F-8DC3-556367C17848}" sibTransId="{DCCB8526-D7E7-41F0-B75B-247A63F7E4F2}"/>
+    <dgm:cxn modelId="{6A982B11-3CCE-4A26-A4C6-8D35256F7E10}" type="presOf" srcId="{6797477D-2FBC-4C66-B693-B1358AD756A9}" destId="{E5CAF7CA-E25C-4C1C-B864-8B33F7D31AAE}" srcOrd="0" destOrd="0" presId="urn:microsoft.com/office/officeart/2005/8/layout/hierarchy6"/>
+    <dgm:cxn modelId="{84AEBEDF-699D-409C-8FDF-39B8F2078832}" type="presOf" srcId="{2F5A44C0-791D-41F6-AE89-A8AF91720298}" destId="{924D7767-3779-4E75-A9D1-B6EF723A406B}" srcOrd="0" destOrd="0" presId="urn:microsoft.com/office/officeart/2005/8/layout/hierarchy6"/>
+    <dgm:cxn modelId="{34FED145-F186-405B-B467-025CCF264B4C}" srcId="{5C4DE19C-A716-4E24-865A-871D15A6106C}" destId="{63376BF1-6687-43EE-ADA3-D36BAEFB7DEE}" srcOrd="0" destOrd="0" parTransId="{E4233A6D-7415-438D-8FDD-390A966DAF61}" sibTransId="{DEA88744-D54F-46A0-AC82-2F6C542D45AE}"/>
+    <dgm:cxn modelId="{6F58FB3E-AA2A-4594-A1AD-4B37C53642A9}" type="presOf" srcId="{9DF1D68F-2B3E-4268-8AFD-0D98C0209666}" destId="{389F7A8F-AE74-4137-84FF-3105FFB8A33B}" srcOrd="0" destOrd="0" presId="urn:microsoft.com/office/officeart/2005/8/layout/hierarchy6"/>
+    <dgm:cxn modelId="{2A455528-482E-4825-98EB-67F715F8E105}" type="presOf" srcId="{63376BF1-6687-43EE-ADA3-D36BAEFB7DEE}" destId="{B288F2FA-C717-48A3-A9F5-9FC1E4AF394C}" srcOrd="0" destOrd="0" presId="urn:microsoft.com/office/officeart/2005/8/layout/hierarchy6"/>
+    <dgm:cxn modelId="{C58A26B1-320E-40AF-910A-81FF791114BD}" type="presOf" srcId="{20707547-4CCB-4CCC-A7B6-76B2B1A97837}" destId="{D963691C-3642-4A13-9D4B-615A02507769}" srcOrd="0" destOrd="0" presId="urn:microsoft.com/office/officeart/2005/8/layout/hierarchy6"/>
+    <dgm:cxn modelId="{D1ADB1EA-4BB3-49A6-AD72-DC1CB8428524}" srcId="{2E1BB674-35BC-45BB-9673-67B940055B31}" destId="{1B41352A-2EA7-4FF6-9968-BC030163D094}" srcOrd="0" destOrd="0" parTransId="{42ED198D-698B-41D5-96D0-11D7162BABC1}" sibTransId="{5A46E43D-4ADE-4B51-BA3E-17CBEA03D9A7}"/>
+    <dgm:cxn modelId="{947130EA-0F23-4FE5-9267-E0D2A9DB1EB6}" srcId="{BB8C4245-B896-463C-9F6D-6089A25906F7}" destId="{6F4FF149-A6CE-41B1-AE4F-203882021B4B}" srcOrd="0" destOrd="0" parTransId="{9DF1D68F-2B3E-4268-8AFD-0D98C0209666}" sibTransId="{661E8DE5-3519-455B-9799-EE1CAB41BCAF}"/>
+    <dgm:cxn modelId="{0D0FBA14-6749-470B-A6B1-11AF98DD40A2}" type="presOf" srcId="{C6292CA7-7F2C-457B-824C-FDAD1A300612}" destId="{2122F150-D109-449A-8204-7E319E4F5DAA}" srcOrd="0" destOrd="0" presId="urn:microsoft.com/office/officeart/2005/8/layout/hierarchy6"/>
+    <dgm:cxn modelId="{C4F33C3F-965D-4E83-8D38-1174A8666C11}" type="presOf" srcId="{BB8C4245-B896-463C-9F6D-6089A25906F7}" destId="{9310C464-F17A-4EE5-9628-6BEBE30D390D}" srcOrd="0" destOrd="0" presId="urn:microsoft.com/office/officeart/2005/8/layout/hierarchy6"/>
+    <dgm:cxn modelId="{DFA0B2A2-59B8-4745-9561-49A9AC52E211}" type="presOf" srcId="{E4233A6D-7415-438D-8FDD-390A966DAF61}" destId="{AC8DB091-B58F-49E6-9A89-C4137BD364D0}" srcOrd="0" destOrd="0" presId="urn:microsoft.com/office/officeart/2005/8/layout/hierarchy6"/>
+    <dgm:cxn modelId="{466EAACD-FEB0-407D-98EB-C67C4904C4D9}" srcId="{2F5A44C0-791D-41F6-AE89-A8AF91720298}" destId="{8B05A671-0DE7-4C81-B7BE-EFEF4D8B285A}" srcOrd="1" destOrd="0" parTransId="{02CFAFD5-A585-4FF0-AD27-9E6537265522}" sibTransId="{EB08C90F-DB27-43A1-986B-3F70646A2D51}"/>
+    <dgm:cxn modelId="{DD6ED853-DFB6-4D4E-AAFF-9BA2955F65B3}" type="presOf" srcId="{0F5FC267-C6FA-4018-82E4-6D1E0CF53473}" destId="{31B4494D-E553-4E42-BC59-010A49910B4D}" srcOrd="0" destOrd="0" presId="urn:microsoft.com/office/officeart/2005/8/layout/hierarchy6"/>
+    <dgm:cxn modelId="{F070D942-9F3D-4F57-9CFE-BFC88E7801DA}" type="presOf" srcId="{1B41352A-2EA7-4FF6-9968-BC030163D094}" destId="{B62A4414-83F8-46D3-8330-4FC9C5171295}" srcOrd="0" destOrd="0" presId="urn:microsoft.com/office/officeart/2005/8/layout/hierarchy6"/>
+    <dgm:cxn modelId="{442D9682-DD1F-48FB-B407-434E123177AC}" type="presOf" srcId="{02CFAFD5-A585-4FF0-AD27-9E6537265522}" destId="{A3A32269-1CAF-4DC2-B4D7-72FD83E37B5B}" srcOrd="0" destOrd="0" presId="urn:microsoft.com/office/officeart/2005/8/layout/hierarchy6"/>
     <dgm:cxn modelId="{B5855E00-4E6E-4E7C-84C8-9CC496C04A8D}" type="presOf" srcId="{2E1BB674-35BC-45BB-9673-67B940055B31}" destId="{05786130-55A6-41D7-9FFE-9F45D3899688}" srcOrd="0" destOrd="0" presId="urn:microsoft.com/office/officeart/2005/8/layout/hierarchy6"/>
-    <dgm:cxn modelId="{9CECA818-D527-4FE0-919E-C19006374085}" type="presOf" srcId="{5C4DE19C-A716-4E24-865A-871D15A6106C}" destId="{98778A9B-C700-42DB-8B31-295727FCB770}" srcOrd="0" destOrd="0" presId="urn:microsoft.com/office/officeart/2005/8/layout/hierarchy6"/>
-    <dgm:cxn modelId="{442D9682-DD1F-48FB-B407-434E123177AC}" type="presOf" srcId="{02CFAFD5-A585-4FF0-AD27-9E6537265522}" destId="{A3A32269-1CAF-4DC2-B4D7-72FD83E37B5B}" srcOrd="0" destOrd="0" presId="urn:microsoft.com/office/officeart/2005/8/layout/hierarchy6"/>
-    <dgm:cxn modelId="{281E5842-A5EC-45F4-84F1-613FD73DE8AA}" type="presOf" srcId="{F115A2BD-1E7A-4B98-BA46-8A3FF6432199}" destId="{9C7D0A91-8C5C-4FD7-8EB9-A2426F718068}" srcOrd="0" destOrd="0" presId="urn:microsoft.com/office/officeart/2005/8/layout/hierarchy6"/>
-    <dgm:cxn modelId="{0D0FBA14-6749-470B-A6B1-11AF98DD40A2}" type="presOf" srcId="{C6292CA7-7F2C-457B-824C-FDAD1A300612}" destId="{2122F150-D109-449A-8204-7E319E4F5DAA}" srcOrd="0" destOrd="0" presId="urn:microsoft.com/office/officeart/2005/8/layout/hierarchy6"/>
-    <dgm:cxn modelId="{118EEE52-5EF9-489B-961A-2CA4C78AC153}" srcId="{2F5A44C0-791D-41F6-AE89-A8AF91720298}" destId="{BB8C4245-B896-463C-9F6D-6089A25906F7}" srcOrd="0" destOrd="0" parTransId="{20707547-4CCB-4CCC-A7B6-76B2B1A97837}" sibTransId="{339F42B9-B5A2-493A-8ACA-FF560690E9EC}"/>
-    <dgm:cxn modelId="{7E254444-F2AB-4E1F-B2A0-F03155BFBFF5}" srcId="{2A0496EF-31A8-4FB8-8A7F-A2CBF8606691}" destId="{2F5A44C0-791D-41F6-AE89-A8AF91720298}" srcOrd="0" destOrd="0" parTransId="{1512B27A-390D-4709-8629-FCA8BEDE4660}" sibTransId="{27C39707-0CBF-4DAD-967E-14A0F8212F79}"/>
-    <dgm:cxn modelId="{F91052DF-FAD6-4169-A99B-BB91E6FE48CD}" srcId="{2F5A44C0-791D-41F6-AE89-A8AF91720298}" destId="{5C4DE19C-A716-4E24-865A-871D15A6106C}" srcOrd="2" destOrd="0" parTransId="{ED55D2DB-BE73-4F1D-90F6-D0461196D166}" sibTransId="{B842B66A-0CB8-48E1-B230-01504D47AD13}"/>
-    <dgm:cxn modelId="{7DAA723A-1CE3-49C2-B8CB-FB0D95B0DACC}" type="presOf" srcId="{A28646E1-B33F-4FF4-9877-08DED234ED89}" destId="{8C7EEA08-EF08-4AD9-9C21-35B928AE57CA}" srcOrd="0" destOrd="0" presId="urn:microsoft.com/office/officeart/2005/8/layout/hierarchy6"/>
-    <dgm:cxn modelId="{DD6ED853-DFB6-4D4E-AAFF-9BA2955F65B3}" type="presOf" srcId="{0F5FC267-C6FA-4018-82E4-6D1E0CF53473}" destId="{31B4494D-E553-4E42-BC59-010A49910B4D}" srcOrd="0" destOrd="0" presId="urn:microsoft.com/office/officeart/2005/8/layout/hierarchy6"/>
-    <dgm:cxn modelId="{418B5CB2-8F43-48C1-8199-E6DE90661697}" type="presOf" srcId="{34A3A509-B82F-404C-8687-6E3B1937BBEE}" destId="{E68F78C2-FCC0-473C-8802-5A0A0CB2C679}" srcOrd="0" destOrd="0" presId="urn:microsoft.com/office/officeart/2005/8/layout/hierarchy6"/>
-    <dgm:cxn modelId="{C4F33C3F-965D-4E83-8D38-1174A8666C11}" type="presOf" srcId="{BB8C4245-B896-463C-9F6D-6089A25906F7}" destId="{9310C464-F17A-4EE5-9628-6BEBE30D390D}" srcOrd="0" destOrd="0" presId="urn:microsoft.com/office/officeart/2005/8/layout/hierarchy6"/>
-    <dgm:cxn modelId="{C58A26B1-320E-40AF-910A-81FF791114BD}" type="presOf" srcId="{20707547-4CCB-4CCC-A7B6-76B2B1A97837}" destId="{D963691C-3642-4A13-9D4B-615A02507769}" srcOrd="0" destOrd="0" presId="urn:microsoft.com/office/officeart/2005/8/layout/hierarchy6"/>
-    <dgm:cxn modelId="{C6BBB91B-D864-4683-B753-01DB05FA3F69}" type="presOf" srcId="{CE3A7A2B-0120-4596-8CB3-B686980D22EA}" destId="{0EBCFE24-6A1E-417D-87CE-35AF58869832}" srcOrd="0" destOrd="0" presId="urn:microsoft.com/office/officeart/2005/8/layout/hierarchy6"/>
-    <dgm:cxn modelId="{07075BE4-1887-4775-8F41-989EDCB308BF}" type="presOf" srcId="{30049703-D785-45D5-9086-D41CD69E5E8B}" destId="{D52E9823-1814-4F22-988A-F8D4598EB50D}" srcOrd="0" destOrd="0" presId="urn:microsoft.com/office/officeart/2005/8/layout/hierarchy6"/>
-    <dgm:cxn modelId="{51B12532-E68A-4486-9A3F-B4FE41BA33A3}" type="presOf" srcId="{1512B27A-390D-4709-8629-FCA8BEDE4660}" destId="{1AA2EE3E-A9B5-4A09-AC15-11E53F7E90D0}" srcOrd="0" destOrd="0" presId="urn:microsoft.com/office/officeart/2005/8/layout/hierarchy6"/>
-    <dgm:cxn modelId="{EF1D9E71-A555-408C-8B53-311EDD8AFEC0}" srcId="{A28646E1-B33F-4FF4-9877-08DED234ED89}" destId="{C6292CA7-7F2C-457B-824C-FDAD1A300612}" srcOrd="0" destOrd="0" parTransId="{6797477D-2FBC-4C66-B693-B1358AD756A9}" sibTransId="{EA639A36-FBDA-4389-88D6-486CC80E92FD}"/>
-    <dgm:cxn modelId="{F31620ED-FE40-41B8-9A92-2F0DECEB045F}" srcId="{2F5A44C0-791D-41F6-AE89-A8AF91720298}" destId="{A28646E1-B33F-4FF4-9877-08DED234ED89}" srcOrd="4" destOrd="0" parTransId="{30049703-D785-45D5-9086-D41CD69E5E8B}" sibTransId="{DAFD1E16-BC67-489D-8D3E-B04961C23619}"/>
-    <dgm:cxn modelId="{08D78291-1718-4BC8-86C8-91374E503D0A}" type="presOf" srcId="{6F4FF149-A6CE-41B1-AE4F-203882021B4B}" destId="{99882D7B-548B-49ED-8D25-B2C5E6BB0792}" srcOrd="0" destOrd="0" presId="urn:microsoft.com/office/officeart/2005/8/layout/hierarchy6"/>
-    <dgm:cxn modelId="{0667E768-73F9-4898-A480-9B6CDA8EA0A1}" type="presOf" srcId="{42ED198D-698B-41D5-96D0-11D7162BABC1}" destId="{F8775318-346A-4AC7-9707-6144772C35D5}" srcOrd="0" destOrd="0" presId="urn:microsoft.com/office/officeart/2005/8/layout/hierarchy6"/>
-    <dgm:cxn modelId="{34FED145-F186-405B-B467-025CCF264B4C}" srcId="{5C4DE19C-A716-4E24-865A-871D15A6106C}" destId="{63376BF1-6687-43EE-ADA3-D36BAEFB7DEE}" srcOrd="0" destOrd="0" parTransId="{E4233A6D-7415-438D-8FDD-390A966DAF61}" sibTransId="{DEA88744-D54F-46A0-AC82-2F6C542D45AE}"/>
-    <dgm:cxn modelId="{BD788C0F-E087-4B94-A180-E6C511057C18}" type="presOf" srcId="{8B05A671-0DE7-4C81-B7BE-EFEF4D8B285A}" destId="{1956AAFF-10E4-4255-8BD5-2F66FE8CA411}" srcOrd="0" destOrd="0" presId="urn:microsoft.com/office/officeart/2005/8/layout/hierarchy6"/>
     <dgm:cxn modelId="{630F4EFE-B45A-4F04-A344-E066CF88173B}" type="presOf" srcId="{5F0C85A7-67E4-42A9-A5B9-AB21F3F7D118}" destId="{5150048F-8CE1-41E9-87EB-F85F39971A52}" srcOrd="0" destOrd="0" presId="urn:microsoft.com/office/officeart/2005/8/layout/hierarchy6"/>
-    <dgm:cxn modelId="{9FC108E5-589B-4D33-BE4E-9E562824F9AC}" srcId="{A3948582-E41B-4E64-96CC-A7B8352B50FD}" destId="{CE3A7A2B-0120-4596-8CB3-B686980D22EA}" srcOrd="0" destOrd="0" parTransId="{325C2410-EEE4-475F-8DC3-556367C17848}" sibTransId="{DCCB8526-D7E7-41F0-B75B-247A63F7E4F2}"/>
-    <dgm:cxn modelId="{82EAC98A-5ACA-4CC9-8C3F-9F5CEBB95B64}" srcId="{2F5A44C0-791D-41F6-AE89-A8AF91720298}" destId="{2E1BB674-35BC-45BB-9673-67B940055B31}" srcOrd="3" destOrd="0" parTransId="{F115A2BD-1E7A-4B98-BA46-8A3FF6432199}" sibTransId="{E40EF4B0-13FD-46F0-9F17-93B749C56BB4}"/>
-    <dgm:cxn modelId="{D1ADB1EA-4BB3-49A6-AD72-DC1CB8428524}" srcId="{2E1BB674-35BC-45BB-9673-67B940055B31}" destId="{1B41352A-2EA7-4FF6-9968-BC030163D094}" srcOrd="0" destOrd="0" parTransId="{42ED198D-698B-41D5-96D0-11D7162BABC1}" sibTransId="{5A46E43D-4ADE-4B51-BA3E-17CBEA03D9A7}"/>
-    <dgm:cxn modelId="{24B89DA9-AFAD-4CFC-9AFC-4D95741AC436}" type="presOf" srcId="{ED55D2DB-BE73-4F1D-90F6-D0461196D166}" destId="{EB93688B-C590-459D-A823-880B4C0DE7A9}" srcOrd="0" destOrd="0" presId="urn:microsoft.com/office/officeart/2005/8/layout/hierarchy6"/>
-    <dgm:cxn modelId="{466EAACD-FEB0-407D-98EB-C67C4904C4D9}" srcId="{2F5A44C0-791D-41F6-AE89-A8AF91720298}" destId="{8B05A671-0DE7-4C81-B7BE-EFEF4D8B285A}" srcOrd="1" destOrd="0" parTransId="{02CFAFD5-A585-4FF0-AD27-9E6537265522}" sibTransId="{EB08C90F-DB27-43A1-986B-3F70646A2D51}"/>
-    <dgm:cxn modelId="{F070D942-9F3D-4F57-9CFE-BFC88E7801DA}" type="presOf" srcId="{1B41352A-2EA7-4FF6-9968-BC030163D094}" destId="{B62A4414-83F8-46D3-8330-4FC9C5171295}" srcOrd="0" destOrd="0" presId="urn:microsoft.com/office/officeart/2005/8/layout/hierarchy6"/>
-    <dgm:cxn modelId="{947130EA-0F23-4FE5-9267-E0D2A9DB1EB6}" srcId="{BB8C4245-B896-463C-9F6D-6089A25906F7}" destId="{6F4FF149-A6CE-41B1-AE4F-203882021B4B}" srcOrd="0" destOrd="0" parTransId="{9DF1D68F-2B3E-4268-8AFD-0D98C0209666}" sibTransId="{661E8DE5-3519-455B-9799-EE1CAB41BCAF}"/>
-    <dgm:cxn modelId="{6A982B11-3CCE-4A26-A4C6-8D35256F7E10}" type="presOf" srcId="{6797477D-2FBC-4C66-B693-B1358AD756A9}" destId="{E5CAF7CA-E25C-4C1C-B864-8B33F7D31AAE}" srcOrd="0" destOrd="0" presId="urn:microsoft.com/office/officeart/2005/8/layout/hierarchy6"/>
-    <dgm:cxn modelId="{2A455528-482E-4825-98EB-67F715F8E105}" type="presOf" srcId="{63376BF1-6687-43EE-ADA3-D36BAEFB7DEE}" destId="{B288F2FA-C717-48A3-A9F5-9FC1E4AF394C}" srcOrd="0" destOrd="0" presId="urn:microsoft.com/office/officeart/2005/8/layout/hierarchy6"/>
     <dgm:cxn modelId="{B157827E-F4AF-41C0-ACCC-3E51FC913D1A}" type="presParOf" srcId="{34A782E1-AFD9-4879-8F28-FD40976DEF5C}" destId="{23DD04AF-9014-4775-8943-662D040C6072}" srcOrd="0" destOrd="0" presId="urn:microsoft.com/office/officeart/2005/8/layout/hierarchy6"/>
     <dgm:cxn modelId="{CBD25336-E641-4ED6-B5EC-0330BE95EF49}" type="presParOf" srcId="{23DD04AF-9014-4775-8943-662D040C6072}" destId="{2DDC3670-F275-47DC-83E2-1F7471C2ACC3}" srcOrd="0" destOrd="0" presId="urn:microsoft.com/office/officeart/2005/8/layout/hierarchy6"/>
     <dgm:cxn modelId="{62DF30C1-3676-4D78-9E5C-93EA7567C6AA}" type="presParOf" srcId="{2DDC3670-F275-47DC-83E2-1F7471C2ACC3}" destId="{6710931F-E719-46E6-A357-D18D0D5670D3}" srcOrd="0" destOrd="0" presId="urn:microsoft.com/office/officeart/2005/8/layout/hierarchy6"/>
@@ -4051,11 +4051,7 @@
           </a:pPr>
           <a:r>
             <a:rPr lang="ro-RO" sz="2400" kern="1200" dirty="0" smtClean="0"/>
-            <a:t>Aplicație </a:t>
-          </a:r>
-          <a:r>
-            <a:rPr lang="ro-RO" sz="2400" kern="1200" dirty="0" smtClean="0"/>
-            <a:t>Server</a:t>
+            <a:t>Aplicație Server</a:t>
           </a:r>
           <a:endParaRPr lang="en-US" sz="2400" kern="1200" dirty="0"/>
         </a:p>
@@ -5349,7 +5345,11 @@
           </a:pPr>
           <a:r>
             <a:rPr lang="ro-RO" sz="2100" kern="1200" dirty="0" smtClean="0"/>
-            <a:t>Încuietoare usă</a:t>
+            <a:t>Încuietoare </a:t>
+          </a:r>
+          <a:r>
+            <a:rPr lang="ro-RO" sz="2100" kern="1200" dirty="0" smtClean="0"/>
+            <a:t>ușă</a:t>
           </a:r>
           <a:endParaRPr lang="en-US" sz="2100" kern="1200" dirty="0"/>
         </a:p>
@@ -8875,7 +8875,7 @@
           <a:p>
             <a:fld id="{AD4712C2-029A-4884-AB9A-6281E8C47259}" type="datetimeFigureOut">
               <a:rPr lang="en-US" smtClean="0"/>
-              <a:t>14-Jun-18</a:t>
+              <a:t>19-Jun-18</a:t>
             </a:fld>
             <a:endParaRPr lang="en-US"/>
           </a:p>
@@ -9045,7 +9045,7 @@
           <a:p>
             <a:fld id="{AD4712C2-029A-4884-AB9A-6281E8C47259}" type="datetimeFigureOut">
               <a:rPr lang="en-US" smtClean="0"/>
-              <a:t>14-Jun-18</a:t>
+              <a:t>19-Jun-18</a:t>
             </a:fld>
             <a:endParaRPr lang="en-US"/>
           </a:p>
@@ -9225,7 +9225,7 @@
           <a:p>
             <a:fld id="{AD4712C2-029A-4884-AB9A-6281E8C47259}" type="datetimeFigureOut">
               <a:rPr lang="en-US" smtClean="0"/>
-              <a:t>14-Jun-18</a:t>
+              <a:t>19-Jun-18</a:t>
             </a:fld>
             <a:endParaRPr lang="en-US"/>
           </a:p>
@@ -9395,7 +9395,7 @@
           <a:p>
             <a:fld id="{AD4712C2-029A-4884-AB9A-6281E8C47259}" type="datetimeFigureOut">
               <a:rPr lang="en-US" smtClean="0"/>
-              <a:t>14-Jun-18</a:t>
+              <a:t>19-Jun-18</a:t>
             </a:fld>
             <a:endParaRPr lang="en-US"/>
           </a:p>
@@ -9641,7 +9641,7 @@
           <a:p>
             <a:fld id="{AD4712C2-029A-4884-AB9A-6281E8C47259}" type="datetimeFigureOut">
               <a:rPr lang="en-US" smtClean="0"/>
-              <a:t>14-Jun-18</a:t>
+              <a:t>19-Jun-18</a:t>
             </a:fld>
             <a:endParaRPr lang="en-US"/>
           </a:p>
@@ -9873,7 +9873,7 @@
           <a:p>
             <a:fld id="{AD4712C2-029A-4884-AB9A-6281E8C47259}" type="datetimeFigureOut">
               <a:rPr lang="en-US" smtClean="0"/>
-              <a:t>14-Jun-18</a:t>
+              <a:t>19-Jun-18</a:t>
             </a:fld>
             <a:endParaRPr lang="en-US"/>
           </a:p>
@@ -10240,7 +10240,7 @@
           <a:p>
             <a:fld id="{AD4712C2-029A-4884-AB9A-6281E8C47259}" type="datetimeFigureOut">
               <a:rPr lang="en-US" smtClean="0"/>
-              <a:t>14-Jun-18</a:t>
+              <a:t>19-Jun-18</a:t>
             </a:fld>
             <a:endParaRPr lang="en-US"/>
           </a:p>
@@ -10358,7 +10358,7 @@
           <a:p>
             <a:fld id="{AD4712C2-029A-4884-AB9A-6281E8C47259}" type="datetimeFigureOut">
               <a:rPr lang="en-US" smtClean="0"/>
-              <a:t>14-Jun-18</a:t>
+              <a:t>19-Jun-18</a:t>
             </a:fld>
             <a:endParaRPr lang="en-US"/>
           </a:p>
@@ -10453,7 +10453,7 @@
           <a:p>
             <a:fld id="{AD4712C2-029A-4884-AB9A-6281E8C47259}" type="datetimeFigureOut">
               <a:rPr lang="en-US" smtClean="0"/>
-              <a:t>14-Jun-18</a:t>
+              <a:t>19-Jun-18</a:t>
             </a:fld>
             <a:endParaRPr lang="en-US"/>
           </a:p>
@@ -10730,7 +10730,7 @@
           <a:p>
             <a:fld id="{AD4712C2-029A-4884-AB9A-6281E8C47259}" type="datetimeFigureOut">
               <a:rPr lang="en-US" smtClean="0"/>
-              <a:t>14-Jun-18</a:t>
+              <a:t>19-Jun-18</a:t>
             </a:fld>
             <a:endParaRPr lang="en-US"/>
           </a:p>
@@ -10983,7 +10983,7 @@
           <a:p>
             <a:fld id="{AD4712C2-029A-4884-AB9A-6281E8C47259}" type="datetimeFigureOut">
               <a:rPr lang="en-US" smtClean="0"/>
-              <a:t>14-Jun-18</a:t>
+              <a:t>19-Jun-18</a:t>
             </a:fld>
             <a:endParaRPr lang="en-US"/>
           </a:p>
@@ -11196,7 +11196,7 @@
           <a:p>
             <a:fld id="{AD4712C2-029A-4884-AB9A-6281E8C47259}" type="datetimeFigureOut">
               <a:rPr lang="en-US" smtClean="0"/>
-              <a:t>14-Jun-18</a:t>
+              <a:t>19-Jun-18</a:t>
             </a:fld>
             <a:endParaRPr lang="en-US"/>
           </a:p>
@@ -11721,8 +11721,8 @@
         </p:nvSpPr>
         <p:spPr>
           <a:xfrm>
-            <a:off x="6053134" y="886368"/>
-            <a:ext cx="5681666" cy="893107"/>
+            <a:off x="6053134" y="193010"/>
+            <a:ext cx="6016946" cy="1338850"/>
           </a:xfrm>
           <a:prstGeom prst="cloudCallout">
             <a:avLst>
@@ -11753,83 +11753,102 @@
               <a:buAutoNum type="arabicPeriod"/>
             </a:pPr>
             <a:r>
-              <a:rPr lang="ro-RO" sz="1200" dirty="0" smtClean="0"/>
+              <a:rPr lang="ro-RO" sz="1400" dirty="0" smtClean="0"/>
               <a:t>Conectare la</a:t>
             </a:r>
             <a:r>
-              <a:rPr lang="en-US" sz="1200" dirty="0" smtClean="0"/>
+              <a:rPr lang="en-US" sz="1400" dirty="0" smtClean="0"/>
               <a:t> </a:t>
             </a:r>
             <a:r>
-              <a:rPr lang="ro-RO" sz="1200" dirty="0"/>
+              <a:rPr lang="ro-RO" sz="1400" dirty="0"/>
               <a:t>s</a:t>
             </a:r>
             <a:r>
-              <a:rPr lang="en-US" sz="1200" dirty="0" err="1" smtClean="0"/>
+              <a:rPr lang="en-US" sz="1400" dirty="0" err="1" smtClean="0"/>
               <a:t>erver</a:t>
             </a:r>
             <a:r>
-              <a:rPr lang="en-US" sz="1200" dirty="0" smtClean="0"/>
+              <a:rPr lang="ro-RO" sz="1400" dirty="0" smtClean="0"/>
+              <a:t> </a:t>
+            </a:r>
+            <a:r>
+              <a:rPr lang="en-US" sz="1400" dirty="0" smtClean="0"/>
               <a:t>(</a:t>
             </a:r>
             <a:r>
-              <a:rPr lang="ro-RO" sz="1200" dirty="0" smtClean="0"/>
+              <a:rPr lang="ro-RO" sz="1400" dirty="0" smtClean="0"/>
               <a:t>email </a:t>
             </a:r>
             <a:r>
-              <a:rPr lang="en-US" sz="1200" dirty="0" smtClean="0"/>
+              <a:rPr lang="en-US" sz="1400" dirty="0" smtClean="0"/>
               <a:t>+ </a:t>
             </a:r>
             <a:r>
-              <a:rPr lang="ro-RO" sz="1200" dirty="0" smtClean="0"/>
+              <a:rPr lang="ro-RO" sz="1400" dirty="0" smtClean="0"/>
               <a:t>parolă</a:t>
             </a:r>
             <a:r>
-              <a:rPr lang="en-US" sz="1200" dirty="0" smtClean="0"/>
+              <a:rPr lang="en-US" sz="1400" dirty="0" smtClean="0"/>
               <a:t>)</a:t>
             </a:r>
+            <a:r>
+              <a:rPr lang="ro-RO" sz="1400" dirty="0" smtClean="0"/>
+              <a:t>;</a:t>
+            </a:r>
+            <a:endParaRPr lang="en-US" sz="1400" dirty="0" smtClean="0"/>
           </a:p>
           <a:p>
             <a:pPr marL="228600" indent="-228600">
               <a:buAutoNum type="arabicPeriod"/>
             </a:pPr>
             <a:r>
-              <a:rPr lang="ro-RO" sz="1200" dirty="0" smtClean="0"/>
-              <a:t>Managementul dispozitivelor</a:t>
+              <a:rPr lang="ro-RO" sz="1400" dirty="0" smtClean="0"/>
+              <a:t>Managementul </a:t>
             </a:r>
             <a:r>
-              <a:rPr lang="en-US" sz="1200" dirty="0" smtClean="0"/>
-              <a:t> </a:t>
+              <a:rPr lang="ro-RO" sz="1400" dirty="0" smtClean="0"/>
+              <a:t>dispozitivelor</a:t>
             </a:r>
+            <a:r>
+              <a:rPr lang="ro-RO" sz="1400" dirty="0" smtClean="0"/>
+              <a:t>;</a:t>
+            </a:r>
+            <a:endParaRPr lang="en-US" sz="1400" dirty="0" smtClean="0"/>
           </a:p>
           <a:p>
             <a:pPr marL="228600" indent="-228600">
               <a:buAutoNum type="arabicPeriod"/>
             </a:pPr>
             <a:r>
-              <a:rPr lang="ro-RO" sz="1200" dirty="0" smtClean="0"/>
+              <a:rPr lang="ro-RO" sz="1400" dirty="0" smtClean="0"/>
               <a:t>Control asupra dispozitivelor personale</a:t>
             </a:r>
             <a:r>
-              <a:rPr lang="en-US" sz="1200" dirty="0" smtClean="0"/>
+              <a:rPr lang="en-US" sz="1400" dirty="0" smtClean="0"/>
               <a:t>(</a:t>
             </a:r>
             <a:r>
-              <a:rPr lang="ro-RO" sz="1200" dirty="0" smtClean="0"/>
+              <a:rPr lang="ro-RO" sz="1400" dirty="0" smtClean="0"/>
               <a:t>cerere</a:t>
             </a:r>
             <a:r>
-              <a:rPr lang="en-US" sz="1200" dirty="0" smtClean="0"/>
+              <a:rPr lang="en-US" sz="1400" dirty="0" smtClean="0"/>
               <a:t> - </a:t>
             </a:r>
             <a:r>
-              <a:rPr lang="ro-RO" sz="1200" dirty="0" smtClean="0"/>
+              <a:rPr lang="ro-RO" sz="1400" dirty="0" smtClean="0"/>
               <a:t>răspuns</a:t>
             </a:r>
             <a:r>
-              <a:rPr lang="en-US" sz="1200" dirty="0" smtClean="0"/>
+              <a:rPr lang="en-US" sz="1400" dirty="0" smtClean="0"/>
               <a:t>)</a:t>
             </a:r>
+            <a:r>
+              <a:rPr lang="ro-RO" sz="1400" dirty="0" smtClean="0"/>
+              <a:t>.</a:t>
+            </a:r>
+            <a:endParaRPr lang="en-US" sz="1400" dirty="0" smtClean="0"/>
           </a:p>
         </p:txBody>
       </p:sp>
@@ -11841,8 +11860,8 @@
         </p:nvSpPr>
         <p:spPr>
           <a:xfrm>
-            <a:off x="6184920" y="2203101"/>
-            <a:ext cx="5549880" cy="1306287"/>
+            <a:off x="6089903" y="1677452"/>
+            <a:ext cx="5980178" cy="1742403"/>
           </a:xfrm>
           <a:prstGeom prst="cloudCallout">
             <a:avLst>
@@ -11872,97 +11891,101 @@
             <a:pPr marL="228600" indent="-228600">
               <a:buAutoNum type="arabicPeriod"/>
             </a:pPr>
-            <a:endParaRPr lang="en-US" sz="1200" dirty="0" smtClean="0"/>
-          </a:p>
-          <a:p>
-            <a:pPr marL="228600" indent="-228600">
-              <a:buAutoNum type="arabicPeriod"/>
-            </a:pPr>
-            <a:endParaRPr lang="en-US" sz="1200" dirty="0"/>
+            <a:endParaRPr lang="en-US" sz="1400" dirty="0" smtClean="0"/>
           </a:p>
           <a:p>
             <a:pPr marL="228600" indent="-228600">
               <a:buAutoNum type="arabicPeriod"/>
             </a:pPr>
             <a:r>
-              <a:rPr lang="ro-RO" sz="1200" dirty="0" smtClean="0"/>
-              <a:t>Autentifică utilizatorii</a:t>
+              <a:rPr lang="ro-RO" sz="1400" dirty="0" smtClean="0"/>
+              <a:t>Autentifică utilizatorii;</a:t>
             </a:r>
-            <a:endParaRPr lang="en-US" sz="1200" dirty="0" smtClean="0"/>
+            <a:endParaRPr lang="en-US" sz="1400" dirty="0" smtClean="0"/>
           </a:p>
           <a:p>
             <a:pPr marL="228600" indent="-228600">
               <a:buAutoNum type="arabicPeriod"/>
             </a:pPr>
             <a:r>
-              <a:rPr lang="ro-RO" sz="1200" dirty="0" smtClean="0"/>
-              <a:t>Bază de date cu utilizatori, dispositive</a:t>
+              <a:rPr lang="ro-RO" sz="1400" dirty="0" smtClean="0"/>
+              <a:t>Bază de date cu utilizatori, </a:t>
             </a:r>
             <a:r>
-              <a:rPr lang="en-US" sz="1200" dirty="0" smtClean="0"/>
+              <a:rPr lang="ro-RO" sz="1400" dirty="0" smtClean="0"/>
+              <a:t>dispozitive</a:t>
+            </a:r>
+            <a:r>
+              <a:rPr lang="en-US" sz="1400" dirty="0" smtClean="0"/>
               <a:t>; </a:t>
             </a:r>
             <a:r>
-              <a:rPr lang="ro-RO" sz="1200" dirty="0" smtClean="0"/>
-              <a:t>stocare persistentă a datelor</a:t>
+              <a:rPr lang="ro-RO" sz="1400" dirty="0" smtClean="0"/>
+              <a:t>stocare persistentă a </a:t>
             </a:r>
-            <a:endParaRPr lang="en-US" sz="1200" dirty="0" smtClean="0"/>
+            <a:r>
+              <a:rPr lang="ro-RO" sz="1400" dirty="0" smtClean="0"/>
+              <a:t>datelor;</a:t>
+            </a:r>
+            <a:endParaRPr lang="en-US" sz="1400" dirty="0" smtClean="0"/>
           </a:p>
           <a:p>
             <a:pPr marL="228600" indent="-228600">
               <a:buAutoNum type="arabicPeriod"/>
             </a:pPr>
             <a:r>
-              <a:rPr lang="ro-RO" sz="1200" dirty="0" smtClean="0"/>
-              <a:t>Managementul conecțiunilor</a:t>
+              <a:rPr lang="ro-RO" sz="1400" dirty="0" smtClean="0"/>
+              <a:t>Managementul </a:t>
             </a:r>
             <a:r>
-              <a:rPr lang="en-US" sz="1200" dirty="0" smtClean="0"/>
+              <a:rPr lang="ro-RO" sz="1400" dirty="0" smtClean="0"/>
+              <a:t>conexiunilor</a:t>
+            </a:r>
+            <a:r>
+              <a:rPr lang="en-US" sz="1400" dirty="0" smtClean="0"/>
               <a:t>? </a:t>
             </a:r>
             <a:r>
-              <a:rPr lang="ro-RO" sz="1200" dirty="0" smtClean="0"/>
+              <a:rPr lang="ro-RO" sz="1400" dirty="0" smtClean="0"/>
               <a:t>Inițiere</a:t>
             </a:r>
             <a:r>
-              <a:rPr lang="en-US" sz="1200" dirty="0" smtClean="0"/>
+              <a:rPr lang="en-US" sz="1400" dirty="0" smtClean="0"/>
               <a:t>– </a:t>
             </a:r>
             <a:r>
-              <a:rPr lang="ro-RO" sz="1200" dirty="0" smtClean="0"/>
+              <a:rPr lang="ro-RO" sz="1400" dirty="0" smtClean="0"/>
               <a:t>Comunicare propriu zisă</a:t>
             </a:r>
             <a:r>
-              <a:rPr lang="en-US" sz="1200" dirty="0" smtClean="0"/>
+              <a:rPr lang="en-US" sz="1400" dirty="0" smtClean="0"/>
               <a:t> – </a:t>
             </a:r>
             <a:r>
-              <a:rPr lang="ro-RO" sz="1200" dirty="0" smtClean="0"/>
-              <a:t>Finalizare</a:t>
+              <a:rPr lang="ro-RO" sz="1400" dirty="0" smtClean="0"/>
+              <a:t>Finalizare;</a:t>
             </a:r>
-            <a:endParaRPr lang="en-US" sz="1200" dirty="0" smtClean="0"/>
+            <a:endParaRPr lang="en-US" sz="1400" dirty="0" smtClean="0"/>
           </a:p>
           <a:p>
             <a:pPr marL="228600" indent="-228600">
               <a:buAutoNum type="arabicPeriod"/>
             </a:pPr>
             <a:r>
-              <a:rPr lang="ro-RO" sz="1200" dirty="0" smtClean="0"/>
-              <a:t>Protocol comun de comunicare cu dispozitivele</a:t>
+              <a:rPr lang="ro-RO" sz="1400" dirty="0" smtClean="0"/>
+              <a:t>Protocol comun de comunicare cu </a:t>
             </a:r>
-            <a:endParaRPr lang="en-US" sz="1200" dirty="0" smtClean="0"/>
+            <a:r>
+              <a:rPr lang="ro-RO" sz="1400" dirty="0" smtClean="0"/>
+              <a:t>dispozitivele.</a:t>
+            </a:r>
+            <a:endParaRPr lang="en-US" sz="1400" dirty="0" smtClean="0"/>
           </a:p>
           <a:p>
             <a:pPr marL="228600" indent="-228600">
               <a:buAutoNum type="arabicPeriod"/>
             </a:pPr>
-            <a:endParaRPr lang="en-US" sz="1200" dirty="0" smtClean="0"/>
-          </a:p>
-          <a:p>
-            <a:pPr marL="228600" indent="-228600">
-              <a:buAutoNum type="arabicPeriod"/>
-            </a:pPr>
-            <a:endParaRPr lang="en-US" sz="1200" dirty="0" smtClean="0"/>
+            <a:endParaRPr lang="en-US" sz="1400" dirty="0" smtClean="0"/>
           </a:p>
         </p:txBody>
       </p:sp>
@@ -11974,13 +11997,13 @@
         </p:nvSpPr>
         <p:spPr>
           <a:xfrm>
-            <a:off x="6184083" y="3839303"/>
-            <a:ext cx="5550717" cy="893107"/>
+            <a:off x="6183246" y="3546553"/>
+            <a:ext cx="5886834" cy="1390335"/>
           </a:xfrm>
           <a:prstGeom prst="cloudCallout">
             <a:avLst>
-              <a:gd name="adj1" fmla="val -56864"/>
-              <a:gd name="adj2" fmla="val 70301"/>
+              <a:gd name="adj1" fmla="val -64261"/>
+              <a:gd name="adj2" fmla="val 37104"/>
             </a:avLst>
           </a:prstGeom>
         </p:spPr>
@@ -12003,35 +12026,52 @@
           <a:lstStyle/>
           <a:p>
             <a:r>
-              <a:rPr lang="ro-RO" sz="1200" dirty="0" smtClean="0"/>
-              <a:t>1. Conecțiune cu serverul prin TCP/IP</a:t>
+              <a:rPr lang="ro-RO" sz="1400" dirty="0" smtClean="0"/>
+              <a:t>1. Conecțiune cu serverul prin </a:t>
             </a:r>
-            <a:endParaRPr lang="en-US" sz="1200" dirty="0" smtClean="0"/>
+            <a:r>
+              <a:rPr lang="ro-RO" sz="1400" dirty="0" smtClean="0"/>
+              <a:t>TCP/IP;</a:t>
+            </a:r>
+            <a:endParaRPr lang="en-US" sz="1400" dirty="0" smtClean="0"/>
           </a:p>
           <a:p>
             <a:r>
-              <a:rPr lang="en-US" sz="1200" dirty="0" smtClean="0"/>
+              <a:rPr lang="en-US" sz="1400" dirty="0" smtClean="0"/>
               <a:t>2. </a:t>
             </a:r>
             <a:r>
-              <a:rPr lang="ro-RO" sz="1200" dirty="0" smtClean="0"/>
-              <a:t>Primește cereri și efectuează operații</a:t>
+              <a:rPr lang="ro-RO" sz="1400" dirty="0" smtClean="0"/>
+              <a:t>Primește cereri și efectuează </a:t>
             </a:r>
-            <a:endParaRPr lang="en-US" sz="1200" dirty="0" smtClean="0"/>
+            <a:r>
+              <a:rPr lang="ro-RO" sz="1400" dirty="0" smtClean="0"/>
+              <a:t>operații;</a:t>
+            </a:r>
+            <a:endParaRPr lang="en-US" sz="1400" dirty="0" smtClean="0"/>
           </a:p>
           <a:p>
             <a:r>
-              <a:rPr lang="en-US" sz="1200" dirty="0" smtClean="0"/>
+              <a:rPr lang="en-US" sz="1400" dirty="0" smtClean="0"/>
               <a:t>3. </a:t>
             </a:r>
             <a:r>
-              <a:rPr lang="ro-RO" sz="1200" dirty="0" smtClean="0"/>
-              <a:t>În caz de eroare, comportare adecvată și înștiintarea serverului cu un mesaj consistent și relevant.</a:t>
+              <a:rPr lang="ro-RO" sz="1400" dirty="0" smtClean="0"/>
+              <a:t>În caz de eroare, comportare adecvată și </a:t>
             </a:r>
             <a:r>
-              <a:rPr lang="en-US" sz="1200" dirty="0" smtClean="0"/>
-              <a:t>	</a:t>
+              <a:rPr lang="ro-RO" sz="1400" dirty="0" smtClean="0"/>
+              <a:t>înștiințarea </a:t>
             </a:r>
+            <a:r>
+              <a:rPr lang="ro-RO" sz="1400" dirty="0" smtClean="0"/>
+              <a:t>serverului cu un mesaj consistent și relevant</a:t>
+            </a:r>
+            <a:r>
+              <a:rPr lang="ro-RO" sz="1400" dirty="0" smtClean="0"/>
+              <a:t>.</a:t>
+            </a:r>
+            <a:endParaRPr lang="en-US" sz="1400" dirty="0" smtClean="0"/>
           </a:p>
         </p:txBody>
       </p:sp>
@@ -12418,7 +12458,7 @@
           <p:nvPr>
             <p:extLst>
               <p:ext uri="{D42A27DB-BD31-4B8C-83A1-F6EECF244321}">
-                <p14:modId xmlns:p14="http://schemas.microsoft.com/office/powerpoint/2010/main" val="3334663289"/>
+                <p14:modId xmlns:p14="http://schemas.microsoft.com/office/powerpoint/2010/main" val="4196441642"/>
               </p:ext>
             </p:extLst>
           </p:nvPr>

--- a/Documentation/Figures/Șablon.pptx
+++ b/Documentation/Figures/Șablon.pptx
@@ -2408,8 +2408,12 @@
             <a:t> </a:t>
           </a:r>
           <a:r>
+            <a:rPr lang="ro-RO" sz="2300" smtClean="0"/>
+            <a:t>Laser </a:t>
+          </a:r>
+          <a:r>
             <a:rPr lang="ro-RO" sz="2300" dirty="0" smtClean="0"/>
-            <a:t>Alarma de securitate</a:t>
+            <a:t>de securitate</a:t>
           </a:r>
           <a:endParaRPr lang="en-US" sz="2300" dirty="0"/>
         </a:p>
@@ -2587,11 +2591,7 @@
         <a:p>
           <a:r>
             <a:rPr lang="ro-RO" sz="2100" dirty="0" smtClean="0"/>
-            <a:t>Încuietoare </a:t>
-          </a:r>
-          <a:r>
-            <a:rPr lang="ro-RO" sz="2100" dirty="0" smtClean="0"/>
-            <a:t>ușă</a:t>
+            <a:t>Încuietoare ușă</a:t>
           </a:r>
           <a:endParaRPr lang="en-US" sz="2100" dirty="0"/>
         </a:p>
@@ -5053,8 +5053,12 @@
             <a:t> </a:t>
           </a:r>
           <a:r>
+            <a:rPr lang="ro-RO" sz="2300" kern="1200" smtClean="0"/>
+            <a:t>Laser </a:t>
+          </a:r>
+          <a:r>
             <a:rPr lang="ro-RO" sz="2300" kern="1200" dirty="0" smtClean="0"/>
-            <a:t>Alarma de securitate</a:t>
+            <a:t>de securitate</a:t>
           </a:r>
           <a:endParaRPr lang="en-US" sz="2300" kern="1200" dirty="0"/>
         </a:p>
@@ -5345,11 +5349,7 @@
           </a:pPr>
           <a:r>
             <a:rPr lang="ro-RO" sz="2100" kern="1200" dirty="0" smtClean="0"/>
-            <a:t>Încuietoare </a:t>
-          </a:r>
-          <a:r>
-            <a:rPr lang="ro-RO" sz="2100" kern="1200" dirty="0" smtClean="0"/>
-            <a:t>ușă</a:t>
+            <a:t>Încuietoare ușă</a:t>
           </a:r>
           <a:endParaRPr lang="en-US" sz="2100" kern="1200" dirty="0"/>
         </a:p>
@@ -11804,15 +11804,7 @@
             </a:pPr>
             <a:r>
               <a:rPr lang="ro-RO" sz="1400" dirty="0" smtClean="0"/>
-              <a:t>Managementul </a:t>
-            </a:r>
-            <a:r>
-              <a:rPr lang="ro-RO" sz="1400" dirty="0" smtClean="0"/>
-              <a:t>dispozitivelor</a:t>
-            </a:r>
-            <a:r>
-              <a:rPr lang="ro-RO" sz="1400" dirty="0" smtClean="0"/>
-              <a:t>;</a:t>
+              <a:t>Managementul dispozitivelor;</a:t>
             </a:r>
             <a:endParaRPr lang="en-US" sz="1400" dirty="0" smtClean="0"/>
           </a:p>
@@ -11909,11 +11901,7 @@
             </a:pPr>
             <a:r>
               <a:rPr lang="ro-RO" sz="1400" dirty="0" smtClean="0"/>
-              <a:t>Bază de date cu utilizatori, </a:t>
-            </a:r>
-            <a:r>
-              <a:rPr lang="ro-RO" sz="1400" dirty="0" smtClean="0"/>
-              <a:t>dispozitive</a:t>
+              <a:t>Bază de date cu utilizatori, dispozitive</a:t>
             </a:r>
             <a:r>
               <a:rPr lang="en-US" sz="1400" dirty="0" smtClean="0"/>
@@ -11921,11 +11909,7 @@
             </a:r>
             <a:r>
               <a:rPr lang="ro-RO" sz="1400" dirty="0" smtClean="0"/>
-              <a:t>stocare persistentă a </a:t>
-            </a:r>
-            <a:r>
-              <a:rPr lang="ro-RO" sz="1400" dirty="0" smtClean="0"/>
-              <a:t>datelor;</a:t>
+              <a:t>stocare persistentă a datelor;</a:t>
             </a:r>
             <a:endParaRPr lang="en-US" sz="1400" dirty="0" smtClean="0"/>
           </a:p>
@@ -11935,11 +11919,7 @@
             </a:pPr>
             <a:r>
               <a:rPr lang="ro-RO" sz="1400" dirty="0" smtClean="0"/>
-              <a:t>Managementul </a:t>
-            </a:r>
-            <a:r>
-              <a:rPr lang="ro-RO" sz="1400" dirty="0" smtClean="0"/>
-              <a:t>conexiunilor</a:t>
+              <a:t>Managementul conexiunilor</a:t>
             </a:r>
             <a:r>
               <a:rPr lang="en-US" sz="1400" dirty="0" smtClean="0"/>
@@ -11973,11 +11953,7 @@
             </a:pPr>
             <a:r>
               <a:rPr lang="ro-RO" sz="1400" dirty="0" smtClean="0"/>
-              <a:t>Protocol comun de comunicare cu </a:t>
-            </a:r>
-            <a:r>
-              <a:rPr lang="ro-RO" sz="1400" dirty="0" smtClean="0"/>
-              <a:t>dispozitivele.</a:t>
+              <a:t>Protocol comun de comunicare cu dispozitivele.</a:t>
             </a:r>
             <a:endParaRPr lang="en-US" sz="1400" dirty="0" smtClean="0"/>
           </a:p>
@@ -12027,11 +12003,7 @@
           <a:p>
             <a:r>
               <a:rPr lang="ro-RO" sz="1400" dirty="0" smtClean="0"/>
-              <a:t>1. Conecțiune cu serverul prin </a:t>
-            </a:r>
-            <a:r>
-              <a:rPr lang="ro-RO" sz="1400" dirty="0" smtClean="0"/>
-              <a:t>TCP/IP;</a:t>
+              <a:t>1. Conecțiune cu serverul prin TCP/IP;</a:t>
             </a:r>
             <a:endParaRPr lang="en-US" sz="1400" dirty="0" smtClean="0"/>
           </a:p>
@@ -12042,11 +12014,7 @@
             </a:r>
             <a:r>
               <a:rPr lang="ro-RO" sz="1400" dirty="0" smtClean="0"/>
-              <a:t>Primește cereri și efectuează </a:t>
-            </a:r>
-            <a:r>
-              <a:rPr lang="ro-RO" sz="1400" dirty="0" smtClean="0"/>
-              <a:t>operații;</a:t>
+              <a:t>Primește cereri și efectuează operații;</a:t>
             </a:r>
             <a:endParaRPr lang="en-US" sz="1400" dirty="0" smtClean="0"/>
           </a:p>
@@ -12057,19 +12025,7 @@
             </a:r>
             <a:r>
               <a:rPr lang="ro-RO" sz="1400" dirty="0" smtClean="0"/>
-              <a:t>În caz de eroare, comportare adecvată și </a:t>
-            </a:r>
-            <a:r>
-              <a:rPr lang="ro-RO" sz="1400" dirty="0" smtClean="0"/>
-              <a:t>înștiințarea </a:t>
-            </a:r>
-            <a:r>
-              <a:rPr lang="ro-RO" sz="1400" dirty="0" smtClean="0"/>
-              <a:t>serverului cu un mesaj consistent și relevant</a:t>
-            </a:r>
-            <a:r>
-              <a:rPr lang="ro-RO" sz="1400" dirty="0" smtClean="0"/>
-              <a:t>.</a:t>
+              <a:t>În caz de eroare, comportare adecvată și înștiințarea serverului cu un mesaj consistent și relevant.</a:t>
             </a:r>
             <a:endParaRPr lang="en-US" sz="1400" dirty="0" smtClean="0"/>
           </a:p>
@@ -12458,7 +12414,7 @@
           <p:nvPr>
             <p:extLst>
               <p:ext uri="{D42A27DB-BD31-4B8C-83A1-F6EECF244321}">
-                <p14:modId xmlns:p14="http://schemas.microsoft.com/office/powerpoint/2010/main" val="4196441642"/>
+                <p14:modId xmlns:p14="http://schemas.microsoft.com/office/powerpoint/2010/main" val="2250901836"/>
               </p:ext>
             </p:extLst>
           </p:nvPr>

--- a/Documentation/Figures/Șablon.pptx
+++ b/Documentation/Figures/Șablon.pptx
@@ -8875,7 +8875,7 @@
           <a:p>
             <a:fld id="{AD4712C2-029A-4884-AB9A-6281E8C47259}" type="datetimeFigureOut">
               <a:rPr lang="en-US" smtClean="0"/>
-              <a:t>19-Jun-18</a:t>
+              <a:t>29-Jun-18</a:t>
             </a:fld>
             <a:endParaRPr lang="en-US"/>
           </a:p>
@@ -9045,7 +9045,7 @@
           <a:p>
             <a:fld id="{AD4712C2-029A-4884-AB9A-6281E8C47259}" type="datetimeFigureOut">
               <a:rPr lang="en-US" smtClean="0"/>
-              <a:t>19-Jun-18</a:t>
+              <a:t>29-Jun-18</a:t>
             </a:fld>
             <a:endParaRPr lang="en-US"/>
           </a:p>
@@ -9225,7 +9225,7 @@
           <a:p>
             <a:fld id="{AD4712C2-029A-4884-AB9A-6281E8C47259}" type="datetimeFigureOut">
               <a:rPr lang="en-US" smtClean="0"/>
-              <a:t>19-Jun-18</a:t>
+              <a:t>29-Jun-18</a:t>
             </a:fld>
             <a:endParaRPr lang="en-US"/>
           </a:p>
@@ -9395,7 +9395,7 @@
           <a:p>
             <a:fld id="{AD4712C2-029A-4884-AB9A-6281E8C47259}" type="datetimeFigureOut">
               <a:rPr lang="en-US" smtClean="0"/>
-              <a:t>19-Jun-18</a:t>
+              <a:t>29-Jun-18</a:t>
             </a:fld>
             <a:endParaRPr lang="en-US"/>
           </a:p>
@@ -9641,7 +9641,7 @@
           <a:p>
             <a:fld id="{AD4712C2-029A-4884-AB9A-6281E8C47259}" type="datetimeFigureOut">
               <a:rPr lang="en-US" smtClean="0"/>
-              <a:t>19-Jun-18</a:t>
+              <a:t>29-Jun-18</a:t>
             </a:fld>
             <a:endParaRPr lang="en-US"/>
           </a:p>
@@ -9873,7 +9873,7 @@
           <a:p>
             <a:fld id="{AD4712C2-029A-4884-AB9A-6281E8C47259}" type="datetimeFigureOut">
               <a:rPr lang="en-US" smtClean="0"/>
-              <a:t>19-Jun-18</a:t>
+              <a:t>29-Jun-18</a:t>
             </a:fld>
             <a:endParaRPr lang="en-US"/>
           </a:p>
@@ -10240,7 +10240,7 @@
           <a:p>
             <a:fld id="{AD4712C2-029A-4884-AB9A-6281E8C47259}" type="datetimeFigureOut">
               <a:rPr lang="en-US" smtClean="0"/>
-              <a:t>19-Jun-18</a:t>
+              <a:t>29-Jun-18</a:t>
             </a:fld>
             <a:endParaRPr lang="en-US"/>
           </a:p>
@@ -10358,7 +10358,7 @@
           <a:p>
             <a:fld id="{AD4712C2-029A-4884-AB9A-6281E8C47259}" type="datetimeFigureOut">
               <a:rPr lang="en-US" smtClean="0"/>
-              <a:t>19-Jun-18</a:t>
+              <a:t>29-Jun-18</a:t>
             </a:fld>
             <a:endParaRPr lang="en-US"/>
           </a:p>
@@ -10453,7 +10453,7 @@
           <a:p>
             <a:fld id="{AD4712C2-029A-4884-AB9A-6281E8C47259}" type="datetimeFigureOut">
               <a:rPr lang="en-US" smtClean="0"/>
-              <a:t>19-Jun-18</a:t>
+              <a:t>29-Jun-18</a:t>
             </a:fld>
             <a:endParaRPr lang="en-US"/>
           </a:p>
@@ -10730,7 +10730,7 @@
           <a:p>
             <a:fld id="{AD4712C2-029A-4884-AB9A-6281E8C47259}" type="datetimeFigureOut">
               <a:rPr lang="en-US" smtClean="0"/>
-              <a:t>19-Jun-18</a:t>
+              <a:t>29-Jun-18</a:t>
             </a:fld>
             <a:endParaRPr lang="en-US"/>
           </a:p>
@@ -10983,7 +10983,7 @@
           <a:p>
             <a:fld id="{AD4712C2-029A-4884-AB9A-6281E8C47259}" type="datetimeFigureOut">
               <a:rPr lang="en-US" smtClean="0"/>
-              <a:t>19-Jun-18</a:t>
+              <a:t>29-Jun-18</a:t>
             </a:fld>
             <a:endParaRPr lang="en-US"/>
           </a:p>
@@ -11196,7 +11196,7 @@
           <a:p>
             <a:fld id="{AD4712C2-029A-4884-AB9A-6281E8C47259}" type="datetimeFigureOut">
               <a:rPr lang="en-US" smtClean="0"/>
-              <a:t>19-Jun-18</a:t>
+              <a:t>29-Jun-18</a:t>
             </a:fld>
             <a:endParaRPr lang="en-US"/>
           </a:p>
@@ -12479,72 +12479,6 @@
           </a:p>
         </p:txBody>
       </p:sp>
-      <p:cxnSp>
-        <p:nvCxnSpPr>
-          <p:cNvPr id="4" name="Straight Arrow Connector 3"/>
-          <p:cNvCxnSpPr/>
-          <p:nvPr/>
-        </p:nvCxnSpPr>
-        <p:spPr>
-          <a:xfrm flipV="1">
-            <a:off x="0" y="1689463"/>
-            <a:ext cx="12192000" cy="17414"/>
-          </a:xfrm>
-          <a:prstGeom prst="straightConnector1">
-            <a:avLst/>
-          </a:prstGeom>
-          <a:ln>
-            <a:tailEnd type="triangle"/>
-          </a:ln>
-        </p:spPr>
-        <p:style>
-          <a:lnRef idx="2">
-            <a:schemeClr val="dk1"/>
-          </a:lnRef>
-          <a:fillRef idx="0">
-            <a:schemeClr val="dk1"/>
-          </a:fillRef>
-          <a:effectRef idx="1">
-            <a:schemeClr val="dk1"/>
-          </a:effectRef>
-          <a:fontRef idx="minor">
-            <a:schemeClr val="tx1"/>
-          </a:fontRef>
-        </p:style>
-      </p:cxnSp>
-      <p:cxnSp>
-        <p:nvCxnSpPr>
-          <p:cNvPr id="24" name="Straight Arrow Connector 23"/>
-          <p:cNvCxnSpPr/>
-          <p:nvPr/>
-        </p:nvCxnSpPr>
-        <p:spPr>
-          <a:xfrm flipV="1">
-            <a:off x="-12194" y="3182983"/>
-            <a:ext cx="12192000" cy="17414"/>
-          </a:xfrm>
-          <a:prstGeom prst="straightConnector1">
-            <a:avLst/>
-          </a:prstGeom>
-          <a:ln>
-            <a:tailEnd type="triangle"/>
-          </a:ln>
-        </p:spPr>
-        <p:style>
-          <a:lnRef idx="2">
-            <a:schemeClr val="dk1"/>
-          </a:lnRef>
-          <a:fillRef idx="0">
-            <a:schemeClr val="dk1"/>
-          </a:fillRef>
-          <a:effectRef idx="1">
-            <a:schemeClr val="dk1"/>
-          </a:effectRef>
-          <a:fontRef idx="minor">
-            <a:schemeClr val="tx1"/>
-          </a:fontRef>
-        </p:style>
-      </p:cxnSp>
       <p:sp>
         <p:nvSpPr>
           <p:cNvPr id="25" name="Rounded Rectangle 24"/>
@@ -12979,40 +12913,6 @@
           </a:p>
         </p:txBody>
       </p:sp>
-      <p:cxnSp>
-        <p:nvCxnSpPr>
-          <p:cNvPr id="19" name="Straight Arrow Connector 18"/>
-          <p:cNvCxnSpPr/>
-          <p:nvPr/>
-        </p:nvCxnSpPr>
-        <p:spPr>
-          <a:xfrm>
-            <a:off x="2790154" y="797570"/>
-            <a:ext cx="0" cy="1656689"/>
-          </a:xfrm>
-          <a:prstGeom prst="straightConnector1">
-            <a:avLst/>
-          </a:prstGeom>
-          <a:ln>
-            <a:headEnd type="triangle"/>
-            <a:tailEnd type="triangle"/>
-          </a:ln>
-        </p:spPr>
-        <p:style>
-          <a:lnRef idx="1">
-            <a:schemeClr val="accent1"/>
-          </a:lnRef>
-          <a:fillRef idx="0">
-            <a:schemeClr val="accent1"/>
-          </a:fillRef>
-          <a:effectRef idx="0">
-            <a:schemeClr val="accent1"/>
-          </a:effectRef>
-          <a:fontRef idx="minor">
-            <a:schemeClr val="tx1"/>
-          </a:fontRef>
-        </p:style>
-      </p:cxnSp>
       <p:sp>
         <p:nvSpPr>
           <p:cNvPr id="20" name="TextBox 19"/>
@@ -13114,6 +13014,100 @@
           </a:fillRef>
           <a:effectRef idx="2">
             <a:schemeClr val="accent6"/>
+          </a:effectRef>
+          <a:fontRef idx="minor">
+            <a:schemeClr val="tx1"/>
+          </a:fontRef>
+        </p:style>
+      </p:cxnSp>
+      <p:cxnSp>
+        <p:nvCxnSpPr>
+          <p:cNvPr id="11" name="Straight Connector 10"/>
+          <p:cNvCxnSpPr/>
+          <p:nvPr/>
+        </p:nvCxnSpPr>
+        <p:spPr>
+          <a:xfrm>
+            <a:off x="0" y="3239851"/>
+            <a:ext cx="12174584" cy="0"/>
+          </a:xfrm>
+          <a:prstGeom prst="line">
+            <a:avLst/>
+          </a:prstGeom>
+        </p:spPr>
+        <p:style>
+          <a:lnRef idx="1">
+            <a:schemeClr val="dk1"/>
+          </a:lnRef>
+          <a:fillRef idx="0">
+            <a:schemeClr val="dk1"/>
+          </a:fillRef>
+          <a:effectRef idx="0">
+            <a:schemeClr val="dk1"/>
+          </a:effectRef>
+          <a:fontRef idx="minor">
+            <a:schemeClr val="tx1"/>
+          </a:fontRef>
+        </p:style>
+      </p:cxnSp>
+      <p:cxnSp>
+        <p:nvCxnSpPr>
+          <p:cNvPr id="34" name="Straight Connector 33"/>
+          <p:cNvCxnSpPr/>
+          <p:nvPr/>
+        </p:nvCxnSpPr>
+        <p:spPr>
+          <a:xfrm>
+            <a:off x="7542" y="1712205"/>
+            <a:ext cx="12174584" cy="0"/>
+          </a:xfrm>
+          <a:prstGeom prst="line">
+            <a:avLst/>
+          </a:prstGeom>
+        </p:spPr>
+        <p:style>
+          <a:lnRef idx="1">
+            <a:schemeClr val="dk1"/>
+          </a:lnRef>
+          <a:fillRef idx="0">
+            <a:schemeClr val="dk1"/>
+          </a:fillRef>
+          <a:effectRef idx="0">
+            <a:schemeClr val="dk1"/>
+          </a:effectRef>
+          <a:fontRef idx="minor">
+            <a:schemeClr val="tx1"/>
+          </a:fontRef>
+        </p:style>
+      </p:cxnSp>
+      <p:cxnSp>
+        <p:nvCxnSpPr>
+          <p:cNvPr id="19" name="Straight Arrow Connector 18"/>
+          <p:cNvCxnSpPr/>
+          <p:nvPr/>
+        </p:nvCxnSpPr>
+        <p:spPr>
+          <a:xfrm>
+            <a:off x="2790154" y="797570"/>
+            <a:ext cx="0" cy="1656689"/>
+          </a:xfrm>
+          <a:prstGeom prst="straightConnector1">
+            <a:avLst/>
+          </a:prstGeom>
+          <a:ln>
+            <a:headEnd type="triangle"/>
+            <a:tailEnd type="triangle"/>
+          </a:ln>
+        </p:spPr>
+        <p:style>
+          <a:lnRef idx="1">
+            <a:schemeClr val="accent1"/>
+          </a:lnRef>
+          <a:fillRef idx="0">
+            <a:schemeClr val="accent1"/>
+          </a:fillRef>
+          <a:effectRef idx="0">
+            <a:schemeClr val="accent1"/>
           </a:effectRef>
           <a:fontRef idx="minor">
             <a:schemeClr val="tx1"/>
